--- a/HMS/Untignitots-del-5.pptx
+++ b/HMS/Untignitots-del-5.pptx
@@ -5,7 +5,7 @@
     <p:sldMasterId id="2147483648" r:id="rId1"/>
   </p:sldMasterIdLst>
   <p:notesMasterIdLst>
-    <p:notesMasterId r:id="rId26"/>
+    <p:notesMasterId r:id="rId27"/>
   </p:notesMasterIdLst>
   <p:sldIdLst>
     <p:sldId id="256" r:id="rId2"/>
@@ -14,24 +14,25 @@
     <p:sldId id="259" r:id="rId5"/>
     <p:sldId id="263" r:id="rId6"/>
     <p:sldId id="260" r:id="rId7"/>
-    <p:sldId id="262" r:id="rId8"/>
-    <p:sldId id="277" r:id="rId9"/>
-    <p:sldId id="261" r:id="rId10"/>
-    <p:sldId id="274" r:id="rId11"/>
-    <p:sldId id="279" r:id="rId12"/>
-    <p:sldId id="265" r:id="rId13"/>
-    <p:sldId id="280" r:id="rId14"/>
-    <p:sldId id="264" r:id="rId15"/>
-    <p:sldId id="281" r:id="rId16"/>
-    <p:sldId id="266" r:id="rId17"/>
-    <p:sldId id="282" r:id="rId18"/>
-    <p:sldId id="267" r:id="rId19"/>
-    <p:sldId id="271" r:id="rId20"/>
-    <p:sldId id="275" r:id="rId21"/>
-    <p:sldId id="272" r:id="rId22"/>
-    <p:sldId id="276" r:id="rId23"/>
-    <p:sldId id="273" r:id="rId24"/>
-    <p:sldId id="268" r:id="rId25"/>
+    <p:sldId id="283" r:id="rId8"/>
+    <p:sldId id="262" r:id="rId9"/>
+    <p:sldId id="277" r:id="rId10"/>
+    <p:sldId id="261" r:id="rId11"/>
+    <p:sldId id="274" r:id="rId12"/>
+    <p:sldId id="279" r:id="rId13"/>
+    <p:sldId id="265" r:id="rId14"/>
+    <p:sldId id="280" r:id="rId15"/>
+    <p:sldId id="264" r:id="rId16"/>
+    <p:sldId id="281" r:id="rId17"/>
+    <p:sldId id="266" r:id="rId18"/>
+    <p:sldId id="282" r:id="rId19"/>
+    <p:sldId id="267" r:id="rId20"/>
+    <p:sldId id="271" r:id="rId21"/>
+    <p:sldId id="275" r:id="rId22"/>
+    <p:sldId id="272" r:id="rId23"/>
+    <p:sldId id="276" r:id="rId24"/>
+    <p:sldId id="273" r:id="rId25"/>
+    <p:sldId id="268" r:id="rId26"/>
   </p:sldIdLst>
   <p:sldSz cx="12192000" cy="5842000"/>
   <p:notesSz cx="6858000" cy="9144000"/>
@@ -2003,7 +2004,7 @@
           </a:ln>
           <a:extLst>
             <a:ext uri="{C572A759-6A51-4108-AA02-DFA0A04FC94B}">
-              <ma14:wrappingTextBoxFlag xmlns:ma14="http://schemas.microsoft.com/office/mac/drawingml/2011/main" xmlns:a14="http://schemas.microsoft.com/office/drawing/2010/main" xmlns:m="http://schemas.openxmlformats.org/officeDocument/2006/math" xmlns="" val="1"/>
+              <ma14:wrappingTextBoxFlag xmlns="" xmlns:m="http://schemas.openxmlformats.org/officeDocument/2006/math" xmlns:a14="http://schemas.microsoft.com/office/drawing/2010/main" xmlns:ma14="http://schemas.microsoft.com/office/mac/drawingml/2011/main" val="1"/>
             </a:ext>
           </a:extLst>
         </p:spPr>
@@ -2042,7 +2043,7 @@
           </a:ln>
           <a:extLst>
             <a:ext uri="{C572A759-6A51-4108-AA02-DFA0A04FC94B}">
-              <ma14:wrappingTextBoxFlag xmlns:ma14="http://schemas.microsoft.com/office/mac/drawingml/2011/main" xmlns:a14="http://schemas.microsoft.com/office/drawing/2010/main" xmlns:m="http://schemas.openxmlformats.org/officeDocument/2006/math" xmlns="" val="1"/>
+              <ma14:wrappingTextBoxFlag xmlns="" xmlns:m="http://schemas.openxmlformats.org/officeDocument/2006/math" xmlns:a14="http://schemas.microsoft.com/office/drawing/2010/main" xmlns:ma14="http://schemas.microsoft.com/office/mac/drawingml/2011/main" val="1"/>
             </a:ext>
           </a:extLst>
         </p:spPr>
@@ -3034,6 +3035,10 @@
               <a:t>                                                      </a:t>
             </a:r>
             <a:r>
+              <a:rPr lang="en-US" sz="3600" dirty="0"/>
+              <a:t>            </a:t>
+            </a:r>
+            <a:r>
               <a:rPr sz="2400" dirty="0">
                 <a:solidFill>
                   <a:schemeClr val="accent2"/>
@@ -3414,6 +3419,393 @@
                 </a:solidFill>
               </a:defRPr>
             </a:pPr>
+            <a:endParaRPr/>
+          </a:p>
+        </p:txBody>
+      </p:sp>
+      <p:sp>
+        <p:nvSpPr>
+          <p:cNvPr id="139" name="Title 1"/>
+          <p:cNvSpPr txBox="1">
+            <a:spLocks noGrp="1"/>
+          </p:cNvSpPr>
+          <p:nvPr>
+            <p:ph type="title"/>
+          </p:nvPr>
+        </p:nvSpPr>
+        <p:spPr>
+          <a:xfrm>
+            <a:off x="2067136" y="251175"/>
+            <a:ext cx="8439047" cy="881491"/>
+          </a:xfrm>
+          <a:prstGeom prst="rect">
+            <a:avLst/>
+          </a:prstGeom>
+        </p:spPr>
+        <p:txBody>
+          <a:bodyPr/>
+          <a:lstStyle>
+            <a:lvl1pPr algn="ctr">
+              <a:defRPr sz="3400">
+                <a:solidFill>
+                  <a:srgbClr val="FFFFFF"/>
+                </a:solidFill>
+              </a:defRPr>
+            </a:lvl1pPr>
+          </a:lstStyle>
+          <a:p>
+            <a:r>
+              <a:t>Implementation Details</a:t>
+            </a:r>
+          </a:p>
+        </p:txBody>
+      </p:sp>
+      <p:sp>
+        <p:nvSpPr>
+          <p:cNvPr id="140" name="Content Placeholder 2"/>
+          <p:cNvSpPr txBox="1">
+            <a:spLocks noGrp="1"/>
+          </p:cNvSpPr>
+          <p:nvPr>
+            <p:ph type="body" sz="half" idx="1"/>
+          </p:nvPr>
+        </p:nvSpPr>
+        <p:spPr>
+          <a:xfrm>
+            <a:off x="2067135" y="1976907"/>
+            <a:ext cx="8292439" cy="1965920"/>
+          </a:xfrm>
+          <a:prstGeom prst="rect">
+            <a:avLst/>
+          </a:prstGeom>
+        </p:spPr>
+        <p:txBody>
+          <a:bodyPr anchor="ctr">
+            <a:normAutofit/>
+          </a:bodyPr>
+          <a:lstStyle/>
+          <a:p>
+            <a:pPr>
+              <a:buFontTx/>
+              <a:buChar char="➢"/>
+              <a:defRPr sz="1700">
+                <a:latin typeface="Times New Roman"/>
+                <a:ea typeface="Times New Roman"/>
+                <a:cs typeface="Times New Roman"/>
+                <a:sym typeface="Times New Roman"/>
+              </a:defRPr>
+            </a:pPr>
+            <a:r>
+              <a:rPr sz="2000" dirty="0"/>
+              <a:t>Front End : HTML, CSS, TypeScript, Angular</a:t>
+            </a:r>
+          </a:p>
+          <a:p>
+            <a:pPr>
+              <a:buFontTx/>
+              <a:buChar char="➢"/>
+              <a:defRPr sz="1700">
+                <a:latin typeface="Times New Roman"/>
+                <a:ea typeface="Times New Roman"/>
+                <a:cs typeface="Times New Roman"/>
+                <a:sym typeface="Times New Roman"/>
+              </a:defRPr>
+            </a:pPr>
+            <a:r>
+              <a:rPr sz="2000" dirty="0"/>
+              <a:t>Database : MySQL</a:t>
+            </a:r>
+          </a:p>
+          <a:p>
+            <a:pPr>
+              <a:buFontTx/>
+              <a:buChar char="➢"/>
+              <a:defRPr sz="1700">
+                <a:latin typeface="Times New Roman"/>
+                <a:ea typeface="Times New Roman"/>
+                <a:cs typeface="Times New Roman"/>
+                <a:sym typeface="Times New Roman"/>
+              </a:defRPr>
+            </a:pPr>
+            <a:r>
+              <a:rPr sz="2000" dirty="0"/>
+              <a:t>Webserver : </a:t>
+            </a:r>
+            <a:r>
+              <a:rPr sz="2000" dirty="0" err="1"/>
+              <a:t>WebAPI</a:t>
+            </a:r>
+            <a:endParaRPr sz="2000" dirty="0"/>
+          </a:p>
+          <a:p>
+            <a:pPr>
+              <a:buFontTx/>
+              <a:buChar char="➢"/>
+              <a:defRPr sz="1700">
+                <a:latin typeface="Times New Roman"/>
+                <a:ea typeface="Times New Roman"/>
+                <a:cs typeface="Times New Roman"/>
+                <a:sym typeface="Times New Roman"/>
+              </a:defRPr>
+            </a:pPr>
+            <a:r>
+              <a:rPr sz="2000" dirty="0"/>
+              <a:t>Deployment: II</a:t>
+            </a:r>
+            <a:r>
+              <a:rPr lang="en-US" sz="2000" dirty="0"/>
+              <a:t>S and Microsoft Azure</a:t>
+            </a:r>
+            <a:endParaRPr sz="2000" dirty="0"/>
+          </a:p>
+        </p:txBody>
+      </p:sp>
+    </p:spTree>
+  </p:cSld>
+  <p:clrMapOvr>
+    <a:masterClrMapping/>
+  </p:clrMapOvr>
+  <p:transition spd="med"/>
+</p:sld>
+</file>
+
+<file path=ppt/slides/slide11.xml><?xml version="1.0" encoding="utf-8"?>
+<p:sld xmlns:a="http://schemas.openxmlformats.org/drawingml/2006/main" xmlns:r="http://schemas.openxmlformats.org/officeDocument/2006/relationships" xmlns:p="http://schemas.openxmlformats.org/presentationml/2006/main">
+  <p:cSld>
+    <p:spTree>
+      <p:nvGrpSpPr>
+        <p:cNvPr id="1" name=""/>
+        <p:cNvGrpSpPr/>
+        <p:nvPr/>
+      </p:nvGrpSpPr>
+      <p:grpSpPr>
+        <a:xfrm>
+          <a:off x="0" y="0"/>
+          <a:ext cx="0" cy="0"/>
+          <a:chOff x="0" y="0"/>
+          <a:chExt cx="0" cy="0"/>
+        </a:xfrm>
+      </p:grpSpPr>
+      <p:sp>
+        <p:nvSpPr>
+          <p:cNvPr id="134" name="Rectangle 7"/>
+          <p:cNvSpPr/>
+          <p:nvPr/>
+        </p:nvSpPr>
+        <p:spPr>
+          <a:xfrm>
+            <a:off x="897467" y="0"/>
+            <a:ext cx="10397067" cy="5848350"/>
+          </a:xfrm>
+          <a:prstGeom prst="rect">
+            <a:avLst/>
+          </a:prstGeom>
+          <a:solidFill>
+            <a:srgbClr val="FFFFFF"/>
+          </a:solidFill>
+          <a:ln w="12700">
+            <a:miter lim="400000"/>
+          </a:ln>
+        </p:spPr>
+        <p:txBody>
+          <a:bodyPr lIns="45719" rIns="45719" anchor="ctr"/>
+          <a:lstStyle/>
+          <a:p>
+            <a:pPr>
+              <a:defRPr sz="1500">
+                <a:solidFill>
+                  <a:srgbClr val="FFFFFF"/>
+                </a:solidFill>
+              </a:defRPr>
+            </a:pPr>
+            <a:endParaRPr/>
+          </a:p>
+        </p:txBody>
+      </p:sp>
+      <p:sp>
+        <p:nvSpPr>
+          <p:cNvPr id="135" name="Rectangle 9"/>
+          <p:cNvSpPr/>
+          <p:nvPr/>
+        </p:nvSpPr>
+        <p:spPr>
+          <a:xfrm flipH="1">
+            <a:off x="897467" y="-2"/>
+            <a:ext cx="10397066" cy="1356552"/>
+          </a:xfrm>
+          <a:prstGeom prst="rect">
+            <a:avLst/>
+          </a:prstGeom>
+          <a:gradFill>
+            <a:gsLst>
+              <a:gs pos="0">
+                <a:srgbClr val="000000"/>
+              </a:gs>
+              <a:gs pos="100000">
+                <a:srgbClr val="2F5597"/>
+              </a:gs>
+            </a:gsLst>
+            <a:lin ang="8400000"/>
+          </a:gradFill>
+          <a:ln w="12700">
+            <a:miter lim="400000"/>
+          </a:ln>
+        </p:spPr>
+        <p:txBody>
+          <a:bodyPr lIns="45719" rIns="45719" anchor="ctr"/>
+          <a:lstStyle/>
+          <a:p>
+            <a:pPr>
+              <a:defRPr sz="1500">
+                <a:solidFill>
+                  <a:srgbClr val="FFFFFF"/>
+                </a:solidFill>
+              </a:defRPr>
+            </a:pPr>
+            <a:endParaRPr/>
+          </a:p>
+        </p:txBody>
+      </p:sp>
+      <p:sp>
+        <p:nvSpPr>
+          <p:cNvPr id="136" name="Rectangle 11"/>
+          <p:cNvSpPr/>
+          <p:nvPr/>
+        </p:nvSpPr>
+        <p:spPr>
+          <a:xfrm rot="10800000" flipH="1">
+            <a:off x="897464" y="0"/>
+            <a:ext cx="6920553" cy="1356551"/>
+          </a:xfrm>
+          <a:prstGeom prst="rect">
+            <a:avLst/>
+          </a:prstGeom>
+          <a:gradFill>
+            <a:gsLst>
+              <a:gs pos="20000">
+                <a:schemeClr val="accent1">
+                  <a:alpha val="0"/>
+                </a:schemeClr>
+              </a:gs>
+              <a:gs pos="100000">
+                <a:srgbClr val="203864">
+                  <a:alpha val="55000"/>
+                </a:srgbClr>
+              </a:gs>
+            </a:gsLst>
+            <a:lin ang="13800000"/>
+          </a:gradFill>
+          <a:ln w="12700">
+            <a:miter lim="400000"/>
+          </a:ln>
+        </p:spPr>
+        <p:txBody>
+          <a:bodyPr lIns="45719" rIns="45719" anchor="ctr"/>
+          <a:lstStyle/>
+          <a:p>
+            <a:pPr>
+              <a:defRPr sz="1500">
+                <a:solidFill>
+                  <a:srgbClr val="FFFFFF"/>
+                </a:solidFill>
+              </a:defRPr>
+            </a:pPr>
+            <a:endParaRPr/>
+          </a:p>
+        </p:txBody>
+      </p:sp>
+      <p:sp>
+        <p:nvSpPr>
+          <p:cNvPr id="137" name="Rectangle 13"/>
+          <p:cNvSpPr/>
+          <p:nvPr/>
+        </p:nvSpPr>
+        <p:spPr>
+          <a:xfrm flipH="1">
+            <a:off x="7818015" y="-2"/>
+            <a:ext cx="3476517" cy="1356552"/>
+          </a:xfrm>
+          <a:prstGeom prst="rect">
+            <a:avLst/>
+          </a:prstGeom>
+          <a:gradFill>
+            <a:gsLst>
+              <a:gs pos="0">
+                <a:schemeClr val="accent1">
+                  <a:alpha val="66000"/>
+                </a:schemeClr>
+              </a:gs>
+              <a:gs pos="100000">
+                <a:srgbClr val="000000">
+                  <a:alpha val="30000"/>
+                </a:srgbClr>
+              </a:gs>
+            </a:gsLst>
+            <a:lin ang="13200000"/>
+          </a:gradFill>
+          <a:ln w="12700">
+            <a:miter lim="400000"/>
+          </a:ln>
+        </p:spPr>
+        <p:txBody>
+          <a:bodyPr lIns="45719" rIns="45719" anchor="ctr"/>
+          <a:lstStyle/>
+          <a:p>
+            <a:pPr>
+              <a:defRPr sz="1500">
+                <a:solidFill>
+                  <a:srgbClr val="FFFFFF"/>
+                </a:solidFill>
+              </a:defRPr>
+            </a:pPr>
+            <a:endParaRPr/>
+          </a:p>
+        </p:txBody>
+      </p:sp>
+      <p:sp>
+        <p:nvSpPr>
+          <p:cNvPr id="138" name="Rectangle 15"/>
+          <p:cNvSpPr/>
+          <p:nvPr/>
+        </p:nvSpPr>
+        <p:spPr>
+          <a:xfrm>
+            <a:off x="1289190" y="-1"/>
+            <a:ext cx="10005340" cy="1362257"/>
+          </a:xfrm>
+          <a:prstGeom prst="rect">
+            <a:avLst/>
+          </a:prstGeom>
+          <a:gradFill>
+            <a:gsLst>
+              <a:gs pos="50000">
+                <a:srgbClr val="000000">
+                  <a:alpha val="0"/>
+                </a:srgbClr>
+              </a:gs>
+              <a:gs pos="99000">
+                <a:srgbClr val="203864">
+                  <a:alpha val="52000"/>
+                </a:srgbClr>
+              </a:gs>
+            </a:gsLst>
+            <a:lin ang="16800000"/>
+          </a:gradFill>
+          <a:ln w="12700">
+            <a:miter lim="400000"/>
+          </a:ln>
+        </p:spPr>
+        <p:txBody>
+          <a:bodyPr lIns="45719" rIns="45719" anchor="ctr"/>
+          <a:lstStyle/>
+          <a:p>
+            <a:pPr>
+              <a:defRPr sz="1500">
+                <a:solidFill>
+                  <a:srgbClr val="FFFFFF"/>
+                </a:solidFill>
+              </a:defRPr>
+            </a:pPr>
             <a:endParaRPr dirty="0"/>
           </a:p>
         </p:txBody>
@@ -3544,452 +3936,6 @@
     <p:extLst>
       <p:ext uri="{BB962C8B-B14F-4D97-AF65-F5344CB8AC3E}">
         <p14:creationId xmlns:p14="http://schemas.microsoft.com/office/powerpoint/2010/main" val="1032429087"/>
-      </p:ext>
-    </p:extLst>
-  </p:cSld>
-  <p:clrMapOvr>
-    <a:masterClrMapping/>
-  </p:clrMapOvr>
-  <p:transition spd="med"/>
-</p:sld>
-</file>
-
-<file path=ppt/slides/slide11.xml><?xml version="1.0" encoding="utf-8"?>
-<p:sld xmlns:a="http://schemas.openxmlformats.org/drawingml/2006/main" xmlns:r="http://schemas.openxmlformats.org/officeDocument/2006/relationships" xmlns:p="http://schemas.openxmlformats.org/presentationml/2006/main">
-  <p:cSld>
-    <p:spTree>
-      <p:nvGrpSpPr>
-        <p:cNvPr id="1" name=""/>
-        <p:cNvGrpSpPr/>
-        <p:nvPr/>
-      </p:nvGrpSpPr>
-      <p:grpSpPr>
-        <a:xfrm>
-          <a:off x="0" y="0"/>
-          <a:ext cx="0" cy="0"/>
-          <a:chOff x="0" y="0"/>
-          <a:chExt cx="0" cy="0"/>
-        </a:xfrm>
-      </p:grpSpPr>
-      <p:sp>
-        <p:nvSpPr>
-          <p:cNvPr id="134" name="Rectangle 7"/>
-          <p:cNvSpPr/>
-          <p:nvPr/>
-        </p:nvSpPr>
-        <p:spPr>
-          <a:xfrm>
-            <a:off x="897467" y="0"/>
-            <a:ext cx="10397067" cy="5848350"/>
-          </a:xfrm>
-          <a:prstGeom prst="rect">
-            <a:avLst/>
-          </a:prstGeom>
-          <a:solidFill>
-            <a:srgbClr val="FFFFFF"/>
-          </a:solidFill>
-          <a:ln w="12700">
-            <a:miter lim="400000"/>
-          </a:ln>
-        </p:spPr>
-        <p:txBody>
-          <a:bodyPr lIns="45719" rIns="45719" anchor="ctr"/>
-          <a:lstStyle/>
-          <a:p>
-            <a:pPr>
-              <a:defRPr sz="1500">
-                <a:solidFill>
-                  <a:srgbClr val="FFFFFF"/>
-                </a:solidFill>
-              </a:defRPr>
-            </a:pPr>
-            <a:endParaRPr/>
-          </a:p>
-        </p:txBody>
-      </p:sp>
-      <p:sp>
-        <p:nvSpPr>
-          <p:cNvPr id="135" name="Rectangle 9"/>
-          <p:cNvSpPr/>
-          <p:nvPr/>
-        </p:nvSpPr>
-        <p:spPr>
-          <a:xfrm flipH="1">
-            <a:off x="897467" y="-2"/>
-            <a:ext cx="10397066" cy="1356552"/>
-          </a:xfrm>
-          <a:prstGeom prst="rect">
-            <a:avLst/>
-          </a:prstGeom>
-          <a:gradFill>
-            <a:gsLst>
-              <a:gs pos="0">
-                <a:srgbClr val="000000"/>
-              </a:gs>
-              <a:gs pos="100000">
-                <a:srgbClr val="2F5597"/>
-              </a:gs>
-            </a:gsLst>
-            <a:lin ang="8400000"/>
-          </a:gradFill>
-          <a:ln w="12700">
-            <a:miter lim="400000"/>
-          </a:ln>
-        </p:spPr>
-        <p:txBody>
-          <a:bodyPr lIns="45719" rIns="45719" anchor="ctr"/>
-          <a:lstStyle/>
-          <a:p>
-            <a:pPr>
-              <a:defRPr sz="1500">
-                <a:solidFill>
-                  <a:srgbClr val="FFFFFF"/>
-                </a:solidFill>
-              </a:defRPr>
-            </a:pPr>
-            <a:endParaRPr/>
-          </a:p>
-        </p:txBody>
-      </p:sp>
-      <p:sp>
-        <p:nvSpPr>
-          <p:cNvPr id="136" name="Rectangle 11"/>
-          <p:cNvSpPr/>
-          <p:nvPr/>
-        </p:nvSpPr>
-        <p:spPr>
-          <a:xfrm rot="10800000" flipH="1">
-            <a:off x="897464" y="0"/>
-            <a:ext cx="6920553" cy="1356551"/>
-          </a:xfrm>
-          <a:prstGeom prst="rect">
-            <a:avLst/>
-          </a:prstGeom>
-          <a:gradFill>
-            <a:gsLst>
-              <a:gs pos="20000">
-                <a:schemeClr val="accent1">
-                  <a:alpha val="0"/>
-                </a:schemeClr>
-              </a:gs>
-              <a:gs pos="100000">
-                <a:srgbClr val="203864">
-                  <a:alpha val="55000"/>
-                </a:srgbClr>
-              </a:gs>
-            </a:gsLst>
-            <a:lin ang="13800000"/>
-          </a:gradFill>
-          <a:ln w="12700">
-            <a:miter lim="400000"/>
-          </a:ln>
-        </p:spPr>
-        <p:txBody>
-          <a:bodyPr lIns="45719" rIns="45719" anchor="ctr"/>
-          <a:lstStyle/>
-          <a:p>
-            <a:pPr>
-              <a:defRPr sz="1500">
-                <a:solidFill>
-                  <a:srgbClr val="FFFFFF"/>
-                </a:solidFill>
-              </a:defRPr>
-            </a:pPr>
-            <a:endParaRPr/>
-          </a:p>
-        </p:txBody>
-      </p:sp>
-      <p:sp>
-        <p:nvSpPr>
-          <p:cNvPr id="137" name="Rectangle 13"/>
-          <p:cNvSpPr/>
-          <p:nvPr/>
-        </p:nvSpPr>
-        <p:spPr>
-          <a:xfrm flipH="1">
-            <a:off x="7818015" y="-2"/>
-            <a:ext cx="3476517" cy="1356552"/>
-          </a:xfrm>
-          <a:prstGeom prst="rect">
-            <a:avLst/>
-          </a:prstGeom>
-          <a:gradFill>
-            <a:gsLst>
-              <a:gs pos="0">
-                <a:schemeClr val="accent1">
-                  <a:alpha val="66000"/>
-                </a:schemeClr>
-              </a:gs>
-              <a:gs pos="100000">
-                <a:srgbClr val="000000">
-                  <a:alpha val="30000"/>
-                </a:srgbClr>
-              </a:gs>
-            </a:gsLst>
-            <a:lin ang="13200000"/>
-          </a:gradFill>
-          <a:ln w="12700">
-            <a:miter lim="400000"/>
-          </a:ln>
-        </p:spPr>
-        <p:txBody>
-          <a:bodyPr lIns="45719" rIns="45719" anchor="ctr"/>
-          <a:lstStyle/>
-          <a:p>
-            <a:pPr>
-              <a:defRPr sz="1500">
-                <a:solidFill>
-                  <a:srgbClr val="FFFFFF"/>
-                </a:solidFill>
-              </a:defRPr>
-            </a:pPr>
-            <a:endParaRPr/>
-          </a:p>
-        </p:txBody>
-      </p:sp>
-      <p:sp>
-        <p:nvSpPr>
-          <p:cNvPr id="138" name="Rectangle 15"/>
-          <p:cNvSpPr/>
-          <p:nvPr/>
-        </p:nvSpPr>
-        <p:spPr>
-          <a:xfrm>
-            <a:off x="1289190" y="-1"/>
-            <a:ext cx="10005340" cy="1362257"/>
-          </a:xfrm>
-          <a:prstGeom prst="rect">
-            <a:avLst/>
-          </a:prstGeom>
-          <a:gradFill>
-            <a:gsLst>
-              <a:gs pos="50000">
-                <a:srgbClr val="000000">
-                  <a:alpha val="0"/>
-                </a:srgbClr>
-              </a:gs>
-              <a:gs pos="99000">
-                <a:srgbClr val="203864">
-                  <a:alpha val="52000"/>
-                </a:srgbClr>
-              </a:gs>
-            </a:gsLst>
-            <a:lin ang="16800000"/>
-          </a:gradFill>
-          <a:ln w="12700">
-            <a:miter lim="400000"/>
-          </a:ln>
-        </p:spPr>
-        <p:txBody>
-          <a:bodyPr lIns="45719" rIns="45719" anchor="ctr"/>
-          <a:lstStyle/>
-          <a:p>
-            <a:pPr>
-              <a:defRPr sz="1500">
-                <a:solidFill>
-                  <a:srgbClr val="FFFFFF"/>
-                </a:solidFill>
-              </a:defRPr>
-            </a:pPr>
-            <a:endParaRPr dirty="0"/>
-          </a:p>
-        </p:txBody>
-      </p:sp>
-      <p:sp>
-        <p:nvSpPr>
-          <p:cNvPr id="139" name="Title 1"/>
-          <p:cNvSpPr txBox="1">
-            <a:spLocks noGrp="1"/>
-          </p:cNvSpPr>
-          <p:nvPr>
-            <p:ph type="title"/>
-          </p:nvPr>
-        </p:nvSpPr>
-        <p:spPr>
-          <a:xfrm>
-            <a:off x="2067136" y="251175"/>
-            <a:ext cx="8439047" cy="881491"/>
-          </a:xfrm>
-          <a:prstGeom prst="rect">
-            <a:avLst/>
-          </a:prstGeom>
-        </p:spPr>
-        <p:txBody>
-          <a:bodyPr/>
-          <a:lstStyle>
-            <a:lvl1pPr algn="ctr">
-              <a:defRPr sz="3400">
-                <a:solidFill>
-                  <a:srgbClr val="FFFFFF"/>
-                </a:solidFill>
-              </a:defRPr>
-            </a:lvl1pPr>
-          </a:lstStyle>
-          <a:p>
-            <a:r>
-              <a:rPr lang="en-US" dirty="0"/>
-              <a:t>Admin Dashboard</a:t>
-            </a:r>
-            <a:endParaRPr dirty="0"/>
-          </a:p>
-        </p:txBody>
-      </p:sp>
-      <p:sp>
-        <p:nvSpPr>
-          <p:cNvPr id="140" name="Content Placeholder 2"/>
-          <p:cNvSpPr txBox="1">
-            <a:spLocks noGrp="1"/>
-          </p:cNvSpPr>
-          <p:nvPr>
-            <p:ph type="body" sz="half" idx="1"/>
-          </p:nvPr>
-        </p:nvSpPr>
-        <p:spPr>
-          <a:xfrm>
-            <a:off x="2067135" y="1976907"/>
-            <a:ext cx="8292439" cy="1965920"/>
-          </a:xfrm>
-          <a:prstGeom prst="rect">
-            <a:avLst/>
-          </a:prstGeom>
-        </p:spPr>
-        <p:txBody>
-          <a:bodyPr anchor="ctr">
-            <a:noAutofit/>
-          </a:bodyPr>
-          <a:lstStyle/>
-          <a:p>
-            <a:pPr marR="0" lvl="0">
-              <a:lnSpc>
-                <a:spcPct val="107000"/>
-              </a:lnSpc>
-              <a:spcBef>
-                <a:spcPts val="0"/>
-              </a:spcBef>
-              <a:spcAft>
-                <a:spcPts val="0"/>
-              </a:spcAft>
-              <a:buFont typeface="Wingdings" panose="05000000000000000000" pitchFamily="2" charset="2"/>
-              <a:buChar char="Ø"/>
-            </a:pPr>
-            <a:r>
-              <a:rPr lang="en-US" sz="2000" b="1" dirty="0">
-                <a:effectLst/>
-                <a:latin typeface="Times New Roman" panose="02020603050405020304" pitchFamily="18" charset="0"/>
-                <a:ea typeface="Calibri" panose="020F0502020204030204" pitchFamily="34" charset="0"/>
-                <a:cs typeface="Times New Roman" panose="02020603050405020304" pitchFamily="18" charset="0"/>
-              </a:rPr>
-              <a:t>Admin Module</a:t>
-            </a:r>
-            <a:endParaRPr lang="en-US" sz="2000" dirty="0">
-              <a:effectLst/>
-              <a:latin typeface="Times New Roman" panose="02020603050405020304" pitchFamily="18" charset="0"/>
-              <a:ea typeface="Calibri" panose="020F0502020204030204" pitchFamily="34" charset="0"/>
-              <a:cs typeface="Times New Roman" panose="02020603050405020304" pitchFamily="18" charset="0"/>
-            </a:endParaRPr>
-          </a:p>
-          <a:p>
-            <a:pPr marR="0" lvl="1">
-              <a:lnSpc>
-                <a:spcPct val="107000"/>
-              </a:lnSpc>
-              <a:spcBef>
-                <a:spcPts val="0"/>
-              </a:spcBef>
-              <a:spcAft>
-                <a:spcPts val="0"/>
-              </a:spcAft>
-              <a:buFont typeface="Wingdings" panose="05000000000000000000" pitchFamily="2" charset="2"/>
-              <a:buChar char="Ø"/>
-            </a:pPr>
-            <a:r>
-              <a:rPr lang="en-US" sz="2000" dirty="0">
-                <a:effectLst/>
-                <a:latin typeface="Times New Roman" panose="02020603050405020304" pitchFamily="18" charset="0"/>
-                <a:ea typeface="Calibri" panose="020F0502020204030204" pitchFamily="34" charset="0"/>
-                <a:cs typeface="Times New Roman" panose="02020603050405020304" pitchFamily="18" charset="0"/>
-              </a:rPr>
-              <a:t>Admin is the primary user of this system. </a:t>
-            </a:r>
-          </a:p>
-          <a:p>
-            <a:pPr marR="0" lvl="1">
-              <a:lnSpc>
-                <a:spcPct val="107000"/>
-              </a:lnSpc>
-              <a:spcBef>
-                <a:spcPts val="0"/>
-              </a:spcBef>
-              <a:spcAft>
-                <a:spcPts val="0"/>
-              </a:spcAft>
-              <a:buFont typeface="Wingdings" panose="05000000000000000000" pitchFamily="2" charset="2"/>
-              <a:buChar char="Ø"/>
-            </a:pPr>
-            <a:r>
-              <a:rPr lang="en-US" sz="2000" dirty="0">
-                <a:effectLst/>
-                <a:latin typeface="Times New Roman" panose="02020603050405020304" pitchFamily="18" charset="0"/>
-                <a:ea typeface="Calibri" panose="020F0502020204030204" pitchFamily="34" charset="0"/>
-                <a:cs typeface="Times New Roman" panose="02020603050405020304" pitchFamily="18" charset="0"/>
-              </a:rPr>
-              <a:t>Admin has complete access and privileges to perform any actions.</a:t>
-            </a:r>
-          </a:p>
-          <a:p>
-            <a:pPr marR="0" lvl="1">
-              <a:lnSpc>
-                <a:spcPct val="107000"/>
-              </a:lnSpc>
-              <a:spcBef>
-                <a:spcPts val="0"/>
-              </a:spcBef>
-              <a:spcAft>
-                <a:spcPts val="0"/>
-              </a:spcAft>
-              <a:buFont typeface="Wingdings" panose="05000000000000000000" pitchFamily="2" charset="2"/>
-              <a:buChar char="Ø"/>
-            </a:pPr>
-            <a:r>
-              <a:rPr lang="en-US" sz="2000" dirty="0">
-                <a:effectLst/>
-                <a:latin typeface="Times New Roman" panose="02020603050405020304" pitchFamily="18" charset="0"/>
-                <a:ea typeface="Calibri" panose="020F0502020204030204" pitchFamily="34" charset="0"/>
-                <a:cs typeface="Times New Roman" panose="02020603050405020304" pitchFamily="18" charset="0"/>
-              </a:rPr>
-              <a:t>The system provides various rights to the admin to modify hospital branches, doctors, and patient details in the system.</a:t>
-            </a:r>
-          </a:p>
-          <a:p>
-            <a:pPr marR="0" lvl="1">
-              <a:lnSpc>
-                <a:spcPct val="107000"/>
-              </a:lnSpc>
-              <a:spcBef>
-                <a:spcPts val="0"/>
-              </a:spcBef>
-              <a:spcAft>
-                <a:spcPts val="800"/>
-              </a:spcAft>
-              <a:buFont typeface="Wingdings" panose="05000000000000000000" pitchFamily="2" charset="2"/>
-              <a:buChar char="Ø"/>
-            </a:pPr>
-            <a:r>
-              <a:rPr lang="en-US" sz="2000" dirty="0">
-                <a:effectLst/>
-                <a:latin typeface="Times New Roman" panose="02020603050405020304" pitchFamily="18" charset="0"/>
-                <a:ea typeface="Calibri" panose="020F0502020204030204" pitchFamily="34" charset="0"/>
-                <a:cs typeface="Times New Roman" panose="02020603050405020304" pitchFamily="18" charset="0"/>
-              </a:rPr>
-              <a:t>Admin can maintain inventory of items required in managing the whole hospital system like room types,  specializations, treatment, and medications.</a:t>
-            </a:r>
-          </a:p>
-        </p:txBody>
-      </p:sp>
-    </p:spTree>
-    <p:extLst>
-      <p:ext uri="{BB962C8B-B14F-4D97-AF65-F5344CB8AC3E}">
-        <p14:creationId xmlns:p14="http://schemas.microsoft.com/office/powerpoint/2010/main" val="3943313897"/>
       </p:ext>
     </p:extLst>
   </p:cSld>
@@ -4019,13 +3965,13 @@
       </p:grpSpPr>
       <p:sp>
         <p:nvSpPr>
-          <p:cNvPr id="167" name="Rectangle 7"/>
+          <p:cNvPr id="134" name="Rectangle 7"/>
           <p:cNvSpPr/>
           <p:nvPr/>
         </p:nvSpPr>
         <p:spPr>
           <a:xfrm>
-            <a:off x="897467" y="-3175"/>
+            <a:off x="897467" y="0"/>
             <a:ext cx="10397067" cy="5848350"/>
           </a:xfrm>
           <a:prstGeom prst="rect">
@@ -4039,19 +3985,23 @@
           </a:ln>
         </p:spPr>
         <p:txBody>
-          <a:bodyPr lIns="45719" rIns="45719"/>
+          <a:bodyPr lIns="45719" rIns="45719" anchor="ctr"/>
           <a:lstStyle/>
           <a:p>
             <a:pPr>
-              <a:defRPr sz="2000"/>
-            </a:pPr>
-            <a:endParaRPr dirty="0"/>
-          </a:p>
-        </p:txBody>
-      </p:sp>
-      <p:sp>
-        <p:nvSpPr>
-          <p:cNvPr id="168" name="Rectangle 9"/>
+              <a:defRPr sz="1500">
+                <a:solidFill>
+                  <a:srgbClr val="FFFFFF"/>
+                </a:solidFill>
+              </a:defRPr>
+            </a:pPr>
+            <a:endParaRPr/>
+          </a:p>
+        </p:txBody>
+      </p:sp>
+      <p:sp>
+        <p:nvSpPr>
+          <p:cNvPr id="135" name="Rectangle 9"/>
           <p:cNvSpPr/>
           <p:nvPr/>
         </p:nvSpPr>
@@ -4095,7 +4045,7 @@
       </p:sp>
       <p:sp>
         <p:nvSpPr>
-          <p:cNvPr id="169" name="Rectangle 11"/>
+          <p:cNvPr id="136" name="Rectangle 11"/>
           <p:cNvSpPr/>
           <p:nvPr/>
         </p:nvSpPr>
@@ -4143,7 +4093,7 @@
       </p:sp>
       <p:sp>
         <p:nvSpPr>
-          <p:cNvPr id="170" name="Rectangle 13"/>
+          <p:cNvPr id="137" name="Rectangle 13"/>
           <p:cNvSpPr/>
           <p:nvPr/>
         </p:nvSpPr>
@@ -4191,7 +4141,7 @@
       </p:sp>
       <p:sp>
         <p:nvSpPr>
-          <p:cNvPr id="171" name="Rectangle 15"/>
+          <p:cNvPr id="138" name="Rectangle 15"/>
           <p:cNvSpPr/>
           <p:nvPr/>
         </p:nvSpPr>
@@ -4233,13 +4183,13 @@
                 </a:solidFill>
               </a:defRPr>
             </a:pPr>
-            <a:endParaRPr/>
-          </a:p>
-        </p:txBody>
-      </p:sp>
-      <p:sp>
-        <p:nvSpPr>
-          <p:cNvPr id="172" name="Title 1"/>
+            <a:endParaRPr dirty="0"/>
+          </a:p>
+        </p:txBody>
+      </p:sp>
+      <p:sp>
+        <p:nvSpPr>
+          <p:cNvPr id="139" name="Title 1"/>
           <p:cNvSpPr txBox="1">
             <a:spLocks noGrp="1"/>
           </p:cNvSpPr>
@@ -4269,84 +4219,171 @@
           </a:lstStyle>
           <a:p>
             <a:r>
+              <a:rPr lang="en-US" dirty="0"/>
               <a:t>Admin Dashboard</a:t>
             </a:r>
-          </a:p>
-        </p:txBody>
-      </p:sp>
-      <p:sp>
-        <p:nvSpPr>
-          <p:cNvPr id="173" name="To add the new hospital Branch"/>
-          <p:cNvSpPr txBox="1"/>
-          <p:nvPr/>
+            <a:endParaRPr dirty="0"/>
+          </a:p>
+        </p:txBody>
+      </p:sp>
+      <p:sp>
+        <p:nvSpPr>
+          <p:cNvPr id="140" name="Content Placeholder 2"/>
+          <p:cNvSpPr txBox="1">
+            <a:spLocks noGrp="1"/>
+          </p:cNvSpPr>
+          <p:nvPr>
+            <p:ph type="body" sz="half" idx="1"/>
+          </p:nvPr>
         </p:nvSpPr>
         <p:spPr>
           <a:xfrm>
-            <a:off x="904730" y="1491646"/>
-            <a:ext cx="3476517" cy="707886"/>
-          </a:xfrm>
-          <a:prstGeom prst="rect">
-            <a:avLst/>
-          </a:prstGeom>
-          <a:ln w="12700">
-            <a:miter lim="400000"/>
-          </a:ln>
-          <a:extLst>
-            <a:ext uri="{C572A759-6A51-4108-AA02-DFA0A04FC94B}">
-              <ma14:wrappingTextBoxFlag xmlns:ma14="http://schemas.microsoft.com/office/mac/drawingml/2011/main" xmlns:a14="http://schemas.microsoft.com/office/drawing/2010/main" xmlns:m="http://schemas.openxmlformats.org/officeDocument/2006/math" xmlns="" val="1"/>
-            </a:ext>
-          </a:extLst>
-        </p:spPr>
-        <p:txBody>
-          <a:bodyPr lIns="45719" rIns="45719">
-            <a:spAutoFit/>
+            <a:off x="2067135" y="1976907"/>
+            <a:ext cx="8292439" cy="1965920"/>
+          </a:xfrm>
+          <a:prstGeom prst="rect">
+            <a:avLst/>
+          </a:prstGeom>
+        </p:spPr>
+        <p:txBody>
+          <a:bodyPr anchor="ctr">
+            <a:noAutofit/>
           </a:bodyPr>
           <a:lstStyle/>
           <a:p>
-            <a:pPr>
-              <a:defRPr sz="2000" b="1"/>
-            </a:pPr>
-            <a:endParaRPr dirty="0"/>
-          </a:p>
-          <a:p>
-            <a:pPr>
-              <a:defRPr sz="2000" b="1"/>
-            </a:pPr>
-            <a:endParaRPr dirty="0"/>
-          </a:p>
-        </p:txBody>
-      </p:sp>
-      <p:pic>
-        <p:nvPicPr>
-          <p:cNvPr id="3" name="Picture 2">
-            <a:extLst>
-              <a:ext uri="{FF2B5EF4-FFF2-40B4-BE49-F238E27FC236}">
-                <a16:creationId xmlns:a16="http://schemas.microsoft.com/office/drawing/2014/main" id="{12F2A25C-1B2D-4288-B77E-F73FE23B5853}"/>
-              </a:ext>
-            </a:extLst>
-          </p:cNvPr>
-          <p:cNvPicPr>
-            <a:picLocks noChangeAspect="1"/>
-          </p:cNvPicPr>
-          <p:nvPr/>
-        </p:nvPicPr>
-        <p:blipFill>
-          <a:blip r:embed="rId2"/>
-          <a:stretch>
-            <a:fillRect/>
-          </a:stretch>
-        </p:blipFill>
-        <p:spPr>
-          <a:xfrm>
-            <a:off x="873080" y="1491646"/>
-            <a:ext cx="10651967" cy="4234274"/>
-          </a:xfrm>
-          <a:prstGeom prst="rect">
-            <a:avLst/>
-          </a:prstGeom>
-        </p:spPr>
-      </p:pic>
+            <a:pPr marR="0" lvl="0">
+              <a:lnSpc>
+                <a:spcPct val="107000"/>
+              </a:lnSpc>
+              <a:spcBef>
+                <a:spcPts val="0"/>
+              </a:spcBef>
+              <a:spcAft>
+                <a:spcPts val="0"/>
+              </a:spcAft>
+              <a:buFont typeface="Wingdings" panose="05000000000000000000" pitchFamily="2" charset="2"/>
+              <a:buChar char="Ø"/>
+            </a:pPr>
+            <a:r>
+              <a:rPr lang="en-US" sz="2000" b="1" dirty="0">
+                <a:effectLst/>
+                <a:latin typeface="Times New Roman" panose="02020603050405020304" pitchFamily="18" charset="0"/>
+                <a:ea typeface="Calibri" panose="020F0502020204030204" pitchFamily="34" charset="0"/>
+                <a:cs typeface="Times New Roman" panose="02020603050405020304" pitchFamily="18" charset="0"/>
+              </a:rPr>
+              <a:t>Admin Module</a:t>
+            </a:r>
+            <a:endParaRPr lang="en-US" sz="2000" dirty="0">
+              <a:effectLst/>
+              <a:latin typeface="Times New Roman" panose="02020603050405020304" pitchFamily="18" charset="0"/>
+              <a:ea typeface="Calibri" panose="020F0502020204030204" pitchFamily="34" charset="0"/>
+              <a:cs typeface="Times New Roman" panose="02020603050405020304" pitchFamily="18" charset="0"/>
+            </a:endParaRPr>
+          </a:p>
+          <a:p>
+            <a:pPr marR="0" lvl="1">
+              <a:lnSpc>
+                <a:spcPct val="107000"/>
+              </a:lnSpc>
+              <a:spcBef>
+                <a:spcPts val="0"/>
+              </a:spcBef>
+              <a:spcAft>
+                <a:spcPts val="0"/>
+              </a:spcAft>
+              <a:buFont typeface="Wingdings" panose="05000000000000000000" pitchFamily="2" charset="2"/>
+              <a:buChar char="Ø"/>
+            </a:pPr>
+            <a:r>
+              <a:rPr lang="en-US" sz="2000" dirty="0">
+                <a:effectLst/>
+                <a:latin typeface="Times New Roman" panose="02020603050405020304" pitchFamily="18" charset="0"/>
+                <a:ea typeface="Calibri" panose="020F0502020204030204" pitchFamily="34" charset="0"/>
+                <a:cs typeface="Times New Roman" panose="02020603050405020304" pitchFamily="18" charset="0"/>
+              </a:rPr>
+              <a:t>Admin is the primary user of this system. </a:t>
+            </a:r>
+          </a:p>
+          <a:p>
+            <a:pPr marR="0" lvl="1">
+              <a:lnSpc>
+                <a:spcPct val="107000"/>
+              </a:lnSpc>
+              <a:spcBef>
+                <a:spcPts val="0"/>
+              </a:spcBef>
+              <a:spcAft>
+                <a:spcPts val="0"/>
+              </a:spcAft>
+              <a:buFont typeface="Wingdings" panose="05000000000000000000" pitchFamily="2" charset="2"/>
+              <a:buChar char="Ø"/>
+            </a:pPr>
+            <a:r>
+              <a:rPr lang="en-US" sz="2000" dirty="0">
+                <a:effectLst/>
+                <a:latin typeface="Times New Roman" panose="02020603050405020304" pitchFamily="18" charset="0"/>
+                <a:ea typeface="Calibri" panose="020F0502020204030204" pitchFamily="34" charset="0"/>
+                <a:cs typeface="Times New Roman" panose="02020603050405020304" pitchFamily="18" charset="0"/>
+              </a:rPr>
+              <a:t>Admin has complete access and privileges to perform any actions.</a:t>
+            </a:r>
+          </a:p>
+          <a:p>
+            <a:pPr marR="0" lvl="1">
+              <a:lnSpc>
+                <a:spcPct val="107000"/>
+              </a:lnSpc>
+              <a:spcBef>
+                <a:spcPts val="0"/>
+              </a:spcBef>
+              <a:spcAft>
+                <a:spcPts val="0"/>
+              </a:spcAft>
+              <a:buFont typeface="Wingdings" panose="05000000000000000000" pitchFamily="2" charset="2"/>
+              <a:buChar char="Ø"/>
+            </a:pPr>
+            <a:r>
+              <a:rPr lang="en-US" sz="2000" dirty="0">
+                <a:effectLst/>
+                <a:latin typeface="Times New Roman" panose="02020603050405020304" pitchFamily="18" charset="0"/>
+                <a:ea typeface="Calibri" panose="020F0502020204030204" pitchFamily="34" charset="0"/>
+                <a:cs typeface="Times New Roman" panose="02020603050405020304" pitchFamily="18" charset="0"/>
+              </a:rPr>
+              <a:t>The system provides various rights to the admin to modify hospital branches, doctors, and patient details in the system.</a:t>
+            </a:r>
+          </a:p>
+          <a:p>
+            <a:pPr marR="0" lvl="1">
+              <a:lnSpc>
+                <a:spcPct val="107000"/>
+              </a:lnSpc>
+              <a:spcBef>
+                <a:spcPts val="0"/>
+              </a:spcBef>
+              <a:spcAft>
+                <a:spcPts val="800"/>
+              </a:spcAft>
+              <a:buFont typeface="Wingdings" panose="05000000000000000000" pitchFamily="2" charset="2"/>
+              <a:buChar char="Ø"/>
+            </a:pPr>
+            <a:r>
+              <a:rPr lang="en-US" sz="2000" dirty="0">
+                <a:effectLst/>
+                <a:latin typeface="Times New Roman" panose="02020603050405020304" pitchFamily="18" charset="0"/>
+                <a:ea typeface="Calibri" panose="020F0502020204030204" pitchFamily="34" charset="0"/>
+                <a:cs typeface="Times New Roman" panose="02020603050405020304" pitchFamily="18" charset="0"/>
+              </a:rPr>
+              <a:t>Admin can maintain inventory of items required in managing the whole hospital system like room types,  specializations, treatment, and medications.</a:t>
+            </a:r>
+          </a:p>
+        </p:txBody>
+      </p:sp>
     </p:spTree>
+    <p:extLst>
+      <p:ext uri="{BB962C8B-B14F-4D97-AF65-F5344CB8AC3E}">
+        <p14:creationId xmlns:p14="http://schemas.microsoft.com/office/powerpoint/2010/main" val="3943313897"/>
+      </p:ext>
+    </p:extLst>
   </p:cSld>
   <p:clrMapOvr>
     <a:masterClrMapping/>
@@ -4374,7 +4411,39 @@
       </p:grpSpPr>
       <p:sp>
         <p:nvSpPr>
-          <p:cNvPr id="135" name="Rectangle 9"/>
+          <p:cNvPr id="167" name="Rectangle 7"/>
+          <p:cNvSpPr/>
+          <p:nvPr/>
+        </p:nvSpPr>
+        <p:spPr>
+          <a:xfrm>
+            <a:off x="897467" y="-3175"/>
+            <a:ext cx="10397067" cy="5848350"/>
+          </a:xfrm>
+          <a:prstGeom prst="rect">
+            <a:avLst/>
+          </a:prstGeom>
+          <a:solidFill>
+            <a:srgbClr val="FFFFFF"/>
+          </a:solidFill>
+          <a:ln w="12700">
+            <a:miter lim="400000"/>
+          </a:ln>
+        </p:spPr>
+        <p:txBody>
+          <a:bodyPr lIns="45719" rIns="45719"/>
+          <a:lstStyle/>
+          <a:p>
+            <a:pPr>
+              <a:defRPr sz="2000"/>
+            </a:pPr>
+            <a:endParaRPr dirty="0"/>
+          </a:p>
+        </p:txBody>
+      </p:sp>
+      <p:sp>
+        <p:nvSpPr>
+          <p:cNvPr id="168" name="Rectangle 9"/>
           <p:cNvSpPr/>
           <p:nvPr/>
         </p:nvSpPr>
@@ -4418,7 +4487,7 @@
       </p:sp>
       <p:sp>
         <p:nvSpPr>
-          <p:cNvPr id="136" name="Rectangle 11"/>
+          <p:cNvPr id="169" name="Rectangle 11"/>
           <p:cNvSpPr/>
           <p:nvPr/>
         </p:nvSpPr>
@@ -4466,7 +4535,7 @@
       </p:sp>
       <p:sp>
         <p:nvSpPr>
-          <p:cNvPr id="137" name="Rectangle 13"/>
+          <p:cNvPr id="170" name="Rectangle 13"/>
           <p:cNvSpPr/>
           <p:nvPr/>
         </p:nvSpPr>
@@ -4514,7 +4583,7 @@
       </p:sp>
       <p:sp>
         <p:nvSpPr>
-          <p:cNvPr id="138" name="Rectangle 15"/>
+          <p:cNvPr id="171" name="Rectangle 15"/>
           <p:cNvSpPr/>
           <p:nvPr/>
         </p:nvSpPr>
@@ -4556,13 +4625,13 @@
                 </a:solidFill>
               </a:defRPr>
             </a:pPr>
-            <a:endParaRPr dirty="0"/>
-          </a:p>
-        </p:txBody>
-      </p:sp>
-      <p:sp>
-        <p:nvSpPr>
-          <p:cNvPr id="139" name="Title 1"/>
+            <a:endParaRPr/>
+          </a:p>
+        </p:txBody>
+      </p:sp>
+      <p:sp>
+        <p:nvSpPr>
+          <p:cNvPr id="172" name="Title 1"/>
           <p:cNvSpPr txBox="1">
             <a:spLocks noGrp="1"/>
           </p:cNvSpPr>
@@ -4592,147 +4661,84 @@
           </a:lstStyle>
           <a:p>
             <a:r>
-              <a:rPr lang="en-US" dirty="0"/>
-              <a:t>Doctor Dashboard</a:t>
-            </a:r>
-            <a:endParaRPr dirty="0"/>
-          </a:p>
-        </p:txBody>
-      </p:sp>
-      <p:sp>
-        <p:nvSpPr>
-          <p:cNvPr id="140" name="Content Placeholder 2"/>
-          <p:cNvSpPr txBox="1">
-            <a:spLocks noGrp="1"/>
-          </p:cNvSpPr>
-          <p:nvPr>
-            <p:ph type="body" sz="half" idx="1"/>
-          </p:nvPr>
+              <a:t>Admin Dashboard</a:t>
+            </a:r>
+          </a:p>
+        </p:txBody>
+      </p:sp>
+      <p:sp>
+        <p:nvSpPr>
+          <p:cNvPr id="173" name="To add the new hospital Branch"/>
+          <p:cNvSpPr txBox="1"/>
+          <p:nvPr/>
         </p:nvSpPr>
         <p:spPr>
           <a:xfrm>
-            <a:off x="2067135" y="1976907"/>
-            <a:ext cx="8292439" cy="1965920"/>
-          </a:xfrm>
-          <a:prstGeom prst="rect">
-            <a:avLst/>
-          </a:prstGeom>
-        </p:spPr>
-        <p:txBody>
-          <a:bodyPr anchor="ctr">
-            <a:noAutofit/>
+            <a:off x="904730" y="1491646"/>
+            <a:ext cx="3476517" cy="707886"/>
+          </a:xfrm>
+          <a:prstGeom prst="rect">
+            <a:avLst/>
+          </a:prstGeom>
+          <a:ln w="12700">
+            <a:miter lim="400000"/>
+          </a:ln>
+          <a:extLst>
+            <a:ext uri="{C572A759-6A51-4108-AA02-DFA0A04FC94B}">
+              <ma14:wrappingTextBoxFlag xmlns="" xmlns:m="http://schemas.openxmlformats.org/officeDocument/2006/math" xmlns:a14="http://schemas.microsoft.com/office/drawing/2010/main" xmlns:ma14="http://schemas.microsoft.com/office/mac/drawingml/2011/main" val="1"/>
+            </a:ext>
+          </a:extLst>
+        </p:spPr>
+        <p:txBody>
+          <a:bodyPr lIns="45719" rIns="45719">
+            <a:spAutoFit/>
           </a:bodyPr>
           <a:lstStyle/>
           <a:p>
-            <a:pPr marR="0" lvl="0">
-              <a:lnSpc>
-                <a:spcPct val="107000"/>
-              </a:lnSpc>
-              <a:spcBef>
-                <a:spcPts val="0"/>
-              </a:spcBef>
-              <a:spcAft>
-                <a:spcPts val="0"/>
-              </a:spcAft>
-              <a:buFont typeface="Wingdings" panose="05000000000000000000" pitchFamily="2" charset="2"/>
-              <a:buChar char="Ø"/>
-            </a:pPr>
-            <a:r>
-              <a:rPr lang="en-US" sz="2000" b="1" dirty="0">
-                <a:effectLst/>
-                <a:latin typeface="Times New Roman" panose="02020603050405020304" pitchFamily="18" charset="0"/>
-                <a:ea typeface="Calibri" panose="020F0502020204030204" pitchFamily="34" charset="0"/>
-                <a:cs typeface="Times New Roman" panose="02020603050405020304" pitchFamily="18" charset="0"/>
-              </a:rPr>
-              <a:t>Doctor Module</a:t>
-            </a:r>
-            <a:endParaRPr lang="en-US" sz="2000" dirty="0">
-              <a:effectLst/>
-              <a:latin typeface="Times New Roman" panose="02020603050405020304" pitchFamily="18" charset="0"/>
-              <a:ea typeface="Calibri" panose="020F0502020204030204" pitchFamily="34" charset="0"/>
-              <a:cs typeface="Times New Roman" panose="02020603050405020304" pitchFamily="18" charset="0"/>
-            </a:endParaRPr>
-          </a:p>
-          <a:p>
-            <a:pPr marR="0" lvl="1">
-              <a:lnSpc>
-                <a:spcPct val="107000"/>
-              </a:lnSpc>
-              <a:spcBef>
-                <a:spcPts val="0"/>
-              </a:spcBef>
-              <a:spcAft>
-                <a:spcPts val="0"/>
-              </a:spcAft>
-              <a:buFont typeface="Wingdings" panose="05000000000000000000" pitchFamily="2" charset="2"/>
-              <a:buChar char="Ø"/>
-            </a:pPr>
-            <a:r>
-              <a:rPr lang="en-US" sz="2000" dirty="0">
-                <a:effectLst/>
-                <a:latin typeface="Times New Roman" panose="02020603050405020304" pitchFamily="18" charset="0"/>
-                <a:ea typeface="Calibri" panose="020F0502020204030204" pitchFamily="34" charset="0"/>
-                <a:cs typeface="Times New Roman" panose="02020603050405020304" pitchFamily="18" charset="0"/>
-              </a:rPr>
-              <a:t>Registered doctors can add the details of prescribed medicines against specific patient appointments</a:t>
-            </a:r>
-          </a:p>
-          <a:p>
-            <a:pPr marR="0" lvl="1">
-              <a:lnSpc>
-                <a:spcPct val="107000"/>
-              </a:lnSpc>
-              <a:spcBef>
-                <a:spcPts val="0"/>
-              </a:spcBef>
-              <a:spcAft>
-                <a:spcPts val="0"/>
-              </a:spcAft>
-              <a:buFont typeface="Wingdings" panose="05000000000000000000" pitchFamily="2" charset="2"/>
-              <a:buChar char="Ø"/>
-            </a:pPr>
-            <a:r>
-              <a:rPr lang="en-US" sz="2000" dirty="0">
-                <a:effectLst/>
-                <a:latin typeface="Times New Roman" panose="02020603050405020304" pitchFamily="18" charset="0"/>
-                <a:ea typeface="Calibri" panose="020F0502020204030204" pitchFamily="34" charset="0"/>
-                <a:cs typeface="Times New Roman" panose="02020603050405020304" pitchFamily="18" charset="0"/>
-              </a:rPr>
-              <a:t>Doctors can request specific medicines which are required for some common types of treatments    </a:t>
-            </a:r>
-          </a:p>
-          <a:p>
-            <a:pPr marR="0" lvl="1">
-              <a:lnSpc>
-                <a:spcPct val="107000"/>
-              </a:lnSpc>
-              <a:spcBef>
-                <a:spcPts val="0"/>
-              </a:spcBef>
-              <a:spcAft>
-                <a:spcPts val="800"/>
-              </a:spcAft>
-              <a:buFont typeface="Wingdings" panose="05000000000000000000" pitchFamily="2" charset="2"/>
-              <a:buChar char="Ø"/>
-            </a:pPr>
-            <a:r>
-              <a:rPr lang="en-US" sz="2000" dirty="0">
-                <a:effectLst/>
-                <a:latin typeface="Times New Roman" panose="02020603050405020304" pitchFamily="18" charset="0"/>
-                <a:ea typeface="Calibri" panose="020F0502020204030204" pitchFamily="34" charset="0"/>
-                <a:cs typeface="Times New Roman" panose="02020603050405020304" pitchFamily="18" charset="0"/>
-              </a:rPr>
-              <a:t>The system also provides the feature to doctors to view and modify patient appointments.</a:t>
-            </a:r>
-          </a:p>
-        </p:txBody>
-      </p:sp>
+            <a:pPr>
+              <a:defRPr sz="2000" b="1"/>
+            </a:pPr>
+            <a:endParaRPr dirty="0"/>
+          </a:p>
+          <a:p>
+            <a:pPr>
+              <a:defRPr sz="2000" b="1"/>
+            </a:pPr>
+            <a:endParaRPr dirty="0"/>
+          </a:p>
+        </p:txBody>
+      </p:sp>
+      <p:pic>
+        <p:nvPicPr>
+          <p:cNvPr id="3" name="Picture 2">
+            <a:extLst>
+              <a:ext uri="{FF2B5EF4-FFF2-40B4-BE49-F238E27FC236}">
+                <a16:creationId xmlns:a16="http://schemas.microsoft.com/office/drawing/2014/main" id="{12F2A25C-1B2D-4288-B77E-F73FE23B5853}"/>
+              </a:ext>
+            </a:extLst>
+          </p:cNvPr>
+          <p:cNvPicPr>
+            <a:picLocks noChangeAspect="1"/>
+          </p:cNvPicPr>
+          <p:nvPr/>
+        </p:nvPicPr>
+        <p:blipFill>
+          <a:blip r:embed="rId2"/>
+          <a:stretch>
+            <a:fillRect/>
+          </a:stretch>
+        </p:blipFill>
+        <p:spPr>
+          <a:xfrm>
+            <a:off x="873080" y="1491646"/>
+            <a:ext cx="10651967" cy="4234274"/>
+          </a:xfrm>
+          <a:prstGeom prst="rect">
+            <a:avLst/>
+          </a:prstGeom>
+        </p:spPr>
+      </p:pic>
     </p:spTree>
-    <p:extLst>
-      <p:ext uri="{BB962C8B-B14F-4D97-AF65-F5344CB8AC3E}">
-        <p14:creationId xmlns:p14="http://schemas.microsoft.com/office/powerpoint/2010/main" val="2536165183"/>
-      </p:ext>
-    </p:extLst>
   </p:cSld>
   <p:clrMapOvr>
     <a:masterClrMapping/>
@@ -4760,39 +4766,7 @@
       </p:grpSpPr>
       <p:sp>
         <p:nvSpPr>
-          <p:cNvPr id="158" name="Rectangle 7"/>
-          <p:cNvSpPr/>
-          <p:nvPr/>
-        </p:nvSpPr>
-        <p:spPr>
-          <a:xfrm>
-            <a:off x="191344" y="-51393"/>
-            <a:ext cx="10397067" cy="5848350"/>
-          </a:xfrm>
-          <a:prstGeom prst="rect">
-            <a:avLst/>
-          </a:prstGeom>
-          <a:solidFill>
-            <a:srgbClr val="FFFFFF"/>
-          </a:solidFill>
-          <a:ln w="12700">
-            <a:miter lim="400000"/>
-          </a:ln>
-        </p:spPr>
-        <p:txBody>
-          <a:bodyPr lIns="45719" rIns="45719" anchor="ctr"/>
-          <a:lstStyle/>
-          <a:p>
-            <a:pPr>
-              <a:defRPr sz="1500"/>
-            </a:pPr>
-            <a:endParaRPr dirty="0"/>
-          </a:p>
-        </p:txBody>
-      </p:sp>
-      <p:sp>
-        <p:nvSpPr>
-          <p:cNvPr id="159" name="Rectangle 9"/>
+          <p:cNvPr id="135" name="Rectangle 9"/>
           <p:cNvSpPr/>
           <p:nvPr/>
         </p:nvSpPr>
@@ -4836,7 +4810,7 @@
       </p:sp>
       <p:sp>
         <p:nvSpPr>
-          <p:cNvPr id="160" name="Rectangle 11"/>
+          <p:cNvPr id="136" name="Rectangle 11"/>
           <p:cNvSpPr/>
           <p:nvPr/>
         </p:nvSpPr>
@@ -4884,7 +4858,7 @@
       </p:sp>
       <p:sp>
         <p:nvSpPr>
-          <p:cNvPr id="161" name="Rectangle 13"/>
+          <p:cNvPr id="137" name="Rectangle 13"/>
           <p:cNvSpPr/>
           <p:nvPr/>
         </p:nvSpPr>
@@ -4932,7 +4906,7 @@
       </p:sp>
       <p:sp>
         <p:nvSpPr>
-          <p:cNvPr id="162" name="Rectangle 15"/>
+          <p:cNvPr id="138" name="Rectangle 15"/>
           <p:cNvSpPr/>
           <p:nvPr/>
         </p:nvSpPr>
@@ -4974,13 +4948,13 @@
                 </a:solidFill>
               </a:defRPr>
             </a:pPr>
-            <a:endParaRPr/>
-          </a:p>
-        </p:txBody>
-      </p:sp>
-      <p:sp>
-        <p:nvSpPr>
-          <p:cNvPr id="163" name="Title 1"/>
+            <a:endParaRPr dirty="0"/>
+          </a:p>
+        </p:txBody>
+      </p:sp>
+      <p:sp>
+        <p:nvSpPr>
+          <p:cNvPr id="139" name="Title 1"/>
           <p:cNvSpPr txBox="1">
             <a:spLocks noGrp="1"/>
           </p:cNvSpPr>
@@ -5011,83 +4985,146 @@
           <a:p>
             <a:r>
               <a:rPr lang="en-US" dirty="0"/>
-              <a:t>Doctor</a:t>
-            </a:r>
-            <a:r>
-              <a:rPr dirty="0"/>
-              <a:t> Dashboard</a:t>
-            </a:r>
-          </a:p>
-        </p:txBody>
-      </p:sp>
-      <p:sp>
-        <p:nvSpPr>
-          <p:cNvPr id="165" name="To add doctor details"/>
-          <p:cNvSpPr txBox="1"/>
-          <p:nvPr/>
+              <a:t>Doctor Dashboard</a:t>
+            </a:r>
+            <a:endParaRPr dirty="0"/>
+          </a:p>
+        </p:txBody>
+      </p:sp>
+      <p:sp>
+        <p:nvSpPr>
+          <p:cNvPr id="140" name="Content Placeholder 2"/>
+          <p:cNvSpPr txBox="1">
+            <a:spLocks noGrp="1"/>
+          </p:cNvSpPr>
+          <p:nvPr>
+            <p:ph type="body" sz="half" idx="1"/>
+          </p:nvPr>
         </p:nvSpPr>
         <p:spPr>
           <a:xfrm>
-            <a:off x="902493" y="1385565"/>
-            <a:ext cx="92396" cy="369332"/>
-          </a:xfrm>
-          <a:prstGeom prst="rect">
-            <a:avLst/>
-          </a:prstGeom>
-          <a:ln w="12700">
-            <a:miter lim="400000"/>
-          </a:ln>
-          <a:extLst>
-            <a:ext uri="{C572A759-6A51-4108-AA02-DFA0A04FC94B}">
-              <ma14:wrappingTextBoxFlag xmlns:ma14="http://schemas.microsoft.com/office/mac/drawingml/2011/main" xmlns:a14="http://schemas.microsoft.com/office/drawing/2010/main" xmlns:m="http://schemas.openxmlformats.org/officeDocument/2006/math" xmlns="" val="1"/>
-            </a:ext>
-          </a:extLst>
-        </p:spPr>
-        <p:txBody>
-          <a:bodyPr wrap="none" lIns="45719" rIns="45719">
-            <a:spAutoFit/>
+            <a:off x="2067135" y="1976907"/>
+            <a:ext cx="8292439" cy="1965920"/>
+          </a:xfrm>
+          <a:prstGeom prst="rect">
+            <a:avLst/>
+          </a:prstGeom>
+        </p:spPr>
+        <p:txBody>
+          <a:bodyPr anchor="ctr">
+            <a:noAutofit/>
           </a:bodyPr>
-          <a:lstStyle>
-            <a:lvl1pPr>
-              <a:defRPr b="1"/>
-            </a:lvl1pPr>
-          </a:lstStyle>
-          <a:p>
-            <a:endParaRPr dirty="0"/>
-          </a:p>
-        </p:txBody>
-      </p:sp>
-      <p:pic>
-        <p:nvPicPr>
-          <p:cNvPr id="3" name="Picture 2">
-            <a:extLst>
-              <a:ext uri="{FF2B5EF4-FFF2-40B4-BE49-F238E27FC236}">
-                <a16:creationId xmlns:a16="http://schemas.microsoft.com/office/drawing/2014/main" id="{6F57897E-94D3-4546-A486-49DFA7B4B515}"/>
-              </a:ext>
-            </a:extLst>
-          </p:cNvPr>
-          <p:cNvPicPr>
-            <a:picLocks noChangeAspect="1"/>
-          </p:cNvPicPr>
-          <p:nvPr/>
-        </p:nvPicPr>
-        <p:blipFill>
-          <a:blip r:embed="rId2"/>
-          <a:stretch>
-            <a:fillRect/>
-          </a:stretch>
-        </p:blipFill>
-        <p:spPr>
-          <a:xfrm>
-            <a:off x="805068" y="1607726"/>
-            <a:ext cx="10624250" cy="4121586"/>
-          </a:xfrm>
-          <a:prstGeom prst="rect">
-            <a:avLst/>
-          </a:prstGeom>
-        </p:spPr>
-      </p:pic>
+          <a:lstStyle/>
+          <a:p>
+            <a:pPr marR="0" lvl="0">
+              <a:lnSpc>
+                <a:spcPct val="107000"/>
+              </a:lnSpc>
+              <a:spcBef>
+                <a:spcPts val="0"/>
+              </a:spcBef>
+              <a:spcAft>
+                <a:spcPts val="0"/>
+              </a:spcAft>
+              <a:buFont typeface="Wingdings" panose="05000000000000000000" pitchFamily="2" charset="2"/>
+              <a:buChar char="Ø"/>
+            </a:pPr>
+            <a:r>
+              <a:rPr lang="en-US" sz="2000" b="1" dirty="0">
+                <a:effectLst/>
+                <a:latin typeface="Times New Roman" panose="02020603050405020304" pitchFamily="18" charset="0"/>
+                <a:ea typeface="Calibri" panose="020F0502020204030204" pitchFamily="34" charset="0"/>
+                <a:cs typeface="Times New Roman" panose="02020603050405020304" pitchFamily="18" charset="0"/>
+              </a:rPr>
+              <a:t>Doctor Module</a:t>
+            </a:r>
+            <a:endParaRPr lang="en-US" sz="2000" dirty="0">
+              <a:effectLst/>
+              <a:latin typeface="Times New Roman" panose="02020603050405020304" pitchFamily="18" charset="0"/>
+              <a:ea typeface="Calibri" panose="020F0502020204030204" pitchFamily="34" charset="0"/>
+              <a:cs typeface="Times New Roman" panose="02020603050405020304" pitchFamily="18" charset="0"/>
+            </a:endParaRPr>
+          </a:p>
+          <a:p>
+            <a:pPr marR="0" lvl="1">
+              <a:lnSpc>
+                <a:spcPct val="107000"/>
+              </a:lnSpc>
+              <a:spcBef>
+                <a:spcPts val="0"/>
+              </a:spcBef>
+              <a:spcAft>
+                <a:spcPts val="0"/>
+              </a:spcAft>
+              <a:buFont typeface="Wingdings" panose="05000000000000000000" pitchFamily="2" charset="2"/>
+              <a:buChar char="Ø"/>
+            </a:pPr>
+            <a:r>
+              <a:rPr lang="en-US" sz="2000" dirty="0">
+                <a:effectLst/>
+                <a:latin typeface="Times New Roman" panose="02020603050405020304" pitchFamily="18" charset="0"/>
+                <a:ea typeface="Calibri" panose="020F0502020204030204" pitchFamily="34" charset="0"/>
+                <a:cs typeface="Times New Roman" panose="02020603050405020304" pitchFamily="18" charset="0"/>
+              </a:rPr>
+              <a:t>Registered doctors can add the details of prescribed medicines against specific patient appointments</a:t>
+            </a:r>
+          </a:p>
+          <a:p>
+            <a:pPr marR="0" lvl="1">
+              <a:lnSpc>
+                <a:spcPct val="107000"/>
+              </a:lnSpc>
+              <a:spcBef>
+                <a:spcPts val="0"/>
+              </a:spcBef>
+              <a:spcAft>
+                <a:spcPts val="0"/>
+              </a:spcAft>
+              <a:buFont typeface="Wingdings" panose="05000000000000000000" pitchFamily="2" charset="2"/>
+              <a:buChar char="Ø"/>
+            </a:pPr>
+            <a:r>
+              <a:rPr lang="en-US" sz="2000" dirty="0">
+                <a:effectLst/>
+                <a:latin typeface="Times New Roman" panose="02020603050405020304" pitchFamily="18" charset="0"/>
+                <a:ea typeface="Calibri" panose="020F0502020204030204" pitchFamily="34" charset="0"/>
+                <a:cs typeface="Times New Roman" panose="02020603050405020304" pitchFamily="18" charset="0"/>
+              </a:rPr>
+              <a:t>Doctors can request specific medicines which are required for some common types of treatments    </a:t>
+            </a:r>
+          </a:p>
+          <a:p>
+            <a:pPr marR="0" lvl="1">
+              <a:lnSpc>
+                <a:spcPct val="107000"/>
+              </a:lnSpc>
+              <a:spcBef>
+                <a:spcPts val="0"/>
+              </a:spcBef>
+              <a:spcAft>
+                <a:spcPts val="800"/>
+              </a:spcAft>
+              <a:buFont typeface="Wingdings" panose="05000000000000000000" pitchFamily="2" charset="2"/>
+              <a:buChar char="Ø"/>
+            </a:pPr>
+            <a:r>
+              <a:rPr lang="en-US" sz="2000" dirty="0">
+                <a:effectLst/>
+                <a:latin typeface="Times New Roman" panose="02020603050405020304" pitchFamily="18" charset="0"/>
+                <a:ea typeface="Calibri" panose="020F0502020204030204" pitchFamily="34" charset="0"/>
+                <a:cs typeface="Times New Roman" panose="02020603050405020304" pitchFamily="18" charset="0"/>
+              </a:rPr>
+              <a:t>The system also provides the feature to doctors to view and modify patient appointments.</a:t>
+            </a:r>
+          </a:p>
+        </p:txBody>
+      </p:sp>
     </p:spTree>
+    <p:extLst>
+      <p:ext uri="{BB962C8B-B14F-4D97-AF65-F5344CB8AC3E}">
+        <p14:creationId xmlns:p14="http://schemas.microsoft.com/office/powerpoint/2010/main" val="2536165183"/>
+      </p:ext>
+    </p:extLst>
   </p:cSld>
   <p:clrMapOvr>
     <a:masterClrMapping/>
@@ -5115,7 +5152,39 @@
       </p:grpSpPr>
       <p:sp>
         <p:nvSpPr>
-          <p:cNvPr id="135" name="Rectangle 9"/>
+          <p:cNvPr id="158" name="Rectangle 7"/>
+          <p:cNvSpPr/>
+          <p:nvPr/>
+        </p:nvSpPr>
+        <p:spPr>
+          <a:xfrm>
+            <a:off x="191344" y="-51393"/>
+            <a:ext cx="10397067" cy="5848350"/>
+          </a:xfrm>
+          <a:prstGeom prst="rect">
+            <a:avLst/>
+          </a:prstGeom>
+          <a:solidFill>
+            <a:srgbClr val="FFFFFF"/>
+          </a:solidFill>
+          <a:ln w="12700">
+            <a:miter lim="400000"/>
+          </a:ln>
+        </p:spPr>
+        <p:txBody>
+          <a:bodyPr lIns="45719" rIns="45719" anchor="ctr"/>
+          <a:lstStyle/>
+          <a:p>
+            <a:pPr>
+              <a:defRPr sz="1500"/>
+            </a:pPr>
+            <a:endParaRPr dirty="0"/>
+          </a:p>
+        </p:txBody>
+      </p:sp>
+      <p:sp>
+        <p:nvSpPr>
+          <p:cNvPr id="159" name="Rectangle 9"/>
           <p:cNvSpPr/>
           <p:nvPr/>
         </p:nvSpPr>
@@ -5159,7 +5228,7 @@
       </p:sp>
       <p:sp>
         <p:nvSpPr>
-          <p:cNvPr id="136" name="Rectangle 11"/>
+          <p:cNvPr id="160" name="Rectangle 11"/>
           <p:cNvSpPr/>
           <p:nvPr/>
         </p:nvSpPr>
@@ -5207,7 +5276,7 @@
       </p:sp>
       <p:sp>
         <p:nvSpPr>
-          <p:cNvPr id="137" name="Rectangle 13"/>
+          <p:cNvPr id="161" name="Rectangle 13"/>
           <p:cNvSpPr/>
           <p:nvPr/>
         </p:nvSpPr>
@@ -5255,7 +5324,7 @@
       </p:sp>
       <p:sp>
         <p:nvSpPr>
-          <p:cNvPr id="138" name="Rectangle 15"/>
+          <p:cNvPr id="162" name="Rectangle 15"/>
           <p:cNvSpPr/>
           <p:nvPr/>
         </p:nvSpPr>
@@ -5297,13 +5366,13 @@
                 </a:solidFill>
               </a:defRPr>
             </a:pPr>
-            <a:endParaRPr dirty="0"/>
-          </a:p>
-        </p:txBody>
-      </p:sp>
-      <p:sp>
-        <p:nvSpPr>
-          <p:cNvPr id="139" name="Title 1"/>
+            <a:endParaRPr/>
+          </a:p>
+        </p:txBody>
+      </p:sp>
+      <p:sp>
+        <p:nvSpPr>
+          <p:cNvPr id="163" name="Title 1"/>
           <p:cNvSpPr txBox="1">
             <a:spLocks noGrp="1"/>
           </p:cNvSpPr>
@@ -5334,191 +5403,83 @@
           <a:p>
             <a:r>
               <a:rPr lang="en-US" dirty="0"/>
-              <a:t>Patient Dashboard</a:t>
-            </a:r>
+              <a:t>Doctor</a:t>
+            </a:r>
+            <a:r>
+              <a:rPr dirty="0"/>
+              <a:t> Dashboard</a:t>
+            </a:r>
+          </a:p>
+        </p:txBody>
+      </p:sp>
+      <p:sp>
+        <p:nvSpPr>
+          <p:cNvPr id="165" name="To add doctor details"/>
+          <p:cNvSpPr txBox="1"/>
+          <p:nvPr/>
+        </p:nvSpPr>
+        <p:spPr>
+          <a:xfrm>
+            <a:off x="902493" y="1385565"/>
+            <a:ext cx="92396" cy="369332"/>
+          </a:xfrm>
+          <a:prstGeom prst="rect">
+            <a:avLst/>
+          </a:prstGeom>
+          <a:ln w="12700">
+            <a:miter lim="400000"/>
+          </a:ln>
+          <a:extLst>
+            <a:ext uri="{C572A759-6A51-4108-AA02-DFA0A04FC94B}">
+              <ma14:wrappingTextBoxFlag xmlns="" xmlns:m="http://schemas.openxmlformats.org/officeDocument/2006/math" xmlns:a14="http://schemas.microsoft.com/office/drawing/2010/main" xmlns:ma14="http://schemas.microsoft.com/office/mac/drawingml/2011/main" val="1"/>
+            </a:ext>
+          </a:extLst>
+        </p:spPr>
+        <p:txBody>
+          <a:bodyPr wrap="none" lIns="45719" rIns="45719">
+            <a:spAutoFit/>
+          </a:bodyPr>
+          <a:lstStyle>
+            <a:lvl1pPr>
+              <a:defRPr b="1"/>
+            </a:lvl1pPr>
+          </a:lstStyle>
+          <a:p>
             <a:endParaRPr dirty="0"/>
           </a:p>
         </p:txBody>
       </p:sp>
-      <p:sp>
-        <p:nvSpPr>
-          <p:cNvPr id="140" name="Content Placeholder 2"/>
-          <p:cNvSpPr txBox="1">
-            <a:spLocks noGrp="1"/>
-          </p:cNvSpPr>
-          <p:nvPr>
-            <p:ph type="body" sz="half" idx="1"/>
-          </p:nvPr>
-        </p:nvSpPr>
+      <p:pic>
+        <p:nvPicPr>
+          <p:cNvPr id="3" name="Picture 2">
+            <a:extLst>
+              <a:ext uri="{FF2B5EF4-FFF2-40B4-BE49-F238E27FC236}">
+                <a16:creationId xmlns:a16="http://schemas.microsoft.com/office/drawing/2014/main" id="{6F57897E-94D3-4546-A486-49DFA7B4B515}"/>
+              </a:ext>
+            </a:extLst>
+          </p:cNvPr>
+          <p:cNvPicPr>
+            <a:picLocks noChangeAspect="1"/>
+          </p:cNvPicPr>
+          <p:nvPr/>
+        </p:nvPicPr>
+        <p:blipFill>
+          <a:blip r:embed="rId2"/>
+          <a:stretch>
+            <a:fillRect/>
+          </a:stretch>
+        </p:blipFill>
         <p:spPr>
           <a:xfrm>
-            <a:off x="2067135" y="1976907"/>
-            <a:ext cx="8292439" cy="1965920"/>
-          </a:xfrm>
-          <a:prstGeom prst="rect">
-            <a:avLst/>
-          </a:prstGeom>
-        </p:spPr>
-        <p:txBody>
-          <a:bodyPr anchor="ctr">
-            <a:noAutofit/>
-          </a:bodyPr>
-          <a:lstStyle/>
-          <a:p>
-            <a:pPr marR="0" lvl="0">
-              <a:lnSpc>
-                <a:spcPct val="107000"/>
-              </a:lnSpc>
-              <a:spcBef>
-                <a:spcPts val="0"/>
-              </a:spcBef>
-              <a:spcAft>
-                <a:spcPts val="0"/>
-              </a:spcAft>
-              <a:buFont typeface="Wingdings" panose="05000000000000000000" pitchFamily="2" charset="2"/>
-              <a:buChar char="Ø"/>
-            </a:pPr>
-            <a:r>
-              <a:rPr lang="en-US" sz="2000" b="1" dirty="0">
-                <a:effectLst/>
-                <a:latin typeface="Times New Roman" panose="02020603050405020304" pitchFamily="18" charset="0"/>
-                <a:ea typeface="Calibri" panose="020F0502020204030204" pitchFamily="34" charset="0"/>
-                <a:cs typeface="Times New Roman" panose="02020603050405020304" pitchFamily="18" charset="0"/>
-              </a:rPr>
-              <a:t>Patient Module</a:t>
-            </a:r>
-            <a:endParaRPr lang="en-US" sz="2000" dirty="0">
-              <a:effectLst/>
-              <a:latin typeface="Times New Roman" panose="02020603050405020304" pitchFamily="18" charset="0"/>
-              <a:ea typeface="Calibri" panose="020F0502020204030204" pitchFamily="34" charset="0"/>
-              <a:cs typeface="Times New Roman" panose="02020603050405020304" pitchFamily="18" charset="0"/>
-            </a:endParaRPr>
-          </a:p>
-          <a:p>
-            <a:pPr marR="0" lvl="1">
-              <a:lnSpc>
-                <a:spcPct val="107000"/>
-              </a:lnSpc>
-              <a:spcBef>
-                <a:spcPts val="0"/>
-              </a:spcBef>
-              <a:spcAft>
-                <a:spcPts val="0"/>
-              </a:spcAft>
-              <a:buFont typeface="Wingdings" panose="05000000000000000000" pitchFamily="2" charset="2"/>
-              <a:buChar char="Ø"/>
-            </a:pPr>
-            <a:r>
-              <a:rPr lang="en-US" sz="2000" dirty="0">
-                <a:effectLst/>
-                <a:latin typeface="Times New Roman" panose="02020603050405020304" pitchFamily="18" charset="0"/>
-                <a:ea typeface="Calibri" panose="020F0502020204030204" pitchFamily="34" charset="0"/>
-                <a:cs typeface="Times New Roman" panose="02020603050405020304" pitchFamily="18" charset="0"/>
-              </a:rPr>
-              <a:t>Registered patients can schedule new appointments with a specific doctor on basis of the doctor’s availability.</a:t>
-            </a:r>
-          </a:p>
-          <a:p>
-            <a:pPr marR="0" lvl="1">
-              <a:lnSpc>
-                <a:spcPct val="107000"/>
-              </a:lnSpc>
-              <a:spcBef>
-                <a:spcPts val="0"/>
-              </a:spcBef>
-              <a:spcAft>
-                <a:spcPts val="0"/>
-              </a:spcAft>
-              <a:buFont typeface="Wingdings" panose="05000000000000000000" pitchFamily="2" charset="2"/>
-              <a:buChar char="Ø"/>
-            </a:pPr>
-            <a:r>
-              <a:rPr lang="en-US" sz="2000" dirty="0">
-                <a:effectLst/>
-                <a:latin typeface="Times New Roman" panose="02020603050405020304" pitchFamily="18" charset="0"/>
-                <a:ea typeface="Calibri" panose="020F0502020204030204" pitchFamily="34" charset="0"/>
-                <a:cs typeface="Times New Roman" panose="02020603050405020304" pitchFamily="18" charset="0"/>
-              </a:rPr>
-              <a:t>The system also provides the feature to reschedule or cancel existing appointments.</a:t>
-            </a:r>
-          </a:p>
-          <a:p>
-            <a:pPr marR="0" lvl="1">
-              <a:lnSpc>
-                <a:spcPct val="107000"/>
-              </a:lnSpc>
-              <a:spcBef>
-                <a:spcPts val="0"/>
-              </a:spcBef>
-              <a:spcAft>
-                <a:spcPts val="0"/>
-              </a:spcAft>
-              <a:buFont typeface="Wingdings" panose="05000000000000000000" pitchFamily="2" charset="2"/>
-              <a:buChar char="Ø"/>
-            </a:pPr>
-            <a:r>
-              <a:rPr lang="en-US" sz="2000" dirty="0">
-                <a:effectLst/>
-                <a:latin typeface="Times New Roman" panose="02020603050405020304" pitchFamily="18" charset="0"/>
-                <a:ea typeface="Calibri" panose="020F0502020204030204" pitchFamily="34" charset="0"/>
-                <a:cs typeface="Times New Roman" panose="02020603050405020304" pitchFamily="18" charset="0"/>
-              </a:rPr>
-              <a:t>Patients can view the details of doctors working in a specific department.    </a:t>
-            </a:r>
-          </a:p>
-          <a:p>
-            <a:pPr marR="0" lvl="1">
-              <a:lnSpc>
-                <a:spcPct val="107000"/>
-              </a:lnSpc>
-              <a:spcBef>
-                <a:spcPts val="0"/>
-              </a:spcBef>
-              <a:spcAft>
-                <a:spcPts val="800"/>
-              </a:spcAft>
-              <a:buFont typeface="Wingdings" panose="05000000000000000000" pitchFamily="2" charset="2"/>
-              <a:buChar char="Ø"/>
-            </a:pPr>
-            <a:r>
-              <a:rPr lang="en-US" sz="2000" dirty="0">
-                <a:effectLst/>
-                <a:latin typeface="Times New Roman" panose="02020603050405020304" pitchFamily="18" charset="0"/>
-                <a:ea typeface="Calibri" panose="020F0502020204030204" pitchFamily="34" charset="0"/>
-                <a:cs typeface="Times New Roman" panose="02020603050405020304" pitchFamily="18" charset="0"/>
-              </a:rPr>
-              <a:t>The system showcases medications linked with specific patient appointments and generic against the disease treatment.</a:t>
-            </a:r>
-          </a:p>
-          <a:p>
-            <a:pPr marR="0" lvl="0">
-              <a:lnSpc>
-                <a:spcPct val="107000"/>
-              </a:lnSpc>
-              <a:spcBef>
-                <a:spcPts val="0"/>
-              </a:spcBef>
-              <a:spcAft>
-                <a:spcPts val="0"/>
-              </a:spcAft>
-              <a:buFont typeface="Wingdings" panose="05000000000000000000" pitchFamily="2" charset="2"/>
-              <a:buChar char="Ø"/>
-            </a:pPr>
-            <a:endParaRPr lang="en-US" sz="2000" dirty="0">
-              <a:effectLst/>
-              <a:latin typeface="Times New Roman" panose="02020603050405020304" pitchFamily="18" charset="0"/>
-              <a:ea typeface="Calibri" panose="020F0502020204030204" pitchFamily="34" charset="0"/>
-              <a:cs typeface="Times New Roman" panose="02020603050405020304" pitchFamily="18" charset="0"/>
-            </a:endParaRPr>
-          </a:p>
-        </p:txBody>
-      </p:sp>
+            <a:off x="805068" y="1607726"/>
+            <a:ext cx="10624250" cy="4121586"/>
+          </a:xfrm>
+          <a:prstGeom prst="rect">
+            <a:avLst/>
+          </a:prstGeom>
+        </p:spPr>
+      </p:pic>
     </p:spTree>
-    <p:extLst>
-      <p:ext uri="{BB962C8B-B14F-4D97-AF65-F5344CB8AC3E}">
-        <p14:creationId xmlns:p14="http://schemas.microsoft.com/office/powerpoint/2010/main" val="593245668"/>
-      </p:ext>
-    </p:extLst>
   </p:cSld>
   <p:clrMapOvr>
     <a:masterClrMapping/>
@@ -5546,43 +5507,7 @@
       </p:grpSpPr>
       <p:sp>
         <p:nvSpPr>
-          <p:cNvPr id="176" name="Rectangle 7"/>
-          <p:cNvSpPr/>
-          <p:nvPr/>
-        </p:nvSpPr>
-        <p:spPr>
-          <a:xfrm>
-            <a:off x="897467" y="0"/>
-            <a:ext cx="10397067" cy="5848350"/>
-          </a:xfrm>
-          <a:prstGeom prst="rect">
-            <a:avLst/>
-          </a:prstGeom>
-          <a:solidFill>
-            <a:srgbClr val="FFFFFF"/>
-          </a:solidFill>
-          <a:ln w="12700">
-            <a:miter lim="400000"/>
-          </a:ln>
-        </p:spPr>
-        <p:txBody>
-          <a:bodyPr lIns="45719" rIns="45719" anchor="ctr"/>
-          <a:lstStyle/>
-          <a:p>
-            <a:pPr>
-              <a:defRPr sz="1500">
-                <a:solidFill>
-                  <a:srgbClr val="FFFFFF"/>
-                </a:solidFill>
-              </a:defRPr>
-            </a:pPr>
-            <a:endParaRPr/>
-          </a:p>
-        </p:txBody>
-      </p:sp>
-      <p:sp>
-        <p:nvSpPr>
-          <p:cNvPr id="177" name="Rectangle 9"/>
+          <p:cNvPr id="135" name="Rectangle 9"/>
           <p:cNvSpPr/>
           <p:nvPr/>
         </p:nvSpPr>
@@ -5626,7 +5551,7 @@
       </p:sp>
       <p:sp>
         <p:nvSpPr>
-          <p:cNvPr id="178" name="Rectangle 11"/>
+          <p:cNvPr id="136" name="Rectangle 11"/>
           <p:cNvSpPr/>
           <p:nvPr/>
         </p:nvSpPr>
@@ -5674,7 +5599,7 @@
       </p:sp>
       <p:sp>
         <p:nvSpPr>
-          <p:cNvPr id="179" name="Rectangle 13"/>
+          <p:cNvPr id="137" name="Rectangle 13"/>
           <p:cNvSpPr/>
           <p:nvPr/>
         </p:nvSpPr>
@@ -5722,7 +5647,7 @@
       </p:sp>
       <p:sp>
         <p:nvSpPr>
-          <p:cNvPr id="180" name="Rectangle 15"/>
+          <p:cNvPr id="138" name="Rectangle 15"/>
           <p:cNvSpPr/>
           <p:nvPr/>
         </p:nvSpPr>
@@ -5770,7 +5695,7 @@
       </p:sp>
       <p:sp>
         <p:nvSpPr>
-          <p:cNvPr id="181" name="Title 1"/>
+          <p:cNvPr id="139" name="Title 1"/>
           <p:cNvSpPr txBox="1">
             <a:spLocks noGrp="1"/>
           </p:cNvSpPr>
@@ -5801,84 +5726,191 @@
           <a:p>
             <a:r>
               <a:rPr lang="en-US" dirty="0"/>
-              <a:t>Patient</a:t>
-            </a:r>
-            <a:r>
-              <a:rPr dirty="0"/>
-              <a:t> Dashboard</a:t>
-            </a:r>
-          </a:p>
-        </p:txBody>
-      </p:sp>
-      <p:sp>
-        <p:nvSpPr>
-          <p:cNvPr id="182" name="TextBox 4"/>
-          <p:cNvSpPr txBox="1"/>
-          <p:nvPr/>
+              <a:t>Patient Dashboard</a:t>
+            </a:r>
+            <a:endParaRPr dirty="0"/>
+          </a:p>
+        </p:txBody>
+      </p:sp>
+      <p:sp>
+        <p:nvSpPr>
+          <p:cNvPr id="140" name="Content Placeholder 2"/>
+          <p:cNvSpPr txBox="1">
+            <a:spLocks noGrp="1"/>
+          </p:cNvSpPr>
+          <p:nvPr>
+            <p:ph type="body" sz="half" idx="1"/>
+          </p:nvPr>
         </p:nvSpPr>
         <p:spPr>
           <a:xfrm>
-            <a:off x="1002064" y="1560351"/>
-            <a:ext cx="10246750" cy="375552"/>
-          </a:xfrm>
-          <a:prstGeom prst="rect">
-            <a:avLst/>
-          </a:prstGeom>
-          <a:ln w="12700">
-            <a:miter lim="400000"/>
-          </a:ln>
-          <a:extLst>
-            <a:ext uri="{C572A759-6A51-4108-AA02-DFA0A04FC94B}">
-              <ma14:wrappingTextBoxFlag xmlns:ma14="http://schemas.microsoft.com/office/mac/drawingml/2011/main" xmlns:a14="http://schemas.microsoft.com/office/drawing/2010/main" xmlns:m="http://schemas.openxmlformats.org/officeDocument/2006/math" xmlns="" val="1"/>
-            </a:ext>
-          </a:extLst>
-        </p:spPr>
-        <p:txBody>
-          <a:bodyPr lIns="45719" rIns="45719">
-            <a:spAutoFit/>
+            <a:off x="2067135" y="1976907"/>
+            <a:ext cx="8292439" cy="1965920"/>
+          </a:xfrm>
+          <a:prstGeom prst="rect">
+            <a:avLst/>
+          </a:prstGeom>
+        </p:spPr>
+        <p:txBody>
+          <a:bodyPr anchor="ctr">
+            <a:noAutofit/>
           </a:bodyPr>
           <a:lstStyle/>
           <a:p>
-            <a:pPr>
+            <a:pPr marR="0" lvl="0">
               <a:lnSpc>
                 <a:spcPct val="107000"/>
               </a:lnSpc>
-            </a:pPr>
-            <a:endParaRPr dirty="0"/>
-          </a:p>
-        </p:txBody>
-      </p:sp>
-      <p:pic>
-        <p:nvPicPr>
-          <p:cNvPr id="3" name="Picture 2">
-            <a:extLst>
-              <a:ext uri="{FF2B5EF4-FFF2-40B4-BE49-F238E27FC236}">
-                <a16:creationId xmlns:a16="http://schemas.microsoft.com/office/drawing/2014/main" id="{35F3F46E-7A76-45C8-A1EF-7DB543CE2699}"/>
-              </a:ext>
-            </a:extLst>
-          </p:cNvPr>
-          <p:cNvPicPr>
-            <a:picLocks noChangeAspect="1"/>
-          </p:cNvPicPr>
-          <p:nvPr/>
-        </p:nvPicPr>
-        <p:blipFill>
-          <a:blip r:embed="rId2"/>
-          <a:stretch>
-            <a:fillRect/>
-          </a:stretch>
-        </p:blipFill>
-        <p:spPr>
-          <a:xfrm>
-            <a:off x="910042" y="1544096"/>
-            <a:ext cx="10560496" cy="4224807"/>
-          </a:xfrm>
-          <a:prstGeom prst="rect">
-            <a:avLst/>
-          </a:prstGeom>
-        </p:spPr>
-      </p:pic>
+              <a:spcBef>
+                <a:spcPts val="0"/>
+              </a:spcBef>
+              <a:spcAft>
+                <a:spcPts val="0"/>
+              </a:spcAft>
+              <a:buFont typeface="Wingdings" panose="05000000000000000000" pitchFamily="2" charset="2"/>
+              <a:buChar char="Ø"/>
+            </a:pPr>
+            <a:r>
+              <a:rPr lang="en-US" sz="2000" b="1" dirty="0">
+                <a:effectLst/>
+                <a:latin typeface="Times New Roman" panose="02020603050405020304" pitchFamily="18" charset="0"/>
+                <a:ea typeface="Calibri" panose="020F0502020204030204" pitchFamily="34" charset="0"/>
+                <a:cs typeface="Times New Roman" panose="02020603050405020304" pitchFamily="18" charset="0"/>
+              </a:rPr>
+              <a:t>Patient Module</a:t>
+            </a:r>
+            <a:endParaRPr lang="en-US" sz="2000" dirty="0">
+              <a:effectLst/>
+              <a:latin typeface="Times New Roman" panose="02020603050405020304" pitchFamily="18" charset="0"/>
+              <a:ea typeface="Calibri" panose="020F0502020204030204" pitchFamily="34" charset="0"/>
+              <a:cs typeface="Times New Roman" panose="02020603050405020304" pitchFamily="18" charset="0"/>
+            </a:endParaRPr>
+          </a:p>
+          <a:p>
+            <a:pPr marR="0" lvl="1">
+              <a:lnSpc>
+                <a:spcPct val="107000"/>
+              </a:lnSpc>
+              <a:spcBef>
+                <a:spcPts val="0"/>
+              </a:spcBef>
+              <a:spcAft>
+                <a:spcPts val="0"/>
+              </a:spcAft>
+              <a:buFont typeface="Wingdings" panose="05000000000000000000" pitchFamily="2" charset="2"/>
+              <a:buChar char="Ø"/>
+            </a:pPr>
+            <a:r>
+              <a:rPr lang="en-US" sz="2000" dirty="0">
+                <a:effectLst/>
+                <a:latin typeface="Times New Roman" panose="02020603050405020304" pitchFamily="18" charset="0"/>
+                <a:ea typeface="Calibri" panose="020F0502020204030204" pitchFamily="34" charset="0"/>
+                <a:cs typeface="Times New Roman" panose="02020603050405020304" pitchFamily="18" charset="0"/>
+              </a:rPr>
+              <a:t>Registered patients can schedule new appointments with a specific doctor on basis of the doctor’s availability.</a:t>
+            </a:r>
+          </a:p>
+          <a:p>
+            <a:pPr marR="0" lvl="1">
+              <a:lnSpc>
+                <a:spcPct val="107000"/>
+              </a:lnSpc>
+              <a:spcBef>
+                <a:spcPts val="0"/>
+              </a:spcBef>
+              <a:spcAft>
+                <a:spcPts val="0"/>
+              </a:spcAft>
+              <a:buFont typeface="Wingdings" panose="05000000000000000000" pitchFamily="2" charset="2"/>
+              <a:buChar char="Ø"/>
+            </a:pPr>
+            <a:r>
+              <a:rPr lang="en-US" sz="2000" dirty="0">
+                <a:effectLst/>
+                <a:latin typeface="Times New Roman" panose="02020603050405020304" pitchFamily="18" charset="0"/>
+                <a:ea typeface="Calibri" panose="020F0502020204030204" pitchFamily="34" charset="0"/>
+                <a:cs typeface="Times New Roman" panose="02020603050405020304" pitchFamily="18" charset="0"/>
+              </a:rPr>
+              <a:t>The system also provides the feature to reschedule or cancel existing appointments.</a:t>
+            </a:r>
+          </a:p>
+          <a:p>
+            <a:pPr marR="0" lvl="1">
+              <a:lnSpc>
+                <a:spcPct val="107000"/>
+              </a:lnSpc>
+              <a:spcBef>
+                <a:spcPts val="0"/>
+              </a:spcBef>
+              <a:spcAft>
+                <a:spcPts val="0"/>
+              </a:spcAft>
+              <a:buFont typeface="Wingdings" panose="05000000000000000000" pitchFamily="2" charset="2"/>
+              <a:buChar char="Ø"/>
+            </a:pPr>
+            <a:r>
+              <a:rPr lang="en-US" sz="2000" dirty="0">
+                <a:effectLst/>
+                <a:latin typeface="Times New Roman" panose="02020603050405020304" pitchFamily="18" charset="0"/>
+                <a:ea typeface="Calibri" panose="020F0502020204030204" pitchFamily="34" charset="0"/>
+                <a:cs typeface="Times New Roman" panose="02020603050405020304" pitchFamily="18" charset="0"/>
+              </a:rPr>
+              <a:t>Patients can view the details of doctors working in a specific department.    </a:t>
+            </a:r>
+          </a:p>
+          <a:p>
+            <a:pPr marR="0" lvl="1">
+              <a:lnSpc>
+                <a:spcPct val="107000"/>
+              </a:lnSpc>
+              <a:spcBef>
+                <a:spcPts val="0"/>
+              </a:spcBef>
+              <a:spcAft>
+                <a:spcPts val="800"/>
+              </a:spcAft>
+              <a:buFont typeface="Wingdings" panose="05000000000000000000" pitchFamily="2" charset="2"/>
+              <a:buChar char="Ø"/>
+            </a:pPr>
+            <a:r>
+              <a:rPr lang="en-US" sz="2000" dirty="0">
+                <a:effectLst/>
+                <a:latin typeface="Times New Roman" panose="02020603050405020304" pitchFamily="18" charset="0"/>
+                <a:ea typeface="Calibri" panose="020F0502020204030204" pitchFamily="34" charset="0"/>
+                <a:cs typeface="Times New Roman" panose="02020603050405020304" pitchFamily="18" charset="0"/>
+              </a:rPr>
+              <a:t>The system showcases medications linked with specific patient appointments and generic against the disease treatment.</a:t>
+            </a:r>
+          </a:p>
+          <a:p>
+            <a:pPr marR="0" lvl="0">
+              <a:lnSpc>
+                <a:spcPct val="107000"/>
+              </a:lnSpc>
+              <a:spcBef>
+                <a:spcPts val="0"/>
+              </a:spcBef>
+              <a:spcAft>
+                <a:spcPts val="0"/>
+              </a:spcAft>
+              <a:buFont typeface="Wingdings" panose="05000000000000000000" pitchFamily="2" charset="2"/>
+              <a:buChar char="Ø"/>
+            </a:pPr>
+            <a:endParaRPr lang="en-US" sz="2000" dirty="0">
+              <a:effectLst/>
+              <a:latin typeface="Times New Roman" panose="02020603050405020304" pitchFamily="18" charset="0"/>
+              <a:ea typeface="Calibri" panose="020F0502020204030204" pitchFamily="34" charset="0"/>
+              <a:cs typeface="Times New Roman" panose="02020603050405020304" pitchFamily="18" charset="0"/>
+            </a:endParaRPr>
+          </a:p>
+        </p:txBody>
+      </p:sp>
     </p:spTree>
+    <p:extLst>
+      <p:ext uri="{BB962C8B-B14F-4D97-AF65-F5344CB8AC3E}">
+        <p14:creationId xmlns:p14="http://schemas.microsoft.com/office/powerpoint/2010/main" val="593245668"/>
+      </p:ext>
+    </p:extLst>
   </p:cSld>
   <p:clrMapOvr>
     <a:masterClrMapping/>
@@ -5906,7 +5938,43 @@
       </p:grpSpPr>
       <p:sp>
         <p:nvSpPr>
-          <p:cNvPr id="135" name="Rectangle 9"/>
+          <p:cNvPr id="176" name="Rectangle 7"/>
+          <p:cNvSpPr/>
+          <p:nvPr/>
+        </p:nvSpPr>
+        <p:spPr>
+          <a:xfrm>
+            <a:off x="897467" y="0"/>
+            <a:ext cx="10397067" cy="5848350"/>
+          </a:xfrm>
+          <a:prstGeom prst="rect">
+            <a:avLst/>
+          </a:prstGeom>
+          <a:solidFill>
+            <a:srgbClr val="FFFFFF"/>
+          </a:solidFill>
+          <a:ln w="12700">
+            <a:miter lim="400000"/>
+          </a:ln>
+        </p:spPr>
+        <p:txBody>
+          <a:bodyPr lIns="45719" rIns="45719" anchor="ctr"/>
+          <a:lstStyle/>
+          <a:p>
+            <a:pPr>
+              <a:defRPr sz="1500">
+                <a:solidFill>
+                  <a:srgbClr val="FFFFFF"/>
+                </a:solidFill>
+              </a:defRPr>
+            </a:pPr>
+            <a:endParaRPr/>
+          </a:p>
+        </p:txBody>
+      </p:sp>
+      <p:sp>
+        <p:nvSpPr>
+          <p:cNvPr id="177" name="Rectangle 9"/>
           <p:cNvSpPr/>
           <p:nvPr/>
         </p:nvSpPr>
@@ -5950,7 +6018,7 @@
       </p:sp>
       <p:sp>
         <p:nvSpPr>
-          <p:cNvPr id="136" name="Rectangle 11"/>
+          <p:cNvPr id="178" name="Rectangle 11"/>
           <p:cNvSpPr/>
           <p:nvPr/>
         </p:nvSpPr>
@@ -5998,7 +6066,7 @@
       </p:sp>
       <p:sp>
         <p:nvSpPr>
-          <p:cNvPr id="137" name="Rectangle 13"/>
+          <p:cNvPr id="179" name="Rectangle 13"/>
           <p:cNvSpPr/>
           <p:nvPr/>
         </p:nvSpPr>
@@ -6046,7 +6114,7 @@
       </p:sp>
       <p:sp>
         <p:nvSpPr>
-          <p:cNvPr id="138" name="Rectangle 15"/>
+          <p:cNvPr id="180" name="Rectangle 15"/>
           <p:cNvSpPr/>
           <p:nvPr/>
         </p:nvSpPr>
@@ -6094,7 +6162,7 @@
       </p:sp>
       <p:sp>
         <p:nvSpPr>
-          <p:cNvPr id="139" name="Title 1"/>
+          <p:cNvPr id="181" name="Title 1"/>
           <p:cNvSpPr txBox="1">
             <a:spLocks noGrp="1"/>
           </p:cNvSpPr>
@@ -6125,191 +6193,84 @@
           <a:p>
             <a:r>
               <a:rPr lang="en-US" dirty="0"/>
-              <a:t>Staff Dashboard</a:t>
-            </a:r>
-            <a:endParaRPr dirty="0"/>
-          </a:p>
-        </p:txBody>
-      </p:sp>
-      <p:sp>
-        <p:nvSpPr>
-          <p:cNvPr id="140" name="Content Placeholder 2"/>
-          <p:cNvSpPr txBox="1">
-            <a:spLocks noGrp="1"/>
-          </p:cNvSpPr>
-          <p:nvPr>
-            <p:ph type="body" sz="half" idx="1"/>
-          </p:nvPr>
+              <a:t>Patient</a:t>
+            </a:r>
+            <a:r>
+              <a:rPr dirty="0"/>
+              <a:t> Dashboard</a:t>
+            </a:r>
+          </a:p>
+        </p:txBody>
+      </p:sp>
+      <p:sp>
+        <p:nvSpPr>
+          <p:cNvPr id="182" name="TextBox 4"/>
+          <p:cNvSpPr txBox="1"/>
+          <p:nvPr/>
         </p:nvSpPr>
         <p:spPr>
           <a:xfrm>
-            <a:off x="2067135" y="1976907"/>
-            <a:ext cx="8292439" cy="1965920"/>
-          </a:xfrm>
-          <a:prstGeom prst="rect">
-            <a:avLst/>
-          </a:prstGeom>
-        </p:spPr>
-        <p:txBody>
-          <a:bodyPr anchor="ctr">
-            <a:noAutofit/>
+            <a:off x="1002064" y="1560351"/>
+            <a:ext cx="10246750" cy="375552"/>
+          </a:xfrm>
+          <a:prstGeom prst="rect">
+            <a:avLst/>
+          </a:prstGeom>
+          <a:ln w="12700">
+            <a:miter lim="400000"/>
+          </a:ln>
+          <a:extLst>
+            <a:ext uri="{C572A759-6A51-4108-AA02-DFA0A04FC94B}">
+              <ma14:wrappingTextBoxFlag xmlns="" xmlns:m="http://schemas.openxmlformats.org/officeDocument/2006/math" xmlns:a14="http://schemas.microsoft.com/office/drawing/2010/main" xmlns:ma14="http://schemas.microsoft.com/office/mac/drawingml/2011/main" val="1"/>
+            </a:ext>
+          </a:extLst>
+        </p:spPr>
+        <p:txBody>
+          <a:bodyPr lIns="45719" rIns="45719">
+            <a:spAutoFit/>
           </a:bodyPr>
           <a:lstStyle/>
           <a:p>
-            <a:pPr marR="0" lvl="0">
+            <a:pPr>
               <a:lnSpc>
                 <a:spcPct val="107000"/>
               </a:lnSpc>
-              <a:spcBef>
-                <a:spcPts val="0"/>
-              </a:spcBef>
-              <a:spcAft>
-                <a:spcPts val="0"/>
-              </a:spcAft>
-              <a:buFont typeface="Wingdings" panose="05000000000000000000" pitchFamily="2" charset="2"/>
-              <a:buChar char="Ø"/>
-            </a:pPr>
-            <a:r>
-              <a:rPr lang="en-US" sz="2000" b="1" dirty="0">
-                <a:effectLst/>
-                <a:latin typeface="Times New Roman" panose="02020603050405020304" pitchFamily="18" charset="0"/>
-                <a:ea typeface="Calibri" panose="020F0502020204030204" pitchFamily="34" charset="0"/>
-                <a:cs typeface="Times New Roman" panose="02020603050405020304" pitchFamily="18" charset="0"/>
-              </a:rPr>
-              <a:t>Staff Module</a:t>
-            </a:r>
-            <a:endParaRPr lang="en-US" sz="2000" dirty="0">
-              <a:effectLst/>
-              <a:latin typeface="Times New Roman" panose="02020603050405020304" pitchFamily="18" charset="0"/>
-              <a:ea typeface="Calibri" panose="020F0502020204030204" pitchFamily="34" charset="0"/>
-              <a:cs typeface="Times New Roman" panose="02020603050405020304" pitchFamily="18" charset="0"/>
-            </a:endParaRPr>
-          </a:p>
-          <a:p>
-            <a:pPr marR="0" lvl="1">
-              <a:lnSpc>
-                <a:spcPct val="107000"/>
-              </a:lnSpc>
-              <a:spcBef>
-                <a:spcPts val="0"/>
-              </a:spcBef>
-              <a:spcAft>
-                <a:spcPts val="0"/>
-              </a:spcAft>
-              <a:buFont typeface="Wingdings" panose="05000000000000000000" pitchFamily="2" charset="2"/>
-              <a:buChar char="Ø"/>
-            </a:pPr>
-            <a:r>
-              <a:rPr lang="en-US" sz="2000" dirty="0">
-                <a:effectLst/>
-                <a:latin typeface="Times New Roman" panose="02020603050405020304" pitchFamily="18" charset="0"/>
-                <a:ea typeface="Calibri" panose="020F0502020204030204" pitchFamily="34" charset="0"/>
-                <a:cs typeface="Times New Roman" panose="02020603050405020304" pitchFamily="18" charset="0"/>
-              </a:rPr>
-              <a:t>Staff members of the hospital can modify the details of patients, who visited for consultation or treatment.</a:t>
-            </a:r>
-          </a:p>
-          <a:p>
-            <a:pPr marR="0" lvl="1">
-              <a:lnSpc>
-                <a:spcPct val="107000"/>
-              </a:lnSpc>
-              <a:spcBef>
-                <a:spcPts val="0"/>
-              </a:spcBef>
-              <a:spcAft>
-                <a:spcPts val="0"/>
-              </a:spcAft>
-              <a:buFont typeface="Wingdings" panose="05000000000000000000" pitchFamily="2" charset="2"/>
-              <a:buChar char="Ø"/>
-            </a:pPr>
-            <a:r>
-              <a:rPr lang="en-US" sz="2000" dirty="0">
-                <a:effectLst/>
-                <a:latin typeface="Times New Roman" panose="02020603050405020304" pitchFamily="18" charset="0"/>
-                <a:ea typeface="Calibri" panose="020F0502020204030204" pitchFamily="34" charset="0"/>
-                <a:cs typeface="Times New Roman" panose="02020603050405020304" pitchFamily="18" charset="0"/>
-              </a:rPr>
-              <a:t>Staff can view the details of doctors working in a specialized department.    </a:t>
-            </a:r>
-          </a:p>
-          <a:p>
-            <a:pPr marR="0" lvl="1">
-              <a:lnSpc>
-                <a:spcPct val="107000"/>
-              </a:lnSpc>
-              <a:spcBef>
-                <a:spcPts val="0"/>
-              </a:spcBef>
-              <a:spcAft>
-                <a:spcPts val="0"/>
-              </a:spcAft>
-              <a:buFont typeface="Wingdings" panose="05000000000000000000" pitchFamily="2" charset="2"/>
-              <a:buChar char="Ø"/>
-            </a:pPr>
-            <a:r>
-              <a:rPr lang="en-US" sz="2000" dirty="0">
-                <a:effectLst/>
-                <a:latin typeface="Times New Roman" panose="02020603050405020304" pitchFamily="18" charset="0"/>
-                <a:ea typeface="Calibri" panose="020F0502020204030204" pitchFamily="34" charset="0"/>
-                <a:cs typeface="Times New Roman" panose="02020603050405020304" pitchFamily="18" charset="0"/>
-              </a:rPr>
-              <a:t>The system also provides the feature to staff members to view all the patient appointments.</a:t>
-            </a:r>
-          </a:p>
-          <a:p>
-            <a:pPr marR="0" lvl="1">
-              <a:lnSpc>
-                <a:spcPct val="107000"/>
-              </a:lnSpc>
-              <a:spcBef>
-                <a:spcPts val="0"/>
-              </a:spcBef>
-              <a:spcAft>
-                <a:spcPts val="800"/>
-              </a:spcAft>
-              <a:buFont typeface="Wingdings" panose="05000000000000000000" pitchFamily="2" charset="2"/>
-              <a:buChar char="Ø"/>
-            </a:pPr>
-            <a:r>
-              <a:rPr lang="en-US" sz="2000" dirty="0">
-                <a:effectLst/>
-                <a:latin typeface="Times New Roman" panose="02020603050405020304" pitchFamily="18" charset="0"/>
-                <a:ea typeface="Calibri" panose="020F0502020204030204" pitchFamily="34" charset="0"/>
-                <a:cs typeface="Times New Roman" panose="02020603050405020304" pitchFamily="18" charset="0"/>
-              </a:rPr>
-              <a:t>Staff can provide the details of different medicines available in the hospital pharmacy.</a:t>
-            </a:r>
-          </a:p>
-          <a:p>
-            <a:pPr marR="0" lvl="0">
-              <a:lnSpc>
-                <a:spcPct val="107000"/>
-              </a:lnSpc>
-              <a:spcBef>
-                <a:spcPts val="0"/>
-              </a:spcBef>
-              <a:spcAft>
-                <a:spcPts val="0"/>
-              </a:spcAft>
-              <a:buFont typeface="Wingdings" panose="05000000000000000000" pitchFamily="2" charset="2"/>
-              <a:buChar char="Ø"/>
-            </a:pPr>
-            <a:endParaRPr lang="en-US" sz="2000" dirty="0">
-              <a:effectLst/>
-              <a:latin typeface="Times New Roman" panose="02020603050405020304" pitchFamily="18" charset="0"/>
-              <a:ea typeface="Calibri" panose="020F0502020204030204" pitchFamily="34" charset="0"/>
-              <a:cs typeface="Times New Roman" panose="02020603050405020304" pitchFamily="18" charset="0"/>
-            </a:endParaRPr>
-          </a:p>
-        </p:txBody>
-      </p:sp>
+            </a:pPr>
+            <a:endParaRPr dirty="0"/>
+          </a:p>
+        </p:txBody>
+      </p:sp>
+      <p:pic>
+        <p:nvPicPr>
+          <p:cNvPr id="3" name="Picture 2">
+            <a:extLst>
+              <a:ext uri="{FF2B5EF4-FFF2-40B4-BE49-F238E27FC236}">
+                <a16:creationId xmlns:a16="http://schemas.microsoft.com/office/drawing/2014/main" id="{35F3F46E-7A76-45C8-A1EF-7DB543CE2699}"/>
+              </a:ext>
+            </a:extLst>
+          </p:cNvPr>
+          <p:cNvPicPr>
+            <a:picLocks noChangeAspect="1"/>
+          </p:cNvPicPr>
+          <p:nvPr/>
+        </p:nvPicPr>
+        <p:blipFill>
+          <a:blip r:embed="rId2"/>
+          <a:stretch>
+            <a:fillRect/>
+          </a:stretch>
+        </p:blipFill>
+        <p:spPr>
+          <a:xfrm>
+            <a:off x="910042" y="1544096"/>
+            <a:ext cx="10560496" cy="4224807"/>
+          </a:xfrm>
+          <a:prstGeom prst="rect">
+            <a:avLst/>
+          </a:prstGeom>
+        </p:spPr>
+      </p:pic>
     </p:spTree>
-    <p:extLst>
-      <p:ext uri="{BB962C8B-B14F-4D97-AF65-F5344CB8AC3E}">
-        <p14:creationId xmlns:p14="http://schemas.microsoft.com/office/powerpoint/2010/main" val="1273597499"/>
-      </p:ext>
-    </p:extLst>
   </p:cSld>
   <p:clrMapOvr>
     <a:masterClrMapping/>
@@ -6337,43 +6298,7 @@
       </p:grpSpPr>
       <p:sp>
         <p:nvSpPr>
-          <p:cNvPr id="184" name="Rectangle 7"/>
-          <p:cNvSpPr/>
-          <p:nvPr/>
-        </p:nvSpPr>
-        <p:spPr>
-          <a:xfrm>
-            <a:off x="1088125" y="56607"/>
-            <a:ext cx="10397067" cy="5848350"/>
-          </a:xfrm>
-          <a:prstGeom prst="rect">
-            <a:avLst/>
-          </a:prstGeom>
-          <a:solidFill>
-            <a:srgbClr val="FFFFFF"/>
-          </a:solidFill>
-          <a:ln w="12700">
-            <a:miter lim="400000"/>
-          </a:ln>
-        </p:spPr>
-        <p:txBody>
-          <a:bodyPr lIns="45719" rIns="45719" anchor="ctr"/>
-          <a:lstStyle/>
-          <a:p>
-            <a:pPr>
-              <a:defRPr sz="1500">
-                <a:solidFill>
-                  <a:srgbClr val="FFFFFF"/>
-                </a:solidFill>
-              </a:defRPr>
-            </a:pPr>
-            <a:endParaRPr/>
-          </a:p>
-        </p:txBody>
-      </p:sp>
-      <p:sp>
-        <p:nvSpPr>
-          <p:cNvPr id="185" name="Rectangle 9"/>
+          <p:cNvPr id="135" name="Rectangle 9"/>
           <p:cNvSpPr/>
           <p:nvPr/>
         </p:nvSpPr>
@@ -6417,7 +6342,7 @@
       </p:sp>
       <p:sp>
         <p:nvSpPr>
-          <p:cNvPr id="186" name="Rectangle 11"/>
+          <p:cNvPr id="136" name="Rectangle 11"/>
           <p:cNvSpPr/>
           <p:nvPr/>
         </p:nvSpPr>
@@ -6465,7 +6390,7 @@
       </p:sp>
       <p:sp>
         <p:nvSpPr>
-          <p:cNvPr id="187" name="Rectangle 13"/>
+          <p:cNvPr id="137" name="Rectangle 13"/>
           <p:cNvSpPr/>
           <p:nvPr/>
         </p:nvSpPr>
@@ -6513,7 +6438,7 @@
       </p:sp>
       <p:sp>
         <p:nvSpPr>
-          <p:cNvPr id="188" name="Rectangle 15"/>
+          <p:cNvPr id="138" name="Rectangle 15"/>
           <p:cNvSpPr/>
           <p:nvPr/>
         </p:nvSpPr>
@@ -6561,7 +6486,7 @@
       </p:sp>
       <p:sp>
         <p:nvSpPr>
-          <p:cNvPr id="189" name="Title 1"/>
+          <p:cNvPr id="139" name="Title 1"/>
           <p:cNvSpPr txBox="1">
             <a:spLocks noGrp="1"/>
           </p:cNvSpPr>
@@ -6592,77 +6517,191 @@
           <a:p>
             <a:r>
               <a:rPr lang="en-US" dirty="0"/>
-              <a:t>Staff </a:t>
-            </a:r>
-            <a:r>
-              <a:rPr dirty="0"/>
-              <a:t>Dashboard </a:t>
-            </a:r>
-          </a:p>
-        </p:txBody>
-      </p:sp>
-      <p:sp>
-        <p:nvSpPr>
-          <p:cNvPr id="191" name="Slide Number"/>
+              <a:t>Staff Dashboard</a:t>
+            </a:r>
+            <a:endParaRPr dirty="0"/>
+          </a:p>
+        </p:txBody>
+      </p:sp>
+      <p:sp>
+        <p:nvSpPr>
+          <p:cNvPr id="140" name="Content Placeholder 2"/>
           <p:cNvSpPr txBox="1">
             <a:spLocks noGrp="1"/>
           </p:cNvSpPr>
           <p:nvPr>
-            <p:ph type="sldNum" sz="quarter" idx="4294967295"/>
+            <p:ph type="body" sz="half" idx="1"/>
           </p:nvPr>
         </p:nvSpPr>
         <p:spPr>
           <a:xfrm>
-            <a:off x="11928648" y="5113771"/>
-            <a:ext cx="92396" cy="477054"/>
-          </a:xfrm>
-          <a:prstGeom prst="rect">
-            <a:avLst/>
-          </a:prstGeom>
-          <a:extLst>
-            <a:ext uri="{C572A759-6A51-4108-AA02-DFA0A04FC94B}">
-              <ma14:wrappingTextBoxFlag xmlns:ma14="http://schemas.microsoft.com/office/mac/drawingml/2011/main" xmlns:a14="http://schemas.microsoft.com/office/drawing/2010/main" xmlns:m="http://schemas.openxmlformats.org/officeDocument/2006/math" xmlns="" val="1"/>
-            </a:ext>
-          </a:extLst>
-        </p:spPr>
-        <p:txBody>
-          <a:bodyPr/>
+            <a:off x="2067135" y="1976907"/>
+            <a:ext cx="8292439" cy="1965920"/>
+          </a:xfrm>
+          <a:prstGeom prst="rect">
+            <a:avLst/>
+          </a:prstGeom>
+        </p:spPr>
+        <p:txBody>
+          <a:bodyPr anchor="ctr">
+            <a:noAutofit/>
+          </a:bodyPr>
           <a:lstStyle/>
           <a:p>
-            <a:endParaRPr dirty="0"/>
-          </a:p>
-        </p:txBody>
-      </p:sp>
-      <p:pic>
-        <p:nvPicPr>
-          <p:cNvPr id="3" name="Picture 2">
-            <a:extLst>
-              <a:ext uri="{FF2B5EF4-FFF2-40B4-BE49-F238E27FC236}">
-                <a16:creationId xmlns:a16="http://schemas.microsoft.com/office/drawing/2014/main" id="{5C7165A8-4F96-417C-9F18-14C8556BBE89}"/>
-              </a:ext>
-            </a:extLst>
-          </p:cNvPr>
-          <p:cNvPicPr>
-            <a:picLocks noChangeAspect="1"/>
-          </p:cNvPicPr>
-          <p:nvPr/>
-        </p:nvPicPr>
-        <p:blipFill rotWithShape="1">
-          <a:blip r:embed="rId2"/>
-          <a:srcRect b="5106"/>
-          <a:stretch/>
-        </p:blipFill>
-        <p:spPr>
-          <a:xfrm>
-            <a:off x="897464" y="1413159"/>
-            <a:ext cx="10587728" cy="4177666"/>
-          </a:xfrm>
-          <a:prstGeom prst="rect">
-            <a:avLst/>
-          </a:prstGeom>
-        </p:spPr>
-      </p:pic>
+            <a:pPr marR="0" lvl="0">
+              <a:lnSpc>
+                <a:spcPct val="107000"/>
+              </a:lnSpc>
+              <a:spcBef>
+                <a:spcPts val="0"/>
+              </a:spcBef>
+              <a:spcAft>
+                <a:spcPts val="0"/>
+              </a:spcAft>
+              <a:buFont typeface="Wingdings" panose="05000000000000000000" pitchFamily="2" charset="2"/>
+              <a:buChar char="Ø"/>
+            </a:pPr>
+            <a:r>
+              <a:rPr lang="en-US" sz="2000" b="1" dirty="0">
+                <a:effectLst/>
+                <a:latin typeface="Times New Roman" panose="02020603050405020304" pitchFamily="18" charset="0"/>
+                <a:ea typeface="Calibri" panose="020F0502020204030204" pitchFamily="34" charset="0"/>
+                <a:cs typeface="Times New Roman" panose="02020603050405020304" pitchFamily="18" charset="0"/>
+              </a:rPr>
+              <a:t>Staff Module</a:t>
+            </a:r>
+            <a:endParaRPr lang="en-US" sz="2000" dirty="0">
+              <a:effectLst/>
+              <a:latin typeface="Times New Roman" panose="02020603050405020304" pitchFamily="18" charset="0"/>
+              <a:ea typeface="Calibri" panose="020F0502020204030204" pitchFamily="34" charset="0"/>
+              <a:cs typeface="Times New Roman" panose="02020603050405020304" pitchFamily="18" charset="0"/>
+            </a:endParaRPr>
+          </a:p>
+          <a:p>
+            <a:pPr marR="0" lvl="1">
+              <a:lnSpc>
+                <a:spcPct val="107000"/>
+              </a:lnSpc>
+              <a:spcBef>
+                <a:spcPts val="0"/>
+              </a:spcBef>
+              <a:spcAft>
+                <a:spcPts val="0"/>
+              </a:spcAft>
+              <a:buFont typeface="Wingdings" panose="05000000000000000000" pitchFamily="2" charset="2"/>
+              <a:buChar char="Ø"/>
+            </a:pPr>
+            <a:r>
+              <a:rPr lang="en-US" sz="2000" dirty="0">
+                <a:effectLst/>
+                <a:latin typeface="Times New Roman" panose="02020603050405020304" pitchFamily="18" charset="0"/>
+                <a:ea typeface="Calibri" panose="020F0502020204030204" pitchFamily="34" charset="0"/>
+                <a:cs typeface="Times New Roman" panose="02020603050405020304" pitchFamily="18" charset="0"/>
+              </a:rPr>
+              <a:t>Staff members of the hospital can modify the details of patients, who visited for consultation or treatment.</a:t>
+            </a:r>
+          </a:p>
+          <a:p>
+            <a:pPr marR="0" lvl="1">
+              <a:lnSpc>
+                <a:spcPct val="107000"/>
+              </a:lnSpc>
+              <a:spcBef>
+                <a:spcPts val="0"/>
+              </a:spcBef>
+              <a:spcAft>
+                <a:spcPts val="0"/>
+              </a:spcAft>
+              <a:buFont typeface="Wingdings" panose="05000000000000000000" pitchFamily="2" charset="2"/>
+              <a:buChar char="Ø"/>
+            </a:pPr>
+            <a:r>
+              <a:rPr lang="en-US" sz="2000" dirty="0">
+                <a:effectLst/>
+                <a:latin typeface="Times New Roman" panose="02020603050405020304" pitchFamily="18" charset="0"/>
+                <a:ea typeface="Calibri" panose="020F0502020204030204" pitchFamily="34" charset="0"/>
+                <a:cs typeface="Times New Roman" panose="02020603050405020304" pitchFamily="18" charset="0"/>
+              </a:rPr>
+              <a:t>Staff can view the details of doctors working in a specialized department.    </a:t>
+            </a:r>
+          </a:p>
+          <a:p>
+            <a:pPr marR="0" lvl="1">
+              <a:lnSpc>
+                <a:spcPct val="107000"/>
+              </a:lnSpc>
+              <a:spcBef>
+                <a:spcPts val="0"/>
+              </a:spcBef>
+              <a:spcAft>
+                <a:spcPts val="0"/>
+              </a:spcAft>
+              <a:buFont typeface="Wingdings" panose="05000000000000000000" pitchFamily="2" charset="2"/>
+              <a:buChar char="Ø"/>
+            </a:pPr>
+            <a:r>
+              <a:rPr lang="en-US" sz="2000" dirty="0">
+                <a:effectLst/>
+                <a:latin typeface="Times New Roman" panose="02020603050405020304" pitchFamily="18" charset="0"/>
+                <a:ea typeface="Calibri" panose="020F0502020204030204" pitchFamily="34" charset="0"/>
+                <a:cs typeface="Times New Roman" panose="02020603050405020304" pitchFamily="18" charset="0"/>
+              </a:rPr>
+              <a:t>The system also provides the feature to staff members to view all the patient appointments.</a:t>
+            </a:r>
+          </a:p>
+          <a:p>
+            <a:pPr marR="0" lvl="1">
+              <a:lnSpc>
+                <a:spcPct val="107000"/>
+              </a:lnSpc>
+              <a:spcBef>
+                <a:spcPts val="0"/>
+              </a:spcBef>
+              <a:spcAft>
+                <a:spcPts val="800"/>
+              </a:spcAft>
+              <a:buFont typeface="Wingdings" panose="05000000000000000000" pitchFamily="2" charset="2"/>
+              <a:buChar char="Ø"/>
+            </a:pPr>
+            <a:r>
+              <a:rPr lang="en-US" sz="2000" dirty="0">
+                <a:effectLst/>
+                <a:latin typeface="Times New Roman" panose="02020603050405020304" pitchFamily="18" charset="0"/>
+                <a:ea typeface="Calibri" panose="020F0502020204030204" pitchFamily="34" charset="0"/>
+                <a:cs typeface="Times New Roman" panose="02020603050405020304" pitchFamily="18" charset="0"/>
+              </a:rPr>
+              <a:t>Staff can provide the details of different medicines available in the hospital pharmacy.</a:t>
+            </a:r>
+          </a:p>
+          <a:p>
+            <a:pPr marR="0" lvl="0">
+              <a:lnSpc>
+                <a:spcPct val="107000"/>
+              </a:lnSpc>
+              <a:spcBef>
+                <a:spcPts val="0"/>
+              </a:spcBef>
+              <a:spcAft>
+                <a:spcPts val="0"/>
+              </a:spcAft>
+              <a:buFont typeface="Wingdings" panose="05000000000000000000" pitchFamily="2" charset="2"/>
+              <a:buChar char="Ø"/>
+            </a:pPr>
+            <a:endParaRPr lang="en-US" sz="2000" dirty="0">
+              <a:effectLst/>
+              <a:latin typeface="Times New Roman" panose="02020603050405020304" pitchFamily="18" charset="0"/>
+              <a:ea typeface="Calibri" panose="020F0502020204030204" pitchFamily="34" charset="0"/>
+              <a:cs typeface="Times New Roman" panose="02020603050405020304" pitchFamily="18" charset="0"/>
+            </a:endParaRPr>
+          </a:p>
+        </p:txBody>
+      </p:sp>
     </p:spTree>
+    <p:extLst>
+      <p:ext uri="{BB962C8B-B14F-4D97-AF65-F5344CB8AC3E}">
+        <p14:creationId xmlns:p14="http://schemas.microsoft.com/office/powerpoint/2010/main" val="1273597499"/>
+      </p:ext>
+    </p:extLst>
   </p:cSld>
   <p:clrMapOvr>
     <a:masterClrMapping/>
@@ -6696,7 +6735,7 @@
         </p:nvSpPr>
         <p:spPr>
           <a:xfrm>
-            <a:off x="886839" y="-895424"/>
+            <a:off x="1088125" y="56607"/>
             <a:ext cx="10397067" cy="5848350"/>
           </a:xfrm>
           <a:prstGeom prst="rect">
@@ -6720,319 +6759,7 @@
                 </a:solidFill>
               </a:defRPr>
             </a:pPr>
-            <a:endParaRPr lang="en-US" sz="2800" b="1" u="sng" dirty="0">
-              <a:solidFill>
-                <a:schemeClr val="tx1"/>
-              </a:solidFill>
-              <a:latin typeface="Times New Roman" panose="02020603050405020304" pitchFamily="18" charset="0"/>
-              <a:cs typeface="Times New Roman" panose="02020603050405020304" pitchFamily="18" charset="0"/>
-            </a:endParaRPr>
-          </a:p>
-          <a:p>
-            <a:pPr>
-              <a:defRPr sz="1500">
-                <a:solidFill>
-                  <a:srgbClr val="FFFFFF"/>
-                </a:solidFill>
-              </a:defRPr>
-            </a:pPr>
-            <a:endParaRPr lang="en-US" sz="2800" b="1" u="sng" dirty="0">
-              <a:solidFill>
-                <a:schemeClr val="tx1"/>
-              </a:solidFill>
-              <a:latin typeface="Times New Roman" panose="02020603050405020304" pitchFamily="18" charset="0"/>
-              <a:cs typeface="Times New Roman" panose="02020603050405020304" pitchFamily="18" charset="0"/>
-            </a:endParaRPr>
-          </a:p>
-          <a:p>
-            <a:pPr>
-              <a:defRPr sz="1500">
-                <a:solidFill>
-                  <a:srgbClr val="FFFFFF"/>
-                </a:solidFill>
-              </a:defRPr>
-            </a:pPr>
-            <a:endParaRPr lang="en-US" sz="2800" b="1" u="sng" dirty="0">
-              <a:solidFill>
-                <a:schemeClr val="tx1"/>
-              </a:solidFill>
-              <a:latin typeface="Times New Roman" panose="02020603050405020304" pitchFamily="18" charset="0"/>
-              <a:cs typeface="Times New Roman" panose="02020603050405020304" pitchFamily="18" charset="0"/>
-            </a:endParaRPr>
-          </a:p>
-          <a:p>
-            <a:pPr>
-              <a:defRPr sz="1500">
-                <a:solidFill>
-                  <a:srgbClr val="FFFFFF"/>
-                </a:solidFill>
-              </a:defRPr>
-            </a:pPr>
-            <a:endParaRPr lang="en-US" sz="2800" b="1" u="sng" dirty="0">
-              <a:solidFill>
-                <a:schemeClr val="tx1"/>
-              </a:solidFill>
-              <a:latin typeface="Times New Roman" panose="02020603050405020304" pitchFamily="18" charset="0"/>
-              <a:cs typeface="Times New Roman" panose="02020603050405020304" pitchFamily="18" charset="0"/>
-            </a:endParaRPr>
-          </a:p>
-          <a:p>
-            <a:pPr>
-              <a:defRPr sz="1500">
-                <a:solidFill>
-                  <a:srgbClr val="FFFFFF"/>
-                </a:solidFill>
-              </a:defRPr>
-            </a:pPr>
-            <a:endParaRPr lang="en-US" sz="2800" b="1" u="sng" dirty="0">
-              <a:solidFill>
-                <a:schemeClr val="tx1"/>
-              </a:solidFill>
-              <a:latin typeface="Times New Roman" panose="02020603050405020304" pitchFamily="18" charset="0"/>
-              <a:cs typeface="Times New Roman" panose="02020603050405020304" pitchFamily="18" charset="0"/>
-            </a:endParaRPr>
-          </a:p>
-          <a:p>
-            <a:pPr>
-              <a:defRPr sz="1500">
-                <a:solidFill>
-                  <a:srgbClr val="FFFFFF"/>
-                </a:solidFill>
-              </a:defRPr>
-            </a:pPr>
-            <a:endParaRPr lang="en-US" sz="2800" b="1" u="sng" dirty="0">
-              <a:solidFill>
-                <a:schemeClr val="tx1"/>
-              </a:solidFill>
-              <a:latin typeface="Times New Roman" panose="02020603050405020304" pitchFamily="18" charset="0"/>
-              <a:cs typeface="Times New Roman" panose="02020603050405020304" pitchFamily="18" charset="0"/>
-            </a:endParaRPr>
-          </a:p>
-          <a:p>
-            <a:pPr>
-              <a:defRPr sz="1500">
-                <a:solidFill>
-                  <a:srgbClr val="FFFFFF"/>
-                </a:solidFill>
-              </a:defRPr>
-            </a:pPr>
-            <a:r>
-              <a:rPr lang="en-US" sz="2800" b="1" u="sng" dirty="0">
-                <a:solidFill>
-                  <a:schemeClr val="tx1"/>
-                </a:solidFill>
-                <a:latin typeface="Times New Roman" panose="02020603050405020304" pitchFamily="18" charset="0"/>
-                <a:cs typeface="Times New Roman" panose="02020603050405020304" pitchFamily="18" charset="0"/>
-              </a:rPr>
-              <a:t>Unit Testing</a:t>
-            </a:r>
-          </a:p>
-          <a:p>
-            <a:pPr>
-              <a:defRPr sz="1500">
-                <a:solidFill>
-                  <a:srgbClr val="FFFFFF"/>
-                </a:solidFill>
-              </a:defRPr>
-            </a:pPr>
-            <a:endParaRPr lang="en-US" sz="2800" b="1" u="sng" dirty="0">
-              <a:solidFill>
-                <a:schemeClr val="tx1"/>
-              </a:solidFill>
-              <a:latin typeface="Times New Roman" panose="02020603050405020304" pitchFamily="18" charset="0"/>
-              <a:cs typeface="Times New Roman" panose="02020603050405020304" pitchFamily="18" charset="0"/>
-            </a:endParaRPr>
-          </a:p>
-          <a:p>
-            <a:pPr marL="342900" indent="-342900">
-              <a:buFont typeface="+mj-lt"/>
-              <a:buAutoNum type="arabicPeriod"/>
-              <a:defRPr sz="1500">
-                <a:solidFill>
-                  <a:srgbClr val="FFFFFF"/>
-                </a:solidFill>
-              </a:defRPr>
-            </a:pPr>
-            <a:r>
-              <a:rPr lang="en-US" sz="1400" b="1" dirty="0">
-                <a:solidFill>
-                  <a:schemeClr val="tx1"/>
-                </a:solidFill>
-                <a:latin typeface="Times New Roman" panose="02020603050405020304" pitchFamily="18" charset="0"/>
-                <a:cs typeface="Times New Roman" panose="02020603050405020304" pitchFamily="18" charset="0"/>
-              </a:rPr>
-              <a:t>Individual modules are tested in every development and testing phases.</a:t>
-            </a:r>
-          </a:p>
-          <a:p>
-            <a:pPr marL="342900" indent="-342900">
-              <a:buFont typeface="+mj-lt"/>
-              <a:buAutoNum type="arabicPeriod"/>
-              <a:defRPr sz="1500">
-                <a:solidFill>
-                  <a:srgbClr val="FFFFFF"/>
-                </a:solidFill>
-              </a:defRPr>
-            </a:pPr>
-            <a:r>
-              <a:rPr lang="en-US" sz="1400" b="1" dirty="0">
-                <a:solidFill>
-                  <a:schemeClr val="tx1"/>
-                </a:solidFill>
-                <a:latin typeface="Times New Roman" panose="02020603050405020304" pitchFamily="18" charset="0"/>
-                <a:cs typeface="Times New Roman" panose="02020603050405020304" pitchFamily="18" charset="0"/>
-              </a:rPr>
-              <a:t>Bugs were fixed after every iteration of testing performed by tester.</a:t>
-            </a:r>
-          </a:p>
-          <a:p>
-            <a:pPr marL="342900" indent="-342900">
-              <a:buFont typeface="+mj-lt"/>
-              <a:buAutoNum type="arabicPeriod"/>
-              <a:defRPr sz="1500">
-                <a:solidFill>
-                  <a:srgbClr val="FFFFFF"/>
-                </a:solidFill>
-              </a:defRPr>
-            </a:pPr>
-            <a:r>
-              <a:rPr lang="en-US" sz="1400" b="1" dirty="0">
-                <a:solidFill>
-                  <a:schemeClr val="tx1"/>
-                </a:solidFill>
-                <a:latin typeface="Times New Roman" panose="02020603050405020304" pitchFamily="18" charset="0"/>
-                <a:cs typeface="Times New Roman" panose="02020603050405020304" pitchFamily="18" charset="0"/>
-              </a:rPr>
-              <a:t>For each screen , 10-15 test cases were recorded by each developer.</a:t>
-            </a:r>
-          </a:p>
-          <a:p>
-            <a:pPr marL="342900" indent="-342900">
-              <a:buFont typeface="+mj-lt"/>
-              <a:buAutoNum type="arabicPeriod"/>
-              <a:defRPr sz="1500">
-                <a:solidFill>
-                  <a:srgbClr val="FFFFFF"/>
-                </a:solidFill>
-              </a:defRPr>
-            </a:pPr>
-            <a:r>
-              <a:rPr lang="en-US" sz="1400" b="1" dirty="0">
-                <a:solidFill>
-                  <a:schemeClr val="tx1"/>
-                </a:solidFill>
-                <a:latin typeface="Times New Roman" panose="02020603050405020304" pitchFamily="18" charset="0"/>
-                <a:cs typeface="Times New Roman" panose="02020603050405020304" pitchFamily="18" charset="0"/>
-              </a:rPr>
-              <a:t>Testing of features like login, registration, appointment, treatment were tested during various phases of </a:t>
-            </a:r>
-            <a:r>
-              <a:rPr lang="en-US" sz="1400" b="1" dirty="0" err="1">
-                <a:solidFill>
-                  <a:schemeClr val="tx1"/>
-                </a:solidFill>
-                <a:latin typeface="Times New Roman" panose="02020603050405020304" pitchFamily="18" charset="0"/>
-                <a:cs typeface="Times New Roman" panose="02020603050405020304" pitchFamily="18" charset="0"/>
-              </a:rPr>
-              <a:t>develoment</a:t>
-            </a:r>
-            <a:endParaRPr lang="en-US" sz="1400" b="1" dirty="0">
-              <a:solidFill>
-                <a:schemeClr val="tx1"/>
-              </a:solidFill>
-              <a:latin typeface="Times New Roman" panose="02020603050405020304" pitchFamily="18" charset="0"/>
-              <a:cs typeface="Times New Roman" panose="02020603050405020304" pitchFamily="18" charset="0"/>
-            </a:endParaRPr>
-          </a:p>
-          <a:p>
-            <a:pPr marL="342900" indent="-342900">
-              <a:buFont typeface="+mj-lt"/>
-              <a:buAutoNum type="arabicPeriod"/>
-              <a:defRPr sz="1500">
-                <a:solidFill>
-                  <a:srgbClr val="FFFFFF"/>
-                </a:solidFill>
-              </a:defRPr>
-            </a:pPr>
-            <a:endParaRPr lang="en-US" sz="1400" b="1" dirty="0">
-              <a:solidFill>
-                <a:schemeClr val="tx1"/>
-              </a:solidFill>
-              <a:latin typeface="Times New Roman" panose="02020603050405020304" pitchFamily="18" charset="0"/>
-              <a:cs typeface="Times New Roman" panose="02020603050405020304" pitchFamily="18" charset="0"/>
-            </a:endParaRPr>
-          </a:p>
-          <a:p>
-            <a:pPr marL="342900" indent="-342900">
-              <a:buFont typeface="+mj-lt"/>
-              <a:buAutoNum type="arabicPeriod"/>
-              <a:defRPr sz="1500">
-                <a:solidFill>
-                  <a:srgbClr val="FFFFFF"/>
-                </a:solidFill>
-              </a:defRPr>
-            </a:pPr>
-            <a:endParaRPr lang="en-US" sz="1400" b="1" dirty="0">
-              <a:solidFill>
-                <a:schemeClr val="tx1"/>
-              </a:solidFill>
-              <a:latin typeface="Times New Roman" panose="02020603050405020304" pitchFamily="18" charset="0"/>
-              <a:cs typeface="Times New Roman" panose="02020603050405020304" pitchFamily="18" charset="0"/>
-            </a:endParaRPr>
-          </a:p>
-          <a:p>
-            <a:pPr marL="342900" indent="-342900">
-              <a:buFont typeface="+mj-lt"/>
-              <a:buAutoNum type="arabicPeriod"/>
-              <a:defRPr sz="1500">
-                <a:solidFill>
-                  <a:srgbClr val="FFFFFF"/>
-                </a:solidFill>
-              </a:defRPr>
-            </a:pPr>
-            <a:endParaRPr lang="en-US" sz="1400" b="1" dirty="0">
-              <a:solidFill>
-                <a:schemeClr val="tx1"/>
-              </a:solidFill>
-              <a:latin typeface="Times New Roman" panose="02020603050405020304" pitchFamily="18" charset="0"/>
-              <a:cs typeface="Times New Roman" panose="02020603050405020304" pitchFamily="18" charset="0"/>
-            </a:endParaRPr>
-          </a:p>
-          <a:p>
-            <a:pPr marL="342900" indent="-342900">
-              <a:buFont typeface="+mj-lt"/>
-              <a:buAutoNum type="arabicPeriod"/>
-              <a:defRPr sz="1500">
-                <a:solidFill>
-                  <a:srgbClr val="FFFFFF"/>
-                </a:solidFill>
-              </a:defRPr>
-            </a:pPr>
-            <a:endParaRPr lang="en-US" sz="1400" b="1" dirty="0">
-              <a:solidFill>
-                <a:schemeClr val="tx1"/>
-              </a:solidFill>
-              <a:latin typeface="Times New Roman" panose="02020603050405020304" pitchFamily="18" charset="0"/>
-              <a:cs typeface="Times New Roman" panose="02020603050405020304" pitchFamily="18" charset="0"/>
-            </a:endParaRPr>
-          </a:p>
-          <a:p>
-            <a:pPr marL="342900" indent="-342900">
-              <a:buFont typeface="+mj-lt"/>
-              <a:buAutoNum type="arabicPeriod"/>
-              <a:defRPr sz="1500">
-                <a:solidFill>
-                  <a:srgbClr val="FFFFFF"/>
-                </a:solidFill>
-              </a:defRPr>
-            </a:pPr>
-            <a:endParaRPr lang="en-US" sz="1400" b="1" u="sng" dirty="0">
-              <a:solidFill>
-                <a:schemeClr val="tx1"/>
-              </a:solidFill>
-              <a:latin typeface="Times New Roman" panose="02020603050405020304" pitchFamily="18" charset="0"/>
-              <a:cs typeface="Times New Roman" panose="02020603050405020304" pitchFamily="18" charset="0"/>
-            </a:endParaRPr>
+            <a:endParaRPr/>
           </a:p>
         </p:txBody>
       </p:sp>
@@ -7257,18 +6984,77 @@
           <a:p>
             <a:r>
               <a:rPr lang="en-US" dirty="0"/>
-              <a:t>Testing</a:t>
-            </a:r>
+              <a:t>Staff </a:t>
+            </a:r>
+            <a:r>
+              <a:rPr dirty="0"/>
+              <a:t>Dashboard </a:t>
+            </a:r>
+          </a:p>
+        </p:txBody>
+      </p:sp>
+      <p:sp>
+        <p:nvSpPr>
+          <p:cNvPr id="191" name="Slide Number"/>
+          <p:cNvSpPr txBox="1">
+            <a:spLocks noGrp="1"/>
+          </p:cNvSpPr>
+          <p:nvPr>
+            <p:ph type="sldNum" sz="quarter" idx="4294967295"/>
+          </p:nvPr>
+        </p:nvSpPr>
+        <p:spPr>
+          <a:xfrm>
+            <a:off x="11928648" y="5113771"/>
+            <a:ext cx="92396" cy="477054"/>
+          </a:xfrm>
+          <a:prstGeom prst="rect">
+            <a:avLst/>
+          </a:prstGeom>
+          <a:extLst>
+            <a:ext uri="{C572A759-6A51-4108-AA02-DFA0A04FC94B}">
+              <ma14:wrappingTextBoxFlag xmlns="" xmlns:m="http://schemas.openxmlformats.org/officeDocument/2006/math" xmlns:a14="http://schemas.microsoft.com/office/drawing/2010/main" xmlns:ma14="http://schemas.microsoft.com/office/mac/drawingml/2011/main" val="1"/>
+            </a:ext>
+          </a:extLst>
+        </p:spPr>
+        <p:txBody>
+          <a:bodyPr/>
+          <a:lstStyle/>
+          <a:p>
             <a:endParaRPr dirty="0"/>
           </a:p>
         </p:txBody>
       </p:sp>
+      <p:pic>
+        <p:nvPicPr>
+          <p:cNvPr id="3" name="Picture 2">
+            <a:extLst>
+              <a:ext uri="{FF2B5EF4-FFF2-40B4-BE49-F238E27FC236}">
+                <a16:creationId xmlns:a16="http://schemas.microsoft.com/office/drawing/2014/main" id="{5C7165A8-4F96-417C-9F18-14C8556BBE89}"/>
+              </a:ext>
+            </a:extLst>
+          </p:cNvPr>
+          <p:cNvPicPr>
+            <a:picLocks noChangeAspect="1"/>
+          </p:cNvPicPr>
+          <p:nvPr/>
+        </p:nvPicPr>
+        <p:blipFill rotWithShape="1">
+          <a:blip r:embed="rId2"/>
+          <a:srcRect b="5106"/>
+          <a:stretch/>
+        </p:blipFill>
+        <p:spPr>
+          <a:xfrm>
+            <a:off x="897464" y="1413159"/>
+            <a:ext cx="10587728" cy="4177666"/>
+          </a:xfrm>
+          <a:prstGeom prst="rect">
+            <a:avLst/>
+          </a:prstGeom>
+        </p:spPr>
+      </p:pic>
     </p:spTree>
-    <p:extLst>
-      <p:ext uri="{BB962C8B-B14F-4D97-AF65-F5344CB8AC3E}">
-        <p14:creationId xmlns:p14="http://schemas.microsoft.com/office/powerpoint/2010/main" val="2246780808"/>
-      </p:ext>
-    </p:extLst>
   </p:cSld>
   <p:clrMapOvr>
     <a:masterClrMapping/>
@@ -7634,7 +7420,7 @@
           </a:ln>
           <a:extLst>
             <a:ext uri="{C572A759-6A51-4108-AA02-DFA0A04FC94B}">
-              <ma14:wrappingTextBoxFlag xmlns:ma14="http://schemas.microsoft.com/office/mac/drawingml/2011/main" xmlns:a14="http://schemas.microsoft.com/office/drawing/2010/main" xmlns:m="http://schemas.openxmlformats.org/officeDocument/2006/math" xmlns="" val="1"/>
+              <ma14:wrappingTextBoxFlag xmlns="" xmlns:m="http://schemas.openxmlformats.org/officeDocument/2006/math" xmlns:a14="http://schemas.microsoft.com/office/drawing/2010/main" xmlns:ma14="http://schemas.microsoft.com/office/mac/drawingml/2011/main" val="1"/>
             </a:ext>
           </a:extLst>
         </p:spPr>
@@ -7843,7 +7629,7 @@
         </p:nvSpPr>
         <p:spPr>
           <a:xfrm>
-            <a:off x="966310" y="-1039440"/>
+            <a:off x="925220" y="-257525"/>
             <a:ext cx="10397067" cy="5848350"/>
           </a:xfrm>
           <a:prstGeom prst="rect">
@@ -7883,25 +7669,6 @@
                 </a:solidFill>
               </a:defRPr>
             </a:pPr>
-            <a:r>
-              <a:rPr lang="en-US" sz="2800" b="1" u="sng" dirty="0">
-                <a:solidFill>
-                  <a:schemeClr val="tx1"/>
-                </a:solidFill>
-                <a:latin typeface="Times New Roman" panose="02020603050405020304" pitchFamily="18" charset="0"/>
-                <a:cs typeface="Times New Roman" panose="02020603050405020304" pitchFamily="18" charset="0"/>
-              </a:rPr>
-              <a:t>Functional Testing</a:t>
-            </a:r>
-          </a:p>
-          <a:p>
-            <a:pPr>
-              <a:defRPr sz="1500">
-                <a:solidFill>
-                  <a:srgbClr val="FFFFFF"/>
-                </a:solidFill>
-              </a:defRPr>
-            </a:pPr>
             <a:endParaRPr lang="en-US" sz="2800" b="1" u="sng" dirty="0">
               <a:solidFill>
                 <a:schemeClr val="tx1"/>
@@ -7911,16 +7678,14 @@
             </a:endParaRPr>
           </a:p>
           <a:p>
-            <a:pPr marL="342900" indent="-342900">
-              <a:buFont typeface="Arial" panose="020B0604020202020204" pitchFamily="34" charset="0"/>
-              <a:buChar char="•"/>
+            <a:pPr>
               <a:defRPr sz="1500">
                 <a:solidFill>
                   <a:srgbClr val="FFFFFF"/>
                 </a:solidFill>
               </a:defRPr>
             </a:pPr>
-            <a:endParaRPr lang="en-US" sz="2300" dirty="0">
+            <a:endParaRPr lang="en-US" sz="2800" b="1" u="sng" dirty="0">
               <a:solidFill>
                 <a:schemeClr val="tx1"/>
               </a:solidFill>
@@ -7929,16 +7694,14 @@
             </a:endParaRPr>
           </a:p>
           <a:p>
-            <a:pPr marL="342900" indent="-342900">
-              <a:buFont typeface="Arial" panose="020B0604020202020204" pitchFamily="34" charset="0"/>
-              <a:buChar char="•"/>
+            <a:pPr>
               <a:defRPr sz="1500">
                 <a:solidFill>
                   <a:srgbClr val="FFFFFF"/>
                 </a:solidFill>
               </a:defRPr>
             </a:pPr>
-            <a:endParaRPr lang="en-US" sz="2300" dirty="0">
+            <a:endParaRPr lang="en-US" sz="2800" b="1" u="sng" dirty="0">
               <a:solidFill>
                 <a:schemeClr val="tx1"/>
               </a:solidFill>
@@ -7947,9 +7710,25 @@
             </a:endParaRPr>
           </a:p>
           <a:p>
+            <a:pPr>
+              <a:defRPr sz="1500">
+                <a:solidFill>
+                  <a:srgbClr val="FFFFFF"/>
+                </a:solidFill>
+              </a:defRPr>
+            </a:pPr>
+            <a:endParaRPr lang="en-US" sz="2000" u="sng" dirty="0">
+              <a:solidFill>
+                <a:schemeClr val="tx1"/>
+              </a:solidFill>
+              <a:latin typeface="Times New Roman" panose="02020603050405020304" pitchFamily="18" charset="0"/>
+              <a:cs typeface="Times New Roman" panose="02020603050405020304" pitchFamily="18" charset="0"/>
+            </a:endParaRPr>
+          </a:p>
+          <a:p>
             <a:pPr marL="342900" indent="-342900">
-              <a:buFont typeface="Arial" panose="020B0604020202020204" pitchFamily="34" charset="0"/>
-              <a:buChar char="•"/>
+              <a:buFont typeface="+mj-lt"/>
+              <a:buAutoNum type="arabicPeriod"/>
               <a:defRPr sz="1500">
                 <a:solidFill>
                   <a:srgbClr val="FFFFFF"/>
@@ -7957,18 +7736,18 @@
               </a:defRPr>
             </a:pPr>
             <a:r>
-              <a:rPr lang="en-US" sz="2300" dirty="0">
+              <a:rPr lang="en-US" sz="2000" dirty="0">
                 <a:solidFill>
                   <a:schemeClr val="tx1"/>
                 </a:solidFill>
                 <a:latin typeface="Times New Roman" panose="02020603050405020304" pitchFamily="18" charset="0"/>
                 <a:cs typeface="Times New Roman" panose="02020603050405020304" pitchFamily="18" charset="0"/>
               </a:rPr>
-              <a:t>The entire web-application is tested in many aspects during system testing</a:t>
-            </a:r>
-          </a:p>
-          <a:p>
-            <a:pPr marL="457200" indent="-457200">
+              <a:t>Individual module is tested in every development and testing phase.</a:t>
+            </a:r>
+          </a:p>
+          <a:p>
+            <a:pPr marL="342900" indent="-342900">
               <a:buFont typeface="+mj-lt"/>
               <a:buAutoNum type="arabicPeriod"/>
               <a:defRPr sz="1500">
@@ -7978,18 +7757,18 @@
               </a:defRPr>
             </a:pPr>
             <a:r>
-              <a:rPr lang="en-US" sz="2300" dirty="0">
+              <a:rPr lang="en-US" sz="2000" dirty="0">
                 <a:solidFill>
                   <a:schemeClr val="tx1"/>
                 </a:solidFill>
                 <a:latin typeface="Times New Roman" panose="02020603050405020304" pitchFamily="18" charset="0"/>
                 <a:cs typeface="Times New Roman" panose="02020603050405020304" pitchFamily="18" charset="0"/>
               </a:rPr>
-              <a:t> Overall performance of different modules were tested during system testing (like page response time , user load)</a:t>
-            </a:r>
-          </a:p>
-          <a:p>
-            <a:pPr marL="457200" indent="-457200">
+              <a:t>Bugs were fixed after every iteration of testing performed by the tester.</a:t>
+            </a:r>
+          </a:p>
+          <a:p>
+            <a:pPr marL="342900" indent="-342900">
               <a:buFont typeface="+mj-lt"/>
               <a:buAutoNum type="arabicPeriod"/>
               <a:defRPr sz="1500">
@@ -7999,18 +7778,18 @@
               </a:defRPr>
             </a:pPr>
             <a:r>
-              <a:rPr lang="en-US" sz="2300" dirty="0">
+              <a:rPr lang="en-US" sz="2000" dirty="0">
                 <a:solidFill>
                   <a:schemeClr val="tx1"/>
                 </a:solidFill>
                 <a:latin typeface="Times New Roman" panose="02020603050405020304" pitchFamily="18" charset="0"/>
                 <a:cs typeface="Times New Roman" panose="02020603050405020304" pitchFamily="18" charset="0"/>
               </a:rPr>
-              <a:t>Are validations working on all form fields or not.</a:t>
-            </a:r>
-          </a:p>
-          <a:p>
-            <a:pPr marL="457200" indent="-457200">
+              <a:t>For each screen, 10-15 test cases were recorded by each developer.</a:t>
+            </a:r>
+          </a:p>
+          <a:p>
+            <a:pPr marL="342900" indent="-342900">
               <a:buFont typeface="+mj-lt"/>
               <a:buAutoNum type="arabicPeriod"/>
               <a:defRPr sz="1500">
@@ -8020,18 +7799,18 @@
               </a:defRPr>
             </a:pPr>
             <a:r>
-              <a:rPr lang="en-US" sz="2300" dirty="0">
+              <a:rPr lang="en-US" sz="2000" dirty="0">
                 <a:solidFill>
                   <a:schemeClr val="tx1"/>
                 </a:solidFill>
                 <a:latin typeface="Times New Roman" panose="02020603050405020304" pitchFamily="18" charset="0"/>
                 <a:cs typeface="Times New Roman" panose="02020603050405020304" pitchFamily="18" charset="0"/>
               </a:rPr>
-              <a:t>System is showing appropriate error/notification messages or not.</a:t>
-            </a:r>
-          </a:p>
-          <a:p>
-            <a:pPr marL="457200" indent="-457200">
+              <a:t>Testing of features like login, registration, appointment, treatment were tested during various phases of development</a:t>
+            </a:r>
+          </a:p>
+          <a:p>
+            <a:pPr marL="342900" indent="-342900">
               <a:buFont typeface="+mj-lt"/>
               <a:buAutoNum type="arabicPeriod"/>
               <a:defRPr sz="1500">
@@ -8041,15 +7820,105 @@
               </a:defRPr>
             </a:pPr>
             <a:r>
-              <a:rPr lang="en-US" sz="2300" dirty="0">
+              <a:rPr lang="en-US" sz="2000" dirty="0">
                 <a:solidFill>
                   <a:schemeClr val="tx1"/>
                 </a:solidFill>
                 <a:latin typeface="Times New Roman" panose="02020603050405020304" pitchFamily="18" charset="0"/>
                 <a:cs typeface="Times New Roman" panose="02020603050405020304" pitchFamily="18" charset="0"/>
               </a:rPr>
-              <a:t>Whether UI is easy to navigate or not.</a:t>
-            </a:r>
+              <a:t>For End-to-End testing, we used the angular jasmine testing framework.</a:t>
+            </a:r>
+          </a:p>
+          <a:p>
+            <a:pPr marL="342900" indent="-342900">
+              <a:buFont typeface="+mj-lt"/>
+              <a:buAutoNum type="arabicPeriod"/>
+              <a:defRPr sz="1500">
+                <a:solidFill>
+                  <a:srgbClr val="FFFFFF"/>
+                </a:solidFill>
+              </a:defRPr>
+            </a:pPr>
+            <a:endParaRPr lang="en-US" sz="1400" b="1" dirty="0">
+              <a:solidFill>
+                <a:schemeClr val="tx1"/>
+              </a:solidFill>
+              <a:latin typeface="Times New Roman" panose="02020603050405020304" pitchFamily="18" charset="0"/>
+              <a:cs typeface="Times New Roman" panose="02020603050405020304" pitchFamily="18" charset="0"/>
+            </a:endParaRPr>
+          </a:p>
+          <a:p>
+            <a:pPr marL="342900" indent="-342900">
+              <a:buFont typeface="+mj-lt"/>
+              <a:buAutoNum type="arabicPeriod"/>
+              <a:defRPr sz="1500">
+                <a:solidFill>
+                  <a:srgbClr val="FFFFFF"/>
+                </a:solidFill>
+              </a:defRPr>
+            </a:pPr>
+            <a:endParaRPr lang="en-US" sz="1400" b="1" dirty="0">
+              <a:solidFill>
+                <a:schemeClr val="tx1"/>
+              </a:solidFill>
+              <a:latin typeface="Times New Roman" panose="02020603050405020304" pitchFamily="18" charset="0"/>
+              <a:cs typeface="Times New Roman" panose="02020603050405020304" pitchFamily="18" charset="0"/>
+            </a:endParaRPr>
+          </a:p>
+          <a:p>
+            <a:pPr marL="342900" indent="-342900">
+              <a:buFont typeface="+mj-lt"/>
+              <a:buAutoNum type="arabicPeriod"/>
+              <a:defRPr sz="1500">
+                <a:solidFill>
+                  <a:srgbClr val="FFFFFF"/>
+                </a:solidFill>
+              </a:defRPr>
+            </a:pPr>
+            <a:endParaRPr lang="en-US" sz="1400" b="1" dirty="0">
+              <a:solidFill>
+                <a:schemeClr val="tx1"/>
+              </a:solidFill>
+              <a:latin typeface="Times New Roman" panose="02020603050405020304" pitchFamily="18" charset="0"/>
+              <a:cs typeface="Times New Roman" panose="02020603050405020304" pitchFamily="18" charset="0"/>
+            </a:endParaRPr>
+          </a:p>
+          <a:p>
+            <a:pPr marL="342900" indent="-342900">
+              <a:buFont typeface="+mj-lt"/>
+              <a:buAutoNum type="arabicPeriod"/>
+              <a:defRPr sz="1500">
+                <a:solidFill>
+                  <a:srgbClr val="FFFFFF"/>
+                </a:solidFill>
+              </a:defRPr>
+            </a:pPr>
+            <a:endParaRPr lang="en-US" sz="1400" b="1" dirty="0">
+              <a:solidFill>
+                <a:schemeClr val="tx1"/>
+              </a:solidFill>
+              <a:latin typeface="Times New Roman" panose="02020603050405020304" pitchFamily="18" charset="0"/>
+              <a:cs typeface="Times New Roman" panose="02020603050405020304" pitchFamily="18" charset="0"/>
+            </a:endParaRPr>
+          </a:p>
+          <a:p>
+            <a:pPr marL="342900" indent="-342900">
+              <a:buFont typeface="+mj-lt"/>
+              <a:buAutoNum type="arabicPeriod"/>
+              <a:defRPr sz="1500">
+                <a:solidFill>
+                  <a:srgbClr val="FFFFFF"/>
+                </a:solidFill>
+              </a:defRPr>
+            </a:pPr>
+            <a:endParaRPr lang="en-US" sz="1400" b="1" u="sng" dirty="0">
+              <a:solidFill>
+                <a:schemeClr val="tx1"/>
+              </a:solidFill>
+              <a:latin typeface="Times New Roman" panose="02020603050405020304" pitchFamily="18" charset="0"/>
+              <a:cs typeface="Times New Roman" panose="02020603050405020304" pitchFamily="18" charset="0"/>
+            </a:endParaRPr>
           </a:p>
         </p:txBody>
       </p:sp>
@@ -8274,40 +8143,8 @@
           <a:p>
             <a:r>
               <a:rPr lang="en-US" dirty="0"/>
-              <a:t>Testing</a:t>
-            </a:r>
-            <a:endParaRPr dirty="0"/>
-          </a:p>
-        </p:txBody>
-      </p:sp>
-      <p:sp>
-        <p:nvSpPr>
-          <p:cNvPr id="191" name="Slide Number"/>
-          <p:cNvSpPr txBox="1">
-            <a:spLocks noGrp="1"/>
-          </p:cNvSpPr>
-          <p:nvPr>
-            <p:ph type="sldNum" sz="quarter" idx="4294967295"/>
-          </p:nvPr>
-        </p:nvSpPr>
-        <p:spPr>
-          <a:xfrm>
-            <a:off x="11261405" y="5337713"/>
-            <a:ext cx="92396" cy="477054"/>
-          </a:xfrm>
-          <a:prstGeom prst="rect">
-            <a:avLst/>
-          </a:prstGeom>
-          <a:extLst>
-            <a:ext uri="{C572A759-6A51-4108-AA02-DFA0A04FC94B}">
-              <ma14:wrappingTextBoxFlag xmlns:ma14="http://schemas.microsoft.com/office/mac/drawingml/2011/main" xmlns:a14="http://schemas.microsoft.com/office/drawing/2010/main" xmlns:m="http://schemas.openxmlformats.org/officeDocument/2006/math" xmlns="" val="1"/>
-            </a:ext>
-          </a:extLst>
-        </p:spPr>
-        <p:txBody>
-          <a:bodyPr/>
-          <a:lstStyle/>
-          <a:p>
+              <a:t>Unit Testing</a:t>
+            </a:r>
             <a:endParaRPr dirty="0"/>
           </a:p>
         </p:txBody>
@@ -8315,7 +8152,7 @@
     </p:spTree>
     <p:extLst>
       <p:ext uri="{BB962C8B-B14F-4D97-AF65-F5344CB8AC3E}">
-        <p14:creationId xmlns:p14="http://schemas.microsoft.com/office/powerpoint/2010/main" val="382075431"/>
+        <p14:creationId xmlns:p14="http://schemas.microsoft.com/office/powerpoint/2010/main" val="2246780808"/>
       </p:ext>
     </p:extLst>
   </p:cSld>
@@ -8345,6 +8182,222 @@
       </p:grpSpPr>
       <p:sp>
         <p:nvSpPr>
+          <p:cNvPr id="184" name="Rectangle 7"/>
+          <p:cNvSpPr/>
+          <p:nvPr/>
+        </p:nvSpPr>
+        <p:spPr>
+          <a:xfrm>
+            <a:off x="966310" y="-1039440"/>
+            <a:ext cx="10397067" cy="5848350"/>
+          </a:xfrm>
+          <a:prstGeom prst="rect">
+            <a:avLst/>
+          </a:prstGeom>
+          <a:solidFill>
+            <a:srgbClr val="FFFFFF"/>
+          </a:solidFill>
+          <a:ln w="12700">
+            <a:miter lim="400000"/>
+          </a:ln>
+        </p:spPr>
+        <p:txBody>
+          <a:bodyPr lIns="45719" rIns="45719" anchor="ctr"/>
+          <a:lstStyle/>
+          <a:p>
+            <a:pPr>
+              <a:defRPr sz="1500">
+                <a:solidFill>
+                  <a:srgbClr val="FFFFFF"/>
+                </a:solidFill>
+              </a:defRPr>
+            </a:pPr>
+            <a:endParaRPr lang="en-US" sz="2800" b="1" u="sng" dirty="0">
+              <a:solidFill>
+                <a:schemeClr val="tx1"/>
+              </a:solidFill>
+              <a:latin typeface="Times New Roman" panose="02020603050405020304" pitchFamily="18" charset="0"/>
+              <a:cs typeface="Times New Roman" panose="02020603050405020304" pitchFamily="18" charset="0"/>
+            </a:endParaRPr>
+          </a:p>
+          <a:p>
+            <a:pPr>
+              <a:defRPr sz="1500">
+                <a:solidFill>
+                  <a:srgbClr val="FFFFFF"/>
+                </a:solidFill>
+              </a:defRPr>
+            </a:pPr>
+            <a:r>
+              <a:rPr lang="en-US" sz="2800" b="1" u="sng" dirty="0">
+                <a:solidFill>
+                  <a:schemeClr val="tx1"/>
+                </a:solidFill>
+                <a:latin typeface="Times New Roman" panose="02020603050405020304" pitchFamily="18" charset="0"/>
+                <a:cs typeface="Times New Roman" panose="02020603050405020304" pitchFamily="18" charset="0"/>
+              </a:rPr>
+              <a:t>Functional Testing</a:t>
+            </a:r>
+          </a:p>
+          <a:p>
+            <a:pPr>
+              <a:defRPr sz="1500">
+                <a:solidFill>
+                  <a:srgbClr val="FFFFFF"/>
+                </a:solidFill>
+              </a:defRPr>
+            </a:pPr>
+            <a:endParaRPr lang="en-US" sz="2800" b="1" u="sng" dirty="0">
+              <a:solidFill>
+                <a:schemeClr val="tx1"/>
+              </a:solidFill>
+              <a:latin typeface="Times New Roman" panose="02020603050405020304" pitchFamily="18" charset="0"/>
+              <a:cs typeface="Times New Roman" panose="02020603050405020304" pitchFamily="18" charset="0"/>
+            </a:endParaRPr>
+          </a:p>
+          <a:p>
+            <a:pPr marL="342900" indent="-342900">
+              <a:buFont typeface="Arial" panose="020B0604020202020204" pitchFamily="34" charset="0"/>
+              <a:buChar char="•"/>
+              <a:defRPr sz="1500">
+                <a:solidFill>
+                  <a:srgbClr val="FFFFFF"/>
+                </a:solidFill>
+              </a:defRPr>
+            </a:pPr>
+            <a:endParaRPr lang="en-US" sz="2300" dirty="0">
+              <a:solidFill>
+                <a:schemeClr val="tx1"/>
+              </a:solidFill>
+              <a:latin typeface="Times New Roman" panose="02020603050405020304" pitchFamily="18" charset="0"/>
+              <a:cs typeface="Times New Roman" panose="02020603050405020304" pitchFamily="18" charset="0"/>
+            </a:endParaRPr>
+          </a:p>
+          <a:p>
+            <a:pPr marL="342900" indent="-342900">
+              <a:buFont typeface="Arial" panose="020B0604020202020204" pitchFamily="34" charset="0"/>
+              <a:buChar char="•"/>
+              <a:defRPr sz="1500">
+                <a:solidFill>
+                  <a:srgbClr val="FFFFFF"/>
+                </a:solidFill>
+              </a:defRPr>
+            </a:pPr>
+            <a:endParaRPr lang="en-US" sz="2300" dirty="0">
+              <a:solidFill>
+                <a:schemeClr val="tx1"/>
+              </a:solidFill>
+              <a:latin typeface="Times New Roman" panose="02020603050405020304" pitchFamily="18" charset="0"/>
+              <a:cs typeface="Times New Roman" panose="02020603050405020304" pitchFamily="18" charset="0"/>
+            </a:endParaRPr>
+          </a:p>
+          <a:p>
+            <a:pPr>
+              <a:defRPr sz="1500">
+                <a:solidFill>
+                  <a:srgbClr val="FFFFFF"/>
+                </a:solidFill>
+              </a:defRPr>
+            </a:pPr>
+            <a:r>
+              <a:rPr lang="en-US" sz="2300" dirty="0">
+                <a:solidFill>
+                  <a:schemeClr val="tx1"/>
+                </a:solidFill>
+                <a:latin typeface="Times New Roman" panose="02020603050405020304" pitchFamily="18" charset="0"/>
+                <a:cs typeface="Times New Roman" panose="02020603050405020304" pitchFamily="18" charset="0"/>
+              </a:rPr>
+              <a:t>The entire web application is tested in many aspects during system testing</a:t>
+            </a:r>
+          </a:p>
+          <a:p>
+            <a:pPr marL="457200" indent="-457200">
+              <a:buFont typeface="+mj-lt"/>
+              <a:buAutoNum type="arabicPeriod"/>
+              <a:defRPr sz="1500">
+                <a:solidFill>
+                  <a:srgbClr val="FFFFFF"/>
+                </a:solidFill>
+              </a:defRPr>
+            </a:pPr>
+            <a:r>
+              <a:rPr lang="en-US" sz="2300" dirty="0">
+                <a:solidFill>
+                  <a:schemeClr val="tx1"/>
+                </a:solidFill>
+                <a:latin typeface="Times New Roman" panose="02020603050405020304" pitchFamily="18" charset="0"/>
+                <a:cs typeface="Times New Roman" panose="02020603050405020304" pitchFamily="18" charset="0"/>
+              </a:rPr>
+              <a:t> Overall performance of different modules was tested during system testing (like page response time, user load)</a:t>
+            </a:r>
+          </a:p>
+          <a:p>
+            <a:pPr marL="457200" indent="-457200">
+              <a:buFont typeface="+mj-lt"/>
+              <a:buAutoNum type="arabicPeriod"/>
+              <a:defRPr sz="1500">
+                <a:solidFill>
+                  <a:srgbClr val="FFFFFF"/>
+                </a:solidFill>
+              </a:defRPr>
+            </a:pPr>
+            <a:r>
+              <a:rPr lang="en-US" sz="2300" dirty="0">
+                <a:solidFill>
+                  <a:schemeClr val="tx1"/>
+                </a:solidFill>
+                <a:latin typeface="Times New Roman" panose="02020603050405020304" pitchFamily="18" charset="0"/>
+                <a:cs typeface="Times New Roman" panose="02020603050405020304" pitchFamily="18" charset="0"/>
+              </a:rPr>
+              <a:t>Are validations working on all form fields or not.</a:t>
+            </a:r>
+          </a:p>
+          <a:p>
+            <a:pPr marL="457200" indent="-457200">
+              <a:buFont typeface="+mj-lt"/>
+              <a:buAutoNum type="arabicPeriod"/>
+              <a:defRPr sz="1500">
+                <a:solidFill>
+                  <a:srgbClr val="FFFFFF"/>
+                </a:solidFill>
+              </a:defRPr>
+            </a:pPr>
+            <a:r>
+              <a:rPr lang="en-US" sz="2300" dirty="0">
+                <a:solidFill>
+                  <a:schemeClr val="tx1"/>
+                </a:solidFill>
+                <a:latin typeface="Times New Roman" panose="02020603050405020304" pitchFamily="18" charset="0"/>
+                <a:cs typeface="Times New Roman" panose="02020603050405020304" pitchFamily="18" charset="0"/>
+              </a:rPr>
+              <a:t>System is showing appropriate error/notification messages or not.</a:t>
+            </a:r>
+          </a:p>
+          <a:p>
+            <a:pPr marL="457200" indent="-457200">
+              <a:buFont typeface="+mj-lt"/>
+              <a:buAutoNum type="arabicPeriod"/>
+              <a:defRPr sz="1500">
+                <a:solidFill>
+                  <a:srgbClr val="FFFFFF"/>
+                </a:solidFill>
+              </a:defRPr>
+            </a:pPr>
+            <a:r>
+              <a:rPr lang="en-US" sz="2300" dirty="0">
+                <a:solidFill>
+                  <a:schemeClr val="tx1"/>
+                </a:solidFill>
+                <a:latin typeface="Times New Roman" panose="02020603050405020304" pitchFamily="18" charset="0"/>
+                <a:cs typeface="Times New Roman" panose="02020603050405020304" pitchFamily="18" charset="0"/>
+              </a:rPr>
+              <a:t>Whether UI is easy to navigate or not.</a:t>
+            </a:r>
+          </a:p>
+        </p:txBody>
+      </p:sp>
+      <p:sp>
+        <p:nvSpPr>
           <p:cNvPr id="185" name="Rectangle 9"/>
           <p:cNvSpPr/>
           <p:nvPr/>
@@ -8491,7 +8544,7 @@
         </p:nvSpPr>
         <p:spPr>
           <a:xfrm>
-            <a:off x="1289190" y="-1"/>
+            <a:off x="1289192" y="2751"/>
             <a:ext cx="10005340" cy="1362257"/>
           </a:xfrm>
           <a:prstGeom prst="rect">
@@ -8564,275 +8617,16 @@
           <a:p>
             <a:r>
               <a:rPr lang="en-US" dirty="0"/>
-              <a:t>Feedback from peer reviews</a:t>
+              <a:t>Functionality Testing</a:t>
             </a:r>
             <a:endParaRPr dirty="0"/>
-          </a:p>
-        </p:txBody>
-      </p:sp>
-      <p:sp>
-        <p:nvSpPr>
-          <p:cNvPr id="191" name="Slide Number"/>
-          <p:cNvSpPr txBox="1">
-            <a:spLocks noGrp="1"/>
-          </p:cNvSpPr>
-          <p:nvPr>
-            <p:ph type="sldNum" sz="quarter" idx="4294967295"/>
-          </p:nvPr>
-        </p:nvSpPr>
-        <p:spPr>
-          <a:xfrm>
-            <a:off x="11261405" y="5337713"/>
-            <a:ext cx="92396" cy="477054"/>
-          </a:xfrm>
-          <a:prstGeom prst="rect">
-            <a:avLst/>
-          </a:prstGeom>
-          <a:extLst>
-            <a:ext uri="{C572A759-6A51-4108-AA02-DFA0A04FC94B}">
-              <ma14:wrappingTextBoxFlag xmlns:ma14="http://schemas.microsoft.com/office/mac/drawingml/2011/main" xmlns:a14="http://schemas.microsoft.com/office/drawing/2010/main" xmlns:m="http://schemas.openxmlformats.org/officeDocument/2006/math" xmlns="" val="1"/>
-            </a:ext>
-          </a:extLst>
-        </p:spPr>
-        <p:txBody>
-          <a:bodyPr/>
-          <a:lstStyle/>
-          <a:p>
-            <a:endParaRPr dirty="0"/>
-          </a:p>
-        </p:txBody>
-      </p:sp>
-      <p:sp>
-        <p:nvSpPr>
-          <p:cNvPr id="11" name="TextBox 10">
-            <a:extLst>
-              <a:ext uri="{FF2B5EF4-FFF2-40B4-BE49-F238E27FC236}">
-                <a16:creationId xmlns:a16="http://schemas.microsoft.com/office/drawing/2014/main" id="{E99A79F9-06B6-4879-845E-11DE8E3E9397}"/>
-              </a:ext>
-            </a:extLst>
-          </p:cNvPr>
-          <p:cNvSpPr txBox="1"/>
-          <p:nvPr/>
-        </p:nvSpPr>
-        <p:spPr>
-          <a:xfrm>
-            <a:off x="1559496" y="2259280"/>
-            <a:ext cx="8496944" cy="3077766"/>
-          </a:xfrm>
-          <a:prstGeom prst="rect">
-            <a:avLst/>
-          </a:prstGeom>
-          <a:noFill/>
-          <a:ln w="12700" cap="flat">
-            <a:noFill/>
-            <a:miter lim="400000"/>
-          </a:ln>
-          <a:effectLst/>
-          <a:sp3d/>
-        </p:spPr>
-        <p:style>
-          <a:lnRef idx="0">
-            <a:scrgbClr r="0" g="0" b="0"/>
-          </a:lnRef>
-          <a:fillRef idx="0">
-            <a:scrgbClr r="0" g="0" b="0"/>
-          </a:fillRef>
-          <a:effectRef idx="0">
-            <a:scrgbClr r="0" g="0" b="0"/>
-          </a:effectRef>
-          <a:fontRef idx="none"/>
-        </p:style>
-        <p:txBody>
-          <a:bodyPr wrap="square">
-            <a:spAutoFit/>
-          </a:bodyPr>
-          <a:lstStyle/>
-          <a:p>
-            <a:pPr marL="342900" indent="-342900">
-              <a:buFont typeface="Wingdings" panose="05000000000000000000" pitchFamily="2" charset="2"/>
-              <a:buChar char="Ø"/>
-            </a:pPr>
-            <a:r>
-              <a:rPr lang="en-US" sz="2000" dirty="0">
-                <a:latin typeface="Times New Roman" panose="02020603050405020304" pitchFamily="18" charset="0"/>
-                <a:cs typeface="Times New Roman" panose="02020603050405020304" pitchFamily="18" charset="0"/>
-              </a:rPr>
-              <a:t>We received a few suggestions from the peer review sessions, one of which was to implement a hospital staff login to collect patient data in the event of an emergency, and another was to add a nurse login, which was rejected because hospital staff includes nurses as well.</a:t>
-            </a:r>
-          </a:p>
-          <a:p>
-            <a:pPr marL="342900" marR="0" lvl="0" indent="-342900">
-              <a:spcBef>
-                <a:spcPts val="0"/>
-              </a:spcBef>
-              <a:spcAft>
-                <a:spcPts val="0"/>
-              </a:spcAft>
-              <a:buFont typeface="Wingdings" panose="05000000000000000000" pitchFamily="2" charset="2"/>
-              <a:buChar char="Ø"/>
-            </a:pPr>
-            <a:r>
-              <a:rPr lang="en-US" sz="2000" dirty="0">
-                <a:solidFill>
-                  <a:srgbClr val="000000"/>
-                </a:solidFill>
-                <a:effectLst/>
-                <a:latin typeface="Times New Roman" panose="02020603050405020304" pitchFamily="18" charset="0"/>
-                <a:ea typeface="Times New Roman" panose="02020603050405020304" pitchFamily="18" charset="0"/>
-                <a:cs typeface="Times New Roman" panose="02020603050405020304" pitchFamily="18" charset="0"/>
-              </a:rPr>
-              <a:t>Tooltip text can be added to some buttons/icons.</a:t>
-            </a:r>
-            <a:endParaRPr lang="en-US" sz="2000" dirty="0">
-              <a:effectLst/>
-              <a:latin typeface="Times New Roman" panose="02020603050405020304" pitchFamily="18" charset="0"/>
-              <a:ea typeface="Times New Roman" panose="02020603050405020304" pitchFamily="18" charset="0"/>
-              <a:cs typeface="Times New Roman" panose="02020603050405020304" pitchFamily="18" charset="0"/>
-            </a:endParaRPr>
-          </a:p>
-          <a:p>
-            <a:pPr marL="342900" marR="0" lvl="0" indent="-342900">
-              <a:spcBef>
-                <a:spcPts val="0"/>
-              </a:spcBef>
-              <a:spcAft>
-                <a:spcPts val="0"/>
-              </a:spcAft>
-              <a:buFont typeface="Wingdings" panose="05000000000000000000" pitchFamily="2" charset="2"/>
-              <a:buChar char="Ø"/>
-            </a:pPr>
-            <a:r>
-              <a:rPr lang="en-US" sz="2000" dirty="0">
-                <a:solidFill>
-                  <a:srgbClr val="000000"/>
-                </a:solidFill>
-                <a:effectLst/>
-                <a:latin typeface="Times New Roman" panose="02020603050405020304" pitchFamily="18" charset="0"/>
-                <a:ea typeface="Times New Roman" panose="02020603050405020304" pitchFamily="18" charset="0"/>
-                <a:cs typeface="Times New Roman" panose="02020603050405020304" pitchFamily="18" charset="0"/>
-              </a:rPr>
-              <a:t>The use of colors and font size can be improved.</a:t>
-            </a:r>
-            <a:endParaRPr lang="en-US" sz="2000" dirty="0">
-              <a:effectLst/>
-              <a:latin typeface="Times New Roman" panose="02020603050405020304" pitchFamily="18" charset="0"/>
-              <a:ea typeface="Times New Roman" panose="02020603050405020304" pitchFamily="18" charset="0"/>
-              <a:cs typeface="Times New Roman" panose="02020603050405020304" pitchFamily="18" charset="0"/>
-            </a:endParaRPr>
-          </a:p>
-          <a:p>
-            <a:pPr marL="342900" marR="0" lvl="0" indent="-342900">
-              <a:spcBef>
-                <a:spcPts val="0"/>
-              </a:spcBef>
-              <a:spcAft>
-                <a:spcPts val="0"/>
-              </a:spcAft>
-              <a:buFont typeface="Wingdings" panose="05000000000000000000" pitchFamily="2" charset="2"/>
-              <a:buChar char="Ø"/>
-            </a:pPr>
-            <a:r>
-              <a:rPr lang="en-US" sz="2000" dirty="0">
-                <a:solidFill>
-                  <a:srgbClr val="000000"/>
-                </a:solidFill>
-                <a:effectLst/>
-                <a:latin typeface="Times New Roman" panose="02020603050405020304" pitchFamily="18" charset="0"/>
-                <a:ea typeface="Times New Roman" panose="02020603050405020304" pitchFamily="18" charset="0"/>
-                <a:cs typeface="Times New Roman" panose="02020603050405020304" pitchFamily="18" charset="0"/>
-              </a:rPr>
-              <a:t>Icons inside the navbar should be like the action they perform.</a:t>
-            </a:r>
-            <a:endParaRPr lang="en-US" sz="2000" dirty="0">
-              <a:effectLst/>
-              <a:latin typeface="Times New Roman" panose="02020603050405020304" pitchFamily="18" charset="0"/>
-              <a:ea typeface="Times New Roman" panose="02020603050405020304" pitchFamily="18" charset="0"/>
-              <a:cs typeface="Times New Roman" panose="02020603050405020304" pitchFamily="18" charset="0"/>
-            </a:endParaRPr>
-          </a:p>
-          <a:p>
-            <a:pPr marL="0" marR="0">
-              <a:spcBef>
-                <a:spcPts val="0"/>
-              </a:spcBef>
-              <a:spcAft>
-                <a:spcPts val="0"/>
-              </a:spcAft>
-            </a:pPr>
-            <a:r>
-              <a:rPr lang="en-US" sz="1800" dirty="0">
-                <a:solidFill>
-                  <a:srgbClr val="172B4D"/>
-                </a:solidFill>
-                <a:effectLst/>
-                <a:latin typeface="Segoe UI" panose="020B0502040204020203" pitchFamily="34" charset="0"/>
-                <a:ea typeface="Times New Roman" panose="02020603050405020304" pitchFamily="18" charset="0"/>
-              </a:rPr>
-              <a:t> </a:t>
-            </a:r>
-            <a:endParaRPr lang="en-US" sz="1800" dirty="0">
-              <a:effectLst/>
-              <a:latin typeface="Times New Roman" panose="02020603050405020304" pitchFamily="18" charset="0"/>
-              <a:ea typeface="Times New Roman" panose="02020603050405020304" pitchFamily="18" charset="0"/>
-            </a:endParaRPr>
-          </a:p>
-          <a:p>
-            <a:pPr marL="685800" marR="0">
-              <a:spcBef>
-                <a:spcPts val="0"/>
-              </a:spcBef>
-              <a:spcAft>
-                <a:spcPts val="0"/>
-              </a:spcAft>
-            </a:pPr>
-            <a:r>
-              <a:rPr lang="en-US" sz="1800" dirty="0">
-                <a:solidFill>
-                  <a:srgbClr val="172B4D"/>
-                </a:solidFill>
-                <a:effectLst/>
-                <a:latin typeface="Segoe UI" panose="020B0502040204020203" pitchFamily="34" charset="0"/>
-                <a:ea typeface="Times New Roman" panose="02020603050405020304" pitchFamily="18" charset="0"/>
-              </a:rPr>
-              <a:t> </a:t>
-            </a:r>
-            <a:endParaRPr lang="en-US" sz="1800" dirty="0">
-              <a:effectLst/>
-              <a:latin typeface="Times New Roman" panose="02020603050405020304" pitchFamily="18" charset="0"/>
-              <a:ea typeface="Times New Roman" panose="02020603050405020304" pitchFamily="18" charset="0"/>
-            </a:endParaRPr>
-          </a:p>
-          <a:p>
-            <a:pPr marL="0" marR="0">
-              <a:spcBef>
-                <a:spcPts val="0"/>
-              </a:spcBef>
-              <a:spcAft>
-                <a:spcPts val="0"/>
-              </a:spcAft>
-            </a:pPr>
-            <a:r>
-              <a:rPr lang="en-US" sz="1800" dirty="0">
-                <a:solidFill>
-                  <a:srgbClr val="172B4D"/>
-                </a:solidFill>
-                <a:effectLst/>
-                <a:latin typeface="Calibri" panose="020F0502020204030204" pitchFamily="34" charset="0"/>
-                <a:ea typeface="Times New Roman" panose="02020603050405020304" pitchFamily="18" charset="0"/>
-              </a:rPr>
-              <a:t>   </a:t>
-            </a:r>
-            <a:endParaRPr lang="en-US" sz="2000" dirty="0">
-              <a:latin typeface="Times New Roman" panose="02020603050405020304" pitchFamily="18" charset="0"/>
-              <a:cs typeface="Times New Roman" panose="02020603050405020304" pitchFamily="18" charset="0"/>
-            </a:endParaRPr>
           </a:p>
         </p:txBody>
       </p:sp>
     </p:spTree>
     <p:extLst>
       <p:ext uri="{BB962C8B-B14F-4D97-AF65-F5344CB8AC3E}">
-        <p14:creationId xmlns:p14="http://schemas.microsoft.com/office/powerpoint/2010/main" val="3630543467"/>
+        <p14:creationId xmlns:p14="http://schemas.microsoft.com/office/powerpoint/2010/main" val="382075431"/>
       </p:ext>
     </p:extLst>
   </p:cSld>
@@ -9081,7 +8875,7 @@
           <a:p>
             <a:r>
               <a:rPr lang="en-US" dirty="0"/>
-              <a:t>Code inspection</a:t>
+              <a:t>Feedback from peer reviews</a:t>
             </a:r>
             <a:endParaRPr dirty="0"/>
           </a:p>
@@ -9121,10 +8915,10 @@
       </p:sp>
       <p:sp>
         <p:nvSpPr>
-          <p:cNvPr id="10" name="TextBox 9">
+          <p:cNvPr id="11" name="TextBox 10">
             <a:extLst>
               <a:ext uri="{FF2B5EF4-FFF2-40B4-BE49-F238E27FC236}">
-                <a16:creationId xmlns:a16="http://schemas.microsoft.com/office/drawing/2014/main" id="{2A19E2B5-4616-49BC-8D60-4C9A7FD40F94}"/>
+                <a16:creationId xmlns:a16="http://schemas.microsoft.com/office/drawing/2014/main" id="{E99A79F9-06B6-4879-845E-11DE8E3E9397}"/>
               </a:ext>
             </a:extLst>
           </p:cNvPr>
@@ -9133,8 +8927,8 @@
         </p:nvSpPr>
         <p:spPr>
           <a:xfrm>
-            <a:off x="815743" y="1480213"/>
-            <a:ext cx="10005340" cy="4110612"/>
+            <a:off x="1559496" y="2259280"/>
+            <a:ext cx="8496944" cy="3077766"/>
           </a:xfrm>
           <a:prstGeom prst="rect">
             <a:avLst/>
@@ -9165,10 +8959,20 @@
           </a:bodyPr>
           <a:lstStyle/>
           <a:p>
+            <a:pPr marL="342900" indent="-342900">
+              <a:buFont typeface="Wingdings" panose="05000000000000000000" pitchFamily="2" charset="2"/>
+              <a:buChar char="Ø"/>
+            </a:pPr>
+            <a:r>
+              <a:rPr lang="en-US" sz="2000" dirty="0">
+                <a:latin typeface="Times New Roman" panose="02020603050405020304" pitchFamily="18" charset="0"/>
+                <a:cs typeface="Times New Roman" panose="02020603050405020304" pitchFamily="18" charset="0"/>
+              </a:rPr>
+              <a:t>We received a few suggestions from the peer review sessions, one of which was to implement a hospital staff login to collect patient data in the event of an emergency, and another was to add a nurse login, which was rejected because hospital staff includes nurses as well.</a:t>
+            </a:r>
+          </a:p>
+          <a:p>
             <a:pPr marL="342900" marR="0" lvl="0" indent="-342900">
-              <a:lnSpc>
-                <a:spcPct val="107000"/>
-              </a:lnSpc>
               <a:spcBef>
                 <a:spcPts val="0"/>
               </a:spcBef>
@@ -9180,19 +8984,25 @@
             </a:pPr>
             <a:r>
               <a:rPr lang="en-US" sz="2000" dirty="0">
+                <a:solidFill>
+                  <a:srgbClr val="000000"/>
+                </a:solidFill>
                 <a:effectLst/>
                 <a:latin typeface="Times New Roman" panose="02020603050405020304" pitchFamily="18" charset="0"/>
                 <a:ea typeface="Times New Roman" panose="02020603050405020304" pitchFamily="18" charset="0"/>
                 <a:cs typeface="Times New Roman" panose="02020603050405020304" pitchFamily="18" charset="0"/>
               </a:rPr>
-              <a:t>To add the comments for the source code about the functionalities</a:t>
-            </a:r>
+              <a:t>Tooltip text can be added to some buttons/icons.</a:t>
+            </a:r>
+            <a:endParaRPr lang="en-US" sz="2000" dirty="0">
+              <a:effectLst/>
+              <a:latin typeface="Times New Roman" panose="02020603050405020304" pitchFamily="18" charset="0"/>
+              <a:ea typeface="Times New Roman" panose="02020603050405020304" pitchFamily="18" charset="0"/>
+              <a:cs typeface="Times New Roman" panose="02020603050405020304" pitchFamily="18" charset="0"/>
+            </a:endParaRPr>
           </a:p>
           <a:p>
             <a:pPr marL="342900" marR="0" lvl="0" indent="-342900">
-              <a:lnSpc>
-                <a:spcPct val="107000"/>
-              </a:lnSpc>
               <a:spcBef>
                 <a:spcPts val="0"/>
               </a:spcBef>
@@ -9204,19 +9014,25 @@
             </a:pPr>
             <a:r>
               <a:rPr lang="en-US" sz="2000" dirty="0">
+                <a:solidFill>
+                  <a:srgbClr val="000000"/>
+                </a:solidFill>
                 <a:effectLst/>
                 <a:latin typeface="Times New Roman" panose="02020603050405020304" pitchFamily="18" charset="0"/>
                 <a:ea typeface="Times New Roman" panose="02020603050405020304" pitchFamily="18" charset="0"/>
                 <a:cs typeface="Times New Roman" panose="02020603050405020304" pitchFamily="18" charset="0"/>
               </a:rPr>
-              <a:t>The length of the overall code inspection document can be reduced (as per the submission guidelines) </a:t>
-            </a:r>
+              <a:t>The use of colors and font size can be improved.</a:t>
+            </a:r>
+            <a:endParaRPr lang="en-US" sz="2000" dirty="0">
+              <a:effectLst/>
+              <a:latin typeface="Times New Roman" panose="02020603050405020304" pitchFamily="18" charset="0"/>
+              <a:ea typeface="Times New Roman" panose="02020603050405020304" pitchFamily="18" charset="0"/>
+              <a:cs typeface="Times New Roman" panose="02020603050405020304" pitchFamily="18" charset="0"/>
+            </a:endParaRPr>
           </a:p>
           <a:p>
             <a:pPr marL="342900" marR="0" lvl="0" indent="-342900">
-              <a:lnSpc>
-                <a:spcPct val="107000"/>
-              </a:lnSpc>
               <a:spcBef>
                 <a:spcPts val="0"/>
               </a:spcBef>
@@ -9228,190 +9044,106 @@
             </a:pPr>
             <a:r>
               <a:rPr lang="en-US" sz="2000" dirty="0">
+                <a:solidFill>
+                  <a:srgbClr val="000000"/>
+                </a:solidFill>
                 <a:effectLst/>
                 <a:latin typeface="Times New Roman" panose="02020603050405020304" pitchFamily="18" charset="0"/>
                 <a:ea typeface="Times New Roman" panose="02020603050405020304" pitchFamily="18" charset="0"/>
                 <a:cs typeface="Times New Roman" panose="02020603050405020304" pitchFamily="18" charset="0"/>
               </a:rPr>
-              <a:t>Comments should be added in angular (</a:t>
-            </a:r>
-            <a:r>
-              <a:rPr lang="en-US" sz="2000" dirty="0" err="1">
-                <a:effectLst/>
-                <a:latin typeface="Times New Roman" panose="02020603050405020304" pitchFamily="18" charset="0"/>
-                <a:ea typeface="Times New Roman" panose="02020603050405020304" pitchFamily="18" charset="0"/>
-                <a:cs typeface="Times New Roman" panose="02020603050405020304" pitchFamily="18" charset="0"/>
-              </a:rPr>
-              <a:t>ts</a:t>
-            </a:r>
-            <a:r>
-              <a:rPr lang="en-US" sz="2000" dirty="0">
-                <a:effectLst/>
-                <a:latin typeface="Times New Roman" panose="02020603050405020304" pitchFamily="18" charset="0"/>
-                <a:ea typeface="Times New Roman" panose="02020603050405020304" pitchFamily="18" charset="0"/>
-                <a:cs typeface="Times New Roman" panose="02020603050405020304" pitchFamily="18" charset="0"/>
-              </a:rPr>
-              <a:t> code) as it’s not present in some places</a:t>
-            </a:r>
-          </a:p>
-          <a:p>
-            <a:pPr marL="342900" marR="0" lvl="0" indent="-342900">
-              <a:lnSpc>
-                <a:spcPct val="107000"/>
-              </a:lnSpc>
-              <a:spcBef>
-                <a:spcPts val="0"/>
-              </a:spcBef>
-              <a:spcAft>
-                <a:spcPts val="800"/>
-              </a:spcAft>
-              <a:buFont typeface="Wingdings" panose="05000000000000000000" pitchFamily="2" charset="2"/>
-              <a:buChar char="Ø"/>
-            </a:pPr>
-            <a:r>
-              <a:rPr lang="en-US" sz="2000" dirty="0">
-                <a:effectLst/>
-                <a:latin typeface="Times New Roman" panose="02020603050405020304" pitchFamily="18" charset="0"/>
-                <a:ea typeface="Times New Roman" panose="02020603050405020304" pitchFamily="18" charset="0"/>
-                <a:cs typeface="Times New Roman" panose="02020603050405020304" pitchFamily="18" charset="0"/>
-              </a:rPr>
-              <a:t>SQL code snippets can be avoided in inspection documents.</a:t>
-            </a:r>
-          </a:p>
-          <a:p>
-            <a:pPr marR="0">
-              <a:lnSpc>
-                <a:spcPct val="107000"/>
-              </a:lnSpc>
-              <a:spcBef>
-                <a:spcPts val="0"/>
-              </a:spcBef>
-              <a:spcAft>
-                <a:spcPts val="800"/>
-              </a:spcAft>
-            </a:pPr>
-            <a:r>
-              <a:rPr lang="en-US" sz="2000" b="1" dirty="0">
-                <a:effectLst/>
-                <a:latin typeface="Times New Roman" panose="02020603050405020304" pitchFamily="18" charset="0"/>
-                <a:ea typeface="Calibri" panose="020F0502020204030204" pitchFamily="34" charset="0"/>
-                <a:cs typeface="Times New Roman" panose="02020603050405020304" pitchFamily="18" charset="0"/>
-              </a:rPr>
-              <a:t>  </a:t>
-            </a:r>
-            <a:r>
-              <a:rPr lang="en-US" sz="2000" u="sng" dirty="0">
-                <a:effectLst/>
-                <a:latin typeface="Times New Roman" panose="02020603050405020304" pitchFamily="18" charset="0"/>
-                <a:ea typeface="Calibri" panose="020F0502020204030204" pitchFamily="34" charset="0"/>
-                <a:cs typeface="Times New Roman" panose="02020603050405020304" pitchFamily="18" charset="0"/>
-              </a:rPr>
-              <a:t>Accepted</a:t>
-            </a:r>
-            <a:r>
-              <a:rPr lang="en-US" sz="2000" b="1" dirty="0">
-                <a:effectLst/>
-                <a:latin typeface="Times New Roman" panose="02020603050405020304" pitchFamily="18" charset="0"/>
-                <a:ea typeface="Calibri" panose="020F0502020204030204" pitchFamily="34" charset="0"/>
-                <a:cs typeface="Times New Roman" panose="02020603050405020304" pitchFamily="18" charset="0"/>
-              </a:rPr>
-              <a:t>: </a:t>
+              <a:t>Icons inside the navbar should be like the action they perform.</a:t>
             </a:r>
             <a:endParaRPr lang="en-US" sz="2000" dirty="0">
               <a:effectLst/>
               <a:latin typeface="Times New Roman" panose="02020603050405020304" pitchFamily="18" charset="0"/>
-              <a:ea typeface="Calibri" panose="020F0502020204030204" pitchFamily="34" charset="0"/>
+              <a:ea typeface="Times New Roman" panose="02020603050405020304" pitchFamily="18" charset="0"/>
               <a:cs typeface="Times New Roman" panose="02020603050405020304" pitchFamily="18" charset="0"/>
             </a:endParaRPr>
           </a:p>
           <a:p>
-            <a:pPr marL="342900" lvl="2" indent="-342900">
-              <a:lnSpc>
-                <a:spcPct val="107000"/>
-              </a:lnSpc>
-              <a:spcAft>
-                <a:spcPts val="800"/>
-              </a:spcAft>
-              <a:buFont typeface="Wingdings" panose="05000000000000000000" pitchFamily="2" charset="2"/>
-              <a:buChar char="Ø"/>
-            </a:pPr>
-            <a:r>
-              <a:rPr lang="en-US" sz="2000" dirty="0">
-                <a:effectLst/>
-                <a:latin typeface="Times New Roman" panose="02020603050405020304" pitchFamily="18" charset="0"/>
-                <a:ea typeface="Times New Roman" panose="02020603050405020304" pitchFamily="18" charset="0"/>
-                <a:cs typeface="Times New Roman" panose="02020603050405020304" pitchFamily="18" charset="0"/>
-              </a:rPr>
-              <a:t>Accepted to include the comments in the source code and to reduce the overall document length </a:t>
-            </a:r>
-          </a:p>
-          <a:p>
-            <a:pPr marR="0">
-              <a:lnSpc>
-                <a:spcPct val="107000"/>
-              </a:lnSpc>
+            <a:pPr marL="0" marR="0">
               <a:spcBef>
                 <a:spcPts val="0"/>
               </a:spcBef>
               <a:spcAft>
-                <a:spcPts val="800"/>
+                <a:spcPts val="0"/>
               </a:spcAft>
             </a:pPr>
             <a:r>
-              <a:rPr lang="en-US" sz="2000" u="sng" dirty="0">
+              <a:rPr lang="en-US" sz="1800" dirty="0">
+                <a:solidFill>
+                  <a:srgbClr val="172B4D"/>
+                </a:solidFill>
                 <a:effectLst/>
-                <a:latin typeface="Times New Roman" panose="02020603050405020304" pitchFamily="18" charset="0"/>
-                <a:ea typeface="Calibri" panose="020F0502020204030204" pitchFamily="34" charset="0"/>
-                <a:cs typeface="Times New Roman" panose="02020603050405020304" pitchFamily="18" charset="0"/>
+                <a:latin typeface="Segoe UI" panose="020B0502040204020203" pitchFamily="34" charset="0"/>
+                <a:ea typeface="Times New Roman" panose="02020603050405020304" pitchFamily="18" charset="0"/>
               </a:rPr>
-              <a:t> Rejected</a:t>
-            </a:r>
-            <a:r>
-              <a:rPr lang="en-US" sz="2000" b="1" u="sng" dirty="0">
-                <a:effectLst/>
-                <a:latin typeface="Times New Roman" panose="02020603050405020304" pitchFamily="18" charset="0"/>
-                <a:ea typeface="Calibri" panose="020F0502020204030204" pitchFamily="34" charset="0"/>
-                <a:cs typeface="Times New Roman" panose="02020603050405020304" pitchFamily="18" charset="0"/>
-              </a:rPr>
-              <a:t>: </a:t>
-            </a:r>
-            <a:endParaRPr lang="en-US" sz="2000" dirty="0">
+              <a:t> </a:t>
+            </a:r>
+            <a:endParaRPr lang="en-US" sz="1800" dirty="0">
               <a:effectLst/>
               <a:latin typeface="Times New Roman" panose="02020603050405020304" pitchFamily="18" charset="0"/>
-              <a:ea typeface="Calibri" panose="020F0502020204030204" pitchFamily="34" charset="0"/>
+              <a:ea typeface="Times New Roman" panose="02020603050405020304" pitchFamily="18" charset="0"/>
+            </a:endParaRPr>
+          </a:p>
+          <a:p>
+            <a:pPr marL="685800" marR="0">
+              <a:spcBef>
+                <a:spcPts val="0"/>
+              </a:spcBef>
+              <a:spcAft>
+                <a:spcPts val="0"/>
+              </a:spcAft>
+            </a:pPr>
+            <a:r>
+              <a:rPr lang="en-US" sz="1800" dirty="0">
+                <a:solidFill>
+                  <a:srgbClr val="172B4D"/>
+                </a:solidFill>
+                <a:effectLst/>
+                <a:latin typeface="Segoe UI" panose="020B0502040204020203" pitchFamily="34" charset="0"/>
+                <a:ea typeface="Times New Roman" panose="02020603050405020304" pitchFamily="18" charset="0"/>
+              </a:rPr>
+              <a:t> </a:t>
+            </a:r>
+            <a:endParaRPr lang="en-US" sz="1800" dirty="0">
+              <a:effectLst/>
+              <a:latin typeface="Times New Roman" panose="02020603050405020304" pitchFamily="18" charset="0"/>
+              <a:ea typeface="Times New Roman" panose="02020603050405020304" pitchFamily="18" charset="0"/>
+            </a:endParaRPr>
+          </a:p>
+          <a:p>
+            <a:pPr marL="0" marR="0">
+              <a:spcBef>
+                <a:spcPts val="0"/>
+              </a:spcBef>
+              <a:spcAft>
+                <a:spcPts val="0"/>
+              </a:spcAft>
+            </a:pPr>
+            <a:r>
+              <a:rPr lang="en-US" sz="1800" dirty="0">
+                <a:solidFill>
+                  <a:srgbClr val="172B4D"/>
+                </a:solidFill>
+                <a:effectLst/>
+                <a:latin typeface="Calibri" panose="020F0502020204030204" pitchFamily="34" charset="0"/>
+                <a:ea typeface="Times New Roman" panose="02020603050405020304" pitchFamily="18" charset="0"/>
+              </a:rPr>
+              <a:t>   </a:t>
+            </a:r>
+            <a:endParaRPr lang="en-US" sz="2000" dirty="0">
+              <a:latin typeface="Times New Roman" panose="02020603050405020304" pitchFamily="18" charset="0"/>
               <a:cs typeface="Times New Roman" panose="02020603050405020304" pitchFamily="18" charset="0"/>
             </a:endParaRPr>
-          </a:p>
-          <a:p>
-            <a:pPr marL="342900" marR="0" lvl="0" indent="-342900">
-              <a:lnSpc>
-                <a:spcPct val="107000"/>
-              </a:lnSpc>
-              <a:spcBef>
-                <a:spcPts val="0"/>
-              </a:spcBef>
-              <a:spcAft>
-                <a:spcPts val="800"/>
-              </a:spcAft>
-              <a:buFont typeface="Wingdings" panose="05000000000000000000" pitchFamily="2" charset="2"/>
-              <a:buChar char="Ø"/>
-            </a:pPr>
-            <a:r>
-              <a:rPr lang="en-US" sz="2000" dirty="0">
-                <a:effectLst/>
-                <a:latin typeface="Times New Roman" panose="02020603050405020304" pitchFamily="18" charset="0"/>
-                <a:ea typeface="Times New Roman" panose="02020603050405020304" pitchFamily="18" charset="0"/>
-                <a:cs typeface="Times New Roman" panose="02020603050405020304" pitchFamily="18" charset="0"/>
-              </a:rPr>
-              <a:t>To remove the SQL code snippets from the document. Rejected this point, as the Database schema and DB Setup were already included in the phase 1 development plan</a:t>
-            </a:r>
           </a:p>
         </p:txBody>
       </p:sp>
     </p:spTree>
     <p:extLst>
       <p:ext uri="{BB962C8B-B14F-4D97-AF65-F5344CB8AC3E}">
-        <p14:creationId xmlns:p14="http://schemas.microsoft.com/office/powerpoint/2010/main" val="1037740888"/>
+        <p14:creationId xmlns:p14="http://schemas.microsoft.com/office/powerpoint/2010/main" val="3630543467"/>
       </p:ext>
     </p:extLst>
   </p:cSld>
@@ -9660,40 +9392,8 @@
           <a:p>
             <a:r>
               <a:rPr lang="en-US" dirty="0"/>
-              <a:t>Limitations</a:t>
-            </a:r>
-            <a:endParaRPr dirty="0"/>
-          </a:p>
-        </p:txBody>
-      </p:sp>
-      <p:sp>
-        <p:nvSpPr>
-          <p:cNvPr id="191" name="Slide Number"/>
-          <p:cNvSpPr txBox="1">
-            <a:spLocks noGrp="1"/>
-          </p:cNvSpPr>
-          <p:nvPr>
-            <p:ph type="sldNum" sz="quarter" idx="4294967295"/>
-          </p:nvPr>
-        </p:nvSpPr>
-        <p:spPr>
-          <a:xfrm>
-            <a:off x="11261405" y="5337713"/>
-            <a:ext cx="92396" cy="477054"/>
-          </a:xfrm>
-          <a:prstGeom prst="rect">
-            <a:avLst/>
-          </a:prstGeom>
-          <a:extLst>
-            <a:ext uri="{C572A759-6A51-4108-AA02-DFA0A04FC94B}">
-              <ma14:wrappingTextBoxFlag xmlns="" xmlns:m="http://schemas.openxmlformats.org/officeDocument/2006/math" xmlns:a14="http://schemas.microsoft.com/office/drawing/2010/main" xmlns:ma14="http://schemas.microsoft.com/office/mac/drawingml/2011/main" val="1"/>
-            </a:ext>
-          </a:extLst>
-        </p:spPr>
-        <p:txBody>
-          <a:bodyPr/>
-          <a:lstStyle/>
-          <a:p>
+              <a:t>Code inspection</a:t>
+            </a:r>
             <a:endParaRPr dirty="0"/>
           </a:p>
         </p:txBody>
@@ -9703,7 +9403,7 @@
           <p:cNvPr id="10" name="TextBox 9">
             <a:extLst>
               <a:ext uri="{FF2B5EF4-FFF2-40B4-BE49-F238E27FC236}">
-                <a16:creationId xmlns:a16="http://schemas.microsoft.com/office/drawing/2014/main" id="{8DCEBCC1-FF1A-45E8-987B-8C0119DD9249}"/>
+                <a16:creationId xmlns:a16="http://schemas.microsoft.com/office/drawing/2014/main" id="{2A19E2B5-4616-49BC-8D60-4C9A7FD40F94}"/>
               </a:ext>
             </a:extLst>
           </p:cNvPr>
@@ -9712,8 +9412,8 @@
         </p:nvSpPr>
         <p:spPr>
           <a:xfrm>
-            <a:off x="1487488" y="2128912"/>
-            <a:ext cx="8352928" cy="1477328"/>
+            <a:off x="815743" y="1480213"/>
+            <a:ext cx="10005340" cy="4110612"/>
           </a:xfrm>
           <a:prstGeom prst="rect">
             <a:avLst/>
@@ -9744,6 +9444,553 @@
           </a:bodyPr>
           <a:lstStyle/>
           <a:p>
+            <a:pPr marL="342900" marR="0" lvl="0" indent="-342900">
+              <a:lnSpc>
+                <a:spcPct val="107000"/>
+              </a:lnSpc>
+              <a:spcBef>
+                <a:spcPts val="0"/>
+              </a:spcBef>
+              <a:spcAft>
+                <a:spcPts val="0"/>
+              </a:spcAft>
+              <a:buFont typeface="Wingdings" panose="05000000000000000000" pitchFamily="2" charset="2"/>
+              <a:buChar char="Ø"/>
+            </a:pPr>
+            <a:r>
+              <a:rPr lang="en-US" sz="2000" dirty="0">
+                <a:effectLst/>
+                <a:latin typeface="Times New Roman" panose="02020603050405020304" pitchFamily="18" charset="0"/>
+                <a:ea typeface="Times New Roman" panose="02020603050405020304" pitchFamily="18" charset="0"/>
+                <a:cs typeface="Times New Roman" panose="02020603050405020304" pitchFamily="18" charset="0"/>
+              </a:rPr>
+              <a:t>To add the comments for the source code about the functionalities</a:t>
+            </a:r>
+          </a:p>
+          <a:p>
+            <a:pPr marL="342900" marR="0" lvl="0" indent="-342900">
+              <a:lnSpc>
+                <a:spcPct val="107000"/>
+              </a:lnSpc>
+              <a:spcBef>
+                <a:spcPts val="0"/>
+              </a:spcBef>
+              <a:spcAft>
+                <a:spcPts val="0"/>
+              </a:spcAft>
+              <a:buFont typeface="Wingdings" panose="05000000000000000000" pitchFamily="2" charset="2"/>
+              <a:buChar char="Ø"/>
+            </a:pPr>
+            <a:r>
+              <a:rPr lang="en-US" sz="2000" dirty="0">
+                <a:effectLst/>
+                <a:latin typeface="Times New Roman" panose="02020603050405020304" pitchFamily="18" charset="0"/>
+                <a:ea typeface="Times New Roman" panose="02020603050405020304" pitchFamily="18" charset="0"/>
+                <a:cs typeface="Times New Roman" panose="02020603050405020304" pitchFamily="18" charset="0"/>
+              </a:rPr>
+              <a:t>The length of the overall code inspection document can be reduced (as per the submission guidelines) </a:t>
+            </a:r>
+          </a:p>
+          <a:p>
+            <a:pPr marL="342900" marR="0" lvl="0" indent="-342900">
+              <a:lnSpc>
+                <a:spcPct val="107000"/>
+              </a:lnSpc>
+              <a:spcBef>
+                <a:spcPts val="0"/>
+              </a:spcBef>
+              <a:spcAft>
+                <a:spcPts val="0"/>
+              </a:spcAft>
+              <a:buFont typeface="Wingdings" panose="05000000000000000000" pitchFamily="2" charset="2"/>
+              <a:buChar char="Ø"/>
+            </a:pPr>
+            <a:r>
+              <a:rPr lang="en-US" sz="2000" dirty="0">
+                <a:effectLst/>
+                <a:latin typeface="Times New Roman" panose="02020603050405020304" pitchFamily="18" charset="0"/>
+                <a:ea typeface="Times New Roman" panose="02020603050405020304" pitchFamily="18" charset="0"/>
+                <a:cs typeface="Times New Roman" panose="02020603050405020304" pitchFamily="18" charset="0"/>
+              </a:rPr>
+              <a:t>Comments should be added in angular (</a:t>
+            </a:r>
+            <a:r>
+              <a:rPr lang="en-US" sz="2000" dirty="0" err="1">
+                <a:effectLst/>
+                <a:latin typeface="Times New Roman" panose="02020603050405020304" pitchFamily="18" charset="0"/>
+                <a:ea typeface="Times New Roman" panose="02020603050405020304" pitchFamily="18" charset="0"/>
+                <a:cs typeface="Times New Roman" panose="02020603050405020304" pitchFamily="18" charset="0"/>
+              </a:rPr>
+              <a:t>ts</a:t>
+            </a:r>
+            <a:r>
+              <a:rPr lang="en-US" sz="2000" dirty="0">
+                <a:effectLst/>
+                <a:latin typeface="Times New Roman" panose="02020603050405020304" pitchFamily="18" charset="0"/>
+                <a:ea typeface="Times New Roman" panose="02020603050405020304" pitchFamily="18" charset="0"/>
+                <a:cs typeface="Times New Roman" panose="02020603050405020304" pitchFamily="18" charset="0"/>
+              </a:rPr>
+              <a:t> code) as it’s not present in some places</a:t>
+            </a:r>
+          </a:p>
+          <a:p>
+            <a:pPr marL="342900" marR="0" lvl="0" indent="-342900">
+              <a:lnSpc>
+                <a:spcPct val="107000"/>
+              </a:lnSpc>
+              <a:spcBef>
+                <a:spcPts val="0"/>
+              </a:spcBef>
+              <a:spcAft>
+                <a:spcPts val="800"/>
+              </a:spcAft>
+              <a:buFont typeface="Wingdings" panose="05000000000000000000" pitchFamily="2" charset="2"/>
+              <a:buChar char="Ø"/>
+            </a:pPr>
+            <a:r>
+              <a:rPr lang="en-US" sz="2000" dirty="0">
+                <a:effectLst/>
+                <a:latin typeface="Times New Roman" panose="02020603050405020304" pitchFamily="18" charset="0"/>
+                <a:ea typeface="Times New Roman" panose="02020603050405020304" pitchFamily="18" charset="0"/>
+                <a:cs typeface="Times New Roman" panose="02020603050405020304" pitchFamily="18" charset="0"/>
+              </a:rPr>
+              <a:t>SQL code snippets can be avoided in inspection documents.</a:t>
+            </a:r>
+          </a:p>
+          <a:p>
+            <a:pPr marR="0">
+              <a:lnSpc>
+                <a:spcPct val="107000"/>
+              </a:lnSpc>
+              <a:spcBef>
+                <a:spcPts val="0"/>
+              </a:spcBef>
+              <a:spcAft>
+                <a:spcPts val="800"/>
+              </a:spcAft>
+            </a:pPr>
+            <a:r>
+              <a:rPr lang="en-US" sz="2000" b="1" dirty="0">
+                <a:effectLst/>
+                <a:latin typeface="Times New Roman" panose="02020603050405020304" pitchFamily="18" charset="0"/>
+                <a:ea typeface="Calibri" panose="020F0502020204030204" pitchFamily="34" charset="0"/>
+                <a:cs typeface="Times New Roman" panose="02020603050405020304" pitchFamily="18" charset="0"/>
+              </a:rPr>
+              <a:t>  </a:t>
+            </a:r>
+            <a:r>
+              <a:rPr lang="en-US" sz="2000" u="sng" dirty="0">
+                <a:effectLst/>
+                <a:latin typeface="Times New Roman" panose="02020603050405020304" pitchFamily="18" charset="0"/>
+                <a:ea typeface="Calibri" panose="020F0502020204030204" pitchFamily="34" charset="0"/>
+                <a:cs typeface="Times New Roman" panose="02020603050405020304" pitchFamily="18" charset="0"/>
+              </a:rPr>
+              <a:t>Accepted</a:t>
+            </a:r>
+            <a:r>
+              <a:rPr lang="en-US" sz="2000" b="1" dirty="0">
+                <a:effectLst/>
+                <a:latin typeface="Times New Roman" panose="02020603050405020304" pitchFamily="18" charset="0"/>
+                <a:ea typeface="Calibri" panose="020F0502020204030204" pitchFamily="34" charset="0"/>
+                <a:cs typeface="Times New Roman" panose="02020603050405020304" pitchFamily="18" charset="0"/>
+              </a:rPr>
+              <a:t>: </a:t>
+            </a:r>
+            <a:endParaRPr lang="en-US" sz="2000" dirty="0">
+              <a:effectLst/>
+              <a:latin typeface="Times New Roman" panose="02020603050405020304" pitchFamily="18" charset="0"/>
+              <a:ea typeface="Calibri" panose="020F0502020204030204" pitchFamily="34" charset="0"/>
+              <a:cs typeface="Times New Roman" panose="02020603050405020304" pitchFamily="18" charset="0"/>
+            </a:endParaRPr>
+          </a:p>
+          <a:p>
+            <a:pPr marL="342900" lvl="2" indent="-342900">
+              <a:lnSpc>
+                <a:spcPct val="107000"/>
+              </a:lnSpc>
+              <a:spcAft>
+                <a:spcPts val="800"/>
+              </a:spcAft>
+              <a:buFont typeface="Wingdings" panose="05000000000000000000" pitchFamily="2" charset="2"/>
+              <a:buChar char="Ø"/>
+            </a:pPr>
+            <a:r>
+              <a:rPr lang="en-US" sz="2000" dirty="0">
+                <a:effectLst/>
+                <a:latin typeface="Times New Roman" panose="02020603050405020304" pitchFamily="18" charset="0"/>
+                <a:ea typeface="Times New Roman" panose="02020603050405020304" pitchFamily="18" charset="0"/>
+                <a:cs typeface="Times New Roman" panose="02020603050405020304" pitchFamily="18" charset="0"/>
+              </a:rPr>
+              <a:t>Accepted to include the comments in the source code and to reduce the overall document length </a:t>
+            </a:r>
+          </a:p>
+          <a:p>
+            <a:pPr marR="0">
+              <a:lnSpc>
+                <a:spcPct val="107000"/>
+              </a:lnSpc>
+              <a:spcBef>
+                <a:spcPts val="0"/>
+              </a:spcBef>
+              <a:spcAft>
+                <a:spcPts val="800"/>
+              </a:spcAft>
+            </a:pPr>
+            <a:r>
+              <a:rPr lang="en-US" sz="2000" u="sng" dirty="0">
+                <a:effectLst/>
+                <a:latin typeface="Times New Roman" panose="02020603050405020304" pitchFamily="18" charset="0"/>
+                <a:ea typeface="Calibri" panose="020F0502020204030204" pitchFamily="34" charset="0"/>
+                <a:cs typeface="Times New Roman" panose="02020603050405020304" pitchFamily="18" charset="0"/>
+              </a:rPr>
+              <a:t> Rejected</a:t>
+            </a:r>
+            <a:r>
+              <a:rPr lang="en-US" sz="2000" b="1" u="sng" dirty="0">
+                <a:effectLst/>
+                <a:latin typeface="Times New Roman" panose="02020603050405020304" pitchFamily="18" charset="0"/>
+                <a:ea typeface="Calibri" panose="020F0502020204030204" pitchFamily="34" charset="0"/>
+                <a:cs typeface="Times New Roman" panose="02020603050405020304" pitchFamily="18" charset="0"/>
+              </a:rPr>
+              <a:t>: </a:t>
+            </a:r>
+            <a:endParaRPr lang="en-US" sz="2000" dirty="0">
+              <a:effectLst/>
+              <a:latin typeface="Times New Roman" panose="02020603050405020304" pitchFamily="18" charset="0"/>
+              <a:ea typeface="Calibri" panose="020F0502020204030204" pitchFamily="34" charset="0"/>
+              <a:cs typeface="Times New Roman" panose="02020603050405020304" pitchFamily="18" charset="0"/>
+            </a:endParaRPr>
+          </a:p>
+          <a:p>
+            <a:pPr marL="342900" marR="0" lvl="0" indent="-342900">
+              <a:lnSpc>
+                <a:spcPct val="107000"/>
+              </a:lnSpc>
+              <a:spcBef>
+                <a:spcPts val="0"/>
+              </a:spcBef>
+              <a:spcAft>
+                <a:spcPts val="800"/>
+              </a:spcAft>
+              <a:buFont typeface="Wingdings" panose="05000000000000000000" pitchFamily="2" charset="2"/>
+              <a:buChar char="Ø"/>
+            </a:pPr>
+            <a:r>
+              <a:rPr lang="en-US" sz="2000" dirty="0">
+                <a:effectLst/>
+                <a:latin typeface="Times New Roman" panose="02020603050405020304" pitchFamily="18" charset="0"/>
+                <a:ea typeface="Times New Roman" panose="02020603050405020304" pitchFamily="18" charset="0"/>
+                <a:cs typeface="Times New Roman" panose="02020603050405020304" pitchFamily="18" charset="0"/>
+              </a:rPr>
+              <a:t>To remove the SQL code snippets from the document. Rejected this point, as the Database schema and DB Setup were already included in the phase 1 development plan</a:t>
+            </a:r>
+          </a:p>
+        </p:txBody>
+      </p:sp>
+    </p:spTree>
+    <p:extLst>
+      <p:ext uri="{BB962C8B-B14F-4D97-AF65-F5344CB8AC3E}">
+        <p14:creationId xmlns:p14="http://schemas.microsoft.com/office/powerpoint/2010/main" val="1037740888"/>
+      </p:ext>
+    </p:extLst>
+  </p:cSld>
+  <p:clrMapOvr>
+    <a:masterClrMapping/>
+  </p:clrMapOvr>
+  <p:transition spd="med"/>
+</p:sld>
+</file>
+
+<file path=ppt/slides/slide24.xml><?xml version="1.0" encoding="utf-8"?>
+<p:sld xmlns:a="http://schemas.openxmlformats.org/drawingml/2006/main" xmlns:r="http://schemas.openxmlformats.org/officeDocument/2006/relationships" xmlns:p="http://schemas.openxmlformats.org/presentationml/2006/main">
+  <p:cSld>
+    <p:spTree>
+      <p:nvGrpSpPr>
+        <p:cNvPr id="1" name=""/>
+        <p:cNvGrpSpPr/>
+        <p:nvPr/>
+      </p:nvGrpSpPr>
+      <p:grpSpPr>
+        <a:xfrm>
+          <a:off x="0" y="0"/>
+          <a:ext cx="0" cy="0"/>
+          <a:chOff x="0" y="0"/>
+          <a:chExt cx="0" cy="0"/>
+        </a:xfrm>
+      </p:grpSpPr>
+      <p:sp>
+        <p:nvSpPr>
+          <p:cNvPr id="185" name="Rectangle 9"/>
+          <p:cNvSpPr/>
+          <p:nvPr/>
+        </p:nvSpPr>
+        <p:spPr>
+          <a:xfrm flipH="1">
+            <a:off x="897467" y="-2"/>
+            <a:ext cx="10397066" cy="1356552"/>
+          </a:xfrm>
+          <a:prstGeom prst="rect">
+            <a:avLst/>
+          </a:prstGeom>
+          <a:gradFill>
+            <a:gsLst>
+              <a:gs pos="0">
+                <a:srgbClr val="000000"/>
+              </a:gs>
+              <a:gs pos="100000">
+                <a:srgbClr val="2F5597"/>
+              </a:gs>
+            </a:gsLst>
+            <a:lin ang="8400000"/>
+          </a:gradFill>
+          <a:ln w="12700">
+            <a:miter lim="400000"/>
+          </a:ln>
+        </p:spPr>
+        <p:txBody>
+          <a:bodyPr lIns="45719" rIns="45719" anchor="ctr"/>
+          <a:lstStyle/>
+          <a:p>
+            <a:pPr>
+              <a:defRPr sz="1500">
+                <a:solidFill>
+                  <a:srgbClr val="FFFFFF"/>
+                </a:solidFill>
+              </a:defRPr>
+            </a:pPr>
+            <a:endParaRPr/>
+          </a:p>
+        </p:txBody>
+      </p:sp>
+      <p:sp>
+        <p:nvSpPr>
+          <p:cNvPr id="186" name="Rectangle 11"/>
+          <p:cNvSpPr/>
+          <p:nvPr/>
+        </p:nvSpPr>
+        <p:spPr>
+          <a:xfrm rot="10800000" flipH="1">
+            <a:off x="897464" y="0"/>
+            <a:ext cx="6920553" cy="1356551"/>
+          </a:xfrm>
+          <a:prstGeom prst="rect">
+            <a:avLst/>
+          </a:prstGeom>
+          <a:gradFill>
+            <a:gsLst>
+              <a:gs pos="20000">
+                <a:schemeClr val="accent1">
+                  <a:alpha val="0"/>
+                </a:schemeClr>
+              </a:gs>
+              <a:gs pos="100000">
+                <a:srgbClr val="203864">
+                  <a:alpha val="55000"/>
+                </a:srgbClr>
+              </a:gs>
+            </a:gsLst>
+            <a:lin ang="13800000"/>
+          </a:gradFill>
+          <a:ln w="12700">
+            <a:miter lim="400000"/>
+          </a:ln>
+        </p:spPr>
+        <p:txBody>
+          <a:bodyPr lIns="45719" rIns="45719" anchor="ctr"/>
+          <a:lstStyle/>
+          <a:p>
+            <a:pPr>
+              <a:defRPr sz="1500">
+                <a:solidFill>
+                  <a:srgbClr val="FFFFFF"/>
+                </a:solidFill>
+              </a:defRPr>
+            </a:pPr>
+            <a:endParaRPr/>
+          </a:p>
+        </p:txBody>
+      </p:sp>
+      <p:sp>
+        <p:nvSpPr>
+          <p:cNvPr id="187" name="Rectangle 13"/>
+          <p:cNvSpPr/>
+          <p:nvPr/>
+        </p:nvSpPr>
+        <p:spPr>
+          <a:xfrm flipH="1">
+            <a:off x="7818015" y="-2"/>
+            <a:ext cx="3476517" cy="1356552"/>
+          </a:xfrm>
+          <a:prstGeom prst="rect">
+            <a:avLst/>
+          </a:prstGeom>
+          <a:gradFill>
+            <a:gsLst>
+              <a:gs pos="0">
+                <a:schemeClr val="accent1">
+                  <a:alpha val="66000"/>
+                </a:schemeClr>
+              </a:gs>
+              <a:gs pos="100000">
+                <a:srgbClr val="000000">
+                  <a:alpha val="30000"/>
+                </a:srgbClr>
+              </a:gs>
+            </a:gsLst>
+            <a:lin ang="13200000"/>
+          </a:gradFill>
+          <a:ln w="12700">
+            <a:miter lim="400000"/>
+          </a:ln>
+        </p:spPr>
+        <p:txBody>
+          <a:bodyPr lIns="45719" rIns="45719" anchor="ctr"/>
+          <a:lstStyle/>
+          <a:p>
+            <a:pPr>
+              <a:defRPr sz="1500">
+                <a:solidFill>
+                  <a:srgbClr val="FFFFFF"/>
+                </a:solidFill>
+              </a:defRPr>
+            </a:pPr>
+            <a:endParaRPr/>
+          </a:p>
+        </p:txBody>
+      </p:sp>
+      <p:sp>
+        <p:nvSpPr>
+          <p:cNvPr id="188" name="Rectangle 15"/>
+          <p:cNvSpPr/>
+          <p:nvPr/>
+        </p:nvSpPr>
+        <p:spPr>
+          <a:xfrm>
+            <a:off x="1289190" y="-1"/>
+            <a:ext cx="10005340" cy="1362257"/>
+          </a:xfrm>
+          <a:prstGeom prst="rect">
+            <a:avLst/>
+          </a:prstGeom>
+          <a:gradFill>
+            <a:gsLst>
+              <a:gs pos="50000">
+                <a:srgbClr val="000000">
+                  <a:alpha val="0"/>
+                </a:srgbClr>
+              </a:gs>
+              <a:gs pos="99000">
+                <a:srgbClr val="203864">
+                  <a:alpha val="52000"/>
+                </a:srgbClr>
+              </a:gs>
+            </a:gsLst>
+            <a:lin ang="16800000"/>
+          </a:gradFill>
+          <a:ln w="12700">
+            <a:miter lim="400000"/>
+          </a:ln>
+        </p:spPr>
+        <p:txBody>
+          <a:bodyPr lIns="45719" rIns="45719" anchor="ctr"/>
+          <a:lstStyle/>
+          <a:p>
+            <a:pPr>
+              <a:defRPr sz="1500">
+                <a:solidFill>
+                  <a:srgbClr val="FFFFFF"/>
+                </a:solidFill>
+              </a:defRPr>
+            </a:pPr>
+            <a:endParaRPr dirty="0"/>
+          </a:p>
+        </p:txBody>
+      </p:sp>
+      <p:sp>
+        <p:nvSpPr>
+          <p:cNvPr id="189" name="Title 1"/>
+          <p:cNvSpPr txBox="1">
+            <a:spLocks noGrp="1"/>
+          </p:cNvSpPr>
+          <p:nvPr>
+            <p:ph type="title"/>
+          </p:nvPr>
+        </p:nvSpPr>
+        <p:spPr>
+          <a:xfrm>
+            <a:off x="2067136" y="251175"/>
+            <a:ext cx="8439047" cy="881491"/>
+          </a:xfrm>
+          <a:prstGeom prst="rect">
+            <a:avLst/>
+          </a:prstGeom>
+        </p:spPr>
+        <p:txBody>
+          <a:bodyPr/>
+          <a:lstStyle>
+            <a:lvl1pPr algn="ctr">
+              <a:defRPr sz="3400">
+                <a:solidFill>
+                  <a:srgbClr val="FFFFFF"/>
+                </a:solidFill>
+              </a:defRPr>
+            </a:lvl1pPr>
+          </a:lstStyle>
+          <a:p>
+            <a:r>
+              <a:rPr lang="en-US" dirty="0"/>
+              <a:t>Limitations</a:t>
+            </a:r>
+            <a:endParaRPr dirty="0"/>
+          </a:p>
+        </p:txBody>
+      </p:sp>
+      <p:sp>
+        <p:nvSpPr>
+          <p:cNvPr id="10" name="TextBox 9">
+            <a:extLst>
+              <a:ext uri="{FF2B5EF4-FFF2-40B4-BE49-F238E27FC236}">
+                <a16:creationId xmlns:a16="http://schemas.microsoft.com/office/drawing/2014/main" id="{8DCEBCC1-FF1A-45E8-987B-8C0119DD9249}"/>
+              </a:ext>
+            </a:extLst>
+          </p:cNvPr>
+          <p:cNvSpPr txBox="1"/>
+          <p:nvPr/>
+        </p:nvSpPr>
+        <p:spPr>
+          <a:xfrm>
+            <a:off x="1487488" y="2128912"/>
+            <a:ext cx="8352928" cy="1569660"/>
+          </a:xfrm>
+          <a:prstGeom prst="rect">
+            <a:avLst/>
+          </a:prstGeom>
+          <a:noFill/>
+          <a:ln w="12700" cap="flat">
+            <a:noFill/>
+            <a:miter lim="400000"/>
+          </a:ln>
+          <a:effectLst/>
+          <a:sp3d/>
+        </p:spPr>
+        <p:style>
+          <a:lnRef idx="0">
+            <a:scrgbClr r="0" g="0" b="0"/>
+          </a:lnRef>
+          <a:fillRef idx="0">
+            <a:scrgbClr r="0" g="0" b="0"/>
+          </a:fillRef>
+          <a:effectRef idx="0">
+            <a:scrgbClr r="0" g="0" b="0"/>
+          </a:effectRef>
+          <a:fontRef idx="none"/>
+        </p:style>
+        <p:txBody>
+          <a:bodyPr wrap="square">
+            <a:spAutoFit/>
+          </a:bodyPr>
+          <a:lstStyle/>
+          <a:p>
             <a:pPr marL="0" marR="0" lvl="0" indent="0" defTabSz="914400" rtl="0" eaLnBrk="1" fontAlgn="auto" latinLnBrk="0" hangingPunct="1">
               <a:lnSpc>
                 <a:spcPct val="100000"/>
@@ -9762,15 +10009,24 @@
               <a:defRPr/>
             </a:pPr>
             <a:r>
-              <a:rPr lang="en-US" sz="1800" dirty="0"/>
-              <a:t>1- Screen Resolution (System do not support Tablet/</a:t>
-            </a:r>
-            <a:r>
-              <a:rPr lang="en-US" sz="1800" dirty="0" err="1"/>
+              <a:rPr lang="en-US" sz="2000" dirty="0">
+                <a:latin typeface="Times New Roman" panose="02020603050405020304" pitchFamily="18" charset="0"/>
+                <a:cs typeface="Times New Roman" panose="02020603050405020304" pitchFamily="18" charset="0"/>
+              </a:rPr>
+              <a:t>1- Screen Resolution (System does not support Tablet/</a:t>
+            </a:r>
+            <a:r>
+              <a:rPr lang="en-US" sz="2000" dirty="0" err="1">
+                <a:latin typeface="Times New Roman" panose="02020603050405020304" pitchFamily="18" charset="0"/>
+                <a:cs typeface="Times New Roman" panose="02020603050405020304" pitchFamily="18" charset="0"/>
+              </a:rPr>
               <a:t>Ipad</a:t>
             </a:r>
             <a:r>
-              <a:rPr lang="en-US" sz="1800" dirty="0"/>
+              <a:rPr lang="en-US" sz="2000" dirty="0">
+                <a:latin typeface="Times New Roman" panose="02020603050405020304" pitchFamily="18" charset="0"/>
+                <a:cs typeface="Times New Roman" panose="02020603050405020304" pitchFamily="18" charset="0"/>
+              </a:rPr>
               <a:t> screen sizes)</a:t>
             </a:r>
           </a:p>
@@ -9793,8 +10049,11 @@
               <a:defRPr/>
             </a:pPr>
             <a:r>
-              <a:rPr lang="en-US" dirty="0"/>
-              <a:t>2 -System will not provide any offline access feature.</a:t>
+              <a:rPr lang="en-US" sz="2000" dirty="0">
+                <a:latin typeface="Times New Roman" panose="02020603050405020304" pitchFamily="18" charset="0"/>
+                <a:cs typeface="Times New Roman" panose="02020603050405020304" pitchFamily="18" charset="0"/>
+              </a:rPr>
+              <a:t>2 –The system will not provide any offline access feature.</a:t>
             </a:r>
           </a:p>
           <a:p>
@@ -9816,8 +10075,15 @@
               <a:defRPr/>
             </a:pPr>
             <a:r>
+              <a:rPr lang="en-US" sz="2000" dirty="0">
+                <a:latin typeface="Times New Roman" panose="02020603050405020304" pitchFamily="18" charset="0"/>
+                <a:cs typeface="Times New Roman" panose="02020603050405020304" pitchFamily="18" charset="0"/>
+              </a:rPr>
+              <a:t>3- Minimum Hardware and Software interfaces required to run the application</a:t>
+            </a:r>
+            <a:r>
               <a:rPr lang="en-US" dirty="0"/>
-              <a:t>3- Minimum Hardware and Software interfaces required to run the application.</a:t>
+              <a:t>.</a:t>
             </a:r>
           </a:p>
           <a:p>
@@ -9880,7 +10146,7 @@
 </p:sld>
 </file>
 
-<file path=ppt/slides/slide24.xml><?xml version="1.0" encoding="utf-8"?>
+<file path=ppt/slides/slide25.xml><?xml version="1.0" encoding="utf-8"?>
 <p:sld xmlns:a="http://schemas.openxmlformats.org/drawingml/2006/main" xmlns:r="http://schemas.openxmlformats.org/officeDocument/2006/relationships" xmlns:p="http://schemas.openxmlformats.org/presentationml/2006/main">
   <p:cSld>
     <p:spTree>
@@ -11960,7 +12226,7 @@
         </p:nvSpPr>
         <p:spPr>
           <a:xfrm>
-            <a:off x="1289190" y="-1"/>
+            <a:off x="1289190" y="-5708"/>
             <a:ext cx="10005340" cy="1362257"/>
           </a:xfrm>
           <a:prstGeom prst="rect">
@@ -12100,7 +12366,7 @@
         <p:spPr>
           <a:xfrm>
             <a:off x="1055913" y="1767839"/>
-            <a:ext cx="10305626" cy="2977870"/>
+            <a:ext cx="10305626" cy="8510022"/>
           </a:xfrm>
           <a:prstGeom prst="rect">
             <a:avLst/>
@@ -12110,7 +12376,7 @@
           </a:ln>
           <a:extLst>
             <a:ext uri="{C572A759-6A51-4108-AA02-DFA0A04FC94B}">
-              <ma14:wrappingTextBoxFlag xmlns:ma14="http://schemas.microsoft.com/office/mac/drawingml/2011/main" xmlns:a14="http://schemas.microsoft.com/office/drawing/2010/main" xmlns:m="http://schemas.openxmlformats.org/officeDocument/2006/math" xmlns="" val="1"/>
+              <ma14:wrappingTextBoxFlag xmlns="" xmlns:m="http://schemas.openxmlformats.org/officeDocument/2006/math" xmlns:a14="http://schemas.microsoft.com/office/drawing/2010/main" xmlns:ma14="http://schemas.microsoft.com/office/mac/drawingml/2011/main" val="1"/>
             </a:ext>
           </a:extLst>
         </p:spPr>
@@ -12119,6 +12385,470 @@
             <a:spAutoFit/>
           </a:bodyPr>
           <a:lstStyle/>
+          <a:p>
+            <a:pPr marL="0" algn="ctr" rtl="0" eaLnBrk="1" fontAlgn="t" latinLnBrk="0" hangingPunct="1">
+              <a:spcBef>
+                <a:spcPts val="0"/>
+              </a:spcBef>
+              <a:spcAft>
+                <a:spcPts val="0"/>
+              </a:spcAft>
+            </a:pPr>
+            <a:r>
+              <a:rPr lang="en-US" dirty="0"/>
+              <a:t>Implementation plan </a:t>
+            </a:r>
+            <a:r>
+              <a:rPr lang="en-US" dirty="0" err="1"/>
+              <a:t>for</a:t>
+            </a:r>
+            <a:r>
+              <a:rPr lang="en-US" sz="1800" b="1" i="0" u="none" strike="noStrike" kern="1200" dirty="0" err="1">
+                <a:solidFill>
+                  <a:srgbClr val="FFFFFF"/>
+                </a:solidFill>
+                <a:effectLst/>
+                <a:latin typeface="Calibri" panose="020F0502020204030204" pitchFamily="34" charset="0"/>
+              </a:rPr>
+              <a:t>Members</a:t>
+            </a:r>
+            <a:endParaRPr lang="en-US" sz="1800" b="0" i="0" u="none" strike="noStrike" dirty="0">
+              <a:effectLst/>
+              <a:latin typeface="Arial" panose="020B0604020202020204" pitchFamily="34" charset="0"/>
+            </a:endParaRPr>
+          </a:p>
+          <a:p>
+            <a:pPr marL="0" algn="ctr" rtl="0" eaLnBrk="1" fontAlgn="t" latinLnBrk="0" hangingPunct="1">
+              <a:spcBef>
+                <a:spcPts val="0"/>
+              </a:spcBef>
+              <a:spcAft>
+                <a:spcPts val="0"/>
+              </a:spcAft>
+            </a:pPr>
+            <a:r>
+              <a:rPr lang="en-US" sz="1800" b="1" i="0" u="none" strike="noStrike" kern="1200" dirty="0">
+                <a:solidFill>
+                  <a:srgbClr val="FFFFFF"/>
+                </a:solidFill>
+                <a:effectLst/>
+                <a:latin typeface="Calibri" panose="020F0502020204030204" pitchFamily="34" charset="0"/>
+              </a:rPr>
+              <a:t>Contribution</a:t>
+            </a:r>
+            <a:endParaRPr lang="en-US" sz="1800" b="0" i="0" u="none" strike="noStrike" dirty="0">
+              <a:effectLst/>
+              <a:latin typeface="Arial" panose="020B0604020202020204" pitchFamily="34" charset="0"/>
+            </a:endParaRPr>
+          </a:p>
+          <a:p>
+            <a:pPr marL="0" algn="ctr" rtl="0" eaLnBrk="1" fontAlgn="t" latinLnBrk="0" hangingPunct="1">
+              <a:spcBef>
+                <a:spcPts val="0"/>
+              </a:spcBef>
+              <a:spcAft>
+                <a:spcPts val="0"/>
+              </a:spcAft>
+            </a:pPr>
+            <a:r>
+              <a:rPr lang="en-US" sz="1800" b="0" i="0" u="none" strike="noStrike" kern="1200" dirty="0">
+                <a:solidFill>
+                  <a:srgbClr val="000000"/>
+                </a:solidFill>
+                <a:effectLst/>
+                <a:latin typeface="Calibri" panose="020F0502020204030204" pitchFamily="34" charset="0"/>
+              </a:rPr>
+              <a:t>DHEERAJ REDDY AGUTHU</a:t>
+            </a:r>
+            <a:endParaRPr lang="en-US" sz="1800" b="0" i="0" u="none" strike="noStrike" dirty="0">
+              <a:effectLst/>
+              <a:latin typeface="Arial" panose="020B0604020202020204" pitchFamily="34" charset="0"/>
+            </a:endParaRPr>
+          </a:p>
+          <a:p>
+            <a:pPr marL="0" algn="l" rtl="0" eaLnBrk="1" fontAlgn="t" latinLnBrk="0" hangingPunct="1">
+              <a:spcBef>
+                <a:spcPts val="0"/>
+              </a:spcBef>
+              <a:spcAft>
+                <a:spcPts val="0"/>
+              </a:spcAft>
+            </a:pPr>
+            <a:r>
+              <a:rPr lang="en-US" sz="1800" b="0" i="0" u="none" strike="noStrike" kern="1200" dirty="0">
+                <a:solidFill>
+                  <a:srgbClr val="000000"/>
+                </a:solidFill>
+                <a:effectLst/>
+                <a:latin typeface="Calibri" panose="020F0502020204030204" pitchFamily="34" charset="0"/>
+              </a:rPr>
+              <a:t>Backend Developer, Database DBA , Group Coordinator, Documentation</a:t>
+            </a:r>
+            <a:endParaRPr lang="en-US" sz="1800" b="0" i="0" u="none" strike="noStrike" dirty="0">
+              <a:effectLst/>
+              <a:latin typeface="Arial" panose="020B0604020202020204" pitchFamily="34" charset="0"/>
+            </a:endParaRPr>
+          </a:p>
+          <a:p>
+            <a:pPr marL="0" algn="ctr" rtl="0" eaLnBrk="1" fontAlgn="t" latinLnBrk="0" hangingPunct="1">
+              <a:spcBef>
+                <a:spcPts val="0"/>
+              </a:spcBef>
+              <a:spcAft>
+                <a:spcPts val="0"/>
+              </a:spcAft>
+            </a:pPr>
+            <a:r>
+              <a:rPr lang="en-US" sz="1800" b="0" i="0" u="none" strike="noStrike" kern="1200" dirty="0">
+                <a:solidFill>
+                  <a:srgbClr val="000000"/>
+                </a:solidFill>
+                <a:effectLst/>
+                <a:latin typeface="Calibri" panose="020F0502020204030204" pitchFamily="34" charset="0"/>
+              </a:rPr>
+              <a:t>ABHAY ARORA</a:t>
+            </a:r>
+            <a:endParaRPr lang="en-US" sz="1800" b="0" i="0" u="none" strike="noStrike" dirty="0">
+              <a:effectLst/>
+              <a:latin typeface="Arial" panose="020B0604020202020204" pitchFamily="34" charset="0"/>
+            </a:endParaRPr>
+          </a:p>
+          <a:p>
+            <a:pPr marL="0" indent="0" algn="l" rtl="0" eaLnBrk="1" fontAlgn="t" latinLnBrk="0" hangingPunct="1">
+              <a:spcBef>
+                <a:spcPts val="0"/>
+              </a:spcBef>
+              <a:spcAft>
+                <a:spcPts val="0"/>
+              </a:spcAft>
+            </a:pPr>
+            <a:r>
+              <a:rPr lang="en-US" sz="1800" b="0" i="0" u="none" strike="noStrike" kern="1200" dirty="0">
+                <a:solidFill>
+                  <a:srgbClr val="000000"/>
+                </a:solidFill>
+                <a:effectLst/>
+                <a:latin typeface="Calibri" panose="020F0502020204030204" pitchFamily="34" charset="0"/>
+              </a:rPr>
+              <a:t>Front End Developer , SCRUM Master , </a:t>
+            </a:r>
+            <a:endParaRPr lang="en-US" sz="1800" b="0" i="0" u="none" strike="noStrike" dirty="0">
+              <a:effectLst/>
+              <a:latin typeface="Arial" panose="020B0604020202020204" pitchFamily="34" charset="0"/>
+            </a:endParaRPr>
+          </a:p>
+          <a:p>
+            <a:pPr marL="0" indent="0" algn="l" rtl="0" eaLnBrk="1" fontAlgn="t" latinLnBrk="0" hangingPunct="1">
+              <a:spcBef>
+                <a:spcPts val="0"/>
+              </a:spcBef>
+              <a:spcAft>
+                <a:spcPts val="0"/>
+              </a:spcAft>
+            </a:pPr>
+            <a:r>
+              <a:rPr lang="en-US" sz="1800" b="0" i="0" u="none" strike="noStrike" kern="1200" dirty="0">
+                <a:solidFill>
+                  <a:srgbClr val="000000"/>
+                </a:solidFill>
+                <a:effectLst/>
+                <a:latin typeface="Calibri" panose="020F0502020204030204" pitchFamily="34" charset="0"/>
+              </a:rPr>
+              <a:t>PMS (GitHub/Trello Board Management), Requirement Facilitator, Architect, Planning, Testing, Deployment, DBA, Documentation</a:t>
+            </a:r>
+            <a:endParaRPr lang="en-US" sz="1800" b="0" i="0" u="none" strike="noStrike" dirty="0">
+              <a:effectLst/>
+              <a:latin typeface="Arial" panose="020B0604020202020204" pitchFamily="34" charset="0"/>
+            </a:endParaRPr>
+          </a:p>
+          <a:p>
+            <a:pPr marL="0" algn="ctr" rtl="0" eaLnBrk="1" fontAlgn="t" latinLnBrk="0" hangingPunct="1">
+              <a:spcBef>
+                <a:spcPts val="0"/>
+              </a:spcBef>
+              <a:spcAft>
+                <a:spcPts val="0"/>
+              </a:spcAft>
+            </a:pPr>
+            <a:r>
+              <a:rPr lang="en-US" sz="1800" b="0" i="0" u="none" strike="noStrike" kern="1200" dirty="0">
+                <a:solidFill>
+                  <a:srgbClr val="000000"/>
+                </a:solidFill>
+                <a:effectLst/>
+                <a:latin typeface="Calibri" panose="020F0502020204030204" pitchFamily="34" charset="0"/>
+              </a:rPr>
+              <a:t>RAVI TEJA BALAJI</a:t>
+            </a:r>
+            <a:endParaRPr lang="en-US" sz="1800" b="0" i="0" u="none" strike="noStrike" dirty="0">
+              <a:effectLst/>
+              <a:latin typeface="Arial" panose="020B0604020202020204" pitchFamily="34" charset="0"/>
+            </a:endParaRPr>
+          </a:p>
+          <a:p>
+            <a:pPr marL="0" algn="l" rtl="0" eaLnBrk="1" fontAlgn="t" latinLnBrk="0" hangingPunct="1">
+              <a:spcBef>
+                <a:spcPts val="0"/>
+              </a:spcBef>
+              <a:spcAft>
+                <a:spcPts val="0"/>
+              </a:spcAft>
+            </a:pPr>
+            <a:r>
+              <a:rPr lang="en-US" sz="1800" b="0" i="0" u="none" strike="noStrike" kern="1200" dirty="0">
+                <a:solidFill>
+                  <a:srgbClr val="000000"/>
+                </a:solidFill>
+                <a:effectLst/>
+                <a:latin typeface="Calibri" panose="020F0502020204030204" pitchFamily="34" charset="0"/>
+              </a:rPr>
+              <a:t>UI Developer, Database , Testing, Documentation</a:t>
+            </a:r>
+            <a:endParaRPr lang="en-US" sz="1800" b="0" i="0" u="none" strike="noStrike" dirty="0">
+              <a:effectLst/>
+              <a:latin typeface="Arial" panose="020B0604020202020204" pitchFamily="34" charset="0"/>
+            </a:endParaRPr>
+          </a:p>
+          <a:p>
+            <a:pPr marL="0" algn="ctr" rtl="0" eaLnBrk="1" fontAlgn="t" latinLnBrk="0" hangingPunct="1">
+              <a:spcBef>
+                <a:spcPts val="0"/>
+              </a:spcBef>
+              <a:spcAft>
+                <a:spcPts val="0"/>
+              </a:spcAft>
+            </a:pPr>
+            <a:r>
+              <a:rPr lang="en-US" sz="1800" b="0" i="0" u="none" strike="noStrike" kern="1200" dirty="0">
+                <a:solidFill>
+                  <a:srgbClr val="000000"/>
+                </a:solidFill>
+                <a:effectLst/>
+                <a:latin typeface="Calibri" panose="020F0502020204030204" pitchFamily="34" charset="0"/>
+              </a:rPr>
+              <a:t>PRAVEEN NAKKA</a:t>
+            </a:r>
+            <a:endParaRPr lang="en-US" sz="1800" b="0" i="0" u="none" strike="noStrike" dirty="0">
+              <a:effectLst/>
+              <a:latin typeface="Arial" panose="020B0604020202020204" pitchFamily="34" charset="0"/>
+            </a:endParaRPr>
+          </a:p>
+          <a:p>
+            <a:pPr marL="0" algn="l" rtl="0" eaLnBrk="1" fontAlgn="t" latinLnBrk="0" hangingPunct="1">
+              <a:spcBef>
+                <a:spcPts val="0"/>
+              </a:spcBef>
+              <a:spcAft>
+                <a:spcPts val="0"/>
+              </a:spcAft>
+            </a:pPr>
+            <a:r>
+              <a:rPr lang="en-US" sz="1800" b="0" i="0" u="none" strike="noStrike" kern="1200" dirty="0">
+                <a:solidFill>
+                  <a:srgbClr val="000000"/>
+                </a:solidFill>
+                <a:effectLst/>
+                <a:latin typeface="Calibri" panose="020F0502020204030204" pitchFamily="34" charset="0"/>
+              </a:rPr>
+              <a:t>FE Developer, Database, Testing, Documentation</a:t>
+            </a:r>
+            <a:endParaRPr lang="en-US" sz="1800" b="0" i="0" u="none" strike="noStrike" dirty="0">
+              <a:effectLst/>
+              <a:latin typeface="Arial" panose="020B0604020202020204" pitchFamily="34" charset="0"/>
+            </a:endParaRPr>
+          </a:p>
+          <a:p>
+            <a:pPr marL="0" algn="ctr" rtl="0" eaLnBrk="1" fontAlgn="t" latinLnBrk="0" hangingPunct="1">
+              <a:spcBef>
+                <a:spcPts val="0"/>
+              </a:spcBef>
+              <a:spcAft>
+                <a:spcPts val="0"/>
+              </a:spcAft>
+            </a:pPr>
+            <a:r>
+              <a:rPr lang="en-US" sz="1800" b="0" i="0" u="none" strike="noStrike" kern="1200" dirty="0">
+                <a:solidFill>
+                  <a:srgbClr val="000000"/>
+                </a:solidFill>
+                <a:effectLst/>
+                <a:latin typeface="Calibri" panose="020F0502020204030204" pitchFamily="34" charset="0"/>
+              </a:rPr>
+              <a:t>CHARISHMA NAGA SAI SARADA BALUSU</a:t>
+            </a:r>
+            <a:endParaRPr lang="en-US" sz="1800" b="0" i="0" u="none" strike="noStrike" dirty="0">
+              <a:effectLst/>
+              <a:latin typeface="Arial" panose="020B0604020202020204" pitchFamily="34" charset="0"/>
+            </a:endParaRPr>
+          </a:p>
+          <a:p>
+            <a:pPr marL="0" algn="l" rtl="0" eaLnBrk="1" fontAlgn="t" latinLnBrk="0" hangingPunct="1">
+              <a:spcBef>
+                <a:spcPts val="0"/>
+              </a:spcBef>
+              <a:spcAft>
+                <a:spcPts val="0"/>
+              </a:spcAft>
+            </a:pPr>
+            <a:r>
+              <a:rPr lang="en-US" sz="1800" b="0" i="0" u="none" strike="noStrike" kern="1200" dirty="0">
+                <a:solidFill>
+                  <a:srgbClr val="000000"/>
+                </a:solidFill>
+                <a:effectLst/>
+                <a:latin typeface="Calibri" panose="020F0502020204030204" pitchFamily="34" charset="0"/>
+              </a:rPr>
+              <a:t>Backend Developer,  Documentation, Testing</a:t>
+            </a:r>
+            <a:endParaRPr lang="en-US" sz="1800" b="0" i="0" u="none" strike="noStrike" dirty="0">
+              <a:effectLst/>
+              <a:latin typeface="Arial" panose="020B0604020202020204" pitchFamily="34" charset="0"/>
+            </a:endParaRPr>
+          </a:p>
+          <a:p>
+            <a:pPr marL="0" algn="ctr" rtl="0" eaLnBrk="1" fontAlgn="t" latinLnBrk="0" hangingPunct="1">
+              <a:spcBef>
+                <a:spcPts val="0"/>
+              </a:spcBef>
+              <a:spcAft>
+                <a:spcPts val="0"/>
+              </a:spcAft>
+            </a:pPr>
+            <a:r>
+              <a:rPr lang="en-US" sz="1800" b="0" i="0" u="none" strike="noStrike" kern="1200" dirty="0">
+                <a:solidFill>
+                  <a:srgbClr val="000000"/>
+                </a:solidFill>
+                <a:effectLst/>
+                <a:latin typeface="Calibri" panose="020F0502020204030204" pitchFamily="34" charset="0"/>
+              </a:rPr>
+              <a:t>GEETHA KRISHNA DODDA</a:t>
+            </a:r>
+            <a:endParaRPr lang="en-US" sz="1800" b="0" i="0" u="none" strike="noStrike" dirty="0">
+              <a:effectLst/>
+              <a:latin typeface="Arial" panose="020B0604020202020204" pitchFamily="34" charset="0"/>
+            </a:endParaRPr>
+          </a:p>
+          <a:p>
+            <a:pPr marL="0" algn="l" rtl="0" eaLnBrk="1" fontAlgn="t" latinLnBrk="0" hangingPunct="1">
+              <a:spcBef>
+                <a:spcPts val="0"/>
+              </a:spcBef>
+              <a:spcAft>
+                <a:spcPts val="0"/>
+              </a:spcAft>
+            </a:pPr>
+            <a:r>
+              <a:rPr lang="en-US" sz="1800" b="0" i="0" u="none" strike="noStrike" kern="1200" dirty="0">
+                <a:solidFill>
+                  <a:srgbClr val="000000"/>
+                </a:solidFill>
+                <a:effectLst/>
+                <a:latin typeface="Calibri" panose="020F0502020204030204" pitchFamily="34" charset="0"/>
+              </a:rPr>
+              <a:t>FE Developer, Database , Documentation</a:t>
+            </a:r>
+            <a:endParaRPr lang="en-US" sz="1800" b="0" i="0" u="none" strike="noStrike" dirty="0">
+              <a:effectLst/>
+              <a:latin typeface="Arial" panose="020B0604020202020204" pitchFamily="34" charset="0"/>
+            </a:endParaRPr>
+          </a:p>
+          <a:p>
+            <a:pPr marL="0" algn="ctr" rtl="0" eaLnBrk="1" fontAlgn="t" latinLnBrk="0" hangingPunct="1">
+              <a:spcBef>
+                <a:spcPts val="0"/>
+              </a:spcBef>
+              <a:spcAft>
+                <a:spcPts val="0"/>
+              </a:spcAft>
+            </a:pPr>
+            <a:r>
+              <a:rPr lang="en-US" sz="1800" b="0" i="0" u="none" strike="noStrike" kern="1200" dirty="0">
+                <a:solidFill>
+                  <a:srgbClr val="000000"/>
+                </a:solidFill>
+                <a:effectLst/>
+                <a:latin typeface="Calibri" panose="020F0502020204030204" pitchFamily="34" charset="0"/>
+              </a:rPr>
+              <a:t>SRIKANTH GOPI</a:t>
+            </a:r>
+            <a:endParaRPr lang="en-US" sz="1800" b="0" i="0" u="none" strike="noStrike" dirty="0">
+              <a:effectLst/>
+              <a:latin typeface="Arial" panose="020B0604020202020204" pitchFamily="34" charset="0"/>
+            </a:endParaRPr>
+          </a:p>
+          <a:p>
+            <a:pPr marL="0" algn="l" rtl="0" eaLnBrk="1" fontAlgn="t" latinLnBrk="0" hangingPunct="1">
+              <a:spcBef>
+                <a:spcPts val="0"/>
+              </a:spcBef>
+              <a:spcAft>
+                <a:spcPts val="0"/>
+              </a:spcAft>
+            </a:pPr>
+            <a:r>
+              <a:rPr lang="en-US" sz="1800" b="0" i="0" u="none" strike="noStrike" kern="1200" dirty="0">
+                <a:solidFill>
+                  <a:srgbClr val="000000"/>
+                </a:solidFill>
+                <a:effectLst/>
+                <a:latin typeface="Calibri" panose="020F0502020204030204" pitchFamily="34" charset="0"/>
+              </a:rPr>
+              <a:t>UI/FE Developer, Database, Documentation</a:t>
+            </a:r>
+            <a:endParaRPr lang="en-US" sz="1800" b="0" i="0" u="none" strike="noStrike" dirty="0">
+              <a:effectLst/>
+              <a:latin typeface="Arial" panose="020B0604020202020204" pitchFamily="34" charset="0"/>
+            </a:endParaRPr>
+          </a:p>
+          <a:p>
+            <a:pPr marL="0" algn="ctr" rtl="0" eaLnBrk="1" fontAlgn="t" latinLnBrk="0" hangingPunct="1">
+              <a:spcBef>
+                <a:spcPts val="0"/>
+              </a:spcBef>
+              <a:spcAft>
+                <a:spcPts val="0"/>
+              </a:spcAft>
+            </a:pPr>
+            <a:r>
+              <a:rPr lang="en-US" sz="1800" b="0" i="0" u="none" strike="noStrike" kern="1200" dirty="0">
+                <a:solidFill>
+                  <a:srgbClr val="000000"/>
+                </a:solidFill>
+                <a:effectLst/>
+                <a:latin typeface="Calibri" panose="020F0502020204030204" pitchFamily="34" charset="0"/>
+              </a:rPr>
+              <a:t>MEGHANA JUNNUTULA</a:t>
+            </a:r>
+            <a:endParaRPr lang="en-US" sz="1800" b="0" i="0" u="none" strike="noStrike" dirty="0">
+              <a:effectLst/>
+              <a:latin typeface="Arial" panose="020B0604020202020204" pitchFamily="34" charset="0"/>
+            </a:endParaRPr>
+          </a:p>
+          <a:p>
+            <a:pPr marL="0" algn="l" rtl="0" eaLnBrk="1" fontAlgn="t" latinLnBrk="0" hangingPunct="1">
+              <a:spcBef>
+                <a:spcPts val="0"/>
+              </a:spcBef>
+              <a:spcAft>
+                <a:spcPts val="0"/>
+              </a:spcAft>
+            </a:pPr>
+            <a:r>
+              <a:rPr lang="en-US" sz="1800" b="0" i="0" u="none" strike="noStrike" kern="1200" dirty="0">
+                <a:solidFill>
+                  <a:srgbClr val="000000"/>
+                </a:solidFill>
+                <a:effectLst/>
+                <a:latin typeface="Calibri" panose="020F0502020204030204" pitchFamily="34" charset="0"/>
+              </a:rPr>
+              <a:t>Backend Developer, UI Developer, Testing, DBA</a:t>
+            </a:r>
+            <a:endParaRPr lang="en-US" sz="1800" b="0" i="0" u="none" strike="noStrike" dirty="0">
+              <a:effectLst/>
+              <a:latin typeface="Arial" panose="020B0604020202020204" pitchFamily="34" charset="0"/>
+            </a:endParaRPr>
+          </a:p>
           <a:p>
             <a:pPr>
               <a:defRPr sz="2400">
@@ -12129,11 +12859,11 @@
               </a:defRPr>
             </a:pPr>
             <a:r>
-              <a:rPr dirty="0"/>
-              <a:t>Implementation plan for Hospital Management System (HMS) Phase 2 includes developing user interfaces for</a:t>
-            </a:r>
-            <a:r>
-              <a:rPr sz="1700" dirty="0"/>
+              <a:rPr lang="en-US" dirty="0"/>
+              <a:t> Hospital Management System (HMS) Phase 2 includes developing user interfaces for</a:t>
+            </a:r>
+            <a:r>
+              <a:rPr lang="en-US" sz="1700" dirty="0"/>
               <a:t> </a:t>
             </a:r>
           </a:p>
@@ -12146,7 +12876,7 @@
                 <a:sym typeface="Times New Roman"/>
               </a:defRPr>
             </a:pPr>
-            <a:endParaRPr sz="1700" dirty="0"/>
+            <a:endParaRPr lang="en-US" sz="1700" dirty="0"/>
           </a:p>
           <a:p>
             <a:pPr marL="285750" indent="-285750">
@@ -12619,7 +13349,7 @@
           </a:ln>
           <a:extLst>
             <a:ext uri="{C572A759-6A51-4108-AA02-DFA0A04FC94B}">
-              <ma14:wrappingTextBoxFlag xmlns:ma14="http://schemas.microsoft.com/office/mac/drawingml/2011/main" xmlns:a14="http://schemas.microsoft.com/office/drawing/2010/main" xmlns:m="http://schemas.openxmlformats.org/officeDocument/2006/math" xmlns="" val="1"/>
+              <ma14:wrappingTextBoxFlag xmlns="" xmlns:m="http://schemas.openxmlformats.org/officeDocument/2006/math" xmlns:a14="http://schemas.microsoft.com/office/drawing/2010/main" xmlns:ma14="http://schemas.microsoft.com/office/mac/drawingml/2011/main" val="1"/>
             </a:ext>
           </a:extLst>
         </p:spPr>
@@ -12871,34 +13601,28 @@
                   <a:srgbClr val="FFFFFF"/>
                 </a:solidFill>
               </a:rPr>
-              <a:t>        Members and Code Contribution</a:t>
+              <a:t>        Members  Contribution</a:t>
             </a:r>
           </a:p>
         </p:txBody>
       </p:sp>
       <p:graphicFrame>
         <p:nvGraphicFramePr>
-          <p:cNvPr id="16" name="Table 4">
+          <p:cNvPr id="17" name="Table 4">
             <a:extLst>
               <a:ext uri="{FF2B5EF4-FFF2-40B4-BE49-F238E27FC236}">
-                <a16:creationId xmlns:a16="http://schemas.microsoft.com/office/drawing/2014/main" id="{EC843284-6BDD-49C2-8C62-AB3D75954396}"/>
+                <a16:creationId xmlns:a16="http://schemas.microsoft.com/office/drawing/2014/main" id="{B6477964-AD3C-4722-B922-0D0F24427100}"/>
               </a:ext>
             </a:extLst>
           </p:cNvPr>
           <p:cNvGraphicFramePr>
             <a:graphicFrameLocks/>
           </p:cNvGraphicFramePr>
-          <p:nvPr>
-            <p:extLst>
-              <p:ext uri="{D42A27DB-BD31-4B8C-83A1-F6EECF244321}">
-                <p14:modId xmlns:p14="http://schemas.microsoft.com/office/powerpoint/2010/main" val="15349445"/>
-              </p:ext>
-            </p:extLst>
-          </p:nvPr>
+          <p:nvPr/>
         </p:nvGraphicFramePr>
         <p:xfrm>
-          <a:off x="2067135" y="1556852"/>
-          <a:ext cx="8512600" cy="4542282"/>
+          <a:off x="1833432" y="1555162"/>
+          <a:ext cx="8741434" cy="3688086"/>
         </p:xfrm>
         <a:graphic>
           <a:graphicData uri="http://schemas.openxmlformats.org/drawingml/2006/table">
@@ -12907,14 +13631,14 @@
                 <a:tableStyleId>{5C22544A-7EE6-4342-B048-85BDC9FD1C3A}</a:tableStyleId>
               </a:tblPr>
               <a:tblGrid>
-                <a:gridCol w="4256300">
+                <a:gridCol w="4370717">
                   <a:extLst>
                     <a:ext uri="{9D8B030D-6E8A-4147-A177-3AD203B41FA5}">
                       <a16:colId xmlns:a16="http://schemas.microsoft.com/office/drawing/2014/main" val="3450148270"/>
                     </a:ext>
                   </a:extLst>
                 </a:gridCol>
-                <a:gridCol w="4256300">
+                <a:gridCol w="4370717">
                   <a:extLst>
                     <a:ext uri="{9D8B030D-6E8A-4147-A177-3AD203B41FA5}">
                       <a16:colId xmlns:a16="http://schemas.microsoft.com/office/drawing/2014/main" val="1941138010"/>
@@ -12922,7 +13646,7 @@
                   </a:extLst>
                 </a:gridCol>
               </a:tblGrid>
-              <a:tr h="313514">
+              <a:tr h="321469">
                 <a:tc>
                   <a:txBody>
                     <a:bodyPr/>
@@ -12930,12 +13654,12 @@
                     <a:p>
                       <a:pPr algn="ctr"/>
                       <a:r>
-                        <a:rPr lang="en-US" sz="1800" dirty="0"/>
+                        <a:rPr lang="en-US" sz="1600" dirty="0"/>
                         <a:t>Members</a:t>
                       </a:r>
                     </a:p>
                   </a:txBody>
-                  <a:tcPr marL="77978" marR="77978" marT="38989" marB="38989"/>
+                  <a:tcPr marL="77893" marR="77893" marT="38947" marB="38947"/>
                 </a:tc>
                 <a:tc>
                   <a:txBody>
@@ -12944,12 +13668,12 @@
                     <a:p>
                       <a:pPr algn="ctr"/>
                       <a:r>
-                        <a:rPr lang="en-US" sz="1800" dirty="0"/>
+                        <a:rPr lang="en-US" sz="1600" dirty="0"/>
                         <a:t>Contribution</a:t>
                       </a:r>
                     </a:p>
                   </a:txBody>
-                  <a:tcPr marL="77978" marR="77978" marT="38989" marB="38989"/>
+                  <a:tcPr marL="77893" marR="77893" marT="38947" marB="38947"/>
                 </a:tc>
                 <a:extLst>
                   <a:ext uri="{0D108BD9-81ED-4DB2-BD59-A6C34878D82A}">
@@ -12957,7 +13681,7 @@
                   </a:ext>
                 </a:extLst>
               </a:tr>
-              <a:tr h="557635">
+              <a:tr h="534597">
                 <a:tc>
                   <a:txBody>
                     <a:bodyPr/>
@@ -12965,42 +13689,26 @@
                     <a:p>
                       <a:pPr algn="ctr"/>
                       <a:r>
-                        <a:rPr lang="en-US" sz="1800" dirty="0"/>
+                        <a:rPr lang="en-US" sz="1500" dirty="0"/>
                         <a:t>DHEERAJ REDDY AGUTHU</a:t>
                       </a:r>
                     </a:p>
                   </a:txBody>
-                  <a:tcPr marL="77978" marR="77978" marT="38989" marB="38989"/>
+                  <a:tcPr marL="77893" marR="77893" marT="38947" marB="38947"/>
                 </a:tc>
                 <a:tc>
                   <a:txBody>
                     <a:bodyPr/>
                     <a:lstStyle/>
                     <a:p>
-                      <a:pPr marL="0" marR="0" lvl="0" indent="0" algn="ctr" defTabSz="914400" rtl="0" eaLnBrk="1" fontAlgn="auto" latinLnBrk="0" hangingPunct="1">
-                        <a:lnSpc>
-                          <a:spcPct val="100000"/>
-                        </a:lnSpc>
-                        <a:spcBef>
-                          <a:spcPts val="0"/>
-                        </a:spcBef>
-                        <a:spcAft>
-                          <a:spcPts val="0"/>
-                        </a:spcAft>
-                        <a:buClrTx/>
-                        <a:buSzTx/>
-                        <a:buFontTx/>
-                        <a:buNone/>
-                        <a:tabLst/>
-                        <a:defRPr/>
-                      </a:pPr>
+                      <a:pPr algn="l"/>
                       <a:r>
-                        <a:rPr lang="en-US" sz="1800" dirty="0"/>
-                        <a:t>         Backend Developer, Database, FE Development (Staff Module)</a:t>
+                        <a:rPr lang="en-US" sz="1500" dirty="0"/>
+                        <a:t>Backend Developer, Database DBA , Group Coordinator, Documentation</a:t>
                       </a:r>
                     </a:p>
                   </a:txBody>
-                  <a:tcPr marL="77978" marR="77978" marT="38989" marB="38989"/>
+                  <a:tcPr marL="77893" marR="77893" marT="38947" marB="38947"/>
                 </a:tc>
                 <a:extLst>
                   <a:ext uri="{0D108BD9-81ED-4DB2-BD59-A6C34878D82A}">
@@ -13008,7 +13716,7 @@
                   </a:ext>
                 </a:extLst>
               </a:tr>
-              <a:tr h="557635">
+              <a:tr h="991300">
                 <a:tc>
                   <a:txBody>
                     <a:bodyPr/>
@@ -13016,48 +13724,47 @@
                     <a:p>
                       <a:pPr algn="ctr"/>
                       <a:r>
-                        <a:rPr lang="en-US" sz="1800" dirty="0"/>
+                        <a:rPr lang="en-US" sz="1500" dirty="0"/>
                         <a:t>ABHAY ARORA</a:t>
                       </a:r>
                     </a:p>
                   </a:txBody>
-                  <a:tcPr marL="77978" marR="77978" marT="38989" marB="38989"/>
+                  <a:tcPr marL="77893" marR="77893" marT="38947" marB="38947"/>
                 </a:tc>
                 <a:tc>
                   <a:txBody>
                     <a:bodyPr/>
                     <a:lstStyle/>
                     <a:p>
-                      <a:pPr marL="0" marR="0" lvl="0" indent="0" algn="ctr" defTabSz="914400" rtl="0" eaLnBrk="1" fontAlgn="auto" latinLnBrk="0" hangingPunct="1">
-                        <a:lnSpc>
-                          <a:spcPct val="100000"/>
-                        </a:lnSpc>
-                        <a:spcBef>
-                          <a:spcPts val="0"/>
-                        </a:spcBef>
-                        <a:spcAft>
-                          <a:spcPts val="0"/>
-                        </a:spcAft>
-                        <a:buClrTx/>
-                        <a:buSzTx/>
-                        <a:buFontTx/>
+                      <a:pPr marL="0" lvl="0" indent="0" algn="l">
+                        <a:buFont typeface="Arial" panose="020B0604020202020204" pitchFamily="34" charset="0"/>
                         <a:buNone/>
-                        <a:tabLst/>
-                        <a:defRPr/>
                       </a:pPr>
                       <a:r>
-                        <a:rPr lang="en-US" sz="1800" b="0" i="0" u="none" strike="noStrike" noProof="0" dirty="0">
-                          <a:latin typeface="Calibri"/>
+                        <a:rPr lang="en-US" sz="1500" b="0" i="0" u="none" strike="noStrike" noProof="0" dirty="0">
+                          <a:latin typeface="+mn-lt"/>
                         </a:rPr>
-                        <a:t>          </a:t>
+                        <a:t>Front End Developer , SCRUM Master , </a:t>
+                      </a:r>
+                    </a:p>
+                    <a:p>
+                      <a:pPr marL="0" lvl="0" indent="0" algn="l">
+                        <a:buFont typeface="Arial" panose="020B0604020202020204" pitchFamily="34" charset="0"/>
+                        <a:buNone/>
+                      </a:pPr>
+                      <a:r>
+                        <a:rPr lang="en-US" sz="1500" b="0" i="0" u="none" strike="noStrike" noProof="0" dirty="0">
+                          <a:latin typeface="+mn-lt"/>
+                        </a:rPr>
+                        <a:t>PMS (GitHub/Trello Board Management), Requirement Facilitator, Architect, Planning, Testing, Deployment, DBA,</a:t>
                       </a:r>
                       <a:r>
-                        <a:rPr lang="en-US" sz="1800" dirty="0"/>
-                        <a:t>FE Development (Patient and Doctor Module), Documentation</a:t>
+                        <a:rPr lang="en-US" sz="1500" dirty="0"/>
+                        <a:t> Documentation</a:t>
                       </a:r>
                     </a:p>
                   </a:txBody>
-                  <a:tcPr marL="77978" marR="77978" marT="38989" marB="38989"/>
+                  <a:tcPr marL="77893" marR="77893" marT="38947" marB="38947"/>
                 </a:tc>
                 <a:extLst>
                   <a:ext uri="{0D108BD9-81ED-4DB2-BD59-A6C34878D82A}">
@@ -13065,7 +13772,7 @@
                   </a:ext>
                 </a:extLst>
               </a:tr>
-              <a:tr h="557635">
+              <a:tr h="306245">
                 <a:tc>
                   <a:txBody>
                     <a:bodyPr/>
@@ -13073,13 +13780,34 @@
                     <a:p>
                       <a:pPr algn="ctr"/>
                       <a:r>
-                        <a:rPr lang="en-US" sz="1800" dirty="0"/>
+                        <a:rPr lang="en-US" sz="1500" dirty="0"/>
                         <a:t>RAVI TEJA BALAJI</a:t>
                       </a:r>
                     </a:p>
                   </a:txBody>
-                  <a:tcPr marL="77978" marR="77978" marT="38989" marB="38989"/>
+                  <a:tcPr marL="77893" marR="77893" marT="38947" marB="38947"/>
                 </a:tc>
+                <a:tc>
+                  <a:txBody>
+                    <a:bodyPr/>
+                    <a:lstStyle/>
+                    <a:p>
+                      <a:pPr algn="l"/>
+                      <a:r>
+                        <a:rPr lang="en-US" sz="1500" dirty="0"/>
+                        <a:t>UI Developer, Database , Testing, Documentation</a:t>
+                      </a:r>
+                    </a:p>
+                  </a:txBody>
+                  <a:tcPr marL="77893" marR="77893" marT="38947" marB="38947"/>
+                </a:tc>
+                <a:extLst>
+                  <a:ext uri="{0D108BD9-81ED-4DB2-BD59-A6C34878D82A}">
+                    <a16:rowId xmlns:a16="http://schemas.microsoft.com/office/drawing/2014/main" val="78772268"/>
+                  </a:ext>
+                </a:extLst>
+              </a:tr>
+              <a:tr h="306245">
                 <a:tc>
                   <a:txBody>
                     <a:bodyPr/>
@@ -13087,20 +13815,34 @@
                     <a:p>
                       <a:pPr algn="ctr"/>
                       <a:r>
-                        <a:rPr lang="en-US" sz="1800" dirty="0"/>
-                        <a:t>FE Development (Staff Module) ,Documentation</a:t>
+                        <a:rPr lang="en-US" sz="1500" dirty="0"/>
+                        <a:t>PRAVEEN NAKKA</a:t>
                       </a:r>
                     </a:p>
                   </a:txBody>
-                  <a:tcPr marL="77978" marR="77978" marT="38989" marB="38989"/>
+                  <a:tcPr marL="77893" marR="77893" marT="38947" marB="38947"/>
+                </a:tc>
+                <a:tc>
+                  <a:txBody>
+                    <a:bodyPr/>
+                    <a:lstStyle/>
+                    <a:p>
+                      <a:pPr algn="l"/>
+                      <a:r>
+                        <a:rPr lang="en-US" sz="1500" dirty="0"/>
+                        <a:t>FE Developer, Database, Testing, Documentation</a:t>
+                      </a:r>
+                    </a:p>
+                  </a:txBody>
+                  <a:tcPr marL="77893" marR="77893" marT="38947" marB="38947"/>
                 </a:tc>
                 <a:extLst>
                   <a:ext uri="{0D108BD9-81ED-4DB2-BD59-A6C34878D82A}">
-                    <a16:rowId xmlns:a16="http://schemas.microsoft.com/office/drawing/2014/main" val="78772268"/>
+                    <a16:rowId xmlns:a16="http://schemas.microsoft.com/office/drawing/2014/main" val="4256037619"/>
                   </a:ext>
                 </a:extLst>
               </a:tr>
-              <a:tr h="557635">
+              <a:tr h="306245">
                 <a:tc>
                   <a:txBody>
                     <a:bodyPr/>
@@ -13108,57 +13850,42 @@
                     <a:p>
                       <a:pPr algn="ctr"/>
                       <a:r>
-                        <a:rPr lang="en-US" sz="1800" dirty="0"/>
-                        <a:t>PRAVEEN NAKKA</a:t>
+                        <a:rPr lang="en-US" sz="1500" dirty="0"/>
+                        <a:t>CHARISHMA NAGA SAI SARADA BALUSU</a:t>
                       </a:r>
                     </a:p>
                   </a:txBody>
-                  <a:tcPr marL="77978" marR="77978" marT="38989" marB="38989"/>
+                  <a:tcPr marL="77893" marR="77893" marT="38947" marB="38947"/>
                 </a:tc>
                 <a:tc>
                   <a:txBody>
                     <a:bodyPr/>
                     <a:lstStyle/>
                     <a:p>
-                      <a:pPr marL="0" marR="0" lvl="0" indent="0" algn="ctr" defTabSz="914400" rtl="0" eaLnBrk="1" fontAlgn="auto" latinLnBrk="0" hangingPunct="1">
-                        <a:lnSpc>
-                          <a:spcPct val="100000"/>
-                        </a:lnSpc>
-                        <a:spcBef>
-                          <a:spcPts val="0"/>
-                        </a:spcBef>
-                        <a:spcAft>
-                          <a:spcPts val="0"/>
-                        </a:spcAft>
-                        <a:buClrTx/>
-                        <a:buSzTx/>
-                        <a:buFontTx/>
+                      <a:pPr lvl="0" algn="l">
                         <a:buNone/>
-                        <a:tabLst/>
-                        <a:defRPr/>
                       </a:pPr>
                       <a:r>
-                        <a:rPr lang="en-US" sz="1800" dirty="0"/>
-                        <a:t>  FE Development (Admin Module)</a:t>
+                        <a:rPr lang="en-US" sz="1500" b="0" i="0" u="none" strike="noStrike" noProof="0" dirty="0">
+                          <a:latin typeface="Calibri"/>
+                        </a:rPr>
+                        <a:t>Backend Developer</a:t>
                       </a:r>
-                    </a:p>
-                    <a:p>
-                      <a:pPr algn="ctr"/>
                       <a:r>
-                        <a:rPr lang="en-US" sz="1800" dirty="0"/>
-                        <a:t>, Database</a:t>
+                        <a:rPr lang="en-US" sz="1500" dirty="0"/>
+                        <a:t>,  Documentation, Testing</a:t>
                       </a:r>
                     </a:p>
                   </a:txBody>
-                  <a:tcPr marL="77978" marR="77978" marT="38989" marB="38989"/>
+                  <a:tcPr marL="77893" marR="77893" marT="38947" marB="38947"/>
                 </a:tc>
                 <a:extLst>
                   <a:ext uri="{0D108BD9-81ED-4DB2-BD59-A6C34878D82A}">
-                    <a16:rowId xmlns:a16="http://schemas.microsoft.com/office/drawing/2014/main" val="4256037619"/>
+                    <a16:rowId xmlns:a16="http://schemas.microsoft.com/office/drawing/2014/main" val="852211879"/>
                   </a:ext>
                 </a:extLst>
               </a:tr>
-              <a:tr h="313514">
+              <a:tr h="306245">
                 <a:tc>
                   <a:txBody>
                     <a:bodyPr/>
@@ -13166,42 +13893,42 @@
                     <a:p>
                       <a:pPr algn="ctr"/>
                       <a:r>
-                        <a:rPr lang="en-US" sz="1800" dirty="0"/>
-                        <a:t>CHARISHMA NAGA SAI SARADA BALUSU</a:t>
+                        <a:rPr lang="en-US" sz="1500" dirty="0"/>
+                        <a:t>GEETHA KRISHNA DODDA</a:t>
                       </a:r>
                     </a:p>
                   </a:txBody>
-                  <a:tcPr marL="77978" marR="77978" marT="38989" marB="38989"/>
+                  <a:tcPr marL="77893" marR="77893" marT="38947" marB="38947"/>
                 </a:tc>
                 <a:tc>
                   <a:txBody>
                     <a:bodyPr/>
                     <a:lstStyle/>
                     <a:p>
-                      <a:pPr lvl="0" algn="ctr">
+                      <a:pPr lvl="0" algn="l">
                         <a:buNone/>
                       </a:pPr>
                       <a:r>
-                        <a:rPr lang="en-US" sz="1800" b="0" i="0" u="none" strike="noStrike" noProof="0" dirty="0">
+                        <a:rPr lang="en-US" sz="1500" b="0" i="0" u="none" strike="noStrike" noProof="0" dirty="0">
                           <a:latin typeface="Calibri"/>
                         </a:rPr>
-                        <a:t>         Backend Developer</a:t>
+                        <a:t>FE Developer, Database , </a:t>
                       </a:r>
                       <a:r>
-                        <a:rPr lang="en-US" sz="1800" dirty="0"/>
-                        <a:t>, Documentation</a:t>
+                        <a:rPr lang="en-US" sz="1500" dirty="0"/>
+                        <a:t>Documentation</a:t>
                       </a:r>
                     </a:p>
                   </a:txBody>
-                  <a:tcPr marL="77978" marR="77978" marT="38989" marB="38989"/>
+                  <a:tcPr marL="77893" marR="77893" marT="38947" marB="38947"/>
                 </a:tc>
                 <a:extLst>
                   <a:ext uri="{0D108BD9-81ED-4DB2-BD59-A6C34878D82A}">
-                    <a16:rowId xmlns:a16="http://schemas.microsoft.com/office/drawing/2014/main" val="852211879"/>
+                    <a16:rowId xmlns:a16="http://schemas.microsoft.com/office/drawing/2014/main" val="2395889149"/>
                   </a:ext>
                 </a:extLst>
               </a:tr>
-              <a:tr h="313514">
+              <a:tr h="306245">
                 <a:tc>
                   <a:txBody>
                     <a:bodyPr/>
@@ -13209,39 +13936,34 @@
                     <a:p>
                       <a:pPr algn="ctr"/>
                       <a:r>
-                        <a:rPr lang="en-US" sz="1800" dirty="0"/>
-                        <a:t>GEETHA KRISHNA DODDA</a:t>
+                        <a:rPr lang="en-US" sz="1500" dirty="0"/>
+                        <a:t>SRIKANTH GOPI</a:t>
                       </a:r>
                     </a:p>
                   </a:txBody>
-                  <a:tcPr marL="77978" marR="77978" marT="38989" marB="38989"/>
+                  <a:tcPr marL="77893" marR="77893" marT="38947" marB="38947"/>
                 </a:tc>
                 <a:tc>
                   <a:txBody>
                     <a:bodyPr/>
                     <a:lstStyle/>
                     <a:p>
-                      <a:pPr lvl="0" algn="ctr">
-                        <a:buNone/>
-                      </a:pPr>
+                      <a:pPr algn="l"/>
                       <a:r>
-                        <a:rPr lang="en-US" sz="1800" b="0" i="0" u="none" strike="noStrike" noProof="0" dirty="0">
-                          <a:latin typeface="Calibri"/>
-                        </a:rPr>
-                        <a:t>UI Developer, Database</a:t>
+                        <a:rPr lang="en-US" sz="1500" dirty="0"/>
+                        <a:t>UI/FE Developer, Database, Documentation</a:t>
                       </a:r>
-                      <a:endParaRPr lang="en-US" sz="1800" dirty="0"/>
                     </a:p>
                   </a:txBody>
-                  <a:tcPr marL="77978" marR="77978" marT="38989" marB="38989"/>
+                  <a:tcPr marL="77893" marR="77893" marT="38947" marB="38947"/>
                 </a:tc>
                 <a:extLst>
                   <a:ext uri="{0D108BD9-81ED-4DB2-BD59-A6C34878D82A}">
-                    <a16:rowId xmlns:a16="http://schemas.microsoft.com/office/drawing/2014/main" val="2395889149"/>
+                    <a16:rowId xmlns:a16="http://schemas.microsoft.com/office/drawing/2014/main" val="2815881286"/>
                   </a:ext>
                 </a:extLst>
               </a:tr>
-              <a:tr h="313514">
+              <a:tr h="306245">
                 <a:tc>
                   <a:txBody>
                     <a:bodyPr/>
@@ -13249,77 +13971,26 @@
                     <a:p>
                       <a:pPr algn="ctr"/>
                       <a:r>
-                        <a:rPr lang="en-US" sz="1800" dirty="0"/>
-                        <a:t>SRIKANTH GOPI</a:t>
+                        <a:rPr lang="en-US" sz="1500" dirty="0"/>
+                        <a:t>MEGHANA JUNNUTULA</a:t>
                       </a:r>
                     </a:p>
                   </a:txBody>
-                  <a:tcPr marL="77978" marR="77978" marT="38989" marB="38989"/>
+                  <a:tcPr marL="77893" marR="77893" marT="38947" marB="38947"/>
                 </a:tc>
                 <a:tc>
                   <a:txBody>
                     <a:bodyPr/>
                     <a:lstStyle/>
                     <a:p>
-                      <a:pPr marL="0" marR="0" lvl="0" indent="0" algn="ctr" defTabSz="914400" rtl="0" eaLnBrk="1" fontAlgn="auto" latinLnBrk="0" hangingPunct="1">
-                        <a:lnSpc>
-                          <a:spcPct val="100000"/>
-                        </a:lnSpc>
-                        <a:spcBef>
-                          <a:spcPts val="0"/>
-                        </a:spcBef>
-                        <a:spcAft>
-                          <a:spcPts val="0"/>
-                        </a:spcAft>
-                        <a:buClrTx/>
-                        <a:buSzTx/>
-                        <a:buFontTx/>
-                        <a:buNone/>
-                        <a:tabLst/>
-                        <a:defRPr/>
-                      </a:pPr>
+                      <a:pPr algn="l"/>
                       <a:r>
-                        <a:rPr lang="en-US" sz="1800" dirty="0"/>
-                        <a:t>, Database, FE Development (Staff Module)</a:t>
+                        <a:rPr lang="en-US" sz="1500" dirty="0"/>
+                        <a:t>Backend Developer, UI Developer, Testing, DBA</a:t>
                       </a:r>
                     </a:p>
                   </a:txBody>
-                  <a:tcPr marL="77978" marR="77978" marT="38989" marB="38989"/>
-                </a:tc>
-                <a:extLst>
-                  <a:ext uri="{0D108BD9-81ED-4DB2-BD59-A6C34878D82A}">
-                    <a16:rowId xmlns:a16="http://schemas.microsoft.com/office/drawing/2014/main" val="2815881286"/>
-                  </a:ext>
-                </a:extLst>
-              </a:tr>
-              <a:tr h="557635">
-                <a:tc>
-                  <a:txBody>
-                    <a:bodyPr/>
-                    <a:lstStyle/>
-                    <a:p>
-                      <a:pPr algn="ctr"/>
-                      <a:r>
-                        <a:rPr lang="en-US" sz="1800" dirty="0"/>
-                        <a:t>MEGHANA JUNNUTULA</a:t>
-                      </a:r>
-                    </a:p>
-                  </a:txBody>
-                  <a:tcPr marL="77978" marR="77978" marT="38989" marB="38989"/>
-                </a:tc>
-                <a:tc>
-                  <a:txBody>
-                    <a:bodyPr/>
-                    <a:lstStyle/>
-                    <a:p>
-                      <a:pPr algn="ctr"/>
-                      <a:r>
-                        <a:rPr lang="en-US" sz="1800" dirty="0"/>
-                        <a:t>         Backend Developer(Admin, Patient, Staff Modules), Documentation</a:t>
-                      </a:r>
-                    </a:p>
-                  </a:txBody>
-                  <a:tcPr marL="77978" marR="77978" marT="38989" marB="38989"/>
+                  <a:tcPr marL="77893" marR="77893" marT="38947" marB="38947"/>
                 </a:tc>
                 <a:extLst>
                   <a:ext uri="{0D108BD9-81ED-4DB2-BD59-A6C34878D82A}">
@@ -13359,7 +14030,7 @@
       </p:grpSpPr>
       <p:sp>
         <p:nvSpPr>
-          <p:cNvPr id="142" name="Rectangle 7"/>
+          <p:cNvPr id="125" name="Rectangle 7"/>
           <p:cNvSpPr/>
           <p:nvPr/>
         </p:nvSpPr>
@@ -13395,7 +14066,7 @@
       </p:sp>
       <p:sp>
         <p:nvSpPr>
-          <p:cNvPr id="143" name="Rectangle 9"/>
+          <p:cNvPr id="126" name="Rectangle 9"/>
           <p:cNvSpPr/>
           <p:nvPr/>
         </p:nvSpPr>
@@ -13439,7 +14110,7 @@
       </p:sp>
       <p:sp>
         <p:nvSpPr>
-          <p:cNvPr id="144" name="Rectangle 11"/>
+          <p:cNvPr id="127" name="Rectangle 11"/>
           <p:cNvSpPr/>
           <p:nvPr/>
         </p:nvSpPr>
@@ -13487,7 +14158,7 @@
       </p:sp>
       <p:sp>
         <p:nvSpPr>
-          <p:cNvPr id="145" name="Rectangle 13"/>
+          <p:cNvPr id="128" name="Rectangle 13"/>
           <p:cNvSpPr/>
           <p:nvPr/>
         </p:nvSpPr>
@@ -13535,13 +14206,13 @@
       </p:sp>
       <p:sp>
         <p:nvSpPr>
-          <p:cNvPr id="146" name="Rectangle 15"/>
+          <p:cNvPr id="129" name="Rectangle 15"/>
           <p:cNvSpPr/>
           <p:nvPr/>
         </p:nvSpPr>
         <p:spPr>
           <a:xfrm>
-            <a:off x="1289190" y="-1"/>
+            <a:off x="1289190" y="-5708"/>
             <a:ext cx="10005340" cy="1362257"/>
           </a:xfrm>
           <a:prstGeom prst="rect">
@@ -13577,13 +14248,13 @@
                 </a:solidFill>
               </a:defRPr>
             </a:pPr>
-            <a:endParaRPr dirty="0"/>
-          </a:p>
-        </p:txBody>
-      </p:sp>
-      <p:sp>
-        <p:nvSpPr>
-          <p:cNvPr id="147" name="Title 1"/>
+            <a:endParaRPr/>
+          </a:p>
+        </p:txBody>
+      </p:sp>
+      <p:sp>
+        <p:nvSpPr>
+          <p:cNvPr id="130" name="Title 1"/>
           <p:cNvSpPr txBox="1">
             <a:spLocks noGrp="1"/>
           </p:cNvSpPr>
@@ -13603,7 +14274,7 @@
         <p:txBody>
           <a:bodyPr/>
           <a:lstStyle>
-            <a:lvl1pPr algn="ctr">
+            <a:lvl1pPr>
               <a:defRPr sz="3400">
                 <a:solidFill>
                   <a:srgbClr val="FFFFFF"/>
@@ -13613,297 +14284,1718 @@
           </a:lstStyle>
           <a:p>
             <a:r>
-              <a:rPr lang="en-US" dirty="0"/>
-              <a:t>Core Requirements</a:t>
-            </a:r>
-            <a:endParaRPr dirty="0"/>
-          </a:p>
-        </p:txBody>
-      </p:sp>
-      <p:sp>
-        <p:nvSpPr>
-          <p:cNvPr id="148" name="Content Placeholder 6"/>
+              <a:t>		Phase 1 Deliverable</a:t>
+            </a:r>
+          </a:p>
+        </p:txBody>
+      </p:sp>
+      <p:sp>
+        <p:nvSpPr>
+          <p:cNvPr id="131" name="Content Placeholder 2"/>
           <p:cNvSpPr txBox="1">
             <a:spLocks noGrp="1"/>
           </p:cNvSpPr>
           <p:nvPr>
-            <p:ph type="body" idx="1"/>
+            <p:ph type="body" sz="half" idx="1"/>
           </p:nvPr>
         </p:nvSpPr>
         <p:spPr>
           <a:xfrm>
-            <a:off x="838200" y="1454330"/>
-            <a:ext cx="10515600" cy="4202974"/>
-          </a:xfrm>
-          <a:prstGeom prst="rect">
-            <a:avLst/>
-          </a:prstGeom>
-        </p:spPr>
-        <p:txBody>
-          <a:bodyPr>
-            <a:noAutofit/>
+            <a:off x="1492369" y="1642558"/>
+            <a:ext cx="8292439" cy="1974200"/>
+          </a:xfrm>
+          <a:prstGeom prst="rect">
+            <a:avLst/>
+          </a:prstGeom>
+        </p:spPr>
+        <p:txBody>
+          <a:bodyPr anchor="ctr"/>
+          <a:lstStyle/>
+          <a:p>
+            <a:pPr marL="0" indent="0">
+              <a:buSzTx/>
+              <a:buNone/>
+              <a:defRPr sz="1700" b="1"/>
+            </a:pPr>
+            <a:endParaRPr/>
+          </a:p>
+          <a:p>
+            <a:pPr marL="0" indent="0">
+              <a:buSzTx/>
+              <a:buNone/>
+              <a:defRPr sz="1700"/>
+            </a:pPr>
+            <a:endParaRPr/>
+          </a:p>
+          <a:p>
+            <a:pPr marL="0" indent="0">
+              <a:buSzTx/>
+              <a:buNone/>
+              <a:defRPr sz="1700" b="1"/>
+            </a:pPr>
+            <a:endParaRPr/>
+          </a:p>
+          <a:p>
+            <a:pPr>
+              <a:defRPr sz="1700" b="1"/>
+            </a:pPr>
+            <a:endParaRPr/>
+          </a:p>
+        </p:txBody>
+      </p:sp>
+      <p:sp>
+        <p:nvSpPr>
+          <p:cNvPr id="132" name="TextBox 3"/>
+          <p:cNvSpPr txBox="1"/>
+          <p:nvPr/>
+        </p:nvSpPr>
+        <p:spPr>
+          <a:xfrm>
+            <a:off x="1055913" y="1767839"/>
+            <a:ext cx="10305626" cy="8510022"/>
+          </a:xfrm>
+          <a:prstGeom prst="rect">
+            <a:avLst/>
+          </a:prstGeom>
+          <a:ln w="12700">
+            <a:miter lim="400000"/>
+          </a:ln>
+          <a:extLst>
+            <a:ext uri="{C572A759-6A51-4108-AA02-DFA0A04FC94B}">
+              <ma14:wrappingTextBoxFlag xmlns:ma14="http://schemas.microsoft.com/office/mac/drawingml/2011/main" xmlns:a14="http://schemas.microsoft.com/office/drawing/2010/main" xmlns:m="http://schemas.openxmlformats.org/officeDocument/2006/math" xmlns="" val="1"/>
+            </a:ext>
+          </a:extLst>
+        </p:spPr>
+        <p:txBody>
+          <a:bodyPr lIns="45719" rIns="45719">
+            <a:spAutoFit/>
           </a:bodyPr>
           <a:lstStyle/>
           <a:p>
-            <a:pPr marR="0" lvl="0">
-              <a:lnSpc>
-                <a:spcPct val="107000"/>
-              </a:lnSpc>
+            <a:pPr marL="0" algn="ctr" rtl="0" eaLnBrk="1" fontAlgn="t" latinLnBrk="0" hangingPunct="1">
               <a:spcBef>
                 <a:spcPts val="0"/>
               </a:spcBef>
               <a:spcAft>
                 <a:spcPts val="0"/>
               </a:spcAft>
-              <a:buFont typeface="Wingdings" panose="05000000000000000000" pitchFamily="2" charset="2"/>
-              <a:buChar char="Ø"/>
-            </a:pPr>
-            <a:r>
-              <a:rPr lang="en-US" sz="1800" b="1" dirty="0">
+            </a:pPr>
+            <a:r>
+              <a:rPr lang="en-US" dirty="0"/>
+              <a:t>Implementation plan </a:t>
+            </a:r>
+            <a:r>
+              <a:rPr lang="en-US" dirty="0" err="1"/>
+              <a:t>for</a:t>
+            </a:r>
+            <a:r>
+              <a:rPr lang="en-US" sz="1800" b="1" i="0" u="none" strike="noStrike" kern="1200" dirty="0" err="1">
+                <a:solidFill>
+                  <a:srgbClr val="FFFFFF"/>
+                </a:solidFill>
                 <a:effectLst/>
-                <a:latin typeface="Times New Roman" panose="02020603050405020304" pitchFamily="18" charset="0"/>
-                <a:ea typeface="Calibri" panose="020F0502020204030204" pitchFamily="34" charset="0"/>
-                <a:cs typeface="Times New Roman" panose="02020603050405020304" pitchFamily="18" charset="0"/>
+                <a:latin typeface="Calibri" panose="020F0502020204030204" pitchFamily="34" charset="0"/>
               </a:rPr>
-              <a:t>Authentication and Authorization</a:t>
-            </a:r>
-            <a:endParaRPr lang="en-US" sz="1800" dirty="0">
+              <a:t>Members</a:t>
+            </a:r>
+            <a:endParaRPr lang="en-US" sz="1800" b="0" i="0" u="none" strike="noStrike" dirty="0">
               <a:effectLst/>
-              <a:latin typeface="Times New Roman" panose="02020603050405020304" pitchFamily="18" charset="0"/>
-              <a:ea typeface="Calibri" panose="020F0502020204030204" pitchFamily="34" charset="0"/>
-              <a:cs typeface="Times New Roman" panose="02020603050405020304" pitchFamily="18" charset="0"/>
+              <a:latin typeface="Arial" panose="020B0604020202020204" pitchFamily="34" charset="0"/>
             </a:endParaRPr>
           </a:p>
           <a:p>
-            <a:pPr marR="0" lvl="1">
-              <a:lnSpc>
-                <a:spcPct val="107000"/>
-              </a:lnSpc>
+            <a:pPr marL="0" algn="ctr" rtl="0" eaLnBrk="1" fontAlgn="t" latinLnBrk="0" hangingPunct="1">
               <a:spcBef>
                 <a:spcPts val="0"/>
               </a:spcBef>
               <a:spcAft>
                 <a:spcPts val="0"/>
               </a:spcAft>
-              <a:buFont typeface="Wingdings" panose="05000000000000000000" pitchFamily="2" charset="2"/>
-              <a:buChar char="Ø"/>
-            </a:pPr>
-            <a:r>
-              <a:rPr lang="en-US" sz="1800" b="1" dirty="0">
+            </a:pPr>
+            <a:r>
+              <a:rPr lang="en-US" sz="1800" b="1" i="0" u="none" strike="noStrike" kern="1200" dirty="0">
+                <a:solidFill>
+                  <a:srgbClr val="FFFFFF"/>
+                </a:solidFill>
                 <a:effectLst/>
-                <a:latin typeface="Times New Roman" panose="02020603050405020304" pitchFamily="18" charset="0"/>
-                <a:ea typeface="Calibri" panose="020F0502020204030204" pitchFamily="34" charset="0"/>
-                <a:cs typeface="Times New Roman" panose="02020603050405020304" pitchFamily="18" charset="0"/>
+                <a:latin typeface="Calibri" panose="020F0502020204030204" pitchFamily="34" charset="0"/>
               </a:rPr>
-              <a:t>User Registration</a:t>
-            </a:r>
-            <a:endParaRPr lang="en-US" sz="1800" dirty="0">
+              <a:t>Contribution</a:t>
+            </a:r>
+            <a:endParaRPr lang="en-US" sz="1800" b="0" i="0" u="none" strike="noStrike" dirty="0">
               <a:effectLst/>
-              <a:latin typeface="Times New Roman" panose="02020603050405020304" pitchFamily="18" charset="0"/>
-              <a:ea typeface="Calibri" panose="020F0502020204030204" pitchFamily="34" charset="0"/>
-              <a:cs typeface="Times New Roman" panose="02020603050405020304" pitchFamily="18" charset="0"/>
+              <a:latin typeface="Arial" panose="020B0604020202020204" pitchFamily="34" charset="0"/>
             </a:endParaRPr>
           </a:p>
           <a:p>
-            <a:pPr marR="0" lvl="2">
-              <a:lnSpc>
-                <a:spcPct val="107000"/>
-              </a:lnSpc>
+            <a:pPr marL="0" algn="ctr" rtl="0" eaLnBrk="1" fontAlgn="t" latinLnBrk="0" hangingPunct="1">
               <a:spcBef>
                 <a:spcPts val="0"/>
               </a:spcBef>
               <a:spcAft>
                 <a:spcPts val="0"/>
               </a:spcAft>
-              <a:buFont typeface="Wingdings" panose="05000000000000000000" pitchFamily="2" charset="2"/>
-              <a:buChar char="Ø"/>
-            </a:pPr>
-            <a:r>
-              <a:rPr lang="en-US" sz="1800" dirty="0">
+            </a:pPr>
+            <a:r>
+              <a:rPr lang="en-US" sz="1800" b="0" i="0" u="none" strike="noStrike" kern="1200" dirty="0">
+                <a:solidFill>
+                  <a:srgbClr val="000000"/>
+                </a:solidFill>
                 <a:effectLst/>
-                <a:latin typeface="Times New Roman" panose="02020603050405020304" pitchFamily="18" charset="0"/>
-                <a:ea typeface="Calibri" panose="020F0502020204030204" pitchFamily="34" charset="0"/>
-                <a:cs typeface="Times New Roman" panose="02020603050405020304" pitchFamily="18" charset="0"/>
+                <a:latin typeface="Calibri" panose="020F0502020204030204" pitchFamily="34" charset="0"/>
               </a:rPr>
-              <a:t>The user of type Doctor, Patient, Staff, and Admin can register to Hospital Management System.</a:t>
-            </a:r>
-          </a:p>
-          <a:p>
-            <a:pPr marL="914400" marR="0" lvl="2" indent="0">
-              <a:lnSpc>
-                <a:spcPct val="107000"/>
-              </a:lnSpc>
+              <a:t>DHEERAJ REDDY AGUTHU</a:t>
+            </a:r>
+            <a:endParaRPr lang="en-US" sz="1800" b="0" i="0" u="none" strike="noStrike" dirty="0">
+              <a:effectLst/>
+              <a:latin typeface="Arial" panose="020B0604020202020204" pitchFamily="34" charset="0"/>
+            </a:endParaRPr>
+          </a:p>
+          <a:p>
+            <a:pPr marL="0" algn="l" rtl="0" eaLnBrk="1" fontAlgn="t" latinLnBrk="0" hangingPunct="1">
               <a:spcBef>
                 <a:spcPts val="0"/>
               </a:spcBef>
               <a:spcAft>
                 <a:spcPts val="0"/>
               </a:spcAft>
-              <a:buNone/>
-            </a:pPr>
-            <a:endParaRPr lang="en-US" sz="1800" dirty="0">
+            </a:pPr>
+            <a:r>
+              <a:rPr lang="en-US" sz="1800" b="0" i="0" u="none" strike="noStrike" kern="1200" dirty="0">
+                <a:solidFill>
+                  <a:srgbClr val="000000"/>
+                </a:solidFill>
+                <a:effectLst/>
+                <a:latin typeface="Calibri" panose="020F0502020204030204" pitchFamily="34" charset="0"/>
+              </a:rPr>
+              <a:t>Backend Developer, Database DBA , Group Coordinator, Documentation</a:t>
+            </a:r>
+            <a:endParaRPr lang="en-US" sz="1800" b="0" i="0" u="none" strike="noStrike" dirty="0">
               <a:effectLst/>
-              <a:latin typeface="Times New Roman" panose="02020603050405020304" pitchFamily="18" charset="0"/>
-              <a:ea typeface="Calibri" panose="020F0502020204030204" pitchFamily="34" charset="0"/>
-              <a:cs typeface="Times New Roman" panose="02020603050405020304" pitchFamily="18" charset="0"/>
+              <a:latin typeface="Arial" panose="020B0604020202020204" pitchFamily="34" charset="0"/>
             </a:endParaRPr>
           </a:p>
           <a:p>
-            <a:pPr marR="0" lvl="1">
-              <a:lnSpc>
-                <a:spcPct val="107000"/>
-              </a:lnSpc>
+            <a:pPr marL="0" algn="ctr" rtl="0" eaLnBrk="1" fontAlgn="t" latinLnBrk="0" hangingPunct="1">
               <a:spcBef>
                 <a:spcPts val="0"/>
               </a:spcBef>
               <a:spcAft>
                 <a:spcPts val="0"/>
               </a:spcAft>
-              <a:buFont typeface="Wingdings" panose="05000000000000000000" pitchFamily="2" charset="2"/>
-              <a:buChar char="Ø"/>
-            </a:pPr>
-            <a:r>
-              <a:rPr lang="en-US" sz="1800" b="1" dirty="0">
+            </a:pPr>
+            <a:r>
+              <a:rPr lang="en-US" sz="1800" b="0" i="0" u="none" strike="noStrike" kern="1200" dirty="0">
+                <a:solidFill>
+                  <a:srgbClr val="000000"/>
+                </a:solidFill>
                 <a:effectLst/>
-                <a:latin typeface="Times New Roman" panose="02020603050405020304" pitchFamily="18" charset="0"/>
-                <a:ea typeface="Calibri" panose="020F0502020204030204" pitchFamily="34" charset="0"/>
-                <a:cs typeface="Times New Roman" panose="02020603050405020304" pitchFamily="18" charset="0"/>
+                <a:latin typeface="Calibri" panose="020F0502020204030204" pitchFamily="34" charset="0"/>
               </a:rPr>
-              <a:t>User Login</a:t>
-            </a:r>
-            <a:r>
-              <a:rPr lang="en-US" sz="1800" dirty="0">
-                <a:effectLst/>
-                <a:latin typeface="Times New Roman" panose="02020603050405020304" pitchFamily="18" charset="0"/>
-                <a:ea typeface="Calibri" panose="020F0502020204030204" pitchFamily="34" charset="0"/>
-                <a:cs typeface="Times New Roman" panose="02020603050405020304" pitchFamily="18" charset="0"/>
-              </a:rPr>
-              <a:t>: </a:t>
-            </a:r>
-          </a:p>
-          <a:p>
-            <a:pPr marR="0" lvl="2">
-              <a:lnSpc>
-                <a:spcPct val="107000"/>
-              </a:lnSpc>
+              <a:t>ABHAY ARORA</a:t>
+            </a:r>
+            <a:endParaRPr lang="en-US" sz="1800" b="0" i="0" u="none" strike="noStrike" dirty="0">
+              <a:effectLst/>
+              <a:latin typeface="Arial" panose="020B0604020202020204" pitchFamily="34" charset="0"/>
+            </a:endParaRPr>
+          </a:p>
+          <a:p>
+            <a:pPr marL="0" indent="0" algn="l" rtl="0" eaLnBrk="1" fontAlgn="t" latinLnBrk="0" hangingPunct="1">
               <a:spcBef>
                 <a:spcPts val="0"/>
               </a:spcBef>
               <a:spcAft>
                 <a:spcPts val="0"/>
               </a:spcAft>
-              <a:buFont typeface="Wingdings" panose="05000000000000000000" pitchFamily="2" charset="2"/>
-              <a:buChar char="Ø"/>
-            </a:pPr>
-            <a:r>
-              <a:rPr lang="en-US" sz="1800" dirty="0">
+            </a:pPr>
+            <a:r>
+              <a:rPr lang="en-US" sz="1800" b="0" i="0" u="none" strike="noStrike" kern="1200" dirty="0">
+                <a:solidFill>
+                  <a:srgbClr val="000000"/>
+                </a:solidFill>
                 <a:effectLst/>
-                <a:latin typeface="Times New Roman" panose="02020603050405020304" pitchFamily="18" charset="0"/>
-                <a:ea typeface="Calibri" panose="020F0502020204030204" pitchFamily="34" charset="0"/>
-                <a:cs typeface="Times New Roman" panose="02020603050405020304" pitchFamily="18" charset="0"/>
+                <a:latin typeface="Calibri" panose="020F0502020204030204" pitchFamily="34" charset="0"/>
               </a:rPr>
-              <a:t>Only those users who are registered and active can log in to this system.</a:t>
-            </a:r>
-          </a:p>
-          <a:p>
-            <a:pPr marL="914400" marR="0" lvl="2" indent="0">
-              <a:lnSpc>
-                <a:spcPct val="107000"/>
-              </a:lnSpc>
+              <a:t>Front End Developer , SCRUM Master , </a:t>
+            </a:r>
+            <a:endParaRPr lang="en-US" sz="1800" b="0" i="0" u="none" strike="noStrike" dirty="0">
+              <a:effectLst/>
+              <a:latin typeface="Arial" panose="020B0604020202020204" pitchFamily="34" charset="0"/>
+            </a:endParaRPr>
+          </a:p>
+          <a:p>
+            <a:pPr marL="0" indent="0" algn="l" rtl="0" eaLnBrk="1" fontAlgn="t" latinLnBrk="0" hangingPunct="1">
               <a:spcBef>
                 <a:spcPts val="0"/>
               </a:spcBef>
               <a:spcAft>
                 <a:spcPts val="0"/>
               </a:spcAft>
-              <a:buNone/>
-            </a:pPr>
-            <a:endParaRPr lang="en-US" sz="1800" dirty="0">
+            </a:pPr>
+            <a:r>
+              <a:rPr lang="en-US" sz="1800" b="0" i="0" u="none" strike="noStrike" kern="1200" dirty="0">
+                <a:solidFill>
+                  <a:srgbClr val="000000"/>
+                </a:solidFill>
+                <a:effectLst/>
+                <a:latin typeface="Calibri" panose="020F0502020204030204" pitchFamily="34" charset="0"/>
+              </a:rPr>
+              <a:t>PMS (GitHub/Trello Board Management), Requirement Facilitator, Architect, Planning, Testing, Deployment, DBA, Documentation</a:t>
+            </a:r>
+            <a:endParaRPr lang="en-US" sz="1800" b="0" i="0" u="none" strike="noStrike" dirty="0">
               <a:effectLst/>
-              <a:latin typeface="Times New Roman" panose="02020603050405020304" pitchFamily="18" charset="0"/>
-              <a:ea typeface="Calibri" panose="020F0502020204030204" pitchFamily="34" charset="0"/>
-              <a:cs typeface="Times New Roman" panose="02020603050405020304" pitchFamily="18" charset="0"/>
+              <a:latin typeface="Arial" panose="020B0604020202020204" pitchFamily="34" charset="0"/>
             </a:endParaRPr>
           </a:p>
           <a:p>
-            <a:pPr marR="0" lvl="1">
-              <a:lnSpc>
-                <a:spcPct val="107000"/>
-              </a:lnSpc>
+            <a:pPr marL="0" algn="ctr" rtl="0" eaLnBrk="1" fontAlgn="t" latinLnBrk="0" hangingPunct="1">
               <a:spcBef>
                 <a:spcPts val="0"/>
               </a:spcBef>
               <a:spcAft>
                 <a:spcPts val="0"/>
               </a:spcAft>
-              <a:buFont typeface="Wingdings" panose="05000000000000000000" pitchFamily="2" charset="2"/>
-              <a:buChar char="Ø"/>
-            </a:pPr>
-            <a:r>
-              <a:rPr lang="en-US" sz="1800" b="1" dirty="0">
+            </a:pPr>
+            <a:r>
+              <a:rPr lang="en-US" sz="1800" b="0" i="0" u="none" strike="noStrike" kern="1200" dirty="0">
+                <a:solidFill>
+                  <a:srgbClr val="000000"/>
+                </a:solidFill>
                 <a:effectLst/>
-                <a:latin typeface="Times New Roman" panose="02020603050405020304" pitchFamily="18" charset="0"/>
-                <a:ea typeface="Calibri" panose="020F0502020204030204" pitchFamily="34" charset="0"/>
-                <a:cs typeface="Times New Roman" panose="02020603050405020304" pitchFamily="18" charset="0"/>
+                <a:latin typeface="Calibri" panose="020F0502020204030204" pitchFamily="34" charset="0"/>
               </a:rPr>
-              <a:t>Role-Based Authorization</a:t>
-            </a:r>
-            <a:r>
-              <a:rPr lang="en-US" sz="1800" dirty="0">
-                <a:effectLst/>
-                <a:latin typeface="Times New Roman" panose="02020603050405020304" pitchFamily="18" charset="0"/>
-                <a:ea typeface="Calibri" panose="020F0502020204030204" pitchFamily="34" charset="0"/>
-                <a:cs typeface="Times New Roman" panose="02020603050405020304" pitchFamily="18" charset="0"/>
-              </a:rPr>
-              <a:t>: </a:t>
-            </a:r>
-          </a:p>
-          <a:p>
-            <a:pPr marR="0" lvl="2">
-              <a:lnSpc>
-                <a:spcPct val="107000"/>
-              </a:lnSpc>
+              <a:t>RAVI TEJA BALAJI</a:t>
+            </a:r>
+            <a:endParaRPr lang="en-US" sz="1800" b="0" i="0" u="none" strike="noStrike" dirty="0">
+              <a:effectLst/>
+              <a:latin typeface="Arial" panose="020B0604020202020204" pitchFamily="34" charset="0"/>
+            </a:endParaRPr>
+          </a:p>
+          <a:p>
+            <a:pPr marL="0" algn="l" rtl="0" eaLnBrk="1" fontAlgn="t" latinLnBrk="0" hangingPunct="1">
               <a:spcBef>
                 <a:spcPts val="0"/>
               </a:spcBef>
               <a:spcAft>
                 <a:spcPts val="0"/>
               </a:spcAft>
-              <a:buFont typeface="Wingdings" panose="05000000000000000000" pitchFamily="2" charset="2"/>
-              <a:buChar char="Ø"/>
-            </a:pPr>
-            <a:r>
-              <a:rPr lang="en-US" sz="1800" dirty="0">
+            </a:pPr>
+            <a:r>
+              <a:rPr lang="en-US" sz="1800" b="0" i="0" u="none" strike="noStrike" kern="1200" dirty="0">
+                <a:solidFill>
+                  <a:srgbClr val="000000"/>
+                </a:solidFill>
                 <a:effectLst/>
-                <a:latin typeface="Times New Roman" panose="02020603050405020304" pitchFamily="18" charset="0"/>
-                <a:ea typeface="Calibri" panose="020F0502020204030204" pitchFamily="34" charset="0"/>
-                <a:cs typeface="Times New Roman" panose="02020603050405020304" pitchFamily="18" charset="0"/>
+                <a:latin typeface="Calibri" panose="020F0502020204030204" pitchFamily="34" charset="0"/>
               </a:rPr>
-              <a:t>The system will show the relevant section of the screen to the specific type of user on basis of the role permissions matrix.</a:t>
-            </a:r>
-          </a:p>
-          <a:p>
-            <a:pPr marL="0" lvl="1" indent="457200">
-              <a:lnSpc>
-                <a:spcPct val="107000"/>
-              </a:lnSpc>
+              <a:t>UI Developer, Database , Testing, Documentation</a:t>
+            </a:r>
+            <a:endParaRPr lang="en-US" sz="1800" b="0" i="0" u="none" strike="noStrike" dirty="0">
+              <a:effectLst/>
+              <a:latin typeface="Arial" panose="020B0604020202020204" pitchFamily="34" charset="0"/>
+            </a:endParaRPr>
+          </a:p>
+          <a:p>
+            <a:pPr marL="0" algn="ctr" rtl="0" eaLnBrk="1" fontAlgn="t" latinLnBrk="0" hangingPunct="1">
               <a:spcBef>
                 <a:spcPts val="0"/>
               </a:spcBef>
-              <a:buSzTx/>
-              <a:buNone/>
-              <a:defRPr b="1">
+              <a:spcAft>
+                <a:spcPts val="0"/>
+              </a:spcAft>
+            </a:pPr>
+            <a:r>
+              <a:rPr lang="en-US" sz="1800" b="0" i="0" u="none" strike="noStrike" kern="1200" dirty="0">
+                <a:solidFill>
+                  <a:srgbClr val="000000"/>
+                </a:solidFill>
+                <a:effectLst/>
+                <a:latin typeface="Calibri" panose="020F0502020204030204" pitchFamily="34" charset="0"/>
+              </a:rPr>
+              <a:t>PRAVEEN NAKKA</a:t>
+            </a:r>
+            <a:endParaRPr lang="en-US" sz="1800" b="0" i="0" u="none" strike="noStrike" dirty="0">
+              <a:effectLst/>
+              <a:latin typeface="Arial" panose="020B0604020202020204" pitchFamily="34" charset="0"/>
+            </a:endParaRPr>
+          </a:p>
+          <a:p>
+            <a:pPr marL="0" algn="l" rtl="0" eaLnBrk="1" fontAlgn="t" latinLnBrk="0" hangingPunct="1">
+              <a:spcBef>
+                <a:spcPts val="0"/>
+              </a:spcBef>
+              <a:spcAft>
+                <a:spcPts val="0"/>
+              </a:spcAft>
+            </a:pPr>
+            <a:r>
+              <a:rPr lang="en-US" sz="1800" b="0" i="0" u="none" strike="noStrike" kern="1200" dirty="0">
+                <a:solidFill>
+                  <a:srgbClr val="000000"/>
+                </a:solidFill>
+                <a:effectLst/>
+                <a:latin typeface="Calibri" panose="020F0502020204030204" pitchFamily="34" charset="0"/>
+              </a:rPr>
+              <a:t>FE Developer, Database, Testing, Documentation</a:t>
+            </a:r>
+            <a:endParaRPr lang="en-US" sz="1800" b="0" i="0" u="none" strike="noStrike" dirty="0">
+              <a:effectLst/>
+              <a:latin typeface="Arial" panose="020B0604020202020204" pitchFamily="34" charset="0"/>
+            </a:endParaRPr>
+          </a:p>
+          <a:p>
+            <a:pPr marL="0" algn="ctr" rtl="0" eaLnBrk="1" fontAlgn="t" latinLnBrk="0" hangingPunct="1">
+              <a:spcBef>
+                <a:spcPts val="0"/>
+              </a:spcBef>
+              <a:spcAft>
+                <a:spcPts val="0"/>
+              </a:spcAft>
+            </a:pPr>
+            <a:r>
+              <a:rPr lang="en-US" sz="1800" b="0" i="0" u="none" strike="noStrike" kern="1200" dirty="0">
+                <a:solidFill>
+                  <a:srgbClr val="000000"/>
+                </a:solidFill>
+                <a:effectLst/>
+                <a:latin typeface="Calibri" panose="020F0502020204030204" pitchFamily="34" charset="0"/>
+              </a:rPr>
+              <a:t>CHARISHMA NAGA SAI SARADA BALUSU</a:t>
+            </a:r>
+            <a:endParaRPr lang="en-US" sz="1800" b="0" i="0" u="none" strike="noStrike" dirty="0">
+              <a:effectLst/>
+              <a:latin typeface="Arial" panose="020B0604020202020204" pitchFamily="34" charset="0"/>
+            </a:endParaRPr>
+          </a:p>
+          <a:p>
+            <a:pPr marL="0" algn="l" rtl="0" eaLnBrk="1" fontAlgn="t" latinLnBrk="0" hangingPunct="1">
+              <a:spcBef>
+                <a:spcPts val="0"/>
+              </a:spcBef>
+              <a:spcAft>
+                <a:spcPts val="0"/>
+              </a:spcAft>
+            </a:pPr>
+            <a:r>
+              <a:rPr lang="en-US" sz="1800" b="0" i="0" u="none" strike="noStrike" kern="1200" dirty="0">
+                <a:solidFill>
+                  <a:srgbClr val="000000"/>
+                </a:solidFill>
+                <a:effectLst/>
+                <a:latin typeface="Calibri" panose="020F0502020204030204" pitchFamily="34" charset="0"/>
+              </a:rPr>
+              <a:t>Backend Developer,  Documentation, Testing</a:t>
+            </a:r>
+            <a:endParaRPr lang="en-US" sz="1800" b="0" i="0" u="none" strike="noStrike" dirty="0">
+              <a:effectLst/>
+              <a:latin typeface="Arial" panose="020B0604020202020204" pitchFamily="34" charset="0"/>
+            </a:endParaRPr>
+          </a:p>
+          <a:p>
+            <a:pPr marL="0" algn="ctr" rtl="0" eaLnBrk="1" fontAlgn="t" latinLnBrk="0" hangingPunct="1">
+              <a:spcBef>
+                <a:spcPts val="0"/>
+              </a:spcBef>
+              <a:spcAft>
+                <a:spcPts val="0"/>
+              </a:spcAft>
+            </a:pPr>
+            <a:r>
+              <a:rPr lang="en-US" sz="1800" b="0" i="0" u="none" strike="noStrike" kern="1200" dirty="0">
+                <a:solidFill>
+                  <a:srgbClr val="000000"/>
+                </a:solidFill>
+                <a:effectLst/>
+                <a:latin typeface="Calibri" panose="020F0502020204030204" pitchFamily="34" charset="0"/>
+              </a:rPr>
+              <a:t>GEETHA KRISHNA DODDA</a:t>
+            </a:r>
+            <a:endParaRPr lang="en-US" sz="1800" b="0" i="0" u="none" strike="noStrike" dirty="0">
+              <a:effectLst/>
+              <a:latin typeface="Arial" panose="020B0604020202020204" pitchFamily="34" charset="0"/>
+            </a:endParaRPr>
+          </a:p>
+          <a:p>
+            <a:pPr marL="0" algn="l" rtl="0" eaLnBrk="1" fontAlgn="t" latinLnBrk="0" hangingPunct="1">
+              <a:spcBef>
+                <a:spcPts val="0"/>
+              </a:spcBef>
+              <a:spcAft>
+                <a:spcPts val="0"/>
+              </a:spcAft>
+            </a:pPr>
+            <a:r>
+              <a:rPr lang="en-US" sz="1800" b="0" i="0" u="none" strike="noStrike" kern="1200" dirty="0">
+                <a:solidFill>
+                  <a:srgbClr val="000000"/>
+                </a:solidFill>
+                <a:effectLst/>
+                <a:latin typeface="Calibri" panose="020F0502020204030204" pitchFamily="34" charset="0"/>
+              </a:rPr>
+              <a:t>FE Developer, Database , Documentation</a:t>
+            </a:r>
+            <a:endParaRPr lang="en-US" sz="1800" b="0" i="0" u="none" strike="noStrike" dirty="0">
+              <a:effectLst/>
+              <a:latin typeface="Arial" panose="020B0604020202020204" pitchFamily="34" charset="0"/>
+            </a:endParaRPr>
+          </a:p>
+          <a:p>
+            <a:pPr marL="0" algn="ctr" rtl="0" eaLnBrk="1" fontAlgn="t" latinLnBrk="0" hangingPunct="1">
+              <a:spcBef>
+                <a:spcPts val="0"/>
+              </a:spcBef>
+              <a:spcAft>
+                <a:spcPts val="0"/>
+              </a:spcAft>
+            </a:pPr>
+            <a:r>
+              <a:rPr lang="en-US" sz="1800" b="0" i="0" u="none" strike="noStrike" kern="1200" dirty="0">
+                <a:solidFill>
+                  <a:srgbClr val="000000"/>
+                </a:solidFill>
+                <a:effectLst/>
+                <a:latin typeface="Calibri" panose="020F0502020204030204" pitchFamily="34" charset="0"/>
+              </a:rPr>
+              <a:t>SRIKANTH GOPI</a:t>
+            </a:r>
+            <a:endParaRPr lang="en-US" sz="1800" b="0" i="0" u="none" strike="noStrike" dirty="0">
+              <a:effectLst/>
+              <a:latin typeface="Arial" panose="020B0604020202020204" pitchFamily="34" charset="0"/>
+            </a:endParaRPr>
+          </a:p>
+          <a:p>
+            <a:pPr marL="0" algn="l" rtl="0" eaLnBrk="1" fontAlgn="t" latinLnBrk="0" hangingPunct="1">
+              <a:spcBef>
+                <a:spcPts val="0"/>
+              </a:spcBef>
+              <a:spcAft>
+                <a:spcPts val="0"/>
+              </a:spcAft>
+            </a:pPr>
+            <a:r>
+              <a:rPr lang="en-US" sz="1800" b="0" i="0" u="none" strike="noStrike" kern="1200" dirty="0">
+                <a:solidFill>
+                  <a:srgbClr val="000000"/>
+                </a:solidFill>
+                <a:effectLst/>
+                <a:latin typeface="Calibri" panose="020F0502020204030204" pitchFamily="34" charset="0"/>
+              </a:rPr>
+              <a:t>UI/FE Developer, Database, Documentation</a:t>
+            </a:r>
+            <a:endParaRPr lang="en-US" sz="1800" b="0" i="0" u="none" strike="noStrike" dirty="0">
+              <a:effectLst/>
+              <a:latin typeface="Arial" panose="020B0604020202020204" pitchFamily="34" charset="0"/>
+            </a:endParaRPr>
+          </a:p>
+          <a:p>
+            <a:pPr marL="0" algn="ctr" rtl="0" eaLnBrk="1" fontAlgn="t" latinLnBrk="0" hangingPunct="1">
+              <a:spcBef>
+                <a:spcPts val="0"/>
+              </a:spcBef>
+              <a:spcAft>
+                <a:spcPts val="0"/>
+              </a:spcAft>
+            </a:pPr>
+            <a:r>
+              <a:rPr lang="en-US" sz="1800" b="0" i="0" u="none" strike="noStrike" kern="1200" dirty="0">
+                <a:solidFill>
+                  <a:srgbClr val="000000"/>
+                </a:solidFill>
+                <a:effectLst/>
+                <a:latin typeface="Calibri" panose="020F0502020204030204" pitchFamily="34" charset="0"/>
+              </a:rPr>
+              <a:t>MEGHANA JUNNUTULA</a:t>
+            </a:r>
+            <a:endParaRPr lang="en-US" sz="1800" b="0" i="0" u="none" strike="noStrike" dirty="0">
+              <a:effectLst/>
+              <a:latin typeface="Arial" panose="020B0604020202020204" pitchFamily="34" charset="0"/>
+            </a:endParaRPr>
+          </a:p>
+          <a:p>
+            <a:pPr marL="0" algn="l" rtl="0" eaLnBrk="1" fontAlgn="t" latinLnBrk="0" hangingPunct="1">
+              <a:spcBef>
+                <a:spcPts val="0"/>
+              </a:spcBef>
+              <a:spcAft>
+                <a:spcPts val="0"/>
+              </a:spcAft>
+            </a:pPr>
+            <a:r>
+              <a:rPr lang="en-US" sz="1800" b="0" i="0" u="none" strike="noStrike" kern="1200" dirty="0">
+                <a:solidFill>
+                  <a:srgbClr val="000000"/>
+                </a:solidFill>
+                <a:effectLst/>
+                <a:latin typeface="Calibri" panose="020F0502020204030204" pitchFamily="34" charset="0"/>
+              </a:rPr>
+              <a:t>Backend Developer, UI Developer, Testing, DBA</a:t>
+            </a:r>
+            <a:endParaRPr lang="en-US" sz="1800" b="0" i="0" u="none" strike="noStrike" dirty="0">
+              <a:effectLst/>
+              <a:latin typeface="Arial" panose="020B0604020202020204" pitchFamily="34" charset="0"/>
+            </a:endParaRPr>
+          </a:p>
+          <a:p>
+            <a:pPr>
+              <a:defRPr sz="2400">
                 <a:latin typeface="Times New Roman"/>
                 <a:ea typeface="Times New Roman"/>
                 <a:cs typeface="Times New Roman"/>
                 <a:sym typeface="Times New Roman"/>
               </a:defRPr>
             </a:pPr>
-            <a:endParaRPr sz="1800" dirty="0"/>
-          </a:p>
-        </p:txBody>
-      </p:sp>
+            <a:r>
+              <a:rPr lang="en-US" dirty="0"/>
+              <a:t> Hospital Management System (HMS) Phase 2 includes developing user interfaces for</a:t>
+            </a:r>
+            <a:r>
+              <a:rPr lang="en-US" sz="1700" dirty="0"/>
+              <a:t> </a:t>
+            </a:r>
+          </a:p>
+          <a:p>
+            <a:pPr>
+              <a:defRPr sz="1700">
+                <a:latin typeface="Times New Roman"/>
+                <a:ea typeface="Times New Roman"/>
+                <a:cs typeface="Times New Roman"/>
+                <a:sym typeface="Times New Roman"/>
+              </a:defRPr>
+            </a:pPr>
+            <a:endParaRPr lang="en-US" sz="1700" dirty="0"/>
+          </a:p>
+          <a:p>
+            <a:pPr marL="285750" indent="-285750">
+              <a:buSzPct val="100000"/>
+              <a:buChar char="➢"/>
+              <a:defRPr sz="2400">
+                <a:latin typeface="Times New Roman"/>
+                <a:ea typeface="Times New Roman"/>
+                <a:cs typeface="Times New Roman"/>
+                <a:sym typeface="Times New Roman"/>
+              </a:defRPr>
+            </a:pPr>
+            <a:r>
+              <a:rPr dirty="0"/>
+              <a:t>Admin Dashboard</a:t>
+            </a:r>
+          </a:p>
+          <a:p>
+            <a:pPr marL="285750" indent="-285750">
+              <a:buSzPct val="100000"/>
+              <a:buChar char="➢"/>
+              <a:defRPr sz="2400">
+                <a:latin typeface="Times New Roman"/>
+                <a:ea typeface="Times New Roman"/>
+                <a:cs typeface="Times New Roman"/>
+                <a:sym typeface="Times New Roman"/>
+              </a:defRPr>
+            </a:pPr>
+            <a:r>
+              <a:rPr dirty="0"/>
+              <a:t>Doctor Dashboard</a:t>
+            </a:r>
+          </a:p>
+          <a:p>
+            <a:pPr>
+              <a:defRPr sz="1700">
+                <a:latin typeface="Times New Roman"/>
+                <a:ea typeface="Times New Roman"/>
+                <a:cs typeface="Times New Roman"/>
+                <a:sym typeface="Times New Roman"/>
+              </a:defRPr>
+            </a:pPr>
+            <a:endParaRPr dirty="0"/>
+          </a:p>
+          <a:p>
+            <a:pPr>
+              <a:defRPr sz="1700">
+                <a:latin typeface="Times New Roman"/>
+                <a:ea typeface="Times New Roman"/>
+                <a:cs typeface="Times New Roman"/>
+                <a:sym typeface="Times New Roman"/>
+              </a:defRPr>
+            </a:pPr>
+            <a:endParaRPr dirty="0"/>
+          </a:p>
+          <a:p>
+            <a:pPr>
+              <a:defRPr sz="1700">
+                <a:latin typeface="Times New Roman"/>
+                <a:ea typeface="Times New Roman"/>
+                <a:cs typeface="Times New Roman"/>
+                <a:sym typeface="Times New Roman"/>
+              </a:defRPr>
+            </a:pPr>
+            <a:endParaRPr dirty="0"/>
+          </a:p>
+          <a:p>
+            <a:pPr>
+              <a:defRPr sz="1700">
+                <a:latin typeface="Times New Roman"/>
+                <a:ea typeface="Times New Roman"/>
+                <a:cs typeface="Times New Roman"/>
+                <a:sym typeface="Times New Roman"/>
+              </a:defRPr>
+            </a:pPr>
+            <a:endParaRPr dirty="0"/>
+          </a:p>
+        </p:txBody>
+      </p:sp>
+      <p:sp useBgFill="1">
+        <p:nvSpPr>
+          <p:cNvPr id="10" name="Rectangle 9">
+            <a:extLst>
+              <a:ext uri="{FF2B5EF4-FFF2-40B4-BE49-F238E27FC236}">
+                <a16:creationId xmlns:a16="http://schemas.microsoft.com/office/drawing/2014/main" id="{D7DF2077-E620-4325-91F7-272A7B62056D}"/>
+              </a:ext>
+              <a:ext uri="{C183D7F6-B498-43B3-948B-1728B52AA6E4}">
+                <adec:decorative xmlns:adec="http://schemas.microsoft.com/office/drawing/2017/decorative" val="1"/>
+              </a:ext>
+            </a:extLst>
+          </p:cNvPr>
+          <p:cNvSpPr/>
+          <p:nvPr>
+            <p:extLst>
+              <p:ext uri="{386F3935-93C4-4BCD-93E2-E3B085C9AB24}">
+                <p16:designElem xmlns:p16="http://schemas.microsoft.com/office/powerpoint/2015/main" val="1"/>
+              </p:ext>
+            </p:extLst>
+          </p:nvPr>
+        </p:nvSpPr>
+        <p:spPr>
+          <a:xfrm>
+            <a:off x="897467" y="0"/>
+            <a:ext cx="10397067" cy="5848350"/>
+          </a:xfrm>
+          <a:prstGeom prst="rect">
+            <a:avLst/>
+          </a:prstGeom>
+          <a:ln w="12700" cap="flat" cmpd="sng" algn="ctr">
+            <a:noFill/>
+            <a:prstDash val="solid"/>
+            <a:miter lim="800000"/>
+          </a:ln>
+          <a:effectLst/>
+          <a:extLst>
+            <a:ext uri="{91240B29-F687-4F45-9708-019B960494DF}">
+              <a14:hiddenLine xmlns:a14="http://schemas.microsoft.com/office/drawing/2010/main" w="12700" cap="flat" cmpd="sng" algn="ctr">
+                <a:solidFill>
+                  <a:schemeClr val="accent1">
+                    <a:shade val="50000"/>
+                  </a:schemeClr>
+                </a:solidFill>
+                <a:prstDash val="solid"/>
+                <a:miter lim="800000"/>
+              </a14:hiddenLine>
+            </a:ext>
+          </a:extLst>
+        </p:spPr>
+        <p:style>
+          <a:lnRef idx="2">
+            <a:schemeClr val="accent1">
+              <a:shade val="50000"/>
+            </a:schemeClr>
+          </a:lnRef>
+          <a:fillRef idx="1">
+            <a:schemeClr val="accent1"/>
+          </a:fillRef>
+          <a:effectRef idx="0">
+            <a:schemeClr val="accent1"/>
+          </a:effectRef>
+          <a:fontRef idx="minor">
+            <a:schemeClr val="lt1"/>
+          </a:fontRef>
+        </p:style>
+        <p:txBody>
+          <a:bodyPr rtlCol="0" anchor="ctr"/>
+          <a:lstStyle/>
+          <a:p>
+            <a:pPr algn="ctr"/>
+            <a:endParaRPr lang="en-US" sz="1535"/>
+          </a:p>
+        </p:txBody>
+      </p:sp>
+      <p:sp>
+        <p:nvSpPr>
+          <p:cNvPr id="11" name="Rectangle 10">
+            <a:extLst>
+              <a:ext uri="{FF2B5EF4-FFF2-40B4-BE49-F238E27FC236}">
+                <a16:creationId xmlns:a16="http://schemas.microsoft.com/office/drawing/2014/main" id="{8EB4F043-0518-438C-AF1E-0632EE48BB56}"/>
+              </a:ext>
+              <a:ext uri="{C183D7F6-B498-43B3-948B-1728B52AA6E4}">
+                <adec:decorative xmlns:adec="http://schemas.microsoft.com/office/drawing/2017/decorative" val="1"/>
+              </a:ext>
+            </a:extLst>
+          </p:cNvPr>
+          <p:cNvSpPr/>
+          <p:nvPr>
+            <p:extLst>
+              <p:ext uri="{386F3935-93C4-4BCD-93E2-E3B085C9AB24}">
+                <p16:designElem xmlns:p16="http://schemas.microsoft.com/office/powerpoint/2015/main" val="1"/>
+              </p:ext>
+            </p:extLst>
+          </p:nvPr>
+        </p:nvSpPr>
+        <p:spPr>
+          <a:xfrm flipH="1">
+            <a:off x="897467" y="-1"/>
+            <a:ext cx="10397065" cy="1356550"/>
+          </a:xfrm>
+          <a:prstGeom prst="rect">
+            <a:avLst/>
+          </a:prstGeom>
+          <a:gradFill>
+            <a:gsLst>
+              <a:gs pos="0">
+                <a:srgbClr val="000000"/>
+              </a:gs>
+              <a:gs pos="100000">
+                <a:schemeClr val="accent1">
+                  <a:lumMod val="75000"/>
+                </a:schemeClr>
+              </a:gs>
+            </a:gsLst>
+            <a:lin ang="8400000" scaled="0"/>
+          </a:gradFill>
+          <a:ln>
+            <a:noFill/>
+          </a:ln>
+        </p:spPr>
+        <p:style>
+          <a:lnRef idx="2">
+            <a:schemeClr val="accent1">
+              <a:shade val="50000"/>
+            </a:schemeClr>
+          </a:lnRef>
+          <a:fillRef idx="1">
+            <a:schemeClr val="accent1"/>
+          </a:fillRef>
+          <a:effectRef idx="0">
+            <a:schemeClr val="accent1"/>
+          </a:effectRef>
+          <a:fontRef idx="minor">
+            <a:schemeClr val="lt1"/>
+          </a:fontRef>
+        </p:style>
+        <p:txBody>
+          <a:bodyPr rtlCol="0" anchor="ctr"/>
+          <a:lstStyle/>
+          <a:p>
+            <a:pPr algn="ctr"/>
+            <a:endParaRPr lang="en-US" sz="1535"/>
+          </a:p>
+        </p:txBody>
+      </p:sp>
+      <p:sp>
+        <p:nvSpPr>
+          <p:cNvPr id="12" name="Rectangle 11">
+            <a:extLst>
+              <a:ext uri="{FF2B5EF4-FFF2-40B4-BE49-F238E27FC236}">
+                <a16:creationId xmlns:a16="http://schemas.microsoft.com/office/drawing/2014/main" id="{BCC3BC1A-E456-4717-A553-333A68398855}"/>
+              </a:ext>
+              <a:ext uri="{C183D7F6-B498-43B3-948B-1728B52AA6E4}">
+                <adec:decorative xmlns:adec="http://schemas.microsoft.com/office/drawing/2017/decorative" val="1"/>
+              </a:ext>
+            </a:extLst>
+          </p:cNvPr>
+          <p:cNvSpPr/>
+          <p:nvPr>
+            <p:extLst>
+              <p:ext uri="{386F3935-93C4-4BCD-93E2-E3B085C9AB24}">
+                <p16:designElem xmlns:p16="http://schemas.microsoft.com/office/powerpoint/2015/main" val="1"/>
+              </p:ext>
+            </p:extLst>
+          </p:nvPr>
+        </p:nvSpPr>
+        <p:spPr>
+          <a:xfrm rot="10800000" flipH="1">
+            <a:off x="897464" y="0"/>
+            <a:ext cx="6920553" cy="1356550"/>
+          </a:xfrm>
+          <a:prstGeom prst="rect">
+            <a:avLst/>
+          </a:prstGeom>
+          <a:gradFill>
+            <a:gsLst>
+              <a:gs pos="20000">
+                <a:schemeClr val="accent1">
+                  <a:alpha val="0"/>
+                </a:schemeClr>
+              </a:gs>
+              <a:gs pos="100000">
+                <a:schemeClr val="accent1">
+                  <a:lumMod val="50000"/>
+                  <a:alpha val="55000"/>
+                </a:schemeClr>
+              </a:gs>
+            </a:gsLst>
+            <a:lin ang="13800000" scaled="0"/>
+          </a:gradFill>
+          <a:ln>
+            <a:noFill/>
+          </a:ln>
+        </p:spPr>
+        <p:style>
+          <a:lnRef idx="2">
+            <a:schemeClr val="accent1">
+              <a:shade val="50000"/>
+            </a:schemeClr>
+          </a:lnRef>
+          <a:fillRef idx="1">
+            <a:schemeClr val="accent1"/>
+          </a:fillRef>
+          <a:effectRef idx="0">
+            <a:schemeClr val="accent1"/>
+          </a:effectRef>
+          <a:fontRef idx="minor">
+            <a:schemeClr val="lt1"/>
+          </a:fontRef>
+        </p:style>
+        <p:txBody>
+          <a:bodyPr rtlCol="0" anchor="ctr"/>
+          <a:lstStyle/>
+          <a:p>
+            <a:pPr algn="ctr"/>
+            <a:endParaRPr lang="en-US" sz="1535"/>
+          </a:p>
+        </p:txBody>
+      </p:sp>
+      <p:sp>
+        <p:nvSpPr>
+          <p:cNvPr id="13" name="Rectangle 12">
+            <a:extLst>
+              <a:ext uri="{FF2B5EF4-FFF2-40B4-BE49-F238E27FC236}">
+                <a16:creationId xmlns:a16="http://schemas.microsoft.com/office/drawing/2014/main" id="{8A443022-5949-4BDF-B584-9E48D6D59E4E}"/>
+              </a:ext>
+              <a:ext uri="{C183D7F6-B498-43B3-948B-1728B52AA6E4}">
+                <adec:decorative xmlns:adec="http://schemas.microsoft.com/office/drawing/2017/decorative" val="1"/>
+              </a:ext>
+            </a:extLst>
+          </p:cNvPr>
+          <p:cNvSpPr/>
+          <p:nvPr>
+            <p:extLst>
+              <p:ext uri="{386F3935-93C4-4BCD-93E2-E3B085C9AB24}">
+                <p16:designElem xmlns:p16="http://schemas.microsoft.com/office/powerpoint/2015/main" val="1"/>
+              </p:ext>
+            </p:extLst>
+          </p:nvPr>
+        </p:nvSpPr>
+        <p:spPr>
+          <a:xfrm flipH="1">
+            <a:off x="7818014" y="-1"/>
+            <a:ext cx="3476517" cy="1356550"/>
+          </a:xfrm>
+          <a:prstGeom prst="rect">
+            <a:avLst/>
+          </a:prstGeom>
+          <a:gradFill>
+            <a:gsLst>
+              <a:gs pos="0">
+                <a:schemeClr val="accent1">
+                  <a:alpha val="66000"/>
+                </a:schemeClr>
+              </a:gs>
+              <a:gs pos="100000">
+                <a:srgbClr val="000000">
+                  <a:alpha val="30000"/>
+                </a:srgbClr>
+              </a:gs>
+            </a:gsLst>
+            <a:lin ang="13200000" scaled="0"/>
+          </a:gradFill>
+          <a:ln>
+            <a:noFill/>
+          </a:ln>
+        </p:spPr>
+        <p:style>
+          <a:lnRef idx="2">
+            <a:schemeClr val="accent1">
+              <a:shade val="50000"/>
+            </a:schemeClr>
+          </a:lnRef>
+          <a:fillRef idx="1">
+            <a:schemeClr val="accent1"/>
+          </a:fillRef>
+          <a:effectRef idx="0">
+            <a:schemeClr val="accent1"/>
+          </a:effectRef>
+          <a:fontRef idx="minor">
+            <a:schemeClr val="lt1"/>
+          </a:fontRef>
+        </p:style>
+        <p:txBody>
+          <a:bodyPr rtlCol="0" anchor="ctr"/>
+          <a:lstStyle/>
+          <a:p>
+            <a:pPr algn="ctr"/>
+            <a:endParaRPr lang="en-US" sz="1535"/>
+          </a:p>
+        </p:txBody>
+      </p:sp>
+      <p:sp>
+        <p:nvSpPr>
+          <p:cNvPr id="14" name="Rectangle 13">
+            <a:extLst>
+              <a:ext uri="{FF2B5EF4-FFF2-40B4-BE49-F238E27FC236}">
+                <a16:creationId xmlns:a16="http://schemas.microsoft.com/office/drawing/2014/main" id="{4076CF06-167D-4123-A796-2B07355DE831}"/>
+              </a:ext>
+              <a:ext uri="{C183D7F6-B498-43B3-948B-1728B52AA6E4}">
+                <adec:decorative xmlns:adec="http://schemas.microsoft.com/office/drawing/2017/decorative" val="1"/>
+              </a:ext>
+            </a:extLst>
+          </p:cNvPr>
+          <p:cNvSpPr/>
+          <p:nvPr>
+            <p:extLst>
+              <p:ext uri="{386F3935-93C4-4BCD-93E2-E3B085C9AB24}">
+                <p16:designElem xmlns:p16="http://schemas.microsoft.com/office/powerpoint/2015/main" val="1"/>
+              </p:ext>
+            </p:extLst>
+          </p:nvPr>
+        </p:nvSpPr>
+        <p:spPr>
+          <a:xfrm>
+            <a:off x="1289190" y="0"/>
+            <a:ext cx="10005340" cy="1362255"/>
+          </a:xfrm>
+          <a:prstGeom prst="rect">
+            <a:avLst/>
+          </a:prstGeom>
+          <a:gradFill>
+            <a:gsLst>
+              <a:gs pos="50000">
+                <a:srgbClr val="000000">
+                  <a:alpha val="0"/>
+                </a:srgbClr>
+              </a:gs>
+              <a:gs pos="99000">
+                <a:schemeClr val="accent1">
+                  <a:lumMod val="50000"/>
+                  <a:alpha val="52000"/>
+                </a:schemeClr>
+              </a:gs>
+            </a:gsLst>
+            <a:lin ang="16800000" scaled="0"/>
+          </a:gradFill>
+          <a:ln>
+            <a:noFill/>
+          </a:ln>
+        </p:spPr>
+        <p:style>
+          <a:lnRef idx="2">
+            <a:schemeClr val="accent1">
+              <a:shade val="50000"/>
+            </a:schemeClr>
+          </a:lnRef>
+          <a:fillRef idx="1">
+            <a:schemeClr val="accent1"/>
+          </a:fillRef>
+          <a:effectRef idx="0">
+            <a:schemeClr val="accent1"/>
+          </a:effectRef>
+          <a:fontRef idx="minor">
+            <a:schemeClr val="lt1"/>
+          </a:fontRef>
+        </p:style>
+        <p:txBody>
+          <a:bodyPr rtlCol="0" anchor="ctr"/>
+          <a:lstStyle/>
+          <a:p>
+            <a:pPr algn="ctr"/>
+            <a:endParaRPr lang="en-US" sz="1535"/>
+          </a:p>
+        </p:txBody>
+      </p:sp>
+      <p:sp>
+        <p:nvSpPr>
+          <p:cNvPr id="15" name="Title 1">
+            <a:extLst>
+              <a:ext uri="{FF2B5EF4-FFF2-40B4-BE49-F238E27FC236}">
+                <a16:creationId xmlns:a16="http://schemas.microsoft.com/office/drawing/2014/main" id="{DFFF775D-32F8-45CC-A5E6-2425CCD10356}"/>
+              </a:ext>
+            </a:extLst>
+          </p:cNvPr>
+          <p:cNvSpPr txBox="1">
+            <a:spLocks/>
+          </p:cNvSpPr>
+          <p:nvPr/>
+        </p:nvSpPr>
+        <p:spPr>
+          <a:xfrm>
+            <a:off x="2067136" y="251176"/>
+            <a:ext cx="8439047" cy="881490"/>
+          </a:xfrm>
+          <a:prstGeom prst="rect">
+            <a:avLst/>
+          </a:prstGeom>
+          <a:ln w="12700">
+            <a:miter lim="400000"/>
+          </a:ln>
+          <a:extLst>
+            <a:ext uri="{C572A759-6A51-4108-AA02-DFA0A04FC94B}">
+              <ma14:wrappingTextBoxFlag xmlns:ma14="http://schemas.microsoft.com/office/mac/drawingml/2011/main" xmlns:a14="http://schemas.microsoft.com/office/drawing/2010/main" xmlns:m="http://schemas.openxmlformats.org/officeDocument/2006/math" xmlns="" val="1"/>
+            </a:ext>
+          </a:extLst>
+        </p:spPr>
+        <p:txBody>
+          <a:bodyPr lIns="45719" rIns="45719" anchor="ctr">
+            <a:normAutofit/>
+          </a:bodyPr>
+          <a:lstStyle>
+            <a:lvl1pPr marL="0" marR="0" indent="0" algn="l" defTabSz="914400" rtl="0" latinLnBrk="0">
+              <a:lnSpc>
+                <a:spcPct val="90000"/>
+              </a:lnSpc>
+              <a:spcBef>
+                <a:spcPts val="0"/>
+              </a:spcBef>
+              <a:spcAft>
+                <a:spcPts val="0"/>
+              </a:spcAft>
+              <a:buClrTx/>
+              <a:buSzTx/>
+              <a:buFontTx/>
+              <a:buNone/>
+              <a:tabLst/>
+              <a:defRPr sz="4400" b="0" i="0" u="none" strike="noStrike" cap="none" spc="0" baseline="0">
+                <a:solidFill>
+                  <a:srgbClr val="000000"/>
+                </a:solidFill>
+                <a:uFillTx/>
+                <a:latin typeface="Calibri Light"/>
+                <a:ea typeface="Calibri Light"/>
+                <a:cs typeface="Calibri Light"/>
+                <a:sym typeface="Calibri Light"/>
+              </a:defRPr>
+            </a:lvl1pPr>
+            <a:lvl2pPr marL="0" marR="0" indent="0" algn="l" defTabSz="914400" rtl="0" latinLnBrk="0">
+              <a:lnSpc>
+                <a:spcPct val="90000"/>
+              </a:lnSpc>
+              <a:spcBef>
+                <a:spcPts val="0"/>
+              </a:spcBef>
+              <a:spcAft>
+                <a:spcPts val="0"/>
+              </a:spcAft>
+              <a:buClrTx/>
+              <a:buSzTx/>
+              <a:buFontTx/>
+              <a:buNone/>
+              <a:tabLst/>
+              <a:defRPr sz="4400" b="0" i="0" u="none" strike="noStrike" cap="none" spc="0" baseline="0">
+                <a:solidFill>
+                  <a:srgbClr val="000000"/>
+                </a:solidFill>
+                <a:uFillTx/>
+                <a:latin typeface="Calibri Light"/>
+                <a:ea typeface="Calibri Light"/>
+                <a:cs typeface="Calibri Light"/>
+                <a:sym typeface="Calibri Light"/>
+              </a:defRPr>
+            </a:lvl2pPr>
+            <a:lvl3pPr marL="0" marR="0" indent="0" algn="l" defTabSz="914400" rtl="0" latinLnBrk="0">
+              <a:lnSpc>
+                <a:spcPct val="90000"/>
+              </a:lnSpc>
+              <a:spcBef>
+                <a:spcPts val="0"/>
+              </a:spcBef>
+              <a:spcAft>
+                <a:spcPts val="0"/>
+              </a:spcAft>
+              <a:buClrTx/>
+              <a:buSzTx/>
+              <a:buFontTx/>
+              <a:buNone/>
+              <a:tabLst/>
+              <a:defRPr sz="4400" b="0" i="0" u="none" strike="noStrike" cap="none" spc="0" baseline="0">
+                <a:solidFill>
+                  <a:srgbClr val="000000"/>
+                </a:solidFill>
+                <a:uFillTx/>
+                <a:latin typeface="Calibri Light"/>
+                <a:ea typeface="Calibri Light"/>
+                <a:cs typeface="Calibri Light"/>
+                <a:sym typeface="Calibri Light"/>
+              </a:defRPr>
+            </a:lvl3pPr>
+            <a:lvl4pPr marL="0" marR="0" indent="0" algn="l" defTabSz="914400" rtl="0" latinLnBrk="0">
+              <a:lnSpc>
+                <a:spcPct val="90000"/>
+              </a:lnSpc>
+              <a:spcBef>
+                <a:spcPts val="0"/>
+              </a:spcBef>
+              <a:spcAft>
+                <a:spcPts val="0"/>
+              </a:spcAft>
+              <a:buClrTx/>
+              <a:buSzTx/>
+              <a:buFontTx/>
+              <a:buNone/>
+              <a:tabLst/>
+              <a:defRPr sz="4400" b="0" i="0" u="none" strike="noStrike" cap="none" spc="0" baseline="0">
+                <a:solidFill>
+                  <a:srgbClr val="000000"/>
+                </a:solidFill>
+                <a:uFillTx/>
+                <a:latin typeface="Calibri Light"/>
+                <a:ea typeface="Calibri Light"/>
+                <a:cs typeface="Calibri Light"/>
+                <a:sym typeface="Calibri Light"/>
+              </a:defRPr>
+            </a:lvl4pPr>
+            <a:lvl5pPr marL="0" marR="0" indent="0" algn="l" defTabSz="914400" rtl="0" latinLnBrk="0">
+              <a:lnSpc>
+                <a:spcPct val="90000"/>
+              </a:lnSpc>
+              <a:spcBef>
+                <a:spcPts val="0"/>
+              </a:spcBef>
+              <a:spcAft>
+                <a:spcPts val="0"/>
+              </a:spcAft>
+              <a:buClrTx/>
+              <a:buSzTx/>
+              <a:buFontTx/>
+              <a:buNone/>
+              <a:tabLst/>
+              <a:defRPr sz="4400" b="0" i="0" u="none" strike="noStrike" cap="none" spc="0" baseline="0">
+                <a:solidFill>
+                  <a:srgbClr val="000000"/>
+                </a:solidFill>
+                <a:uFillTx/>
+                <a:latin typeface="Calibri Light"/>
+                <a:ea typeface="Calibri Light"/>
+                <a:cs typeface="Calibri Light"/>
+                <a:sym typeface="Calibri Light"/>
+              </a:defRPr>
+            </a:lvl5pPr>
+            <a:lvl6pPr marL="0" marR="0" indent="0" algn="l" defTabSz="914400" rtl="0" latinLnBrk="0">
+              <a:lnSpc>
+                <a:spcPct val="90000"/>
+              </a:lnSpc>
+              <a:spcBef>
+                <a:spcPts val="0"/>
+              </a:spcBef>
+              <a:spcAft>
+                <a:spcPts val="0"/>
+              </a:spcAft>
+              <a:buClrTx/>
+              <a:buSzTx/>
+              <a:buFontTx/>
+              <a:buNone/>
+              <a:tabLst/>
+              <a:defRPr sz="4400" b="0" i="0" u="none" strike="noStrike" cap="none" spc="0" baseline="0">
+                <a:solidFill>
+                  <a:srgbClr val="000000"/>
+                </a:solidFill>
+                <a:uFillTx/>
+                <a:latin typeface="Calibri Light"/>
+                <a:ea typeface="Calibri Light"/>
+                <a:cs typeface="Calibri Light"/>
+                <a:sym typeface="Calibri Light"/>
+              </a:defRPr>
+            </a:lvl6pPr>
+            <a:lvl7pPr marL="0" marR="0" indent="0" algn="l" defTabSz="914400" rtl="0" latinLnBrk="0">
+              <a:lnSpc>
+                <a:spcPct val="90000"/>
+              </a:lnSpc>
+              <a:spcBef>
+                <a:spcPts val="0"/>
+              </a:spcBef>
+              <a:spcAft>
+                <a:spcPts val="0"/>
+              </a:spcAft>
+              <a:buClrTx/>
+              <a:buSzTx/>
+              <a:buFontTx/>
+              <a:buNone/>
+              <a:tabLst/>
+              <a:defRPr sz="4400" b="0" i="0" u="none" strike="noStrike" cap="none" spc="0" baseline="0">
+                <a:solidFill>
+                  <a:srgbClr val="000000"/>
+                </a:solidFill>
+                <a:uFillTx/>
+                <a:latin typeface="Calibri Light"/>
+                <a:ea typeface="Calibri Light"/>
+                <a:cs typeface="Calibri Light"/>
+                <a:sym typeface="Calibri Light"/>
+              </a:defRPr>
+            </a:lvl7pPr>
+            <a:lvl8pPr marL="0" marR="0" indent="0" algn="l" defTabSz="914400" rtl="0" latinLnBrk="0">
+              <a:lnSpc>
+                <a:spcPct val="90000"/>
+              </a:lnSpc>
+              <a:spcBef>
+                <a:spcPts val="0"/>
+              </a:spcBef>
+              <a:spcAft>
+                <a:spcPts val="0"/>
+              </a:spcAft>
+              <a:buClrTx/>
+              <a:buSzTx/>
+              <a:buFontTx/>
+              <a:buNone/>
+              <a:tabLst/>
+              <a:defRPr sz="4400" b="0" i="0" u="none" strike="noStrike" cap="none" spc="0" baseline="0">
+                <a:solidFill>
+                  <a:srgbClr val="000000"/>
+                </a:solidFill>
+                <a:uFillTx/>
+                <a:latin typeface="Calibri Light"/>
+                <a:ea typeface="Calibri Light"/>
+                <a:cs typeface="Calibri Light"/>
+                <a:sym typeface="Calibri Light"/>
+              </a:defRPr>
+            </a:lvl8pPr>
+            <a:lvl9pPr marL="0" marR="0" indent="0" algn="l" defTabSz="914400" rtl="0" latinLnBrk="0">
+              <a:lnSpc>
+                <a:spcPct val="90000"/>
+              </a:lnSpc>
+              <a:spcBef>
+                <a:spcPts val="0"/>
+              </a:spcBef>
+              <a:spcAft>
+                <a:spcPts val="0"/>
+              </a:spcAft>
+              <a:buClrTx/>
+              <a:buSzTx/>
+              <a:buFontTx/>
+              <a:buNone/>
+              <a:tabLst/>
+              <a:defRPr sz="4400" b="0" i="0" u="none" strike="noStrike" cap="none" spc="0" baseline="0">
+                <a:solidFill>
+                  <a:srgbClr val="000000"/>
+                </a:solidFill>
+                <a:uFillTx/>
+                <a:latin typeface="Calibri Light"/>
+                <a:ea typeface="Calibri Light"/>
+                <a:cs typeface="Calibri Light"/>
+                <a:sym typeface="Calibri Light"/>
+              </a:defRPr>
+            </a:lvl9pPr>
+          </a:lstStyle>
+          <a:p>
+            <a:pPr hangingPunct="1"/>
+            <a:r>
+              <a:rPr lang="en-US" sz="3411" dirty="0">
+                <a:solidFill>
+                  <a:srgbClr val="FFFFFF"/>
+                </a:solidFill>
+              </a:rPr>
+              <a:t>        Members  Contribution</a:t>
+            </a:r>
+          </a:p>
+        </p:txBody>
+      </p:sp>
+      <p:graphicFrame>
+        <p:nvGraphicFramePr>
+          <p:cNvPr id="18" name="Table 4">
+            <a:extLst>
+              <a:ext uri="{FF2B5EF4-FFF2-40B4-BE49-F238E27FC236}">
+                <a16:creationId xmlns:a16="http://schemas.microsoft.com/office/drawing/2014/main" id="{C1889839-F8DD-4E6C-9255-FA2D9AEE044A}"/>
+              </a:ext>
+            </a:extLst>
+          </p:cNvPr>
+          <p:cNvGraphicFramePr>
+            <a:graphicFrameLocks/>
+          </p:cNvGraphicFramePr>
+          <p:nvPr>
+            <p:extLst>
+              <p:ext uri="{D42A27DB-BD31-4B8C-83A1-F6EECF244321}">
+                <p14:modId xmlns:p14="http://schemas.microsoft.com/office/powerpoint/2010/main" val="1839863857"/>
+              </p:ext>
+            </p:extLst>
+          </p:nvPr>
+        </p:nvGraphicFramePr>
+        <p:xfrm>
+          <a:off x="1828799" y="1556853"/>
+          <a:ext cx="8750936" cy="4156533"/>
+        </p:xfrm>
+        <a:graphic>
+          <a:graphicData uri="http://schemas.openxmlformats.org/drawingml/2006/table">
+            <a:tbl>
+              <a:tblPr firstRow="1" bandRow="1">
+                <a:tableStyleId>{5C22544A-7EE6-4342-B048-85BDC9FD1C3A}</a:tableStyleId>
+              </a:tblPr>
+              <a:tblGrid>
+                <a:gridCol w="4375468">
+                  <a:extLst>
+                    <a:ext uri="{9D8B030D-6E8A-4147-A177-3AD203B41FA5}">
+                      <a16:colId xmlns:a16="http://schemas.microsoft.com/office/drawing/2014/main" val="3450148270"/>
+                    </a:ext>
+                  </a:extLst>
+                </a:gridCol>
+                <a:gridCol w="4375468">
+                  <a:extLst>
+                    <a:ext uri="{9D8B030D-6E8A-4147-A177-3AD203B41FA5}">
+                      <a16:colId xmlns:a16="http://schemas.microsoft.com/office/drawing/2014/main" val="1941138010"/>
+                    </a:ext>
+                  </a:extLst>
+                </a:gridCol>
+              </a:tblGrid>
+              <a:tr h="310908">
+                <a:tc>
+                  <a:txBody>
+                    <a:bodyPr/>
+                    <a:lstStyle/>
+                    <a:p>
+                      <a:pPr algn="ctr"/>
+                      <a:r>
+                        <a:rPr lang="en-US" sz="1600" dirty="0"/>
+                        <a:t>Members</a:t>
+                      </a:r>
+                    </a:p>
+                  </a:txBody>
+                  <a:tcPr marL="77978" marR="77978" marT="38989" marB="38989"/>
+                </a:tc>
+                <a:tc>
+                  <a:txBody>
+                    <a:bodyPr/>
+                    <a:lstStyle/>
+                    <a:p>
+                      <a:pPr algn="ctr"/>
+                      <a:r>
+                        <a:rPr lang="en-US" sz="1600" dirty="0"/>
+                        <a:t>Contribution</a:t>
+                      </a:r>
+                    </a:p>
+                  </a:txBody>
+                  <a:tcPr marL="77978" marR="77978" marT="38989" marB="38989"/>
+                </a:tc>
+                <a:extLst>
+                  <a:ext uri="{0D108BD9-81ED-4DB2-BD59-A6C34878D82A}">
+                    <a16:rowId xmlns:a16="http://schemas.microsoft.com/office/drawing/2014/main" val="3015779397"/>
+                  </a:ext>
+                </a:extLst>
+              </a:tr>
+              <a:tr h="487588">
+                <a:tc>
+                  <a:txBody>
+                    <a:bodyPr/>
+                    <a:lstStyle/>
+                    <a:p>
+                      <a:pPr algn="ctr"/>
+                      <a:r>
+                        <a:rPr lang="en-US" sz="1400" dirty="0"/>
+                        <a:t>DHEERAJ REDDY AGUTHU</a:t>
+                      </a:r>
+                    </a:p>
+                  </a:txBody>
+                  <a:tcPr marL="77978" marR="77978" marT="38989" marB="38989"/>
+                </a:tc>
+                <a:tc>
+                  <a:txBody>
+                    <a:bodyPr/>
+                    <a:lstStyle/>
+                    <a:p>
+                      <a:pPr algn="l"/>
+                      <a:r>
+                        <a:rPr lang="en-US" sz="1400" dirty="0"/>
+                        <a:t>Database Creation  , Front End Development of Staff Module, Testing , Documentation</a:t>
+                      </a:r>
+                    </a:p>
+                  </a:txBody>
+                  <a:tcPr marL="77978" marR="77978" marT="38989" marB="38989"/>
+                </a:tc>
+                <a:extLst>
+                  <a:ext uri="{0D108BD9-81ED-4DB2-BD59-A6C34878D82A}">
+                    <a16:rowId xmlns:a16="http://schemas.microsoft.com/office/drawing/2014/main" val="4066894850"/>
+                  </a:ext>
+                </a:extLst>
+              </a:tr>
+              <a:tr h="728549">
+                <a:tc>
+                  <a:txBody>
+                    <a:bodyPr/>
+                    <a:lstStyle/>
+                    <a:p>
+                      <a:pPr algn="ctr"/>
+                      <a:r>
+                        <a:rPr lang="en-US" sz="1400" dirty="0"/>
+                        <a:t>ABHAY ARORA</a:t>
+                      </a:r>
+                    </a:p>
+                  </a:txBody>
+                  <a:tcPr marL="77978" marR="77978" marT="38989" marB="38989"/>
+                </a:tc>
+                <a:tc>
+                  <a:txBody>
+                    <a:bodyPr/>
+                    <a:lstStyle/>
+                    <a:p>
+                      <a:pPr marL="0" lvl="0" indent="0" algn="l">
+                        <a:buFont typeface="Arial" panose="020B0604020202020204" pitchFamily="34" charset="0"/>
+                        <a:buNone/>
+                      </a:pPr>
+                      <a:r>
+                        <a:rPr lang="en-US" sz="1400" dirty="0"/>
+                        <a:t>Front End Development and API Implementation (Doctor Module, Patient Module) , Deployment, Testing , Documentation, DBA</a:t>
+                      </a:r>
+                    </a:p>
+                  </a:txBody>
+                  <a:tcPr marL="77978" marR="77978" marT="38989" marB="38989"/>
+                </a:tc>
+                <a:extLst>
+                  <a:ext uri="{0D108BD9-81ED-4DB2-BD59-A6C34878D82A}">
+                    <a16:rowId xmlns:a16="http://schemas.microsoft.com/office/drawing/2014/main" val="3914994617"/>
+                  </a:ext>
+                </a:extLst>
+              </a:tr>
+              <a:tr h="487588">
+                <a:tc>
+                  <a:txBody>
+                    <a:bodyPr/>
+                    <a:lstStyle/>
+                    <a:p>
+                      <a:pPr algn="ctr"/>
+                      <a:r>
+                        <a:rPr lang="en-US" sz="1400" dirty="0"/>
+                        <a:t>RAVI TEJA BALAJI</a:t>
+                      </a:r>
+                    </a:p>
+                  </a:txBody>
+                  <a:tcPr marL="77978" marR="77978" marT="38989" marB="38989"/>
+                </a:tc>
+                <a:tc>
+                  <a:txBody>
+                    <a:bodyPr/>
+                    <a:lstStyle/>
+                    <a:p>
+                      <a:pPr algn="l"/>
+                      <a:r>
+                        <a:rPr lang="en-US" sz="1400" dirty="0"/>
+                        <a:t>Database Creation  , Front End Development of Staff Module, Testing, Documentation</a:t>
+                      </a:r>
+                    </a:p>
+                  </a:txBody>
+                  <a:tcPr marL="77978" marR="77978" marT="38989" marB="38989"/>
+                </a:tc>
+                <a:extLst>
+                  <a:ext uri="{0D108BD9-81ED-4DB2-BD59-A6C34878D82A}">
+                    <a16:rowId xmlns:a16="http://schemas.microsoft.com/office/drawing/2014/main" val="78772268"/>
+                  </a:ext>
+                </a:extLst>
+              </a:tr>
+              <a:tr h="281461">
+                <a:tc>
+                  <a:txBody>
+                    <a:bodyPr/>
+                    <a:lstStyle/>
+                    <a:p>
+                      <a:pPr algn="ctr"/>
+                      <a:r>
+                        <a:rPr lang="en-US" sz="1400" dirty="0"/>
+                        <a:t>PRAVEEN NAKKA</a:t>
+                      </a:r>
+                    </a:p>
+                  </a:txBody>
+                  <a:tcPr marL="77978" marR="77978" marT="38989" marB="38989"/>
+                </a:tc>
+                <a:tc>
+                  <a:txBody>
+                    <a:bodyPr/>
+                    <a:lstStyle/>
+                    <a:p>
+                      <a:pPr algn="l"/>
+                      <a:r>
+                        <a:rPr lang="en-US" sz="1400" dirty="0"/>
+                        <a:t>FE Developer (Admin and Patient Module), Testing</a:t>
+                      </a:r>
+                    </a:p>
+                  </a:txBody>
+                  <a:tcPr marL="77978" marR="77978" marT="38989" marB="38989"/>
+                </a:tc>
+                <a:extLst>
+                  <a:ext uri="{0D108BD9-81ED-4DB2-BD59-A6C34878D82A}">
+                    <a16:rowId xmlns:a16="http://schemas.microsoft.com/office/drawing/2014/main" val="4256037619"/>
+                  </a:ext>
+                </a:extLst>
+              </a:tr>
+              <a:tr h="281461">
+                <a:tc>
+                  <a:txBody>
+                    <a:bodyPr/>
+                    <a:lstStyle/>
+                    <a:p>
+                      <a:pPr algn="ctr"/>
+                      <a:r>
+                        <a:rPr lang="en-US" sz="1400" dirty="0"/>
+                        <a:t>CHARISHMA NAGA SAI SARADA BALUSU</a:t>
+                      </a:r>
+                    </a:p>
+                  </a:txBody>
+                  <a:tcPr marL="77978" marR="77978" marT="38989" marB="38989"/>
+                </a:tc>
+                <a:tc>
+                  <a:txBody>
+                    <a:bodyPr/>
+                    <a:lstStyle/>
+                    <a:p>
+                      <a:pPr lvl="0" algn="l">
+                        <a:buNone/>
+                      </a:pPr>
+                      <a:r>
+                        <a:rPr lang="en-US" sz="1400" dirty="0"/>
+                        <a:t>Database , Documentation, Testing</a:t>
+                      </a:r>
+                    </a:p>
+                  </a:txBody>
+                  <a:tcPr marL="77978" marR="77978" marT="38989" marB="38989"/>
+                </a:tc>
+                <a:extLst>
+                  <a:ext uri="{0D108BD9-81ED-4DB2-BD59-A6C34878D82A}">
+                    <a16:rowId xmlns:a16="http://schemas.microsoft.com/office/drawing/2014/main" val="852211879"/>
+                  </a:ext>
+                </a:extLst>
+              </a:tr>
+              <a:tr h="281461">
+                <a:tc>
+                  <a:txBody>
+                    <a:bodyPr/>
+                    <a:lstStyle/>
+                    <a:p>
+                      <a:pPr algn="ctr"/>
+                      <a:r>
+                        <a:rPr lang="en-US" sz="1400" dirty="0"/>
+                        <a:t>GEETHA KRISHNA DODDA</a:t>
+                      </a:r>
+                    </a:p>
+                  </a:txBody>
+                  <a:tcPr marL="77978" marR="77978" marT="38989" marB="38989"/>
+                </a:tc>
+                <a:tc>
+                  <a:txBody>
+                    <a:bodyPr/>
+                    <a:lstStyle/>
+                    <a:p>
+                      <a:pPr lvl="0" algn="l">
+                        <a:buNone/>
+                      </a:pPr>
+                      <a:r>
+                        <a:rPr lang="en-US" sz="1400" b="0" i="0" u="none" strike="noStrike" noProof="0" dirty="0">
+                          <a:latin typeface="Calibri"/>
+                        </a:rPr>
+                        <a:t>Database, Testing , </a:t>
+                      </a:r>
+                      <a:r>
+                        <a:rPr lang="en-US" sz="1400" dirty="0"/>
+                        <a:t>Documentation</a:t>
+                      </a:r>
+                    </a:p>
+                  </a:txBody>
+                  <a:tcPr marL="77978" marR="77978" marT="38989" marB="38989"/>
+                </a:tc>
+                <a:extLst>
+                  <a:ext uri="{0D108BD9-81ED-4DB2-BD59-A6C34878D82A}">
+                    <a16:rowId xmlns:a16="http://schemas.microsoft.com/office/drawing/2014/main" val="2395889149"/>
+                  </a:ext>
+                </a:extLst>
+              </a:tr>
+              <a:tr h="487588">
+                <a:tc>
+                  <a:txBody>
+                    <a:bodyPr/>
+                    <a:lstStyle/>
+                    <a:p>
+                      <a:pPr algn="ctr"/>
+                      <a:r>
+                        <a:rPr lang="en-US" sz="1400" dirty="0"/>
+                        <a:t>SRIKANTH GOPI</a:t>
+                      </a:r>
+                    </a:p>
+                  </a:txBody>
+                  <a:tcPr marL="77978" marR="77978" marT="38989" marB="38989"/>
+                </a:tc>
+                <a:tc>
+                  <a:txBody>
+                    <a:bodyPr/>
+                    <a:lstStyle/>
+                    <a:p>
+                      <a:pPr algn="l"/>
+                      <a:r>
+                        <a:rPr lang="en-US" sz="1400" dirty="0"/>
+                        <a:t>Front End Development of Staff Module, Testing , Documentation</a:t>
+                      </a:r>
+                    </a:p>
+                  </a:txBody>
+                  <a:tcPr marL="77978" marR="77978" marT="38989" marB="38989"/>
+                </a:tc>
+                <a:extLst>
+                  <a:ext uri="{0D108BD9-81ED-4DB2-BD59-A6C34878D82A}">
+                    <a16:rowId xmlns:a16="http://schemas.microsoft.com/office/drawing/2014/main" val="2815881286"/>
+                  </a:ext>
+                </a:extLst>
+              </a:tr>
+              <a:tr h="693715">
+                <a:tc>
+                  <a:txBody>
+                    <a:bodyPr/>
+                    <a:lstStyle/>
+                    <a:p>
+                      <a:pPr algn="ctr"/>
+                      <a:r>
+                        <a:rPr lang="en-US" sz="1400" dirty="0"/>
+                        <a:t>MEGHANA JUNNUTULA</a:t>
+                      </a:r>
+                    </a:p>
+                  </a:txBody>
+                  <a:tcPr marL="77978" marR="77978" marT="38989" marB="38989"/>
+                </a:tc>
+                <a:tc>
+                  <a:txBody>
+                    <a:bodyPr/>
+                    <a:lstStyle/>
+                    <a:p>
+                      <a:pPr marL="0" marR="0" lvl="0" indent="0" algn="l" defTabSz="914400" rtl="0" eaLnBrk="1" fontAlgn="auto" latinLnBrk="0" hangingPunct="1">
+                        <a:lnSpc>
+                          <a:spcPct val="100000"/>
+                        </a:lnSpc>
+                        <a:spcBef>
+                          <a:spcPts val="0"/>
+                        </a:spcBef>
+                        <a:spcAft>
+                          <a:spcPts val="0"/>
+                        </a:spcAft>
+                        <a:buClrTx/>
+                        <a:buSzTx/>
+                        <a:buFontTx/>
+                        <a:buNone/>
+                        <a:tabLst/>
+                        <a:defRPr/>
+                      </a:pPr>
+                      <a:r>
+                        <a:rPr lang="en-US" sz="1400" dirty="0"/>
+                        <a:t>API Implementation (Admin Module, Staff and Doctor Module) , Testing , Documentation ,DBA</a:t>
+                      </a:r>
+                    </a:p>
+                    <a:p>
+                      <a:pPr algn="l"/>
+                      <a:endParaRPr lang="en-US" sz="1400" dirty="0"/>
+                    </a:p>
+                  </a:txBody>
+                  <a:tcPr marL="77978" marR="77978" marT="38989" marB="38989"/>
+                </a:tc>
+                <a:extLst>
+                  <a:ext uri="{0D108BD9-81ED-4DB2-BD59-A6C34878D82A}">
+                    <a16:rowId xmlns:a16="http://schemas.microsoft.com/office/drawing/2014/main" val="2841602440"/>
+                  </a:ext>
+                </a:extLst>
+              </a:tr>
+            </a:tbl>
+          </a:graphicData>
+        </a:graphic>
+      </p:graphicFrame>
     </p:spTree>
+    <p:extLst>
+      <p:ext uri="{BB962C8B-B14F-4D97-AF65-F5344CB8AC3E}">
+        <p14:creationId xmlns:p14="http://schemas.microsoft.com/office/powerpoint/2010/main" val="3244776343"/>
+      </p:ext>
+    </p:extLst>
   </p:cSld>
   <p:clrMapOvr>
     <a:masterClrMapping/>
@@ -14230,6 +16322,27 @@
               <a:buFont typeface="Wingdings" panose="05000000000000000000" pitchFamily="2" charset="2"/>
               <a:buChar char="Ø"/>
             </a:pPr>
+            <a:endParaRPr lang="en-US" sz="1800" b="1" dirty="0">
+              <a:effectLst/>
+              <a:latin typeface="Times New Roman" panose="02020603050405020304" pitchFamily="18" charset="0"/>
+              <a:ea typeface="Calibri" panose="020F0502020204030204" pitchFamily="34" charset="0"/>
+              <a:cs typeface="Times New Roman" panose="02020603050405020304" pitchFamily="18" charset="0"/>
+            </a:endParaRPr>
+          </a:p>
+          <a:p>
+            <a:pPr marR="0" lvl="0">
+              <a:lnSpc>
+                <a:spcPct val="107000"/>
+              </a:lnSpc>
+              <a:spcBef>
+                <a:spcPts val="0"/>
+              </a:spcBef>
+              <a:spcAft>
+                <a:spcPts val="0"/>
+              </a:spcAft>
+              <a:buFont typeface="Wingdings" panose="05000000000000000000" pitchFamily="2" charset="2"/>
+              <a:buChar char="Ø"/>
+            </a:pPr>
             <a:r>
               <a:rPr lang="en-US" sz="1800" b="1" dirty="0">
                 <a:effectLst/>
@@ -14237,7 +16350,7 @@
                 <a:ea typeface="Calibri" panose="020F0502020204030204" pitchFamily="34" charset="0"/>
                 <a:cs typeface="Times New Roman" panose="02020603050405020304" pitchFamily="18" charset="0"/>
               </a:rPr>
-              <a:t>Patient Module</a:t>
+              <a:t>Authentication and Authorization</a:t>
             </a:r>
             <a:endParaRPr lang="en-US" sz="1800" dirty="0">
               <a:effectLst/>
@@ -14261,17 +16374,47 @@
               <a:buChar char="Ø"/>
             </a:pPr>
             <a:r>
+              <a:rPr lang="en-US" sz="1800" b="1" dirty="0">
+                <a:effectLst/>
+                <a:latin typeface="Times New Roman" panose="02020603050405020304" pitchFamily="18" charset="0"/>
+                <a:ea typeface="Calibri" panose="020F0502020204030204" pitchFamily="34" charset="0"/>
+                <a:cs typeface="Times New Roman" panose="02020603050405020304" pitchFamily="18" charset="0"/>
+              </a:rPr>
+              <a:t>User Registration</a:t>
+            </a:r>
+            <a:endParaRPr lang="en-US" sz="1800" dirty="0">
+              <a:effectLst/>
+              <a:latin typeface="Times New Roman" panose="02020603050405020304" pitchFamily="18" charset="0"/>
+              <a:ea typeface="Calibri" panose="020F0502020204030204" pitchFamily="34" charset="0"/>
+              <a:cs typeface="Times New Roman" panose="02020603050405020304" pitchFamily="18" charset="0"/>
+            </a:endParaRPr>
+          </a:p>
+          <a:p>
+            <a:pPr marR="0" lvl="2">
+              <a:lnSpc>
+                <a:spcPct val="107000"/>
+              </a:lnSpc>
+              <a:spcBef>
+                <a:spcPts val="0"/>
+              </a:spcBef>
+              <a:spcAft>
+                <a:spcPts val="0"/>
+              </a:spcAft>
+              <a:buFont typeface="Wingdings" panose="05000000000000000000" pitchFamily="2" charset="2"/>
+              <a:buChar char="Ø"/>
+            </a:pPr>
+            <a:r>
               <a:rPr lang="en-US" sz="1800" dirty="0">
                 <a:effectLst/>
                 <a:latin typeface="Times New Roman" panose="02020603050405020304" pitchFamily="18" charset="0"/>
                 <a:ea typeface="Calibri" panose="020F0502020204030204" pitchFamily="34" charset="0"/>
                 <a:cs typeface="Times New Roman" panose="02020603050405020304" pitchFamily="18" charset="0"/>
               </a:rPr>
-              <a:t>Registered patients can schedule new appointments with a specific doctor on basis of the doctor’s availability.</a:t>
-            </a:r>
-          </a:p>
-          <a:p>
-            <a:pPr marL="457200" marR="0" lvl="1" indent="0">
+              <a:t>The user of type Doctor, Patient, Staff, and Admin can register to Hospital Management System.</a:t>
+            </a:r>
+          </a:p>
+          <a:p>
+            <a:pPr marL="914400" marR="0" lvl="2" indent="0">
               <a:lnSpc>
                 <a:spcPct val="107000"/>
               </a:lnSpc>
@@ -14291,7 +16434,7 @@
             </a:endParaRPr>
           </a:p>
           <a:p>
-            <a:pPr marR="0" lvl="0">
+            <a:pPr marR="0" lvl="1">
               <a:lnSpc>
                 <a:spcPct val="107000"/>
               </a:lnSpc>
@@ -14311,8 +16454,55 @@
                 <a:ea typeface="Calibri" panose="020F0502020204030204" pitchFamily="34" charset="0"/>
                 <a:cs typeface="Times New Roman" panose="02020603050405020304" pitchFamily="18" charset="0"/>
               </a:rPr>
-              <a:t>Staff Module</a:t>
-            </a:r>
+              <a:t>User Login</a:t>
+            </a:r>
+            <a:r>
+              <a:rPr lang="en-US" sz="1800" dirty="0">
+                <a:effectLst/>
+                <a:latin typeface="Times New Roman" panose="02020603050405020304" pitchFamily="18" charset="0"/>
+                <a:ea typeface="Calibri" panose="020F0502020204030204" pitchFamily="34" charset="0"/>
+                <a:cs typeface="Times New Roman" panose="02020603050405020304" pitchFamily="18" charset="0"/>
+              </a:rPr>
+              <a:t>: </a:t>
+            </a:r>
+          </a:p>
+          <a:p>
+            <a:pPr marR="0" lvl="2">
+              <a:lnSpc>
+                <a:spcPct val="107000"/>
+              </a:lnSpc>
+              <a:spcBef>
+                <a:spcPts val="0"/>
+              </a:spcBef>
+              <a:spcAft>
+                <a:spcPts val="0"/>
+              </a:spcAft>
+              <a:buFont typeface="Wingdings" panose="05000000000000000000" pitchFamily="2" charset="2"/>
+              <a:buChar char="Ø"/>
+            </a:pPr>
+            <a:r>
+              <a:rPr lang="en-US" sz="1800" dirty="0">
+                <a:effectLst/>
+                <a:latin typeface="Times New Roman" panose="02020603050405020304" pitchFamily="18" charset="0"/>
+                <a:ea typeface="Calibri" panose="020F0502020204030204" pitchFamily="34" charset="0"/>
+                <a:cs typeface="Times New Roman" panose="02020603050405020304" pitchFamily="18" charset="0"/>
+              </a:rPr>
+              <a:t>Only those users who are registered and active can log in to this system.</a:t>
+            </a:r>
+          </a:p>
+          <a:p>
+            <a:pPr marL="914400" marR="0" lvl="2" indent="0">
+              <a:lnSpc>
+                <a:spcPct val="107000"/>
+              </a:lnSpc>
+              <a:spcBef>
+                <a:spcPts val="0"/>
+              </a:spcBef>
+              <a:spcAft>
+                <a:spcPts val="0"/>
+              </a:spcAft>
+              <a:buNone/>
+            </a:pPr>
             <a:endParaRPr lang="en-US" sz="1800" dirty="0">
               <a:effectLst/>
               <a:latin typeface="Times New Roman" panose="02020603050405020304" pitchFamily="18" charset="0"/>
@@ -14335,67 +16525,26 @@
               <a:buChar char="Ø"/>
             </a:pPr>
             <a:r>
+              <a:rPr lang="en-US" sz="1800" b="1" dirty="0">
+                <a:effectLst/>
+                <a:latin typeface="Times New Roman" panose="02020603050405020304" pitchFamily="18" charset="0"/>
+                <a:ea typeface="Calibri" panose="020F0502020204030204" pitchFamily="34" charset="0"/>
+                <a:cs typeface="Times New Roman" panose="02020603050405020304" pitchFamily="18" charset="0"/>
+              </a:rPr>
+              <a:t>Role-Based Authorization</a:t>
+            </a:r>
+            <a:r>
               <a:rPr lang="en-US" sz="1800" dirty="0">
                 <a:effectLst/>
                 <a:latin typeface="Times New Roman" panose="02020603050405020304" pitchFamily="18" charset="0"/>
                 <a:ea typeface="Calibri" panose="020F0502020204030204" pitchFamily="34" charset="0"/>
                 <a:cs typeface="Times New Roman" panose="02020603050405020304" pitchFamily="18" charset="0"/>
               </a:rPr>
-              <a:t>Staff members of the hospital can modify the details of patients, who visited for consultation or treatment.</a:t>
-            </a:r>
-          </a:p>
-          <a:p>
-            <a:pPr marL="457200" marR="0" lvl="1" indent="0">
-              <a:lnSpc>
-                <a:spcPct val="107000"/>
-              </a:lnSpc>
-              <a:spcBef>
-                <a:spcPts val="0"/>
-              </a:spcBef>
-              <a:spcAft>
-                <a:spcPts val="0"/>
-              </a:spcAft>
-              <a:buNone/>
-            </a:pPr>
-            <a:endParaRPr lang="en-US" sz="1800" dirty="0">
-              <a:effectLst/>
-              <a:latin typeface="Times New Roman" panose="02020603050405020304" pitchFamily="18" charset="0"/>
-              <a:ea typeface="Calibri" panose="020F0502020204030204" pitchFamily="34" charset="0"/>
-              <a:cs typeface="Times New Roman" panose="02020603050405020304" pitchFamily="18" charset="0"/>
-            </a:endParaRPr>
-          </a:p>
-          <a:p>
-            <a:pPr marR="0" lvl="0">
-              <a:lnSpc>
-                <a:spcPct val="107000"/>
-              </a:lnSpc>
-              <a:spcBef>
-                <a:spcPts val="0"/>
-              </a:spcBef>
-              <a:spcAft>
-                <a:spcPts val="0"/>
-              </a:spcAft>
-              <a:buFont typeface="Wingdings" panose="05000000000000000000" pitchFamily="2" charset="2"/>
-              <a:buChar char="Ø"/>
-            </a:pPr>
-            <a:r>
-              <a:rPr lang="en-US" sz="1800" b="1" dirty="0">
-                <a:effectLst/>
-                <a:latin typeface="Times New Roman" panose="02020603050405020304" pitchFamily="18" charset="0"/>
-                <a:ea typeface="Calibri" panose="020F0502020204030204" pitchFamily="34" charset="0"/>
-                <a:cs typeface="Times New Roman" panose="02020603050405020304" pitchFamily="18" charset="0"/>
-              </a:rPr>
-              <a:t>Doctor Module</a:t>
-            </a:r>
-            <a:endParaRPr lang="en-US" sz="1800" dirty="0">
-              <a:effectLst/>
-              <a:latin typeface="Times New Roman" panose="02020603050405020304" pitchFamily="18" charset="0"/>
-              <a:ea typeface="Calibri" panose="020F0502020204030204" pitchFamily="34" charset="0"/>
-              <a:cs typeface="Times New Roman" panose="02020603050405020304" pitchFamily="18" charset="0"/>
-            </a:endParaRPr>
-          </a:p>
-          <a:p>
-            <a:pPr marR="0" lvl="1">
+              <a:t>: </a:t>
+            </a:r>
+          </a:p>
+          <a:p>
+            <a:pPr marR="0" lvl="2">
               <a:lnSpc>
                 <a:spcPct val="107000"/>
               </a:lnSpc>
@@ -14415,84 +16564,7 @@
                 <a:ea typeface="Calibri" panose="020F0502020204030204" pitchFamily="34" charset="0"/>
                 <a:cs typeface="Times New Roman" panose="02020603050405020304" pitchFamily="18" charset="0"/>
               </a:rPr>
-              <a:t>Registered doctors can add the details of prescribed medicines against specific patient appointments.</a:t>
-            </a:r>
-          </a:p>
-          <a:p>
-            <a:pPr marL="457200" marR="0" lvl="1" indent="0">
-              <a:lnSpc>
-                <a:spcPct val="107000"/>
-              </a:lnSpc>
-              <a:spcBef>
-                <a:spcPts val="0"/>
-              </a:spcBef>
-              <a:spcAft>
-                <a:spcPts val="0"/>
-              </a:spcAft>
-              <a:buNone/>
-            </a:pPr>
-            <a:r>
-              <a:rPr lang="en-US" sz="1800" dirty="0">
-                <a:effectLst/>
-                <a:latin typeface="Times New Roman" panose="02020603050405020304" pitchFamily="18" charset="0"/>
-                <a:ea typeface="Calibri" panose="020F0502020204030204" pitchFamily="34" charset="0"/>
-                <a:cs typeface="Times New Roman" panose="02020603050405020304" pitchFamily="18" charset="0"/>
-              </a:rPr>
-              <a:t> </a:t>
-            </a:r>
-          </a:p>
-          <a:p>
-            <a:pPr marR="0" lvl="0">
-              <a:lnSpc>
-                <a:spcPct val="107000"/>
-              </a:lnSpc>
-              <a:spcBef>
-                <a:spcPts val="0"/>
-              </a:spcBef>
-              <a:spcAft>
-                <a:spcPts val="0"/>
-              </a:spcAft>
-              <a:buFont typeface="Wingdings" panose="05000000000000000000" pitchFamily="2" charset="2"/>
-              <a:buChar char="Ø"/>
-            </a:pPr>
-            <a:r>
-              <a:rPr lang="en-US" sz="1800" b="1" dirty="0">
-                <a:effectLst/>
-                <a:latin typeface="Times New Roman" panose="02020603050405020304" pitchFamily="18" charset="0"/>
-                <a:ea typeface="Calibri" panose="020F0502020204030204" pitchFamily="34" charset="0"/>
-                <a:cs typeface="Times New Roman" panose="02020603050405020304" pitchFamily="18" charset="0"/>
-              </a:rPr>
-              <a:t>Admin Module</a:t>
-            </a:r>
-            <a:endParaRPr lang="en-US" sz="1800" dirty="0">
-              <a:effectLst/>
-              <a:latin typeface="Times New Roman" panose="02020603050405020304" pitchFamily="18" charset="0"/>
-              <a:ea typeface="Calibri" panose="020F0502020204030204" pitchFamily="34" charset="0"/>
-              <a:cs typeface="Times New Roman" panose="02020603050405020304" pitchFamily="18" charset="0"/>
-            </a:endParaRPr>
-          </a:p>
-          <a:p>
-            <a:pPr marR="0" lvl="1">
-              <a:lnSpc>
-                <a:spcPct val="107000"/>
-              </a:lnSpc>
-              <a:spcBef>
-                <a:spcPts val="0"/>
-              </a:spcBef>
-              <a:spcAft>
-                <a:spcPts val="0"/>
-              </a:spcAft>
-              <a:buFont typeface="Wingdings" panose="05000000000000000000" pitchFamily="2" charset="2"/>
-              <a:buChar char="Ø"/>
-            </a:pPr>
-            <a:r>
-              <a:rPr lang="en-US" sz="1800" dirty="0">
-                <a:effectLst/>
-                <a:latin typeface="Times New Roman" panose="02020603050405020304" pitchFamily="18" charset="0"/>
-                <a:ea typeface="Calibri" panose="020F0502020204030204" pitchFamily="34" charset="0"/>
-                <a:cs typeface="Times New Roman" panose="02020603050405020304" pitchFamily="18" charset="0"/>
-              </a:rPr>
-              <a:t>Admin is the primary user of this system. </a:t>
+              <a:t>The system will show the relevant section of the screen to the specific type of user on basis of the role permissions matrix.</a:t>
             </a:r>
           </a:p>
           <a:p>
@@ -14517,11 +16589,6 @@
         </p:txBody>
       </p:sp>
     </p:spTree>
-    <p:extLst>
-      <p:ext uri="{BB962C8B-B14F-4D97-AF65-F5344CB8AC3E}">
-        <p14:creationId xmlns:p14="http://schemas.microsoft.com/office/powerpoint/2010/main" val="2966472225"/>
-      </p:ext>
-    </p:extLst>
   </p:cSld>
   <p:clrMapOvr>
     <a:masterClrMapping/>
@@ -14549,7 +16616,7 @@
       </p:grpSpPr>
       <p:sp>
         <p:nvSpPr>
-          <p:cNvPr id="134" name="Rectangle 7"/>
+          <p:cNvPr id="142" name="Rectangle 7"/>
           <p:cNvSpPr/>
           <p:nvPr/>
         </p:nvSpPr>
@@ -14585,7 +16652,7 @@
       </p:sp>
       <p:sp>
         <p:nvSpPr>
-          <p:cNvPr id="135" name="Rectangle 9"/>
+          <p:cNvPr id="143" name="Rectangle 9"/>
           <p:cNvSpPr/>
           <p:nvPr/>
         </p:nvSpPr>
@@ -14629,7 +16696,7 @@
       </p:sp>
       <p:sp>
         <p:nvSpPr>
-          <p:cNvPr id="136" name="Rectangle 11"/>
+          <p:cNvPr id="144" name="Rectangle 11"/>
           <p:cNvSpPr/>
           <p:nvPr/>
         </p:nvSpPr>
@@ -14677,7 +16744,7 @@
       </p:sp>
       <p:sp>
         <p:nvSpPr>
-          <p:cNvPr id="137" name="Rectangle 13"/>
+          <p:cNvPr id="145" name="Rectangle 13"/>
           <p:cNvSpPr/>
           <p:nvPr/>
         </p:nvSpPr>
@@ -14725,7 +16792,7 @@
       </p:sp>
       <p:sp>
         <p:nvSpPr>
-          <p:cNvPr id="138" name="Rectangle 15"/>
+          <p:cNvPr id="146" name="Rectangle 15"/>
           <p:cNvSpPr/>
           <p:nvPr/>
         </p:nvSpPr>
@@ -14767,13 +16834,13 @@
                 </a:solidFill>
               </a:defRPr>
             </a:pPr>
-            <a:endParaRPr/>
-          </a:p>
-        </p:txBody>
-      </p:sp>
-      <p:sp>
-        <p:nvSpPr>
-          <p:cNvPr id="139" name="Title 1"/>
+            <a:endParaRPr dirty="0"/>
+          </a:p>
+        </p:txBody>
+      </p:sp>
+      <p:sp>
+        <p:nvSpPr>
+          <p:cNvPr id="147" name="Title 1"/>
           <p:cNvSpPr txBox="1">
             <a:spLocks noGrp="1"/>
           </p:cNvSpPr>
@@ -14803,112 +16870,343 @@
           </a:lstStyle>
           <a:p>
             <a:r>
-              <a:t>Implementation Details</a:t>
-            </a:r>
-          </a:p>
-        </p:txBody>
-      </p:sp>
-      <p:sp>
-        <p:nvSpPr>
-          <p:cNvPr id="140" name="Content Placeholder 2"/>
+              <a:rPr lang="en-US" dirty="0"/>
+              <a:t>Core Requirements</a:t>
+            </a:r>
+            <a:endParaRPr dirty="0"/>
+          </a:p>
+        </p:txBody>
+      </p:sp>
+      <p:sp>
+        <p:nvSpPr>
+          <p:cNvPr id="148" name="Content Placeholder 6"/>
           <p:cNvSpPr txBox="1">
             <a:spLocks noGrp="1"/>
           </p:cNvSpPr>
           <p:nvPr>
-            <p:ph type="body" sz="half" idx="1"/>
+            <p:ph type="body" idx="1"/>
           </p:nvPr>
         </p:nvSpPr>
         <p:spPr>
           <a:xfrm>
-            <a:off x="2067135" y="1976907"/>
-            <a:ext cx="8292439" cy="1965920"/>
-          </a:xfrm>
-          <a:prstGeom prst="rect">
-            <a:avLst/>
-          </a:prstGeom>
-        </p:spPr>
-        <p:txBody>
-          <a:bodyPr anchor="ctr">
-            <a:normAutofit/>
+            <a:off x="838200" y="1454330"/>
+            <a:ext cx="10515600" cy="4202974"/>
+          </a:xfrm>
+          <a:prstGeom prst="rect">
+            <a:avLst/>
+          </a:prstGeom>
+        </p:spPr>
+        <p:txBody>
+          <a:bodyPr>
+            <a:noAutofit/>
           </a:bodyPr>
           <a:lstStyle/>
           <a:p>
-            <a:pPr>
-              <a:buFontTx/>
-              <a:buChar char="➢"/>
-              <a:defRPr sz="1700">
+            <a:pPr marR="0" lvl="0">
+              <a:lnSpc>
+                <a:spcPct val="107000"/>
+              </a:lnSpc>
+              <a:spcBef>
+                <a:spcPts val="0"/>
+              </a:spcBef>
+              <a:spcAft>
+                <a:spcPts val="0"/>
+              </a:spcAft>
+              <a:buFont typeface="Wingdings" panose="05000000000000000000" pitchFamily="2" charset="2"/>
+              <a:buChar char="Ø"/>
+            </a:pPr>
+            <a:r>
+              <a:rPr lang="en-US" sz="1800" b="1" dirty="0">
+                <a:effectLst/>
+                <a:latin typeface="Times New Roman" panose="02020603050405020304" pitchFamily="18" charset="0"/>
+                <a:ea typeface="Calibri" panose="020F0502020204030204" pitchFamily="34" charset="0"/>
+                <a:cs typeface="Times New Roman" panose="02020603050405020304" pitchFamily="18" charset="0"/>
+              </a:rPr>
+              <a:t>Patient Module</a:t>
+            </a:r>
+            <a:endParaRPr lang="en-US" sz="1800" dirty="0">
+              <a:effectLst/>
+              <a:latin typeface="Times New Roman" panose="02020603050405020304" pitchFamily="18" charset="0"/>
+              <a:ea typeface="Calibri" panose="020F0502020204030204" pitchFamily="34" charset="0"/>
+              <a:cs typeface="Times New Roman" panose="02020603050405020304" pitchFamily="18" charset="0"/>
+            </a:endParaRPr>
+          </a:p>
+          <a:p>
+            <a:pPr marR="0" lvl="1">
+              <a:lnSpc>
+                <a:spcPct val="107000"/>
+              </a:lnSpc>
+              <a:spcBef>
+                <a:spcPts val="0"/>
+              </a:spcBef>
+              <a:spcAft>
+                <a:spcPts val="0"/>
+              </a:spcAft>
+              <a:buFont typeface="Wingdings" panose="05000000000000000000" pitchFamily="2" charset="2"/>
+              <a:buChar char="Ø"/>
+            </a:pPr>
+            <a:r>
+              <a:rPr lang="en-US" sz="1800" dirty="0">
+                <a:effectLst/>
+                <a:latin typeface="Times New Roman" panose="02020603050405020304" pitchFamily="18" charset="0"/>
+                <a:ea typeface="Calibri" panose="020F0502020204030204" pitchFamily="34" charset="0"/>
+                <a:cs typeface="Times New Roman" panose="02020603050405020304" pitchFamily="18" charset="0"/>
+              </a:rPr>
+              <a:t>Registered patients can schedule new appointments with a specific doctor on basis of the doctor’s availability.</a:t>
+            </a:r>
+          </a:p>
+          <a:p>
+            <a:pPr marL="457200" marR="0" lvl="1" indent="0">
+              <a:lnSpc>
+                <a:spcPct val="107000"/>
+              </a:lnSpc>
+              <a:spcBef>
+                <a:spcPts val="0"/>
+              </a:spcBef>
+              <a:spcAft>
+                <a:spcPts val="0"/>
+              </a:spcAft>
+              <a:buNone/>
+            </a:pPr>
+            <a:endParaRPr lang="en-US" sz="1800" dirty="0">
+              <a:effectLst/>
+              <a:latin typeface="Times New Roman" panose="02020603050405020304" pitchFamily="18" charset="0"/>
+              <a:ea typeface="Calibri" panose="020F0502020204030204" pitchFamily="34" charset="0"/>
+              <a:cs typeface="Times New Roman" panose="02020603050405020304" pitchFamily="18" charset="0"/>
+            </a:endParaRPr>
+          </a:p>
+          <a:p>
+            <a:pPr marR="0" lvl="0">
+              <a:lnSpc>
+                <a:spcPct val="107000"/>
+              </a:lnSpc>
+              <a:spcBef>
+                <a:spcPts val="0"/>
+              </a:spcBef>
+              <a:spcAft>
+                <a:spcPts val="0"/>
+              </a:spcAft>
+              <a:buFont typeface="Wingdings" panose="05000000000000000000" pitchFamily="2" charset="2"/>
+              <a:buChar char="Ø"/>
+            </a:pPr>
+            <a:r>
+              <a:rPr lang="en-US" sz="1800" b="1" dirty="0">
+                <a:effectLst/>
+                <a:latin typeface="Times New Roman" panose="02020603050405020304" pitchFamily="18" charset="0"/>
+                <a:ea typeface="Calibri" panose="020F0502020204030204" pitchFamily="34" charset="0"/>
+                <a:cs typeface="Times New Roman" panose="02020603050405020304" pitchFamily="18" charset="0"/>
+              </a:rPr>
+              <a:t>Staff Module</a:t>
+            </a:r>
+            <a:endParaRPr lang="en-US" sz="1800" dirty="0">
+              <a:effectLst/>
+              <a:latin typeface="Times New Roman" panose="02020603050405020304" pitchFamily="18" charset="0"/>
+              <a:ea typeface="Calibri" panose="020F0502020204030204" pitchFamily="34" charset="0"/>
+              <a:cs typeface="Times New Roman" panose="02020603050405020304" pitchFamily="18" charset="0"/>
+            </a:endParaRPr>
+          </a:p>
+          <a:p>
+            <a:pPr marR="0" lvl="1">
+              <a:lnSpc>
+                <a:spcPct val="107000"/>
+              </a:lnSpc>
+              <a:spcBef>
+                <a:spcPts val="0"/>
+              </a:spcBef>
+              <a:spcAft>
+                <a:spcPts val="0"/>
+              </a:spcAft>
+              <a:buFont typeface="Wingdings" panose="05000000000000000000" pitchFamily="2" charset="2"/>
+              <a:buChar char="Ø"/>
+            </a:pPr>
+            <a:r>
+              <a:rPr lang="en-US" sz="1800" dirty="0">
+                <a:effectLst/>
+                <a:latin typeface="Times New Roman" panose="02020603050405020304" pitchFamily="18" charset="0"/>
+                <a:ea typeface="Calibri" panose="020F0502020204030204" pitchFamily="34" charset="0"/>
+                <a:cs typeface="Times New Roman" panose="02020603050405020304" pitchFamily="18" charset="0"/>
+              </a:rPr>
+              <a:t>Staff members of the hospital can modify the details of patients, who visited for consultation or treatment.</a:t>
+            </a:r>
+          </a:p>
+          <a:p>
+            <a:pPr marL="457200" marR="0" lvl="1" indent="0">
+              <a:lnSpc>
+                <a:spcPct val="107000"/>
+              </a:lnSpc>
+              <a:spcBef>
+                <a:spcPts val="0"/>
+              </a:spcBef>
+              <a:spcAft>
+                <a:spcPts val="0"/>
+              </a:spcAft>
+              <a:buNone/>
+            </a:pPr>
+            <a:endParaRPr lang="en-US" sz="1800" dirty="0">
+              <a:effectLst/>
+              <a:latin typeface="Times New Roman" panose="02020603050405020304" pitchFamily="18" charset="0"/>
+              <a:ea typeface="Calibri" panose="020F0502020204030204" pitchFamily="34" charset="0"/>
+              <a:cs typeface="Times New Roman" panose="02020603050405020304" pitchFamily="18" charset="0"/>
+            </a:endParaRPr>
+          </a:p>
+          <a:p>
+            <a:pPr marR="0" lvl="0">
+              <a:lnSpc>
+                <a:spcPct val="107000"/>
+              </a:lnSpc>
+              <a:spcBef>
+                <a:spcPts val="0"/>
+              </a:spcBef>
+              <a:spcAft>
+                <a:spcPts val="0"/>
+              </a:spcAft>
+              <a:buFont typeface="Wingdings" panose="05000000000000000000" pitchFamily="2" charset="2"/>
+              <a:buChar char="Ø"/>
+            </a:pPr>
+            <a:r>
+              <a:rPr lang="en-US" sz="1800" b="1" dirty="0">
+                <a:effectLst/>
+                <a:latin typeface="Times New Roman" panose="02020603050405020304" pitchFamily="18" charset="0"/>
+                <a:ea typeface="Calibri" panose="020F0502020204030204" pitchFamily="34" charset="0"/>
+                <a:cs typeface="Times New Roman" panose="02020603050405020304" pitchFamily="18" charset="0"/>
+              </a:rPr>
+              <a:t>Doctor Module</a:t>
+            </a:r>
+            <a:endParaRPr lang="en-US" sz="1800" dirty="0">
+              <a:effectLst/>
+              <a:latin typeface="Times New Roman" panose="02020603050405020304" pitchFamily="18" charset="0"/>
+              <a:ea typeface="Calibri" panose="020F0502020204030204" pitchFamily="34" charset="0"/>
+              <a:cs typeface="Times New Roman" panose="02020603050405020304" pitchFamily="18" charset="0"/>
+            </a:endParaRPr>
+          </a:p>
+          <a:p>
+            <a:pPr marR="0" lvl="1">
+              <a:lnSpc>
+                <a:spcPct val="107000"/>
+              </a:lnSpc>
+              <a:spcBef>
+                <a:spcPts val="0"/>
+              </a:spcBef>
+              <a:spcAft>
+                <a:spcPts val="0"/>
+              </a:spcAft>
+              <a:buFont typeface="Wingdings" panose="05000000000000000000" pitchFamily="2" charset="2"/>
+              <a:buChar char="Ø"/>
+            </a:pPr>
+            <a:r>
+              <a:rPr lang="en-US" sz="1800" dirty="0">
+                <a:effectLst/>
+                <a:latin typeface="Times New Roman" panose="02020603050405020304" pitchFamily="18" charset="0"/>
+                <a:ea typeface="Calibri" panose="020F0502020204030204" pitchFamily="34" charset="0"/>
+                <a:cs typeface="Times New Roman" panose="02020603050405020304" pitchFamily="18" charset="0"/>
+              </a:rPr>
+              <a:t>Registered doctors can add the details of prescribed medicines against specific patient appointments.</a:t>
+            </a:r>
+          </a:p>
+          <a:p>
+            <a:pPr marL="457200" marR="0" lvl="1" indent="0">
+              <a:lnSpc>
+                <a:spcPct val="107000"/>
+              </a:lnSpc>
+              <a:spcBef>
+                <a:spcPts val="0"/>
+              </a:spcBef>
+              <a:spcAft>
+                <a:spcPts val="0"/>
+              </a:spcAft>
+              <a:buNone/>
+            </a:pPr>
+            <a:r>
+              <a:rPr lang="en-US" sz="1800" dirty="0">
+                <a:effectLst/>
+                <a:latin typeface="Times New Roman" panose="02020603050405020304" pitchFamily="18" charset="0"/>
+                <a:ea typeface="Calibri" panose="020F0502020204030204" pitchFamily="34" charset="0"/>
+                <a:cs typeface="Times New Roman" panose="02020603050405020304" pitchFamily="18" charset="0"/>
+              </a:rPr>
+              <a:t> </a:t>
+            </a:r>
+          </a:p>
+          <a:p>
+            <a:pPr marR="0" lvl="0">
+              <a:lnSpc>
+                <a:spcPct val="107000"/>
+              </a:lnSpc>
+              <a:spcBef>
+                <a:spcPts val="0"/>
+              </a:spcBef>
+              <a:spcAft>
+                <a:spcPts val="0"/>
+              </a:spcAft>
+              <a:buFont typeface="Wingdings" panose="05000000000000000000" pitchFamily="2" charset="2"/>
+              <a:buChar char="Ø"/>
+            </a:pPr>
+            <a:r>
+              <a:rPr lang="en-US" sz="1800" b="1" dirty="0">
+                <a:effectLst/>
+                <a:latin typeface="Times New Roman" panose="02020603050405020304" pitchFamily="18" charset="0"/>
+                <a:ea typeface="Calibri" panose="020F0502020204030204" pitchFamily="34" charset="0"/>
+                <a:cs typeface="Times New Roman" panose="02020603050405020304" pitchFamily="18" charset="0"/>
+              </a:rPr>
+              <a:t>Admin Module</a:t>
+            </a:r>
+            <a:endParaRPr lang="en-US" sz="1800" dirty="0">
+              <a:effectLst/>
+              <a:latin typeface="Times New Roman" panose="02020603050405020304" pitchFamily="18" charset="0"/>
+              <a:ea typeface="Calibri" panose="020F0502020204030204" pitchFamily="34" charset="0"/>
+              <a:cs typeface="Times New Roman" panose="02020603050405020304" pitchFamily="18" charset="0"/>
+            </a:endParaRPr>
+          </a:p>
+          <a:p>
+            <a:pPr marR="0" lvl="1">
+              <a:lnSpc>
+                <a:spcPct val="107000"/>
+              </a:lnSpc>
+              <a:spcBef>
+                <a:spcPts val="0"/>
+              </a:spcBef>
+              <a:spcAft>
+                <a:spcPts val="0"/>
+              </a:spcAft>
+              <a:buFont typeface="Wingdings" panose="05000000000000000000" pitchFamily="2" charset="2"/>
+              <a:buChar char="Ø"/>
+            </a:pPr>
+            <a:r>
+              <a:rPr lang="en-US" sz="1800" dirty="0">
+                <a:effectLst/>
+                <a:latin typeface="Times New Roman" panose="02020603050405020304" pitchFamily="18" charset="0"/>
+                <a:ea typeface="Calibri" panose="020F0502020204030204" pitchFamily="34" charset="0"/>
+                <a:cs typeface="Times New Roman" panose="02020603050405020304" pitchFamily="18" charset="0"/>
+              </a:rPr>
+              <a:t>Admin is the primary user of this system. </a:t>
+            </a:r>
+          </a:p>
+          <a:p>
+            <a:pPr marL="0" lvl="1" indent="457200">
+              <a:lnSpc>
+                <a:spcPct val="107000"/>
+              </a:lnSpc>
+              <a:spcBef>
+                <a:spcPts val="0"/>
+              </a:spcBef>
+              <a:buSzTx/>
+              <a:buNone/>
+              <a:defRPr b="1">
                 <a:latin typeface="Times New Roman"/>
                 <a:ea typeface="Times New Roman"/>
                 <a:cs typeface="Times New Roman"/>
                 <a:sym typeface="Times New Roman"/>
               </a:defRPr>
             </a:pPr>
-            <a:r>
-              <a:rPr sz="2000" dirty="0"/>
-              <a:t>Front End : HTML, CSS, TypeScript, Angular</a:t>
-            </a:r>
-          </a:p>
-          <a:p>
-            <a:pPr>
-              <a:buFontTx/>
-              <a:buChar char="➢"/>
-              <a:defRPr sz="1700">
-                <a:latin typeface="Times New Roman"/>
-                <a:ea typeface="Times New Roman"/>
-                <a:cs typeface="Times New Roman"/>
-                <a:sym typeface="Times New Roman"/>
-              </a:defRPr>
-            </a:pPr>
-            <a:r>
-              <a:rPr sz="2000" dirty="0"/>
-              <a:t>Database : MySQL</a:t>
-            </a:r>
-          </a:p>
-          <a:p>
-            <a:pPr>
-              <a:buFontTx/>
-              <a:buChar char="➢"/>
-              <a:defRPr sz="1700">
-                <a:latin typeface="Times New Roman"/>
-                <a:ea typeface="Times New Roman"/>
-                <a:cs typeface="Times New Roman"/>
-                <a:sym typeface="Times New Roman"/>
-              </a:defRPr>
-            </a:pPr>
-            <a:r>
-              <a:rPr sz="2000" dirty="0"/>
-              <a:t>Webserver : </a:t>
-            </a:r>
-            <a:r>
-              <a:rPr sz="2000" dirty="0" err="1"/>
-              <a:t>WebAPI</a:t>
-            </a:r>
-            <a:endParaRPr sz="2000" dirty="0"/>
-          </a:p>
-          <a:p>
-            <a:pPr>
-              <a:buFontTx/>
-              <a:buChar char="➢"/>
-              <a:defRPr sz="1700">
-                <a:latin typeface="Times New Roman"/>
-                <a:ea typeface="Times New Roman"/>
-                <a:cs typeface="Times New Roman"/>
-                <a:sym typeface="Times New Roman"/>
-              </a:defRPr>
-            </a:pPr>
-            <a:r>
-              <a:rPr sz="2000" dirty="0"/>
-              <a:t>Deployment: II</a:t>
-            </a:r>
-            <a:r>
-              <a:rPr lang="en-US" sz="2000" dirty="0"/>
-              <a:t>S and Microsoft Azure</a:t>
-            </a:r>
-            <a:endParaRPr sz="2000" dirty="0"/>
+            <a:endParaRPr sz="1800" dirty="0"/>
           </a:p>
         </p:txBody>
       </p:sp>
     </p:spTree>
+    <p:extLst>
+      <p:ext uri="{BB962C8B-B14F-4D97-AF65-F5344CB8AC3E}">
+        <p14:creationId xmlns:p14="http://schemas.microsoft.com/office/powerpoint/2010/main" val="2966472225"/>
+      </p:ext>
+    </p:extLst>
   </p:cSld>
   <p:clrMapOvr>
     <a:masterClrMapping/>

--- a/HMS/Untignitots-del-5.pptx
+++ b/HMS/Untignitots-del-5.pptx
@@ -5,7 +5,7 @@
     <p:sldMasterId id="2147483648" r:id="rId1"/>
   </p:sldMasterIdLst>
   <p:notesMasterIdLst>
-    <p:notesMasterId r:id="rId27"/>
+    <p:notesMasterId r:id="rId28"/>
   </p:notesMasterIdLst>
   <p:sldIdLst>
     <p:sldId id="256" r:id="rId2"/>
@@ -32,7 +32,8 @@
     <p:sldId id="272" r:id="rId23"/>
     <p:sldId id="276" r:id="rId24"/>
     <p:sldId id="273" r:id="rId25"/>
-    <p:sldId id="268" r:id="rId26"/>
+    <p:sldId id="284" r:id="rId26"/>
+    <p:sldId id="268" r:id="rId27"/>
   </p:sldIdLst>
   <p:sldSz cx="12192000" cy="5842000"/>
   <p:notesSz cx="6858000" cy="9144000"/>
@@ -3039,10 +3040,12 @@
               <a:t>            </a:t>
             </a:r>
             <a:r>
-              <a:rPr sz="2400" dirty="0">
+              <a:rPr sz="2400" b="1" dirty="0">
                 <a:solidFill>
                   <a:schemeClr val="accent2"/>
                 </a:solidFill>
+                <a:latin typeface="Times New Roman" panose="02020603050405020304" pitchFamily="18" charset="0"/>
+                <a:cs typeface="Times New Roman" panose="02020603050405020304" pitchFamily="18" charset="0"/>
               </a:rPr>
               <a:t>UNTIGNITORS</a:t>
             </a:r>
@@ -10165,6 +10168,532 @@
       </p:grpSpPr>
       <p:sp>
         <p:nvSpPr>
+          <p:cNvPr id="185" name="Rectangle 9"/>
+          <p:cNvSpPr/>
+          <p:nvPr/>
+        </p:nvSpPr>
+        <p:spPr>
+          <a:xfrm flipH="1">
+            <a:off x="897467" y="-2"/>
+            <a:ext cx="10397066" cy="1356552"/>
+          </a:xfrm>
+          <a:prstGeom prst="rect">
+            <a:avLst/>
+          </a:prstGeom>
+          <a:gradFill>
+            <a:gsLst>
+              <a:gs pos="0">
+                <a:srgbClr val="000000"/>
+              </a:gs>
+              <a:gs pos="100000">
+                <a:srgbClr val="2F5597"/>
+              </a:gs>
+            </a:gsLst>
+            <a:lin ang="8400000"/>
+          </a:gradFill>
+          <a:ln w="12700">
+            <a:miter lim="400000"/>
+          </a:ln>
+        </p:spPr>
+        <p:txBody>
+          <a:bodyPr lIns="45719" rIns="45719" anchor="ctr"/>
+          <a:lstStyle/>
+          <a:p>
+            <a:pPr>
+              <a:defRPr sz="1500">
+                <a:solidFill>
+                  <a:srgbClr val="FFFFFF"/>
+                </a:solidFill>
+              </a:defRPr>
+            </a:pPr>
+            <a:endParaRPr/>
+          </a:p>
+        </p:txBody>
+      </p:sp>
+      <p:sp>
+        <p:nvSpPr>
+          <p:cNvPr id="186" name="Rectangle 11"/>
+          <p:cNvSpPr/>
+          <p:nvPr/>
+        </p:nvSpPr>
+        <p:spPr>
+          <a:xfrm rot="10800000" flipH="1">
+            <a:off x="897464" y="0"/>
+            <a:ext cx="6920553" cy="1356551"/>
+          </a:xfrm>
+          <a:prstGeom prst="rect">
+            <a:avLst/>
+          </a:prstGeom>
+          <a:gradFill>
+            <a:gsLst>
+              <a:gs pos="20000">
+                <a:schemeClr val="accent1">
+                  <a:alpha val="0"/>
+                </a:schemeClr>
+              </a:gs>
+              <a:gs pos="100000">
+                <a:srgbClr val="203864">
+                  <a:alpha val="55000"/>
+                </a:srgbClr>
+              </a:gs>
+            </a:gsLst>
+            <a:lin ang="13800000"/>
+          </a:gradFill>
+          <a:ln w="12700">
+            <a:miter lim="400000"/>
+          </a:ln>
+        </p:spPr>
+        <p:txBody>
+          <a:bodyPr lIns="45719" rIns="45719" anchor="ctr"/>
+          <a:lstStyle/>
+          <a:p>
+            <a:pPr>
+              <a:defRPr sz="1500">
+                <a:solidFill>
+                  <a:srgbClr val="FFFFFF"/>
+                </a:solidFill>
+              </a:defRPr>
+            </a:pPr>
+            <a:endParaRPr/>
+          </a:p>
+        </p:txBody>
+      </p:sp>
+      <p:sp>
+        <p:nvSpPr>
+          <p:cNvPr id="187" name="Rectangle 13"/>
+          <p:cNvSpPr/>
+          <p:nvPr/>
+        </p:nvSpPr>
+        <p:spPr>
+          <a:xfrm flipH="1">
+            <a:off x="7818015" y="-2"/>
+            <a:ext cx="3476517" cy="1356552"/>
+          </a:xfrm>
+          <a:prstGeom prst="rect">
+            <a:avLst/>
+          </a:prstGeom>
+          <a:gradFill>
+            <a:gsLst>
+              <a:gs pos="0">
+                <a:schemeClr val="accent1">
+                  <a:alpha val="66000"/>
+                </a:schemeClr>
+              </a:gs>
+              <a:gs pos="100000">
+                <a:srgbClr val="000000">
+                  <a:alpha val="30000"/>
+                </a:srgbClr>
+              </a:gs>
+            </a:gsLst>
+            <a:lin ang="13200000"/>
+          </a:gradFill>
+          <a:ln w="12700">
+            <a:miter lim="400000"/>
+          </a:ln>
+        </p:spPr>
+        <p:txBody>
+          <a:bodyPr lIns="45719" rIns="45719" anchor="ctr"/>
+          <a:lstStyle/>
+          <a:p>
+            <a:pPr>
+              <a:defRPr sz="1500">
+                <a:solidFill>
+                  <a:srgbClr val="FFFFFF"/>
+                </a:solidFill>
+              </a:defRPr>
+            </a:pPr>
+            <a:endParaRPr/>
+          </a:p>
+        </p:txBody>
+      </p:sp>
+      <p:sp>
+        <p:nvSpPr>
+          <p:cNvPr id="188" name="Rectangle 15"/>
+          <p:cNvSpPr/>
+          <p:nvPr/>
+        </p:nvSpPr>
+        <p:spPr>
+          <a:xfrm>
+            <a:off x="1289190" y="-1"/>
+            <a:ext cx="10005340" cy="1362257"/>
+          </a:xfrm>
+          <a:prstGeom prst="rect">
+            <a:avLst/>
+          </a:prstGeom>
+          <a:gradFill>
+            <a:gsLst>
+              <a:gs pos="50000">
+                <a:srgbClr val="000000">
+                  <a:alpha val="0"/>
+                </a:srgbClr>
+              </a:gs>
+              <a:gs pos="99000">
+                <a:srgbClr val="203864">
+                  <a:alpha val="52000"/>
+                </a:srgbClr>
+              </a:gs>
+            </a:gsLst>
+            <a:lin ang="16800000"/>
+          </a:gradFill>
+          <a:ln w="12700">
+            <a:miter lim="400000"/>
+          </a:ln>
+        </p:spPr>
+        <p:txBody>
+          <a:bodyPr lIns="45719" rIns="45719" anchor="ctr"/>
+          <a:lstStyle/>
+          <a:p>
+            <a:pPr>
+              <a:defRPr sz="1500">
+                <a:solidFill>
+                  <a:srgbClr val="FFFFFF"/>
+                </a:solidFill>
+              </a:defRPr>
+            </a:pPr>
+            <a:endParaRPr dirty="0"/>
+          </a:p>
+        </p:txBody>
+      </p:sp>
+      <p:sp>
+        <p:nvSpPr>
+          <p:cNvPr id="189" name="Title 1"/>
+          <p:cNvSpPr txBox="1">
+            <a:spLocks noGrp="1"/>
+          </p:cNvSpPr>
+          <p:nvPr>
+            <p:ph type="title"/>
+          </p:nvPr>
+        </p:nvSpPr>
+        <p:spPr>
+          <a:xfrm>
+            <a:off x="2067136" y="251175"/>
+            <a:ext cx="8439047" cy="881491"/>
+          </a:xfrm>
+          <a:prstGeom prst="rect">
+            <a:avLst/>
+          </a:prstGeom>
+        </p:spPr>
+        <p:txBody>
+          <a:bodyPr/>
+          <a:lstStyle>
+            <a:lvl1pPr algn="ctr">
+              <a:defRPr sz="3400">
+                <a:solidFill>
+                  <a:srgbClr val="FFFFFF"/>
+                </a:solidFill>
+              </a:defRPr>
+            </a:lvl1pPr>
+          </a:lstStyle>
+          <a:p>
+            <a:r>
+              <a:rPr lang="en-US" dirty="0"/>
+              <a:t>Summary of Deliverables </a:t>
+            </a:r>
+            <a:endParaRPr dirty="0"/>
+          </a:p>
+        </p:txBody>
+      </p:sp>
+      <p:sp>
+        <p:nvSpPr>
+          <p:cNvPr id="10" name="TextBox 9">
+            <a:extLst>
+              <a:ext uri="{FF2B5EF4-FFF2-40B4-BE49-F238E27FC236}">
+                <a16:creationId xmlns:a16="http://schemas.microsoft.com/office/drawing/2014/main" id="{8DCEBCC1-FF1A-45E8-987B-8C0119DD9249}"/>
+              </a:ext>
+            </a:extLst>
+          </p:cNvPr>
+          <p:cNvSpPr txBox="1"/>
+          <p:nvPr/>
+        </p:nvSpPr>
+        <p:spPr>
+          <a:xfrm>
+            <a:off x="1487488" y="2128912"/>
+            <a:ext cx="8352928" cy="2831544"/>
+          </a:xfrm>
+          <a:prstGeom prst="rect">
+            <a:avLst/>
+          </a:prstGeom>
+          <a:noFill/>
+          <a:ln w="12700" cap="flat">
+            <a:noFill/>
+            <a:miter lim="400000"/>
+          </a:ln>
+          <a:effectLst/>
+          <a:sp3d/>
+        </p:spPr>
+        <p:style>
+          <a:lnRef idx="0">
+            <a:scrgbClr r="0" g="0" b="0"/>
+          </a:lnRef>
+          <a:fillRef idx="0">
+            <a:scrgbClr r="0" g="0" b="0"/>
+          </a:fillRef>
+          <a:effectRef idx="0">
+            <a:scrgbClr r="0" g="0" b="0"/>
+          </a:effectRef>
+          <a:fontRef idx="none"/>
+        </p:style>
+        <p:txBody>
+          <a:bodyPr wrap="square">
+            <a:spAutoFit/>
+          </a:bodyPr>
+          <a:lstStyle/>
+          <a:p>
+            <a:pPr marL="0" marR="0" lvl="0" indent="0" defTabSz="914400" rtl="0" eaLnBrk="1" fontAlgn="auto" latinLnBrk="0" hangingPunct="1">
+              <a:lnSpc>
+                <a:spcPct val="100000"/>
+              </a:lnSpc>
+              <a:spcBef>
+                <a:spcPts val="0"/>
+              </a:spcBef>
+              <a:spcAft>
+                <a:spcPts val="0"/>
+              </a:spcAft>
+              <a:buClrTx/>
+              <a:buSzTx/>
+              <a:buFontTx/>
+              <a:buNone/>
+              <a:tabLst/>
+              <a:defRPr/>
+            </a:pPr>
+            <a:r>
+              <a:rPr lang="en-US" sz="2000" dirty="0">
+                <a:latin typeface="Times New Roman" panose="02020603050405020304" pitchFamily="18" charset="0"/>
+                <a:cs typeface="Times New Roman" panose="02020603050405020304" pitchFamily="18" charset="0"/>
+              </a:rPr>
+              <a:t>Phase 1: Log in, Homepage, Service, and about page</a:t>
+            </a:r>
+          </a:p>
+          <a:p>
+            <a:pPr marL="0" marR="0" lvl="0" indent="0" defTabSz="914400" rtl="0" eaLnBrk="1" fontAlgn="auto" latinLnBrk="0" hangingPunct="1">
+              <a:lnSpc>
+                <a:spcPct val="100000"/>
+              </a:lnSpc>
+              <a:spcBef>
+                <a:spcPts val="0"/>
+              </a:spcBef>
+              <a:spcAft>
+                <a:spcPts val="0"/>
+              </a:spcAft>
+              <a:buClrTx/>
+              <a:buSzTx/>
+              <a:buFontTx/>
+              <a:buNone/>
+              <a:tabLst/>
+              <a:defRPr/>
+            </a:pPr>
+            <a:endParaRPr lang="en-US" sz="2000" dirty="0">
+              <a:latin typeface="Times New Roman" panose="02020603050405020304" pitchFamily="18" charset="0"/>
+              <a:cs typeface="Times New Roman" panose="02020603050405020304" pitchFamily="18" charset="0"/>
+            </a:endParaRPr>
+          </a:p>
+          <a:p>
+            <a:pPr marL="0" marR="0" lvl="0" indent="0" defTabSz="914400" rtl="0" eaLnBrk="1" fontAlgn="auto" latinLnBrk="0" hangingPunct="1">
+              <a:lnSpc>
+                <a:spcPct val="100000"/>
+              </a:lnSpc>
+              <a:spcBef>
+                <a:spcPts val="0"/>
+              </a:spcBef>
+              <a:spcAft>
+                <a:spcPts val="0"/>
+              </a:spcAft>
+              <a:buClrTx/>
+              <a:buSzTx/>
+              <a:buFontTx/>
+              <a:buNone/>
+              <a:tabLst/>
+              <a:defRPr/>
+            </a:pPr>
+            <a:r>
+              <a:rPr lang="en-US" sz="2000" dirty="0">
+                <a:latin typeface="Times New Roman" panose="02020603050405020304" pitchFamily="18" charset="0"/>
+                <a:cs typeface="Times New Roman" panose="02020603050405020304" pitchFamily="18" charset="0"/>
+              </a:rPr>
+              <a:t>Phase 2: Admin Dashboard, Doctor dashboard</a:t>
+            </a:r>
+          </a:p>
+          <a:p>
+            <a:pPr marL="0" marR="0" lvl="0" indent="0" defTabSz="914400" rtl="0" eaLnBrk="1" fontAlgn="auto" latinLnBrk="0" hangingPunct="1">
+              <a:lnSpc>
+                <a:spcPct val="100000"/>
+              </a:lnSpc>
+              <a:spcBef>
+                <a:spcPts val="0"/>
+              </a:spcBef>
+              <a:spcAft>
+                <a:spcPts val="0"/>
+              </a:spcAft>
+              <a:buClrTx/>
+              <a:buSzTx/>
+              <a:buFontTx/>
+              <a:buNone/>
+              <a:tabLst/>
+              <a:defRPr/>
+            </a:pPr>
+            <a:endParaRPr lang="en-US" sz="2000" dirty="0">
+              <a:latin typeface="Times New Roman" panose="02020603050405020304" pitchFamily="18" charset="0"/>
+              <a:cs typeface="Times New Roman" panose="02020603050405020304" pitchFamily="18" charset="0"/>
+            </a:endParaRPr>
+          </a:p>
+          <a:p>
+            <a:pPr marL="0" marR="0" lvl="0" indent="0" defTabSz="914400" rtl="0" eaLnBrk="1" fontAlgn="auto" latinLnBrk="0" hangingPunct="1">
+              <a:lnSpc>
+                <a:spcPct val="100000"/>
+              </a:lnSpc>
+              <a:spcBef>
+                <a:spcPts val="0"/>
+              </a:spcBef>
+              <a:spcAft>
+                <a:spcPts val="0"/>
+              </a:spcAft>
+              <a:buClrTx/>
+              <a:buSzTx/>
+              <a:buFontTx/>
+              <a:buNone/>
+              <a:tabLst/>
+              <a:defRPr/>
+            </a:pPr>
+            <a:r>
+              <a:rPr lang="en-US" sz="2000" dirty="0">
+                <a:latin typeface="Times New Roman" panose="02020603050405020304" pitchFamily="18" charset="0"/>
+                <a:cs typeface="Times New Roman" panose="02020603050405020304" pitchFamily="18" charset="0"/>
+              </a:rPr>
+              <a:t>Phase 3: Patient Dashboard, Hospital Staff dashboard</a:t>
+            </a:r>
+          </a:p>
+          <a:p>
+            <a:pPr marL="0" marR="0" lvl="0" indent="0" defTabSz="914400" rtl="0" eaLnBrk="1" fontAlgn="auto" latinLnBrk="0" hangingPunct="1">
+              <a:lnSpc>
+                <a:spcPct val="100000"/>
+              </a:lnSpc>
+              <a:spcBef>
+                <a:spcPts val="0"/>
+              </a:spcBef>
+              <a:spcAft>
+                <a:spcPts val="0"/>
+              </a:spcAft>
+              <a:buClrTx/>
+              <a:buSzTx/>
+              <a:buFontTx/>
+              <a:buNone/>
+              <a:tabLst/>
+              <a:defRPr/>
+            </a:pPr>
+            <a:endParaRPr lang="en-US" sz="2000" dirty="0">
+              <a:latin typeface="Times New Roman" panose="02020603050405020304" pitchFamily="18" charset="0"/>
+              <a:cs typeface="Times New Roman" panose="02020603050405020304" pitchFamily="18" charset="0"/>
+            </a:endParaRPr>
+          </a:p>
+          <a:p>
+            <a:pPr marL="0" marR="0" lvl="0" indent="0" defTabSz="914400" rtl="0" eaLnBrk="1" fontAlgn="auto" latinLnBrk="0" hangingPunct="1">
+              <a:lnSpc>
+                <a:spcPct val="100000"/>
+              </a:lnSpc>
+              <a:spcBef>
+                <a:spcPts val="0"/>
+              </a:spcBef>
+              <a:spcAft>
+                <a:spcPts val="0"/>
+              </a:spcAft>
+              <a:buClrTx/>
+              <a:buSzTx/>
+              <a:buFontTx/>
+              <a:buNone/>
+              <a:tabLst/>
+              <a:defRPr/>
+            </a:pPr>
+            <a:endParaRPr lang="en-US" sz="2000" dirty="0">
+              <a:latin typeface="Times New Roman" panose="02020603050405020304" pitchFamily="18" charset="0"/>
+              <a:cs typeface="Times New Roman" panose="02020603050405020304" pitchFamily="18" charset="0"/>
+            </a:endParaRPr>
+          </a:p>
+          <a:p>
+            <a:pPr marL="0" marR="0" lvl="0" indent="0" defTabSz="914400" rtl="0" eaLnBrk="1" fontAlgn="auto" latinLnBrk="0" hangingPunct="1">
+              <a:lnSpc>
+                <a:spcPct val="100000"/>
+              </a:lnSpc>
+              <a:spcBef>
+                <a:spcPts val="0"/>
+              </a:spcBef>
+              <a:spcAft>
+                <a:spcPts val="0"/>
+              </a:spcAft>
+              <a:buClrTx/>
+              <a:buSzTx/>
+              <a:buFontTx/>
+              <a:buNone/>
+              <a:tabLst/>
+              <a:defRPr/>
+            </a:pPr>
+            <a:r>
+              <a:rPr lang="en-US" sz="2000" b="1" dirty="0">
+                <a:latin typeface="Times New Roman" panose="02020603050405020304" pitchFamily="18" charset="0"/>
+                <a:cs typeface="Times New Roman" panose="02020603050405020304" pitchFamily="18" charset="0"/>
+              </a:rPr>
+              <a:t>Link:  https://hms-unt2022.azurewebsites.net/</a:t>
+            </a:r>
+            <a:endParaRPr lang="en-US" b="1" dirty="0"/>
+          </a:p>
+          <a:p>
+            <a:pPr marL="0" marR="0" lvl="0" indent="0" defTabSz="914400" rtl="0" eaLnBrk="1" fontAlgn="auto" latinLnBrk="0" hangingPunct="1">
+              <a:lnSpc>
+                <a:spcPct val="100000"/>
+              </a:lnSpc>
+              <a:spcBef>
+                <a:spcPts val="0"/>
+              </a:spcBef>
+              <a:spcAft>
+                <a:spcPts val="0"/>
+              </a:spcAft>
+              <a:buClrTx/>
+              <a:buSzTx/>
+              <a:buFontTx/>
+              <a:buNone/>
+              <a:tabLst/>
+              <a:defRPr/>
+            </a:pPr>
+            <a:r>
+              <a:rPr lang="en-US" dirty="0"/>
+              <a:t>	</a:t>
+            </a:r>
+            <a:endParaRPr lang="en-US" sz="1800" dirty="0"/>
+          </a:p>
+        </p:txBody>
+      </p:sp>
+    </p:spTree>
+    <p:extLst>
+      <p:ext uri="{BB962C8B-B14F-4D97-AF65-F5344CB8AC3E}">
+        <p14:creationId xmlns:p14="http://schemas.microsoft.com/office/powerpoint/2010/main" val="1488327278"/>
+      </p:ext>
+    </p:extLst>
+  </p:cSld>
+  <p:clrMapOvr>
+    <a:masterClrMapping/>
+  </p:clrMapOvr>
+  <p:transition spd="med"/>
+</p:sld>
+</file>
+
+<file path=ppt/slides/slide26.xml><?xml version="1.0" encoding="utf-8"?>
+<p:sld xmlns:a="http://schemas.openxmlformats.org/drawingml/2006/main" xmlns:r="http://schemas.openxmlformats.org/officeDocument/2006/relationships" xmlns:p="http://schemas.openxmlformats.org/presentationml/2006/main">
+  <p:cSld>
+    <p:spTree>
+      <p:nvGrpSpPr>
+        <p:cNvPr id="1" name=""/>
+        <p:cNvGrpSpPr/>
+        <p:nvPr/>
+      </p:nvGrpSpPr>
+      <p:grpSpPr>
+        <a:xfrm>
+          <a:off x="0" y="0"/>
+          <a:ext cx="0" cy="0"/>
+          <a:chOff x="0" y="0"/>
+          <a:chExt cx="0" cy="0"/>
+        </a:xfrm>
+      </p:grpSpPr>
+      <p:sp>
+        <p:nvSpPr>
           <p:cNvPr id="193" name="Rectangle 7"/>
           <p:cNvSpPr/>
           <p:nvPr/>
@@ -11451,7 +11980,7 @@
                 <a:ea typeface="Carlito"/>
                 <a:cs typeface="Times New Roman" panose="02020603050405020304" pitchFamily="18" charset="0"/>
               </a:rPr>
-              <a:t>Other user like doctor has the access to view the list of patients, manage appointments, provide second opinion on surgeries/operations.</a:t>
+              <a:t> Another user like the doctor has the access to view the list of patients, manage appointments, and provide a second opinion on surgeries/operations.</a:t>
             </a:r>
           </a:p>
           <a:p>
@@ -11536,8 +12065,27 @@
                 <a:latin typeface="Times New Roman" panose="02020603050405020304" pitchFamily="18" charset="0"/>
                 <a:cs typeface="Times New Roman" panose="02020603050405020304" pitchFamily="18" charset="0"/>
               </a:rPr>
-              <a:t>The doctor is the most important component of the hospital management system. When a user logs in as a doctor and enters doctor credentials. In HMS, the doctor can see the various types of tiles and responsibilities that he can perform.</a:t>
-            </a:r>
+              <a:t>They provide the treatment to the patients and suggest medicines to their disease   </a:t>
+            </a:r>
+          </a:p>
+          <a:p>
+            <a:pPr marL="57150" indent="-285750">
+              <a:spcBef>
+                <a:spcPts val="0"/>
+              </a:spcBef>
+              <a:buFontTx/>
+              <a:buChar char="➢"/>
+              <a:defRPr sz="2000">
+                <a:latin typeface="Times New Roman"/>
+                <a:ea typeface="Times New Roman"/>
+                <a:cs typeface="Times New Roman"/>
+                <a:sym typeface="Times New Roman"/>
+              </a:defRPr>
+            </a:pPr>
+            <a:endParaRPr lang="en-US" sz="2000" dirty="0">
+              <a:latin typeface="Times New Roman" panose="02020603050405020304" pitchFamily="18" charset="0"/>
+              <a:cs typeface="Times New Roman" panose="02020603050405020304" pitchFamily="18" charset="0"/>
+            </a:endParaRPr>
           </a:p>
           <a:p>
             <a:pPr marL="0" indent="0">
@@ -15587,7 +16135,7 @@
                   <a:srgbClr val="FFFFFF"/>
                 </a:solidFill>
               </a:rPr>
-              <a:t>        Members  Contribution</a:t>
+              <a:t>              Code  Contribution</a:t>
             </a:r>
           </a:p>
         </p:txBody>
